--- a/EDA技术/ppt/chapter2.pptx
+++ b/EDA技术/ppt/chapter2.pptx
@@ -9,6 +9,8 @@
     <p:sldId id="257" r:id="rId3"/>
     <p:sldId id="258" r:id="rId4"/>
     <p:sldId id="259" r:id="rId5"/>
+    <p:sldId id="260" r:id="rId6"/>
+    <p:sldId id="261" r:id="rId7"/>
   </p:sldIdLst>
   <p:sldSz cx="12192000" cy="6858000"/>
   <p:notesSz cx="6858000" cy="9144000"/>
@@ -11214,687 +11216,6 @@
       </p:sp>
       <p:cxnSp>
         <p:nvCxnSpPr>
-          <p:cNvPr id="22" name="直接连接符 21">
-            <a:extLst>
-              <a:ext uri="{FF2B5EF4-FFF2-40B4-BE49-F238E27FC236}">
-                <a16:creationId xmlns:a16="http://schemas.microsoft.com/office/drawing/2014/main" id="{D41972A6-7BBB-44D4-8C33-0313ACD714DF}"/>
-              </a:ext>
-            </a:extLst>
-          </p:cNvPr>
-          <p:cNvCxnSpPr/>
-          <p:nvPr/>
-        </p:nvCxnSpPr>
-        <p:spPr>
-          <a:xfrm>
-            <a:off x="6251866" y="644237"/>
-            <a:ext cx="0" cy="4104409"/>
-          </a:xfrm>
-          <a:prstGeom prst="line">
-            <a:avLst/>
-          </a:prstGeom>
-          <a:ln w="38100">
-            <a:headEnd type="none" w="med" len="med"/>
-            <a:tailEnd type="none" w="med" len="med"/>
-          </a:ln>
-        </p:spPr>
-        <p:style>
-          <a:lnRef idx="1">
-            <a:schemeClr val="dk1"/>
-          </a:lnRef>
-          <a:fillRef idx="0">
-            <a:schemeClr val="dk1"/>
-          </a:fillRef>
-          <a:effectRef idx="0">
-            <a:schemeClr val="dk1"/>
-          </a:effectRef>
-          <a:fontRef idx="minor">
-            <a:schemeClr val="tx1"/>
-          </a:fontRef>
-        </p:style>
-      </p:cxnSp>
-      <p:cxnSp>
-        <p:nvCxnSpPr>
-          <p:cNvPr id="23" name="直接连接符 22">
-            <a:extLst>
-              <a:ext uri="{FF2B5EF4-FFF2-40B4-BE49-F238E27FC236}">
-                <a16:creationId xmlns:a16="http://schemas.microsoft.com/office/drawing/2014/main" id="{79D2F451-AC51-4D6D-91A7-6F15773156AE}"/>
-              </a:ext>
-            </a:extLst>
-          </p:cNvPr>
-          <p:cNvCxnSpPr/>
-          <p:nvPr/>
-        </p:nvCxnSpPr>
-        <p:spPr>
-          <a:xfrm>
-            <a:off x="7872848" y="644237"/>
-            <a:ext cx="0" cy="4104409"/>
-          </a:xfrm>
-          <a:prstGeom prst="line">
-            <a:avLst/>
-          </a:prstGeom>
-          <a:ln w="38100">
-            <a:headEnd type="none" w="med" len="med"/>
-            <a:tailEnd type="none" w="med" len="med"/>
-          </a:ln>
-        </p:spPr>
-        <p:style>
-          <a:lnRef idx="1">
-            <a:schemeClr val="dk1"/>
-          </a:lnRef>
-          <a:fillRef idx="0">
-            <a:schemeClr val="dk1"/>
-          </a:fillRef>
-          <a:effectRef idx="0">
-            <a:schemeClr val="dk1"/>
-          </a:effectRef>
-          <a:fontRef idx="minor">
-            <a:schemeClr val="tx1"/>
-          </a:fontRef>
-        </p:style>
-      </p:cxnSp>
-      <p:cxnSp>
-        <p:nvCxnSpPr>
-          <p:cNvPr id="24" name="直接连接符 23">
-            <a:extLst>
-              <a:ext uri="{FF2B5EF4-FFF2-40B4-BE49-F238E27FC236}">
-                <a16:creationId xmlns:a16="http://schemas.microsoft.com/office/drawing/2014/main" id="{7F00A229-E48F-4CD1-AD34-6459B9BB98CE}"/>
-              </a:ext>
-            </a:extLst>
-          </p:cNvPr>
-          <p:cNvCxnSpPr/>
-          <p:nvPr/>
-        </p:nvCxnSpPr>
-        <p:spPr>
-          <a:xfrm flipH="1">
-            <a:off x="6251866" y="4748646"/>
-            <a:ext cx="1610591" cy="0"/>
-          </a:xfrm>
-          <a:prstGeom prst="line">
-            <a:avLst/>
-          </a:prstGeom>
-          <a:ln w="38100">
-            <a:headEnd type="none" w="med" len="med"/>
-            <a:tailEnd type="none" w="med" len="med"/>
-          </a:ln>
-        </p:spPr>
-        <p:style>
-          <a:lnRef idx="3">
-            <a:schemeClr val="dk1"/>
-          </a:lnRef>
-          <a:fillRef idx="0">
-            <a:schemeClr val="dk1"/>
-          </a:fillRef>
-          <a:effectRef idx="2">
-            <a:schemeClr val="dk1"/>
-          </a:effectRef>
-          <a:fontRef idx="minor">
-            <a:schemeClr val="tx1"/>
-          </a:fontRef>
-        </p:style>
-      </p:cxnSp>
-      <p:sp>
-        <p:nvSpPr>
-          <p:cNvPr id="25" name="文本框 24">
-            <a:extLst>
-              <a:ext uri="{FF2B5EF4-FFF2-40B4-BE49-F238E27FC236}">
-                <a16:creationId xmlns:a16="http://schemas.microsoft.com/office/drawing/2014/main" id="{704B82F4-B4F4-4AB0-B986-38A10FE97B33}"/>
-              </a:ext>
-            </a:extLst>
-          </p:cNvPr>
-          <p:cNvSpPr txBox="1"/>
-          <p:nvPr/>
-        </p:nvSpPr>
-        <p:spPr>
-          <a:xfrm>
-            <a:off x="6657112" y="4925291"/>
-            <a:ext cx="1091045" cy="369332"/>
-          </a:xfrm>
-          <a:prstGeom prst="rect">
-            <a:avLst/>
-          </a:prstGeom>
-          <a:noFill/>
-        </p:spPr>
-        <p:txBody>
-          <a:bodyPr wrap="square" rtlCol="0">
-            <a:spAutoFit/>
-          </a:bodyPr>
-          <a:lstStyle/>
-          <a:p>
-            <a:r>
-              <a:rPr lang="zh-CN" altLang="en-US" dirty="0"/>
-              <a:t>调用栈</a:t>
-            </a:r>
-          </a:p>
-        </p:txBody>
-      </p:sp>
-      <p:sp>
-        <p:nvSpPr>
-          <p:cNvPr id="26" name="矩形: 圆角 25">
-            <a:extLst>
-              <a:ext uri="{FF2B5EF4-FFF2-40B4-BE49-F238E27FC236}">
-                <a16:creationId xmlns:a16="http://schemas.microsoft.com/office/drawing/2014/main" id="{E57C62CA-EDBF-4DDF-92EF-6A44835155E6}"/>
-              </a:ext>
-            </a:extLst>
-          </p:cNvPr>
-          <p:cNvSpPr/>
-          <p:nvPr/>
-        </p:nvSpPr>
-        <p:spPr>
-          <a:xfrm>
-            <a:off x="6334993" y="4187537"/>
-            <a:ext cx="1413159" cy="457189"/>
-          </a:xfrm>
-          <a:prstGeom prst="roundRect">
-            <a:avLst/>
-          </a:prstGeom>
-        </p:spPr>
-        <p:style>
-          <a:lnRef idx="2">
-            <a:schemeClr val="dk1"/>
-          </a:lnRef>
-          <a:fillRef idx="1">
-            <a:schemeClr val="lt1"/>
-          </a:fillRef>
-          <a:effectRef idx="0">
-            <a:schemeClr val="dk1"/>
-          </a:effectRef>
-          <a:fontRef idx="minor">
-            <a:schemeClr val="dk1"/>
-          </a:fontRef>
-        </p:style>
-        <p:txBody>
-          <a:bodyPr rot="0" spcFirstLastPara="0" vertOverflow="overflow" horzOverflow="overflow" vert="horz" wrap="square" lIns="91440" tIns="45720" rIns="91440" bIns="45720" numCol="1" spcCol="0" rtlCol="0" fromWordArt="0" anchor="ctr" anchorCtr="0" forceAA="0" compatLnSpc="1">
-            <a:prstTxWarp prst="textNoShape">
-              <a:avLst/>
-            </a:prstTxWarp>
-            <a:noAutofit/>
-          </a:bodyPr>
-          <a:lstStyle/>
-          <a:p>
-            <a:pPr algn="ctr"/>
-            <a:r>
-              <a:rPr lang="en-US" altLang="zh-CN" dirty="0"/>
-              <a:t>main</a:t>
-            </a:r>
-            <a:endParaRPr lang="zh-CN" altLang="en-US" dirty="0"/>
-          </a:p>
-        </p:txBody>
-      </p:sp>
-      <p:sp>
-        <p:nvSpPr>
-          <p:cNvPr id="27" name="矩形: 圆角 26">
-            <a:extLst>
-              <a:ext uri="{FF2B5EF4-FFF2-40B4-BE49-F238E27FC236}">
-                <a16:creationId xmlns:a16="http://schemas.microsoft.com/office/drawing/2014/main" id="{68A9E26B-15D0-45BD-8ADD-ED7ACAB1DC78}"/>
-              </a:ext>
-            </a:extLst>
-          </p:cNvPr>
-          <p:cNvSpPr/>
-          <p:nvPr/>
-        </p:nvSpPr>
-        <p:spPr>
-          <a:xfrm>
-            <a:off x="6350582" y="3616038"/>
-            <a:ext cx="1413159" cy="457189"/>
-          </a:xfrm>
-          <a:prstGeom prst="roundRect">
-            <a:avLst/>
-          </a:prstGeom>
-        </p:spPr>
-        <p:style>
-          <a:lnRef idx="2">
-            <a:schemeClr val="dk1"/>
-          </a:lnRef>
-          <a:fillRef idx="1">
-            <a:schemeClr val="lt1"/>
-          </a:fillRef>
-          <a:effectRef idx="0">
-            <a:schemeClr val="dk1"/>
-          </a:effectRef>
-          <a:fontRef idx="minor">
-            <a:schemeClr val="dk1"/>
-          </a:fontRef>
-        </p:style>
-        <p:txBody>
-          <a:bodyPr rot="0" spcFirstLastPara="0" vertOverflow="overflow" horzOverflow="overflow" vert="horz" wrap="square" lIns="91440" tIns="45720" rIns="91440" bIns="45720" numCol="1" spcCol="0" rtlCol="0" fromWordArt="0" anchor="ctr" anchorCtr="0" forceAA="0" compatLnSpc="1">
-            <a:prstTxWarp prst="textNoShape">
-              <a:avLst/>
-            </a:prstTxWarp>
-            <a:noAutofit/>
-          </a:bodyPr>
-          <a:lstStyle/>
-          <a:p>
-            <a:pPr algn="ctr"/>
-            <a:r>
-              <a:rPr lang="en-US" altLang="zh-CN" dirty="0"/>
-              <a:t>fun1</a:t>
-            </a:r>
-            <a:endParaRPr lang="zh-CN" altLang="en-US" dirty="0"/>
-          </a:p>
-        </p:txBody>
-      </p:sp>
-      <p:sp>
-        <p:nvSpPr>
-          <p:cNvPr id="28" name="矩形: 圆角 27">
-            <a:extLst>
-              <a:ext uri="{FF2B5EF4-FFF2-40B4-BE49-F238E27FC236}">
-                <a16:creationId xmlns:a16="http://schemas.microsoft.com/office/drawing/2014/main" id="{12BA3152-35C0-4729-9209-557504536A29}"/>
-              </a:ext>
-            </a:extLst>
-          </p:cNvPr>
-          <p:cNvSpPr/>
-          <p:nvPr/>
-        </p:nvSpPr>
-        <p:spPr>
-          <a:xfrm>
-            <a:off x="6350582" y="3054929"/>
-            <a:ext cx="1413159" cy="457189"/>
-          </a:xfrm>
-          <a:prstGeom prst="roundRect">
-            <a:avLst/>
-          </a:prstGeom>
-        </p:spPr>
-        <p:style>
-          <a:lnRef idx="2">
-            <a:schemeClr val="dk1"/>
-          </a:lnRef>
-          <a:fillRef idx="1">
-            <a:schemeClr val="lt1"/>
-          </a:fillRef>
-          <a:effectRef idx="0">
-            <a:schemeClr val="dk1"/>
-          </a:effectRef>
-          <a:fontRef idx="minor">
-            <a:schemeClr val="dk1"/>
-          </a:fontRef>
-        </p:style>
-        <p:txBody>
-          <a:bodyPr rot="0" spcFirstLastPara="0" vertOverflow="overflow" horzOverflow="overflow" vert="horz" wrap="square" lIns="91440" tIns="45720" rIns="91440" bIns="45720" numCol="1" spcCol="0" rtlCol="0" fromWordArt="0" anchor="ctr" anchorCtr="0" forceAA="0" compatLnSpc="1">
-            <a:prstTxWarp prst="textNoShape">
-              <a:avLst/>
-            </a:prstTxWarp>
-            <a:noAutofit/>
-          </a:bodyPr>
-          <a:lstStyle/>
-          <a:p>
-            <a:pPr algn="ctr"/>
-            <a:r>
-              <a:rPr lang="en-US" altLang="zh-CN" dirty="0"/>
-              <a:t>fun2</a:t>
-            </a:r>
-            <a:endParaRPr lang="zh-CN" altLang="en-US" dirty="0"/>
-          </a:p>
-        </p:txBody>
-      </p:sp>
-      <p:sp>
-        <p:nvSpPr>
-          <p:cNvPr id="29" name="矩形: 圆角 28">
-            <a:extLst>
-              <a:ext uri="{FF2B5EF4-FFF2-40B4-BE49-F238E27FC236}">
-                <a16:creationId xmlns:a16="http://schemas.microsoft.com/office/drawing/2014/main" id="{6078901B-EE28-410E-BC48-97A3B06C4FAD}"/>
-              </a:ext>
-            </a:extLst>
-          </p:cNvPr>
-          <p:cNvSpPr/>
-          <p:nvPr/>
-        </p:nvSpPr>
-        <p:spPr>
-          <a:xfrm>
-            <a:off x="6334992" y="2493820"/>
-            <a:ext cx="1413159" cy="457189"/>
-          </a:xfrm>
-          <a:prstGeom prst="roundRect">
-            <a:avLst/>
-          </a:prstGeom>
-        </p:spPr>
-        <p:style>
-          <a:lnRef idx="2">
-            <a:schemeClr val="dk1"/>
-          </a:lnRef>
-          <a:fillRef idx="1">
-            <a:schemeClr val="lt1"/>
-          </a:fillRef>
-          <a:effectRef idx="0">
-            <a:schemeClr val="dk1"/>
-          </a:effectRef>
-          <a:fontRef idx="minor">
-            <a:schemeClr val="dk1"/>
-          </a:fontRef>
-        </p:style>
-        <p:txBody>
-          <a:bodyPr rot="0" spcFirstLastPara="0" vertOverflow="overflow" horzOverflow="overflow" vert="horz" wrap="square" lIns="91440" tIns="45720" rIns="91440" bIns="45720" numCol="1" spcCol="0" rtlCol="0" fromWordArt="0" anchor="ctr" anchorCtr="0" forceAA="0" compatLnSpc="1">
-            <a:prstTxWarp prst="textNoShape">
-              <a:avLst/>
-            </a:prstTxWarp>
-            <a:noAutofit/>
-          </a:bodyPr>
-          <a:lstStyle/>
-          <a:p>
-            <a:pPr algn="ctr"/>
-            <a:r>
-              <a:rPr lang="en-US" altLang="zh-CN" dirty="0"/>
-              <a:t>fun3</a:t>
-            </a:r>
-            <a:endParaRPr lang="zh-CN" altLang="en-US" dirty="0"/>
-          </a:p>
-        </p:txBody>
-      </p:sp>
-      <p:cxnSp>
-        <p:nvCxnSpPr>
-          <p:cNvPr id="30" name="直接连接符 29">
-            <a:extLst>
-              <a:ext uri="{FF2B5EF4-FFF2-40B4-BE49-F238E27FC236}">
-                <a16:creationId xmlns:a16="http://schemas.microsoft.com/office/drawing/2014/main" id="{A5F23BD7-C689-434E-A750-E10208607E57}"/>
-              </a:ext>
-            </a:extLst>
-          </p:cNvPr>
-          <p:cNvCxnSpPr/>
-          <p:nvPr/>
-        </p:nvCxnSpPr>
-        <p:spPr>
-          <a:xfrm>
-            <a:off x="8144744" y="644237"/>
-            <a:ext cx="0" cy="4104409"/>
-          </a:xfrm>
-          <a:prstGeom prst="line">
-            <a:avLst/>
-          </a:prstGeom>
-          <a:ln w="38100">
-            <a:headEnd type="none" w="med" len="med"/>
-            <a:tailEnd type="none" w="med" len="med"/>
-          </a:ln>
-        </p:spPr>
-        <p:style>
-          <a:lnRef idx="1">
-            <a:schemeClr val="dk1"/>
-          </a:lnRef>
-          <a:fillRef idx="0">
-            <a:schemeClr val="dk1"/>
-          </a:fillRef>
-          <a:effectRef idx="0">
-            <a:schemeClr val="dk1"/>
-          </a:effectRef>
-          <a:fontRef idx="minor">
-            <a:schemeClr val="tx1"/>
-          </a:fontRef>
-        </p:style>
-      </p:cxnSp>
-      <p:cxnSp>
-        <p:nvCxnSpPr>
-          <p:cNvPr id="31" name="直接连接符 30">
-            <a:extLst>
-              <a:ext uri="{FF2B5EF4-FFF2-40B4-BE49-F238E27FC236}">
-                <a16:creationId xmlns:a16="http://schemas.microsoft.com/office/drawing/2014/main" id="{E2DDF86D-E486-40AF-9202-77E44E5377A6}"/>
-              </a:ext>
-            </a:extLst>
-          </p:cNvPr>
-          <p:cNvCxnSpPr/>
-          <p:nvPr/>
-        </p:nvCxnSpPr>
-        <p:spPr>
-          <a:xfrm>
-            <a:off x="9765726" y="644237"/>
-            <a:ext cx="0" cy="4104409"/>
-          </a:xfrm>
-          <a:prstGeom prst="line">
-            <a:avLst/>
-          </a:prstGeom>
-          <a:ln w="38100">
-            <a:headEnd type="none" w="med" len="med"/>
-            <a:tailEnd type="none" w="med" len="med"/>
-          </a:ln>
-        </p:spPr>
-        <p:style>
-          <a:lnRef idx="1">
-            <a:schemeClr val="dk1"/>
-          </a:lnRef>
-          <a:fillRef idx="0">
-            <a:schemeClr val="dk1"/>
-          </a:fillRef>
-          <a:effectRef idx="0">
-            <a:schemeClr val="dk1"/>
-          </a:effectRef>
-          <a:fontRef idx="minor">
-            <a:schemeClr val="tx1"/>
-          </a:fontRef>
-        </p:style>
-      </p:cxnSp>
-      <p:cxnSp>
-        <p:nvCxnSpPr>
-          <p:cNvPr id="32" name="直接连接符 31">
-            <a:extLst>
-              <a:ext uri="{FF2B5EF4-FFF2-40B4-BE49-F238E27FC236}">
-                <a16:creationId xmlns:a16="http://schemas.microsoft.com/office/drawing/2014/main" id="{6CDEB5FE-66F0-490C-BD3B-1BF7BF9C4A63}"/>
-              </a:ext>
-            </a:extLst>
-          </p:cNvPr>
-          <p:cNvCxnSpPr/>
-          <p:nvPr/>
-        </p:nvCxnSpPr>
-        <p:spPr>
-          <a:xfrm flipH="1">
-            <a:off x="8144744" y="4748646"/>
-            <a:ext cx="1610591" cy="0"/>
-          </a:xfrm>
-          <a:prstGeom prst="line">
-            <a:avLst/>
-          </a:prstGeom>
-          <a:ln w="38100">
-            <a:headEnd type="none" w="med" len="med"/>
-            <a:tailEnd type="none" w="med" len="med"/>
-          </a:ln>
-        </p:spPr>
-        <p:style>
-          <a:lnRef idx="3">
-            <a:schemeClr val="dk1"/>
-          </a:lnRef>
-          <a:fillRef idx="0">
-            <a:schemeClr val="dk1"/>
-          </a:fillRef>
-          <a:effectRef idx="2">
-            <a:schemeClr val="dk1"/>
-          </a:effectRef>
-          <a:fontRef idx="minor">
-            <a:schemeClr val="tx1"/>
-          </a:fontRef>
-        </p:style>
-      </p:cxnSp>
-      <p:sp>
-        <p:nvSpPr>
-          <p:cNvPr id="33" name="文本框 32">
-            <a:extLst>
-              <a:ext uri="{FF2B5EF4-FFF2-40B4-BE49-F238E27FC236}">
-                <a16:creationId xmlns:a16="http://schemas.microsoft.com/office/drawing/2014/main" id="{49576038-7511-40A8-A644-F153DD5744E7}"/>
-              </a:ext>
-            </a:extLst>
-          </p:cNvPr>
-          <p:cNvSpPr txBox="1"/>
-          <p:nvPr/>
-        </p:nvSpPr>
-        <p:spPr>
-          <a:xfrm>
-            <a:off x="8549990" y="4925291"/>
-            <a:ext cx="1091045" cy="369332"/>
-          </a:xfrm>
-          <a:prstGeom prst="rect">
-            <a:avLst/>
-          </a:prstGeom>
-          <a:noFill/>
-        </p:spPr>
-        <p:txBody>
-          <a:bodyPr wrap="square" rtlCol="0">
-            <a:spAutoFit/>
-          </a:bodyPr>
-          <a:lstStyle/>
-          <a:p>
-            <a:r>
-              <a:rPr lang="zh-CN" altLang="en-US" dirty="0"/>
-              <a:t>调用栈</a:t>
-            </a:r>
-          </a:p>
-        </p:txBody>
-      </p:sp>
-      <p:sp>
-        <p:nvSpPr>
-          <p:cNvPr id="34" name="矩形: 圆角 33">
-            <a:extLst>
-              <a:ext uri="{FF2B5EF4-FFF2-40B4-BE49-F238E27FC236}">
-                <a16:creationId xmlns:a16="http://schemas.microsoft.com/office/drawing/2014/main" id="{4A125795-162A-4734-B0C1-FF24F5A2DE8C}"/>
-              </a:ext>
-            </a:extLst>
-          </p:cNvPr>
-          <p:cNvSpPr/>
-          <p:nvPr/>
-        </p:nvSpPr>
-        <p:spPr>
-          <a:xfrm>
-            <a:off x="8227871" y="4187537"/>
-            <a:ext cx="1413159" cy="457189"/>
-          </a:xfrm>
-          <a:prstGeom prst="roundRect">
-            <a:avLst/>
-          </a:prstGeom>
-        </p:spPr>
-        <p:style>
-          <a:lnRef idx="2">
-            <a:schemeClr val="dk1"/>
-          </a:lnRef>
-          <a:fillRef idx="1">
-            <a:schemeClr val="lt1"/>
-          </a:fillRef>
-          <a:effectRef idx="0">
-            <a:schemeClr val="dk1"/>
-          </a:effectRef>
-          <a:fontRef idx="minor">
-            <a:schemeClr val="dk1"/>
-          </a:fontRef>
-        </p:style>
-        <p:txBody>
-          <a:bodyPr rot="0" spcFirstLastPara="0" vertOverflow="overflow" horzOverflow="overflow" vert="horz" wrap="square" lIns="91440" tIns="45720" rIns="91440" bIns="45720" numCol="1" spcCol="0" rtlCol="0" fromWordArt="0" anchor="ctr" anchorCtr="0" forceAA="0" compatLnSpc="1">
-            <a:prstTxWarp prst="textNoShape">
-              <a:avLst/>
-            </a:prstTxWarp>
-            <a:noAutofit/>
-          </a:bodyPr>
-          <a:lstStyle/>
-          <a:p>
-            <a:pPr algn="ctr"/>
-            <a:r>
-              <a:rPr lang="en-US" altLang="zh-CN" dirty="0"/>
-              <a:t>main</a:t>
-            </a:r>
-            <a:endParaRPr lang="zh-CN" altLang="en-US" dirty="0"/>
-          </a:p>
-        </p:txBody>
-      </p:sp>
-      <p:sp>
-        <p:nvSpPr>
-          <p:cNvPr id="35" name="矩形: 圆角 34">
-            <a:extLst>
-              <a:ext uri="{FF2B5EF4-FFF2-40B4-BE49-F238E27FC236}">
-                <a16:creationId xmlns:a16="http://schemas.microsoft.com/office/drawing/2014/main" id="{54F7F0E5-9847-4E88-BC59-98CF740ABCA3}"/>
-              </a:ext>
-            </a:extLst>
-          </p:cNvPr>
-          <p:cNvSpPr/>
-          <p:nvPr/>
-        </p:nvSpPr>
-        <p:spPr>
-          <a:xfrm>
-            <a:off x="8243460" y="3616038"/>
-            <a:ext cx="1413159" cy="457189"/>
-          </a:xfrm>
-          <a:prstGeom prst="roundRect">
-            <a:avLst/>
-          </a:prstGeom>
-        </p:spPr>
-        <p:style>
-          <a:lnRef idx="2">
-            <a:schemeClr val="dk1"/>
-          </a:lnRef>
-          <a:fillRef idx="1">
-            <a:schemeClr val="lt1"/>
-          </a:fillRef>
-          <a:effectRef idx="0">
-            <a:schemeClr val="dk1"/>
-          </a:effectRef>
-          <a:fontRef idx="minor">
-            <a:schemeClr val="dk1"/>
-          </a:fontRef>
-        </p:style>
-        <p:txBody>
-          <a:bodyPr rot="0" spcFirstLastPara="0" vertOverflow="overflow" horzOverflow="overflow" vert="horz" wrap="square" lIns="91440" tIns="45720" rIns="91440" bIns="45720" numCol="1" spcCol="0" rtlCol="0" fromWordArt="0" anchor="ctr" anchorCtr="0" forceAA="0" compatLnSpc="1">
-            <a:prstTxWarp prst="textNoShape">
-              <a:avLst/>
-            </a:prstTxWarp>
-            <a:noAutofit/>
-          </a:bodyPr>
-          <a:lstStyle/>
-          <a:p>
-            <a:pPr algn="ctr"/>
-            <a:r>
-              <a:rPr lang="en-US" altLang="zh-CN" dirty="0"/>
-              <a:t>fun1</a:t>
-            </a:r>
-            <a:endParaRPr lang="zh-CN" altLang="en-US" dirty="0"/>
-          </a:p>
-        </p:txBody>
-      </p:sp>
-      <p:sp>
-        <p:nvSpPr>
-          <p:cNvPr id="36" name="矩形: 圆角 35">
-            <a:extLst>
-              <a:ext uri="{FF2B5EF4-FFF2-40B4-BE49-F238E27FC236}">
-                <a16:creationId xmlns:a16="http://schemas.microsoft.com/office/drawing/2014/main" id="{D50B0FD6-777B-4674-AD44-14F39C394DF5}"/>
-              </a:ext>
-            </a:extLst>
-          </p:cNvPr>
-          <p:cNvSpPr/>
-          <p:nvPr/>
-        </p:nvSpPr>
-        <p:spPr>
-          <a:xfrm>
-            <a:off x="8243460" y="3054929"/>
-            <a:ext cx="1413159" cy="457189"/>
-          </a:xfrm>
-          <a:prstGeom prst="roundRect">
-            <a:avLst/>
-          </a:prstGeom>
-        </p:spPr>
-        <p:style>
-          <a:lnRef idx="2">
-            <a:schemeClr val="dk1"/>
-          </a:lnRef>
-          <a:fillRef idx="1">
-            <a:schemeClr val="lt1"/>
-          </a:fillRef>
-          <a:effectRef idx="0">
-            <a:schemeClr val="dk1"/>
-          </a:effectRef>
-          <a:fontRef idx="minor">
-            <a:schemeClr val="dk1"/>
-          </a:fontRef>
-        </p:style>
-        <p:txBody>
-          <a:bodyPr rot="0" spcFirstLastPara="0" vertOverflow="overflow" horzOverflow="overflow" vert="horz" wrap="square" lIns="91440" tIns="45720" rIns="91440" bIns="45720" numCol="1" spcCol="0" rtlCol="0" fromWordArt="0" anchor="ctr" anchorCtr="0" forceAA="0" compatLnSpc="1">
-            <a:prstTxWarp prst="textNoShape">
-              <a:avLst/>
-            </a:prstTxWarp>
-            <a:noAutofit/>
-          </a:bodyPr>
-          <a:lstStyle/>
-          <a:p>
-            <a:pPr algn="ctr"/>
-            <a:r>
-              <a:rPr lang="en-US" altLang="zh-CN" dirty="0"/>
-              <a:t>fun2</a:t>
-            </a:r>
-            <a:endParaRPr lang="zh-CN" altLang="en-US" dirty="0"/>
-          </a:p>
-        </p:txBody>
-      </p:sp>
-      <p:cxnSp>
-        <p:nvCxnSpPr>
           <p:cNvPr id="37" name="直接连接符 36">
             <a:extLst>
               <a:ext uri="{FF2B5EF4-FFF2-40B4-BE49-F238E27FC236}">
@@ -11907,7 +11228,7 @@
         </p:nvCxnSpPr>
         <p:spPr>
           <a:xfrm>
-            <a:off x="10035888" y="644237"/>
+            <a:off x="6276108" y="644237"/>
             <a:ext cx="0" cy="4104409"/>
           </a:xfrm>
           <a:prstGeom prst="line">
@@ -11947,7 +11268,7 @@
         </p:nvCxnSpPr>
         <p:spPr>
           <a:xfrm>
-            <a:off x="11656870" y="644237"/>
+            <a:off x="7897090" y="644237"/>
             <a:ext cx="0" cy="4104409"/>
           </a:xfrm>
           <a:prstGeom prst="line">
@@ -11987,7 +11308,7 @@
         </p:nvCxnSpPr>
         <p:spPr>
           <a:xfrm flipH="1">
-            <a:off x="10035888" y="4748646"/>
+            <a:off x="6276108" y="4748646"/>
             <a:ext cx="1610591" cy="0"/>
           </a:xfrm>
           <a:prstGeom prst="line">
@@ -12027,7 +11348,7 @@
         </p:nvSpPr>
         <p:spPr>
           <a:xfrm>
-            <a:off x="10441134" y="4925291"/>
+            <a:off x="6681354" y="4925291"/>
             <a:ext cx="1091045" cy="369332"/>
           </a:xfrm>
           <a:prstGeom prst="rect">
@@ -12062,7 +11383,7 @@
         </p:nvSpPr>
         <p:spPr>
           <a:xfrm>
-            <a:off x="10119015" y="4187537"/>
+            <a:off x="6359235" y="4187537"/>
             <a:ext cx="1413159" cy="457189"/>
           </a:xfrm>
           <a:prstGeom prst="roundRect">
@@ -12115,7 +11436,7 @@
         </p:nvSpPr>
         <p:spPr>
           <a:xfrm>
-            <a:off x="10134604" y="3616038"/>
+            <a:off x="6374824" y="3616038"/>
             <a:ext cx="1413159" cy="457189"/>
           </a:xfrm>
           <a:prstGeom prst="roundRect">
@@ -12154,12 +11475,167 @@
           </a:p>
         </p:txBody>
       </p:sp>
+      <p:cxnSp>
+        <p:nvCxnSpPr>
+          <p:cNvPr id="44" name="直接连接符 43">
+            <a:extLst>
+              <a:ext uri="{FF2B5EF4-FFF2-40B4-BE49-F238E27FC236}">
+                <a16:creationId xmlns:a16="http://schemas.microsoft.com/office/drawing/2014/main" id="{15305F9A-38DB-43D9-B0A6-A427A46231AE}"/>
+              </a:ext>
+            </a:extLst>
+          </p:cNvPr>
+          <p:cNvCxnSpPr/>
+          <p:nvPr/>
+        </p:nvCxnSpPr>
+        <p:spPr>
+          <a:xfrm>
+            <a:off x="8167254" y="644237"/>
+            <a:ext cx="0" cy="4104409"/>
+          </a:xfrm>
+          <a:prstGeom prst="line">
+            <a:avLst/>
+          </a:prstGeom>
+          <a:ln w="38100">
+            <a:headEnd type="none" w="med" len="med"/>
+            <a:tailEnd type="none" w="med" len="med"/>
+          </a:ln>
+        </p:spPr>
+        <p:style>
+          <a:lnRef idx="1">
+            <a:schemeClr val="dk1"/>
+          </a:lnRef>
+          <a:fillRef idx="0">
+            <a:schemeClr val="dk1"/>
+          </a:fillRef>
+          <a:effectRef idx="0">
+            <a:schemeClr val="dk1"/>
+          </a:effectRef>
+          <a:fontRef idx="minor">
+            <a:schemeClr val="tx1"/>
+          </a:fontRef>
+        </p:style>
+      </p:cxnSp>
+      <p:cxnSp>
+        <p:nvCxnSpPr>
+          <p:cNvPr id="45" name="直接连接符 44">
+            <a:extLst>
+              <a:ext uri="{FF2B5EF4-FFF2-40B4-BE49-F238E27FC236}">
+                <a16:creationId xmlns:a16="http://schemas.microsoft.com/office/drawing/2014/main" id="{6EE3A855-351E-4D0D-92C9-D8F896307F1C}"/>
+              </a:ext>
+            </a:extLst>
+          </p:cNvPr>
+          <p:cNvCxnSpPr/>
+          <p:nvPr/>
+        </p:nvCxnSpPr>
+        <p:spPr>
+          <a:xfrm>
+            <a:off x="9788236" y="644237"/>
+            <a:ext cx="0" cy="4104409"/>
+          </a:xfrm>
+          <a:prstGeom prst="line">
+            <a:avLst/>
+          </a:prstGeom>
+          <a:ln w="38100">
+            <a:headEnd type="none" w="med" len="med"/>
+            <a:tailEnd type="none" w="med" len="med"/>
+          </a:ln>
+        </p:spPr>
+        <p:style>
+          <a:lnRef idx="1">
+            <a:schemeClr val="dk1"/>
+          </a:lnRef>
+          <a:fillRef idx="0">
+            <a:schemeClr val="dk1"/>
+          </a:fillRef>
+          <a:effectRef idx="0">
+            <a:schemeClr val="dk1"/>
+          </a:effectRef>
+          <a:fontRef idx="minor">
+            <a:schemeClr val="tx1"/>
+          </a:fontRef>
+        </p:style>
+      </p:cxnSp>
+      <p:cxnSp>
+        <p:nvCxnSpPr>
+          <p:cNvPr id="46" name="直接连接符 45">
+            <a:extLst>
+              <a:ext uri="{FF2B5EF4-FFF2-40B4-BE49-F238E27FC236}">
+                <a16:creationId xmlns:a16="http://schemas.microsoft.com/office/drawing/2014/main" id="{8BC9EEEB-67A5-4DA1-B75C-0163727A6EC3}"/>
+              </a:ext>
+            </a:extLst>
+          </p:cNvPr>
+          <p:cNvCxnSpPr/>
+          <p:nvPr/>
+        </p:nvCxnSpPr>
+        <p:spPr>
+          <a:xfrm flipH="1">
+            <a:off x="8167254" y="4748646"/>
+            <a:ext cx="1610591" cy="0"/>
+          </a:xfrm>
+          <a:prstGeom prst="line">
+            <a:avLst/>
+          </a:prstGeom>
+          <a:ln w="38100">
+            <a:headEnd type="none" w="med" len="med"/>
+            <a:tailEnd type="none" w="med" len="med"/>
+          </a:ln>
+        </p:spPr>
+        <p:style>
+          <a:lnRef idx="3">
+            <a:schemeClr val="dk1"/>
+          </a:lnRef>
+          <a:fillRef idx="0">
+            <a:schemeClr val="dk1"/>
+          </a:fillRef>
+          <a:effectRef idx="2">
+            <a:schemeClr val="dk1"/>
+          </a:effectRef>
+          <a:fontRef idx="minor">
+            <a:schemeClr val="tx1"/>
+          </a:fontRef>
+        </p:style>
+      </p:cxnSp>
       <p:sp>
         <p:nvSpPr>
-          <p:cNvPr id="43" name="矩形: 圆角 42">
+          <p:cNvPr id="47" name="文本框 46">
             <a:extLst>
               <a:ext uri="{FF2B5EF4-FFF2-40B4-BE49-F238E27FC236}">
-                <a16:creationId xmlns:a16="http://schemas.microsoft.com/office/drawing/2014/main" id="{1162D04C-1FB3-47DC-8601-BD99EAEB332E}"/>
+                <a16:creationId xmlns:a16="http://schemas.microsoft.com/office/drawing/2014/main" id="{B0322086-A141-4B1C-8A40-B4E4D88B873C}"/>
+              </a:ext>
+            </a:extLst>
+          </p:cNvPr>
+          <p:cNvSpPr txBox="1"/>
+          <p:nvPr/>
+        </p:nvSpPr>
+        <p:spPr>
+          <a:xfrm>
+            <a:off x="8572500" y="4925291"/>
+            <a:ext cx="1091045" cy="369332"/>
+          </a:xfrm>
+          <a:prstGeom prst="rect">
+            <a:avLst/>
+          </a:prstGeom>
+          <a:noFill/>
+        </p:spPr>
+        <p:txBody>
+          <a:bodyPr wrap="square" rtlCol="0">
+            <a:spAutoFit/>
+          </a:bodyPr>
+          <a:lstStyle/>
+          <a:p>
+            <a:r>
+              <a:rPr lang="zh-CN" altLang="en-US" dirty="0"/>
+              <a:t>调用栈</a:t>
+            </a:r>
+          </a:p>
+        </p:txBody>
+      </p:sp>
+      <p:sp>
+        <p:nvSpPr>
+          <p:cNvPr id="48" name="矩形: 圆角 47">
+            <a:extLst>
+              <a:ext uri="{FF2B5EF4-FFF2-40B4-BE49-F238E27FC236}">
+                <a16:creationId xmlns:a16="http://schemas.microsoft.com/office/drawing/2014/main" id="{14DEB4F1-02FF-401B-ACF8-768CC0BD16AC}"/>
               </a:ext>
             </a:extLst>
           </p:cNvPr>
@@ -12168,7 +11644,7 @@
         </p:nvSpPr>
         <p:spPr>
           <a:xfrm>
-            <a:off x="10134604" y="3054929"/>
+            <a:off x="8250381" y="4187537"/>
             <a:ext cx="1413159" cy="457189"/>
           </a:xfrm>
           <a:prstGeom prst="roundRect">
@@ -12201,9 +11677,458 @@
             <a:pPr algn="ctr"/>
             <a:r>
               <a:rPr lang="en-US" altLang="zh-CN" dirty="0"/>
-              <a:t>fun2</a:t>
+              <a:t>main</a:t>
             </a:r>
             <a:endParaRPr lang="zh-CN" altLang="en-US" dirty="0"/>
+          </a:p>
+        </p:txBody>
+      </p:sp>
+      <p:cxnSp>
+        <p:nvCxnSpPr>
+          <p:cNvPr id="49" name="直接连接符 48">
+            <a:extLst>
+              <a:ext uri="{FF2B5EF4-FFF2-40B4-BE49-F238E27FC236}">
+                <a16:creationId xmlns:a16="http://schemas.microsoft.com/office/drawing/2014/main" id="{069852B4-8DC9-446B-B613-DFAE7A8CD865}"/>
+              </a:ext>
+            </a:extLst>
+          </p:cNvPr>
+          <p:cNvCxnSpPr/>
+          <p:nvPr/>
+        </p:nvCxnSpPr>
+        <p:spPr>
+          <a:xfrm>
+            <a:off x="10016834" y="644237"/>
+            <a:ext cx="0" cy="4104409"/>
+          </a:xfrm>
+          <a:prstGeom prst="line">
+            <a:avLst/>
+          </a:prstGeom>
+          <a:ln w="38100">
+            <a:headEnd type="none" w="med" len="med"/>
+            <a:tailEnd type="none" w="med" len="med"/>
+          </a:ln>
+        </p:spPr>
+        <p:style>
+          <a:lnRef idx="1">
+            <a:schemeClr val="dk1"/>
+          </a:lnRef>
+          <a:fillRef idx="0">
+            <a:schemeClr val="dk1"/>
+          </a:fillRef>
+          <a:effectRef idx="0">
+            <a:schemeClr val="dk1"/>
+          </a:effectRef>
+          <a:fontRef idx="minor">
+            <a:schemeClr val="tx1"/>
+          </a:fontRef>
+        </p:style>
+      </p:cxnSp>
+      <p:cxnSp>
+        <p:nvCxnSpPr>
+          <p:cNvPr id="50" name="直接连接符 49">
+            <a:extLst>
+              <a:ext uri="{FF2B5EF4-FFF2-40B4-BE49-F238E27FC236}">
+                <a16:creationId xmlns:a16="http://schemas.microsoft.com/office/drawing/2014/main" id="{B896ADDB-1EF9-474D-9491-8ED4D26163D0}"/>
+              </a:ext>
+            </a:extLst>
+          </p:cNvPr>
+          <p:cNvCxnSpPr/>
+          <p:nvPr/>
+        </p:nvCxnSpPr>
+        <p:spPr>
+          <a:xfrm>
+            <a:off x="11637816" y="644237"/>
+            <a:ext cx="0" cy="4104409"/>
+          </a:xfrm>
+          <a:prstGeom prst="line">
+            <a:avLst/>
+          </a:prstGeom>
+          <a:ln w="38100">
+            <a:headEnd type="none" w="med" len="med"/>
+            <a:tailEnd type="none" w="med" len="med"/>
+          </a:ln>
+        </p:spPr>
+        <p:style>
+          <a:lnRef idx="1">
+            <a:schemeClr val="dk1"/>
+          </a:lnRef>
+          <a:fillRef idx="0">
+            <a:schemeClr val="dk1"/>
+          </a:fillRef>
+          <a:effectRef idx="0">
+            <a:schemeClr val="dk1"/>
+          </a:effectRef>
+          <a:fontRef idx="minor">
+            <a:schemeClr val="tx1"/>
+          </a:fontRef>
+        </p:style>
+      </p:cxnSp>
+      <p:cxnSp>
+        <p:nvCxnSpPr>
+          <p:cNvPr id="51" name="直接连接符 50">
+            <a:extLst>
+              <a:ext uri="{FF2B5EF4-FFF2-40B4-BE49-F238E27FC236}">
+                <a16:creationId xmlns:a16="http://schemas.microsoft.com/office/drawing/2014/main" id="{FEC18237-E399-486B-B84F-C350A2EABE75}"/>
+              </a:ext>
+            </a:extLst>
+          </p:cNvPr>
+          <p:cNvCxnSpPr/>
+          <p:nvPr/>
+        </p:nvCxnSpPr>
+        <p:spPr>
+          <a:xfrm flipH="1">
+            <a:off x="10016834" y="4748646"/>
+            <a:ext cx="1610591" cy="0"/>
+          </a:xfrm>
+          <a:prstGeom prst="line">
+            <a:avLst/>
+          </a:prstGeom>
+          <a:ln w="38100">
+            <a:headEnd type="none" w="med" len="med"/>
+            <a:tailEnd type="none" w="med" len="med"/>
+          </a:ln>
+        </p:spPr>
+        <p:style>
+          <a:lnRef idx="3">
+            <a:schemeClr val="dk1"/>
+          </a:lnRef>
+          <a:fillRef idx="0">
+            <a:schemeClr val="dk1"/>
+          </a:fillRef>
+          <a:effectRef idx="2">
+            <a:schemeClr val="dk1"/>
+          </a:effectRef>
+          <a:fontRef idx="minor">
+            <a:schemeClr val="tx1"/>
+          </a:fontRef>
+        </p:style>
+      </p:cxnSp>
+      <p:sp>
+        <p:nvSpPr>
+          <p:cNvPr id="52" name="文本框 51">
+            <a:extLst>
+              <a:ext uri="{FF2B5EF4-FFF2-40B4-BE49-F238E27FC236}">
+                <a16:creationId xmlns:a16="http://schemas.microsoft.com/office/drawing/2014/main" id="{35F398E3-A531-440E-A306-D30434E15D65}"/>
+              </a:ext>
+            </a:extLst>
+          </p:cNvPr>
+          <p:cNvSpPr txBox="1"/>
+          <p:nvPr/>
+        </p:nvSpPr>
+        <p:spPr>
+          <a:xfrm>
+            <a:off x="10422080" y="4925291"/>
+            <a:ext cx="1091045" cy="369332"/>
+          </a:xfrm>
+          <a:prstGeom prst="rect">
+            <a:avLst/>
+          </a:prstGeom>
+          <a:noFill/>
+        </p:spPr>
+        <p:txBody>
+          <a:bodyPr wrap="square" rtlCol="0">
+            <a:spAutoFit/>
+          </a:bodyPr>
+          <a:lstStyle/>
+          <a:p>
+            <a:r>
+              <a:rPr lang="zh-CN" altLang="en-US" dirty="0"/>
+              <a:t>调用栈</a:t>
+            </a:r>
+          </a:p>
+        </p:txBody>
+      </p:sp>
+      <p:sp>
+        <p:nvSpPr>
+          <p:cNvPr id="54" name="箭头: 下 53">
+            <a:extLst>
+              <a:ext uri="{FF2B5EF4-FFF2-40B4-BE49-F238E27FC236}">
+                <a16:creationId xmlns:a16="http://schemas.microsoft.com/office/drawing/2014/main" id="{A8E23F79-87D9-474B-89AC-F6A5A9230E24}"/>
+              </a:ext>
+            </a:extLst>
+          </p:cNvPr>
+          <p:cNvSpPr/>
+          <p:nvPr/>
+        </p:nvSpPr>
+        <p:spPr>
+          <a:xfrm>
+            <a:off x="831272" y="2431468"/>
+            <a:ext cx="720440" cy="852055"/>
+          </a:xfrm>
+          <a:prstGeom prst="downArrow">
+            <a:avLst/>
+          </a:prstGeom>
+        </p:spPr>
+        <p:style>
+          <a:lnRef idx="2">
+            <a:schemeClr val="dk1"/>
+          </a:lnRef>
+          <a:fillRef idx="1">
+            <a:schemeClr val="lt1"/>
+          </a:fillRef>
+          <a:effectRef idx="0">
+            <a:schemeClr val="dk1"/>
+          </a:effectRef>
+          <a:fontRef idx="minor">
+            <a:schemeClr val="dk1"/>
+          </a:fontRef>
+        </p:style>
+        <p:txBody>
+          <a:bodyPr rot="0" spcFirstLastPara="0" vertOverflow="overflow" horzOverflow="overflow" vert="horz" wrap="square" lIns="91440" tIns="45720" rIns="91440" bIns="45720" numCol="1" spcCol="0" rtlCol="0" fromWordArt="0" anchor="ctr" anchorCtr="0" forceAA="0" compatLnSpc="1">
+            <a:prstTxWarp prst="textNoShape">
+              <a:avLst/>
+            </a:prstTxWarp>
+            <a:noAutofit/>
+          </a:bodyPr>
+          <a:lstStyle/>
+          <a:p>
+            <a:pPr algn="ctr"/>
+            <a:endParaRPr lang="zh-CN" altLang="en-US"/>
+          </a:p>
+        </p:txBody>
+      </p:sp>
+      <p:sp>
+        <p:nvSpPr>
+          <p:cNvPr id="55" name="箭头: 下 54">
+            <a:extLst>
+              <a:ext uri="{FF2B5EF4-FFF2-40B4-BE49-F238E27FC236}">
+                <a16:creationId xmlns:a16="http://schemas.microsoft.com/office/drawing/2014/main" id="{81343092-26FA-43EA-9A61-E3FBDC9B915C}"/>
+              </a:ext>
+            </a:extLst>
+          </p:cNvPr>
+          <p:cNvSpPr/>
+          <p:nvPr/>
+        </p:nvSpPr>
+        <p:spPr>
+          <a:xfrm>
+            <a:off x="2812473" y="2202874"/>
+            <a:ext cx="720440" cy="852055"/>
+          </a:xfrm>
+          <a:prstGeom prst="downArrow">
+            <a:avLst/>
+          </a:prstGeom>
+        </p:spPr>
+        <p:style>
+          <a:lnRef idx="2">
+            <a:schemeClr val="dk1"/>
+          </a:lnRef>
+          <a:fillRef idx="1">
+            <a:schemeClr val="lt1"/>
+          </a:fillRef>
+          <a:effectRef idx="0">
+            <a:schemeClr val="dk1"/>
+          </a:effectRef>
+          <a:fontRef idx="minor">
+            <a:schemeClr val="dk1"/>
+          </a:fontRef>
+        </p:style>
+        <p:txBody>
+          <a:bodyPr rot="0" spcFirstLastPara="0" vertOverflow="overflow" horzOverflow="overflow" vert="horz" wrap="square" lIns="91440" tIns="45720" rIns="91440" bIns="45720" numCol="1" spcCol="0" rtlCol="0" fromWordArt="0" anchor="ctr" anchorCtr="0" forceAA="0" compatLnSpc="1">
+            <a:prstTxWarp prst="textNoShape">
+              <a:avLst/>
+            </a:prstTxWarp>
+            <a:noAutofit/>
+          </a:bodyPr>
+          <a:lstStyle/>
+          <a:p>
+            <a:pPr algn="ctr"/>
+            <a:endParaRPr lang="zh-CN" altLang="en-US"/>
+          </a:p>
+        </p:txBody>
+      </p:sp>
+      <p:sp>
+        <p:nvSpPr>
+          <p:cNvPr id="56" name="箭头: 下 55">
+            <a:extLst>
+              <a:ext uri="{FF2B5EF4-FFF2-40B4-BE49-F238E27FC236}">
+                <a16:creationId xmlns:a16="http://schemas.microsoft.com/office/drawing/2014/main" id="{4C747817-74ED-4047-8AEA-5AC88805E206}"/>
+              </a:ext>
+            </a:extLst>
+          </p:cNvPr>
+          <p:cNvSpPr/>
+          <p:nvPr/>
+        </p:nvSpPr>
+        <p:spPr>
+          <a:xfrm>
+            <a:off x="4745178" y="1818405"/>
+            <a:ext cx="720440" cy="852055"/>
+          </a:xfrm>
+          <a:prstGeom prst="downArrow">
+            <a:avLst/>
+          </a:prstGeom>
+        </p:spPr>
+        <p:style>
+          <a:lnRef idx="2">
+            <a:schemeClr val="dk1"/>
+          </a:lnRef>
+          <a:fillRef idx="1">
+            <a:schemeClr val="lt1"/>
+          </a:fillRef>
+          <a:effectRef idx="0">
+            <a:schemeClr val="dk1"/>
+          </a:effectRef>
+          <a:fontRef idx="minor">
+            <a:schemeClr val="dk1"/>
+          </a:fontRef>
+        </p:style>
+        <p:txBody>
+          <a:bodyPr rot="0" spcFirstLastPara="0" vertOverflow="overflow" horzOverflow="overflow" vert="horz" wrap="square" lIns="91440" tIns="45720" rIns="91440" bIns="45720" numCol="1" spcCol="0" rtlCol="0" fromWordArt="0" anchor="ctr" anchorCtr="0" forceAA="0" compatLnSpc="1">
+            <a:prstTxWarp prst="textNoShape">
+              <a:avLst/>
+            </a:prstTxWarp>
+            <a:noAutofit/>
+          </a:bodyPr>
+          <a:lstStyle/>
+          <a:p>
+            <a:pPr algn="ctr"/>
+            <a:endParaRPr lang="zh-CN" altLang="en-US"/>
+          </a:p>
+        </p:txBody>
+      </p:sp>
+      <p:sp>
+        <p:nvSpPr>
+          <p:cNvPr id="57" name="箭头: 上 56">
+            <a:extLst>
+              <a:ext uri="{FF2B5EF4-FFF2-40B4-BE49-F238E27FC236}">
+                <a16:creationId xmlns:a16="http://schemas.microsoft.com/office/drawing/2014/main" id="{7ED83E59-DFFB-42C3-BAD1-06924CE6D877}"/>
+              </a:ext>
+            </a:extLst>
+          </p:cNvPr>
+          <p:cNvSpPr/>
+          <p:nvPr/>
+        </p:nvSpPr>
+        <p:spPr>
+          <a:xfrm>
+            <a:off x="6681354" y="1714485"/>
+            <a:ext cx="718694" cy="852070"/>
+          </a:xfrm>
+          <a:prstGeom prst="upArrow">
+            <a:avLst/>
+          </a:prstGeom>
+        </p:spPr>
+        <p:style>
+          <a:lnRef idx="2">
+            <a:schemeClr val="dk1"/>
+          </a:lnRef>
+          <a:fillRef idx="1">
+            <a:schemeClr val="lt1"/>
+          </a:fillRef>
+          <a:effectRef idx="0">
+            <a:schemeClr val="dk1"/>
+          </a:effectRef>
+          <a:fontRef idx="minor">
+            <a:schemeClr val="dk1"/>
+          </a:fontRef>
+        </p:style>
+        <p:txBody>
+          <a:bodyPr rot="0" spcFirstLastPara="0" vertOverflow="overflow" horzOverflow="overflow" vert="horz" wrap="square" lIns="91440" tIns="45720" rIns="91440" bIns="45720" numCol="1" spcCol="0" rtlCol="0" fromWordArt="0" anchor="ctr" anchorCtr="0" forceAA="0" compatLnSpc="1">
+            <a:prstTxWarp prst="textNoShape">
+              <a:avLst/>
+            </a:prstTxWarp>
+            <a:noAutofit/>
+          </a:bodyPr>
+          <a:lstStyle/>
+          <a:p>
+            <a:pPr algn="ctr"/>
+            <a:endParaRPr lang="zh-CN" altLang="en-US"/>
+          </a:p>
+        </p:txBody>
+      </p:sp>
+      <p:sp>
+        <p:nvSpPr>
+          <p:cNvPr id="58" name="箭头: 上 57">
+            <a:extLst>
+              <a:ext uri="{FF2B5EF4-FFF2-40B4-BE49-F238E27FC236}">
+                <a16:creationId xmlns:a16="http://schemas.microsoft.com/office/drawing/2014/main" id="{8135D648-B72E-46E6-B1B9-68B04E2FFAF4}"/>
+              </a:ext>
+            </a:extLst>
+          </p:cNvPr>
+          <p:cNvSpPr/>
+          <p:nvPr/>
+        </p:nvSpPr>
+        <p:spPr>
+          <a:xfrm>
+            <a:off x="8487650" y="2005433"/>
+            <a:ext cx="718694" cy="852070"/>
+          </a:xfrm>
+          <a:prstGeom prst="upArrow">
+            <a:avLst/>
+          </a:prstGeom>
+        </p:spPr>
+        <p:style>
+          <a:lnRef idx="2">
+            <a:schemeClr val="dk1"/>
+          </a:lnRef>
+          <a:fillRef idx="1">
+            <a:schemeClr val="lt1"/>
+          </a:fillRef>
+          <a:effectRef idx="0">
+            <a:schemeClr val="dk1"/>
+          </a:effectRef>
+          <a:fontRef idx="minor">
+            <a:schemeClr val="dk1"/>
+          </a:fontRef>
+        </p:style>
+        <p:txBody>
+          <a:bodyPr rot="0" spcFirstLastPara="0" vertOverflow="overflow" horzOverflow="overflow" vert="horz" wrap="square" lIns="91440" tIns="45720" rIns="91440" bIns="45720" numCol="1" spcCol="0" rtlCol="0" fromWordArt="0" anchor="ctr" anchorCtr="0" forceAA="0" compatLnSpc="1">
+            <a:prstTxWarp prst="textNoShape">
+              <a:avLst/>
+            </a:prstTxWarp>
+            <a:noAutofit/>
+          </a:bodyPr>
+          <a:lstStyle/>
+          <a:p>
+            <a:pPr algn="ctr"/>
+            <a:endParaRPr lang="zh-CN" altLang="en-US"/>
+          </a:p>
+        </p:txBody>
+      </p:sp>
+      <p:sp>
+        <p:nvSpPr>
+          <p:cNvPr id="59" name="箭头: 上 58">
+            <a:extLst>
+              <a:ext uri="{FF2B5EF4-FFF2-40B4-BE49-F238E27FC236}">
+                <a16:creationId xmlns:a16="http://schemas.microsoft.com/office/drawing/2014/main" id="{D05033DE-46F2-4DA9-B874-E4973223C0EA}"/>
+              </a:ext>
+            </a:extLst>
+          </p:cNvPr>
+          <p:cNvSpPr/>
+          <p:nvPr/>
+        </p:nvSpPr>
+        <p:spPr>
+          <a:xfrm>
+            <a:off x="10280077" y="2566555"/>
+            <a:ext cx="718694" cy="852070"/>
+          </a:xfrm>
+          <a:prstGeom prst="upArrow">
+            <a:avLst/>
+          </a:prstGeom>
+        </p:spPr>
+        <p:style>
+          <a:lnRef idx="2">
+            <a:schemeClr val="dk1"/>
+          </a:lnRef>
+          <a:fillRef idx="1">
+            <a:schemeClr val="lt1"/>
+          </a:fillRef>
+          <a:effectRef idx="0">
+            <a:schemeClr val="dk1"/>
+          </a:effectRef>
+          <a:fontRef idx="minor">
+            <a:schemeClr val="dk1"/>
+          </a:fontRef>
+        </p:style>
+        <p:txBody>
+          <a:bodyPr rot="0" spcFirstLastPara="0" vertOverflow="overflow" horzOverflow="overflow" vert="horz" wrap="square" lIns="91440" tIns="45720" rIns="91440" bIns="45720" numCol="1" spcCol="0" rtlCol="0" fromWordArt="0" anchor="ctr" anchorCtr="0" forceAA="0" compatLnSpc="1">
+            <a:prstTxWarp prst="textNoShape">
+              <a:avLst/>
+            </a:prstTxWarp>
+            <a:noAutofit/>
+          </a:bodyPr>
+          <a:lstStyle/>
+          <a:p>
+            <a:pPr algn="ctr"/>
+            <a:endParaRPr lang="zh-CN" altLang="en-US"/>
           </a:p>
         </p:txBody>
       </p:sp>
@@ -12211,6 +12136,3614 @@
     <p:extLst>
       <p:ext uri="{BB962C8B-B14F-4D97-AF65-F5344CB8AC3E}">
         <p14:creationId xmlns:p14="http://schemas.microsoft.com/office/powerpoint/2010/main" val="3511072189"/>
+      </p:ext>
+    </p:extLst>
+  </p:cSld>
+  <p:clrMapOvr>
+    <a:masterClrMapping/>
+  </p:clrMapOvr>
+</p:sld>
+</file>
+
+<file path=ppt/slides/slide5.xml><?xml version="1.0" encoding="utf-8"?>
+<p:sld xmlns:a="http://schemas.openxmlformats.org/drawingml/2006/main" xmlns:r="http://schemas.openxmlformats.org/officeDocument/2006/relationships" xmlns:p="http://schemas.openxmlformats.org/presentationml/2006/main">
+  <p:cSld>
+    <p:spTree>
+      <p:nvGrpSpPr>
+        <p:cNvPr id="1" name=""/>
+        <p:cNvGrpSpPr/>
+        <p:nvPr/>
+      </p:nvGrpSpPr>
+      <p:grpSpPr>
+        <a:xfrm>
+          <a:off x="0" y="0"/>
+          <a:ext cx="0" cy="0"/>
+          <a:chOff x="0" y="0"/>
+          <a:chExt cx="0" cy="0"/>
+        </a:xfrm>
+      </p:grpSpPr>
+      <p:grpSp>
+        <p:nvGrpSpPr>
+          <p:cNvPr id="62" name="组合 61">
+            <a:extLst>
+              <a:ext uri="{FF2B5EF4-FFF2-40B4-BE49-F238E27FC236}">
+                <a16:creationId xmlns:a16="http://schemas.microsoft.com/office/drawing/2014/main" id="{EA9D8CDF-22C7-44B5-9D76-8998B2A492F0}"/>
+              </a:ext>
+            </a:extLst>
+          </p:cNvPr>
+          <p:cNvGrpSpPr/>
+          <p:nvPr/>
+        </p:nvGrpSpPr>
+        <p:grpSpPr>
+          <a:xfrm>
+            <a:off x="996427" y="1333948"/>
+            <a:ext cx="9707432" cy="3357880"/>
+            <a:chOff x="114300" y="628649"/>
+            <a:chExt cx="12346054" cy="4676365"/>
+          </a:xfrm>
+        </p:grpSpPr>
+        <p:cxnSp>
+          <p:nvCxnSpPr>
+            <p:cNvPr id="2" name="直接连接符 1">
+              <a:extLst>
+                <a:ext uri="{FF2B5EF4-FFF2-40B4-BE49-F238E27FC236}">
+                  <a16:creationId xmlns:a16="http://schemas.microsoft.com/office/drawing/2014/main" id="{66773826-8818-42F1-BBA3-3180FF915D0D}"/>
+                </a:ext>
+              </a:extLst>
+            </p:cNvPr>
+            <p:cNvCxnSpPr/>
+            <p:nvPr/>
+          </p:nvCxnSpPr>
+          <p:spPr>
+            <a:xfrm>
+              <a:off x="114300" y="654628"/>
+              <a:ext cx="0" cy="4104409"/>
+            </a:xfrm>
+            <a:prstGeom prst="line">
+              <a:avLst/>
+            </a:prstGeom>
+            <a:ln w="38100">
+              <a:headEnd type="none" w="med" len="med"/>
+              <a:tailEnd type="none" w="med" len="med"/>
+            </a:ln>
+          </p:spPr>
+          <p:style>
+            <a:lnRef idx="1">
+              <a:schemeClr val="dk1"/>
+            </a:lnRef>
+            <a:fillRef idx="0">
+              <a:schemeClr val="dk1"/>
+            </a:fillRef>
+            <a:effectRef idx="0">
+              <a:schemeClr val="dk1"/>
+            </a:effectRef>
+            <a:fontRef idx="minor">
+              <a:schemeClr val="tx1"/>
+            </a:fontRef>
+          </p:style>
+        </p:cxnSp>
+        <p:cxnSp>
+          <p:nvCxnSpPr>
+            <p:cNvPr id="3" name="直接连接符 2">
+              <a:extLst>
+                <a:ext uri="{FF2B5EF4-FFF2-40B4-BE49-F238E27FC236}">
+                  <a16:creationId xmlns:a16="http://schemas.microsoft.com/office/drawing/2014/main" id="{955AE8D4-1798-42F8-89EE-45844F15EEC2}"/>
+                </a:ext>
+              </a:extLst>
+            </p:cNvPr>
+            <p:cNvCxnSpPr/>
+            <p:nvPr/>
+          </p:nvCxnSpPr>
+          <p:spPr>
+            <a:xfrm>
+              <a:off x="1735282" y="654628"/>
+              <a:ext cx="0" cy="4104409"/>
+            </a:xfrm>
+            <a:prstGeom prst="line">
+              <a:avLst/>
+            </a:prstGeom>
+            <a:ln w="38100">
+              <a:headEnd type="none" w="med" len="med"/>
+              <a:tailEnd type="none" w="med" len="med"/>
+            </a:ln>
+          </p:spPr>
+          <p:style>
+            <a:lnRef idx="1">
+              <a:schemeClr val="dk1"/>
+            </a:lnRef>
+            <a:fillRef idx="0">
+              <a:schemeClr val="dk1"/>
+            </a:fillRef>
+            <a:effectRef idx="0">
+              <a:schemeClr val="dk1"/>
+            </a:effectRef>
+            <a:fontRef idx="minor">
+              <a:schemeClr val="tx1"/>
+            </a:fontRef>
+          </p:style>
+        </p:cxnSp>
+        <p:cxnSp>
+          <p:nvCxnSpPr>
+            <p:cNvPr id="4" name="直接连接符 3">
+              <a:extLst>
+                <a:ext uri="{FF2B5EF4-FFF2-40B4-BE49-F238E27FC236}">
+                  <a16:creationId xmlns:a16="http://schemas.microsoft.com/office/drawing/2014/main" id="{FAA8A3F5-8AFB-423D-9F4C-2F7B0F37B90B}"/>
+                </a:ext>
+              </a:extLst>
+            </p:cNvPr>
+            <p:cNvCxnSpPr/>
+            <p:nvPr/>
+          </p:nvCxnSpPr>
+          <p:spPr>
+            <a:xfrm flipH="1">
+              <a:off x="114300" y="4759037"/>
+              <a:ext cx="1610591" cy="0"/>
+            </a:xfrm>
+            <a:prstGeom prst="line">
+              <a:avLst/>
+            </a:prstGeom>
+            <a:ln w="38100">
+              <a:headEnd type="none" w="med" len="med"/>
+              <a:tailEnd type="none" w="med" len="med"/>
+            </a:ln>
+          </p:spPr>
+          <p:style>
+            <a:lnRef idx="3">
+              <a:schemeClr val="dk1"/>
+            </a:lnRef>
+            <a:fillRef idx="0">
+              <a:schemeClr val="dk1"/>
+            </a:fillRef>
+            <a:effectRef idx="2">
+              <a:schemeClr val="dk1"/>
+            </a:effectRef>
+            <a:fontRef idx="minor">
+              <a:schemeClr val="tx1"/>
+            </a:fontRef>
+          </p:style>
+        </p:cxnSp>
+        <p:sp>
+          <p:nvSpPr>
+            <p:cNvPr id="5" name="文本框 4">
+              <a:extLst>
+                <a:ext uri="{FF2B5EF4-FFF2-40B4-BE49-F238E27FC236}">
+                  <a16:creationId xmlns:a16="http://schemas.microsoft.com/office/drawing/2014/main" id="{D9D50BD4-E745-4753-909B-EA732B83B9F7}"/>
+                </a:ext>
+              </a:extLst>
+            </p:cNvPr>
+            <p:cNvSpPr txBox="1"/>
+            <p:nvPr/>
+          </p:nvSpPr>
+          <p:spPr>
+            <a:xfrm>
+              <a:off x="519546" y="4935682"/>
+              <a:ext cx="1091045" cy="369332"/>
+            </a:xfrm>
+            <a:prstGeom prst="rect">
+              <a:avLst/>
+            </a:prstGeom>
+            <a:noFill/>
+          </p:spPr>
+          <p:txBody>
+            <a:bodyPr wrap="square" rtlCol="0">
+              <a:spAutoFit/>
+            </a:bodyPr>
+            <a:lstStyle/>
+            <a:p>
+              <a:r>
+                <a:rPr lang="zh-CN" altLang="en-US" dirty="0"/>
+                <a:t>调用栈</a:t>
+              </a:r>
+            </a:p>
+          </p:txBody>
+        </p:sp>
+        <p:sp>
+          <p:nvSpPr>
+            <p:cNvPr id="6" name="矩形: 圆角 5">
+              <a:extLst>
+                <a:ext uri="{FF2B5EF4-FFF2-40B4-BE49-F238E27FC236}">
+                  <a16:creationId xmlns:a16="http://schemas.microsoft.com/office/drawing/2014/main" id="{FC9CB869-FD29-4336-A359-0CE732693015}"/>
+                </a:ext>
+              </a:extLst>
+            </p:cNvPr>
+            <p:cNvSpPr/>
+            <p:nvPr/>
+          </p:nvSpPr>
+          <p:spPr>
+            <a:xfrm>
+              <a:off x="197427" y="4197928"/>
+              <a:ext cx="1413159" cy="457189"/>
+            </a:xfrm>
+            <a:prstGeom prst="roundRect">
+              <a:avLst/>
+            </a:prstGeom>
+          </p:spPr>
+          <p:style>
+            <a:lnRef idx="2">
+              <a:schemeClr val="dk1"/>
+            </a:lnRef>
+            <a:fillRef idx="1">
+              <a:schemeClr val="lt1"/>
+            </a:fillRef>
+            <a:effectRef idx="0">
+              <a:schemeClr val="dk1"/>
+            </a:effectRef>
+            <a:fontRef idx="minor">
+              <a:schemeClr val="dk1"/>
+            </a:fontRef>
+          </p:style>
+          <p:txBody>
+            <a:bodyPr rot="0" spcFirstLastPara="0" vertOverflow="overflow" horzOverflow="overflow" vert="horz" wrap="square" lIns="91440" tIns="45720" rIns="91440" bIns="45720" numCol="1" spcCol="0" rtlCol="0" fromWordArt="0" anchor="ctr" anchorCtr="0" forceAA="0" compatLnSpc="1">
+              <a:prstTxWarp prst="textNoShape">
+                <a:avLst/>
+              </a:prstTxWarp>
+              <a:noAutofit/>
+            </a:bodyPr>
+            <a:lstStyle/>
+            <a:p>
+              <a:pPr algn="ctr"/>
+              <a:r>
+                <a:rPr lang="en-US" altLang="zh-CN" dirty="0"/>
+                <a:t>main</a:t>
+              </a:r>
+              <a:endParaRPr lang="zh-CN" altLang="en-US" dirty="0"/>
+            </a:p>
+          </p:txBody>
+        </p:sp>
+        <p:sp>
+          <p:nvSpPr>
+            <p:cNvPr id="7" name="箭头: 下 6">
+              <a:extLst>
+                <a:ext uri="{FF2B5EF4-FFF2-40B4-BE49-F238E27FC236}">
+                  <a16:creationId xmlns:a16="http://schemas.microsoft.com/office/drawing/2014/main" id="{12B9F706-B253-449A-BD79-560BB7C8E7FD}"/>
+                </a:ext>
+              </a:extLst>
+            </p:cNvPr>
+            <p:cNvSpPr/>
+            <p:nvPr/>
+          </p:nvSpPr>
+          <p:spPr>
+            <a:xfrm>
+              <a:off x="540327" y="2441859"/>
+              <a:ext cx="720440" cy="852055"/>
+            </a:xfrm>
+            <a:prstGeom prst="downArrow">
+              <a:avLst/>
+            </a:prstGeom>
+          </p:spPr>
+          <p:style>
+            <a:lnRef idx="2">
+              <a:schemeClr val="dk1"/>
+            </a:lnRef>
+            <a:fillRef idx="1">
+              <a:schemeClr val="lt1"/>
+            </a:fillRef>
+            <a:effectRef idx="0">
+              <a:schemeClr val="dk1"/>
+            </a:effectRef>
+            <a:fontRef idx="minor">
+              <a:schemeClr val="dk1"/>
+            </a:fontRef>
+          </p:style>
+          <p:txBody>
+            <a:bodyPr rot="0" spcFirstLastPara="0" vertOverflow="overflow" horzOverflow="overflow" vert="horz" wrap="square" lIns="91440" tIns="45720" rIns="91440" bIns="45720" numCol="1" spcCol="0" rtlCol="0" fromWordArt="0" anchor="ctr" anchorCtr="0" forceAA="0" compatLnSpc="1">
+              <a:prstTxWarp prst="textNoShape">
+                <a:avLst/>
+              </a:prstTxWarp>
+              <a:noAutofit/>
+            </a:bodyPr>
+            <a:lstStyle/>
+            <a:p>
+              <a:pPr algn="ctr"/>
+              <a:endParaRPr lang="zh-CN" altLang="en-US"/>
+            </a:p>
+          </p:txBody>
+        </p:sp>
+        <p:cxnSp>
+          <p:nvCxnSpPr>
+            <p:cNvPr id="8" name="直接连接符 7">
+              <a:extLst>
+                <a:ext uri="{FF2B5EF4-FFF2-40B4-BE49-F238E27FC236}">
+                  <a16:creationId xmlns:a16="http://schemas.microsoft.com/office/drawing/2014/main" id="{B74E684D-65D3-4BD2-9D80-6E8A6D3F84E7}"/>
+                </a:ext>
+              </a:extLst>
+            </p:cNvPr>
+            <p:cNvCxnSpPr/>
+            <p:nvPr/>
+          </p:nvCxnSpPr>
+          <p:spPr>
+            <a:xfrm>
+              <a:off x="1953485" y="654628"/>
+              <a:ext cx="0" cy="4104409"/>
+            </a:xfrm>
+            <a:prstGeom prst="line">
+              <a:avLst/>
+            </a:prstGeom>
+            <a:ln w="38100">
+              <a:headEnd type="none" w="med" len="med"/>
+              <a:tailEnd type="none" w="med" len="med"/>
+            </a:ln>
+          </p:spPr>
+          <p:style>
+            <a:lnRef idx="1">
+              <a:schemeClr val="dk1"/>
+            </a:lnRef>
+            <a:fillRef idx="0">
+              <a:schemeClr val="dk1"/>
+            </a:fillRef>
+            <a:effectRef idx="0">
+              <a:schemeClr val="dk1"/>
+            </a:effectRef>
+            <a:fontRef idx="minor">
+              <a:schemeClr val="tx1"/>
+            </a:fontRef>
+          </p:style>
+        </p:cxnSp>
+        <p:cxnSp>
+          <p:nvCxnSpPr>
+            <p:cNvPr id="9" name="直接连接符 8">
+              <a:extLst>
+                <a:ext uri="{FF2B5EF4-FFF2-40B4-BE49-F238E27FC236}">
+                  <a16:creationId xmlns:a16="http://schemas.microsoft.com/office/drawing/2014/main" id="{8AC144FF-10CB-46E9-AC43-972671530EF5}"/>
+                </a:ext>
+              </a:extLst>
+            </p:cNvPr>
+            <p:cNvCxnSpPr/>
+            <p:nvPr/>
+          </p:nvCxnSpPr>
+          <p:spPr>
+            <a:xfrm>
+              <a:off x="3574467" y="654628"/>
+              <a:ext cx="0" cy="4104409"/>
+            </a:xfrm>
+            <a:prstGeom prst="line">
+              <a:avLst/>
+            </a:prstGeom>
+            <a:ln w="38100">
+              <a:headEnd type="none" w="med" len="med"/>
+              <a:tailEnd type="none" w="med" len="med"/>
+            </a:ln>
+          </p:spPr>
+          <p:style>
+            <a:lnRef idx="1">
+              <a:schemeClr val="dk1"/>
+            </a:lnRef>
+            <a:fillRef idx="0">
+              <a:schemeClr val="dk1"/>
+            </a:fillRef>
+            <a:effectRef idx="0">
+              <a:schemeClr val="dk1"/>
+            </a:effectRef>
+            <a:fontRef idx="minor">
+              <a:schemeClr val="tx1"/>
+            </a:fontRef>
+          </p:style>
+        </p:cxnSp>
+        <p:cxnSp>
+          <p:nvCxnSpPr>
+            <p:cNvPr id="10" name="直接连接符 9">
+              <a:extLst>
+                <a:ext uri="{FF2B5EF4-FFF2-40B4-BE49-F238E27FC236}">
+                  <a16:creationId xmlns:a16="http://schemas.microsoft.com/office/drawing/2014/main" id="{CB192B95-4573-43DD-A7B1-4298B182D2ED}"/>
+                </a:ext>
+              </a:extLst>
+            </p:cNvPr>
+            <p:cNvCxnSpPr/>
+            <p:nvPr/>
+          </p:nvCxnSpPr>
+          <p:spPr>
+            <a:xfrm flipH="1">
+              <a:off x="1953485" y="4759037"/>
+              <a:ext cx="1610591" cy="0"/>
+            </a:xfrm>
+            <a:prstGeom prst="line">
+              <a:avLst/>
+            </a:prstGeom>
+            <a:ln w="38100">
+              <a:headEnd type="none" w="med" len="med"/>
+              <a:tailEnd type="none" w="med" len="med"/>
+            </a:ln>
+          </p:spPr>
+          <p:style>
+            <a:lnRef idx="3">
+              <a:schemeClr val="dk1"/>
+            </a:lnRef>
+            <a:fillRef idx="0">
+              <a:schemeClr val="dk1"/>
+            </a:fillRef>
+            <a:effectRef idx="2">
+              <a:schemeClr val="dk1"/>
+            </a:effectRef>
+            <a:fontRef idx="minor">
+              <a:schemeClr val="tx1"/>
+            </a:fontRef>
+          </p:style>
+        </p:cxnSp>
+        <p:sp>
+          <p:nvSpPr>
+            <p:cNvPr id="11" name="文本框 10">
+              <a:extLst>
+                <a:ext uri="{FF2B5EF4-FFF2-40B4-BE49-F238E27FC236}">
+                  <a16:creationId xmlns:a16="http://schemas.microsoft.com/office/drawing/2014/main" id="{CDBC8657-CF52-4F86-8EA7-03065090B126}"/>
+                </a:ext>
+              </a:extLst>
+            </p:cNvPr>
+            <p:cNvSpPr txBox="1"/>
+            <p:nvPr/>
+          </p:nvSpPr>
+          <p:spPr>
+            <a:xfrm>
+              <a:off x="2358731" y="4935682"/>
+              <a:ext cx="1091045" cy="369332"/>
+            </a:xfrm>
+            <a:prstGeom prst="rect">
+              <a:avLst/>
+            </a:prstGeom>
+            <a:noFill/>
+          </p:spPr>
+          <p:txBody>
+            <a:bodyPr wrap="square" rtlCol="0">
+              <a:spAutoFit/>
+            </a:bodyPr>
+            <a:lstStyle/>
+            <a:p>
+              <a:r>
+                <a:rPr lang="zh-CN" altLang="en-US" dirty="0"/>
+                <a:t>调用栈</a:t>
+              </a:r>
+            </a:p>
+          </p:txBody>
+        </p:sp>
+        <p:sp>
+          <p:nvSpPr>
+            <p:cNvPr id="12" name="矩形: 圆角 11">
+              <a:extLst>
+                <a:ext uri="{FF2B5EF4-FFF2-40B4-BE49-F238E27FC236}">
+                  <a16:creationId xmlns:a16="http://schemas.microsoft.com/office/drawing/2014/main" id="{2B3B0074-6DE3-44E4-A8AF-B186193D569D}"/>
+                </a:ext>
+              </a:extLst>
+            </p:cNvPr>
+            <p:cNvSpPr/>
+            <p:nvPr/>
+          </p:nvSpPr>
+          <p:spPr>
+            <a:xfrm>
+              <a:off x="2036612" y="4197928"/>
+              <a:ext cx="1413159" cy="457189"/>
+            </a:xfrm>
+            <a:prstGeom prst="roundRect">
+              <a:avLst/>
+            </a:prstGeom>
+          </p:spPr>
+          <p:style>
+            <a:lnRef idx="2">
+              <a:schemeClr val="dk1"/>
+            </a:lnRef>
+            <a:fillRef idx="1">
+              <a:schemeClr val="lt1"/>
+            </a:fillRef>
+            <a:effectRef idx="0">
+              <a:schemeClr val="dk1"/>
+            </a:effectRef>
+            <a:fontRef idx="minor">
+              <a:schemeClr val="dk1"/>
+            </a:fontRef>
+          </p:style>
+          <p:txBody>
+            <a:bodyPr rot="0" spcFirstLastPara="0" vertOverflow="overflow" horzOverflow="overflow" vert="horz" wrap="square" lIns="91440" tIns="45720" rIns="91440" bIns="45720" numCol="1" spcCol="0" rtlCol="0" fromWordArt="0" anchor="ctr" anchorCtr="0" forceAA="0" compatLnSpc="1">
+              <a:prstTxWarp prst="textNoShape">
+                <a:avLst/>
+              </a:prstTxWarp>
+              <a:noAutofit/>
+            </a:bodyPr>
+            <a:lstStyle/>
+            <a:p>
+              <a:pPr algn="ctr"/>
+              <a:r>
+                <a:rPr lang="en-US" altLang="zh-CN" dirty="0"/>
+                <a:t>main</a:t>
+              </a:r>
+              <a:endParaRPr lang="zh-CN" altLang="en-US" dirty="0"/>
+            </a:p>
+          </p:txBody>
+        </p:sp>
+        <p:sp>
+          <p:nvSpPr>
+            <p:cNvPr id="13" name="箭头: 下 12">
+              <a:extLst>
+                <a:ext uri="{FF2B5EF4-FFF2-40B4-BE49-F238E27FC236}">
+                  <a16:creationId xmlns:a16="http://schemas.microsoft.com/office/drawing/2014/main" id="{F709F565-124B-496D-B65A-E413FFACFA77}"/>
+                </a:ext>
+              </a:extLst>
+            </p:cNvPr>
+            <p:cNvSpPr/>
+            <p:nvPr/>
+          </p:nvSpPr>
+          <p:spPr>
+            <a:xfrm>
+              <a:off x="2382971" y="1828799"/>
+              <a:ext cx="720440" cy="852055"/>
+            </a:xfrm>
+            <a:prstGeom prst="downArrow">
+              <a:avLst/>
+            </a:prstGeom>
+          </p:spPr>
+          <p:style>
+            <a:lnRef idx="2">
+              <a:schemeClr val="dk1"/>
+            </a:lnRef>
+            <a:fillRef idx="1">
+              <a:schemeClr val="lt1"/>
+            </a:fillRef>
+            <a:effectRef idx="0">
+              <a:schemeClr val="dk1"/>
+            </a:effectRef>
+            <a:fontRef idx="minor">
+              <a:schemeClr val="dk1"/>
+            </a:fontRef>
+          </p:style>
+          <p:txBody>
+            <a:bodyPr rot="0" spcFirstLastPara="0" vertOverflow="overflow" horzOverflow="overflow" vert="horz" wrap="square" lIns="91440" tIns="45720" rIns="91440" bIns="45720" numCol="1" spcCol="0" rtlCol="0" fromWordArt="0" anchor="ctr" anchorCtr="0" forceAA="0" compatLnSpc="1">
+              <a:prstTxWarp prst="textNoShape">
+                <a:avLst/>
+              </a:prstTxWarp>
+              <a:noAutofit/>
+            </a:bodyPr>
+            <a:lstStyle/>
+            <a:p>
+              <a:pPr algn="ctr"/>
+              <a:endParaRPr lang="zh-CN" altLang="en-US"/>
+            </a:p>
+          </p:txBody>
+        </p:sp>
+        <p:sp>
+          <p:nvSpPr>
+            <p:cNvPr id="14" name="矩形: 圆角 13">
+              <a:extLst>
+                <a:ext uri="{FF2B5EF4-FFF2-40B4-BE49-F238E27FC236}">
+                  <a16:creationId xmlns:a16="http://schemas.microsoft.com/office/drawing/2014/main" id="{A4D067A1-6640-4C0E-B111-F6E5EE323D29}"/>
+                </a:ext>
+              </a:extLst>
+            </p:cNvPr>
+            <p:cNvSpPr/>
+            <p:nvPr/>
+          </p:nvSpPr>
+          <p:spPr>
+            <a:xfrm>
+              <a:off x="2052200" y="3636819"/>
+              <a:ext cx="1413159" cy="457189"/>
+            </a:xfrm>
+            <a:prstGeom prst="roundRect">
+              <a:avLst/>
+            </a:prstGeom>
+          </p:spPr>
+          <p:style>
+            <a:lnRef idx="2">
+              <a:schemeClr val="dk1"/>
+            </a:lnRef>
+            <a:fillRef idx="1">
+              <a:schemeClr val="lt1"/>
+            </a:fillRef>
+            <a:effectRef idx="0">
+              <a:schemeClr val="dk1"/>
+            </a:effectRef>
+            <a:fontRef idx="minor">
+              <a:schemeClr val="dk1"/>
+            </a:fontRef>
+          </p:style>
+          <p:txBody>
+            <a:bodyPr rot="0" spcFirstLastPara="0" vertOverflow="overflow" horzOverflow="overflow" vert="horz" wrap="square" lIns="91440" tIns="45720" rIns="91440" bIns="45720" numCol="1" spcCol="0" rtlCol="0" fromWordArt="0" anchor="ctr" anchorCtr="0" forceAA="0" compatLnSpc="1">
+              <a:prstTxWarp prst="textNoShape">
+                <a:avLst/>
+              </a:prstTxWarp>
+              <a:noAutofit/>
+            </a:bodyPr>
+            <a:lstStyle/>
+            <a:p>
+              <a:pPr algn="ctr"/>
+              <a:r>
+                <a:rPr lang="en-US" altLang="zh-CN" dirty="0"/>
+                <a:t>frac(3)</a:t>
+              </a:r>
+              <a:endParaRPr lang="zh-CN" altLang="en-US" dirty="0"/>
+            </a:p>
+          </p:txBody>
+        </p:sp>
+        <p:cxnSp>
+          <p:nvCxnSpPr>
+            <p:cNvPr id="15" name="直接连接符 14">
+              <a:extLst>
+                <a:ext uri="{FF2B5EF4-FFF2-40B4-BE49-F238E27FC236}">
+                  <a16:creationId xmlns:a16="http://schemas.microsoft.com/office/drawing/2014/main" id="{69A5FFE3-CE3C-4132-AB5B-FC224734C69C}"/>
+                </a:ext>
+              </a:extLst>
+            </p:cNvPr>
+            <p:cNvCxnSpPr/>
+            <p:nvPr/>
+          </p:nvCxnSpPr>
+          <p:spPr>
+            <a:xfrm>
+              <a:off x="3782278" y="654628"/>
+              <a:ext cx="0" cy="4104409"/>
+            </a:xfrm>
+            <a:prstGeom prst="line">
+              <a:avLst/>
+            </a:prstGeom>
+            <a:ln w="38100">
+              <a:headEnd type="none" w="med" len="med"/>
+              <a:tailEnd type="none" w="med" len="med"/>
+            </a:ln>
+          </p:spPr>
+          <p:style>
+            <a:lnRef idx="1">
+              <a:schemeClr val="dk1"/>
+            </a:lnRef>
+            <a:fillRef idx="0">
+              <a:schemeClr val="dk1"/>
+            </a:fillRef>
+            <a:effectRef idx="0">
+              <a:schemeClr val="dk1"/>
+            </a:effectRef>
+            <a:fontRef idx="minor">
+              <a:schemeClr val="tx1"/>
+            </a:fontRef>
+          </p:style>
+        </p:cxnSp>
+        <p:cxnSp>
+          <p:nvCxnSpPr>
+            <p:cNvPr id="16" name="直接连接符 15">
+              <a:extLst>
+                <a:ext uri="{FF2B5EF4-FFF2-40B4-BE49-F238E27FC236}">
+                  <a16:creationId xmlns:a16="http://schemas.microsoft.com/office/drawing/2014/main" id="{EA39364A-2C50-4A5A-96CC-997259908CCA}"/>
+                </a:ext>
+              </a:extLst>
+            </p:cNvPr>
+            <p:cNvCxnSpPr/>
+            <p:nvPr/>
+          </p:nvCxnSpPr>
+          <p:spPr>
+            <a:xfrm>
+              <a:off x="5403260" y="654628"/>
+              <a:ext cx="0" cy="4104409"/>
+            </a:xfrm>
+            <a:prstGeom prst="line">
+              <a:avLst/>
+            </a:prstGeom>
+            <a:ln w="38100">
+              <a:headEnd type="none" w="med" len="med"/>
+              <a:tailEnd type="none" w="med" len="med"/>
+            </a:ln>
+          </p:spPr>
+          <p:style>
+            <a:lnRef idx="1">
+              <a:schemeClr val="dk1"/>
+            </a:lnRef>
+            <a:fillRef idx="0">
+              <a:schemeClr val="dk1"/>
+            </a:fillRef>
+            <a:effectRef idx="0">
+              <a:schemeClr val="dk1"/>
+            </a:effectRef>
+            <a:fontRef idx="minor">
+              <a:schemeClr val="tx1"/>
+            </a:fontRef>
+          </p:style>
+        </p:cxnSp>
+        <p:cxnSp>
+          <p:nvCxnSpPr>
+            <p:cNvPr id="17" name="直接连接符 16">
+              <a:extLst>
+                <a:ext uri="{FF2B5EF4-FFF2-40B4-BE49-F238E27FC236}">
+                  <a16:creationId xmlns:a16="http://schemas.microsoft.com/office/drawing/2014/main" id="{5EE4405D-1C0F-4582-8D99-A768868E385A}"/>
+                </a:ext>
+              </a:extLst>
+            </p:cNvPr>
+            <p:cNvCxnSpPr/>
+            <p:nvPr/>
+          </p:nvCxnSpPr>
+          <p:spPr>
+            <a:xfrm flipH="1">
+              <a:off x="3782278" y="4759037"/>
+              <a:ext cx="1610591" cy="0"/>
+            </a:xfrm>
+            <a:prstGeom prst="line">
+              <a:avLst/>
+            </a:prstGeom>
+            <a:ln w="38100">
+              <a:headEnd type="none" w="med" len="med"/>
+              <a:tailEnd type="none" w="med" len="med"/>
+            </a:ln>
+          </p:spPr>
+          <p:style>
+            <a:lnRef idx="3">
+              <a:schemeClr val="dk1"/>
+            </a:lnRef>
+            <a:fillRef idx="0">
+              <a:schemeClr val="dk1"/>
+            </a:fillRef>
+            <a:effectRef idx="2">
+              <a:schemeClr val="dk1"/>
+            </a:effectRef>
+            <a:fontRef idx="minor">
+              <a:schemeClr val="tx1"/>
+            </a:fontRef>
+          </p:style>
+        </p:cxnSp>
+        <p:sp>
+          <p:nvSpPr>
+            <p:cNvPr id="18" name="文本框 17">
+              <a:extLst>
+                <a:ext uri="{FF2B5EF4-FFF2-40B4-BE49-F238E27FC236}">
+                  <a16:creationId xmlns:a16="http://schemas.microsoft.com/office/drawing/2014/main" id="{C14DE71A-FC4E-43A6-B76C-D297A8C77E77}"/>
+                </a:ext>
+              </a:extLst>
+            </p:cNvPr>
+            <p:cNvSpPr txBox="1"/>
+            <p:nvPr/>
+          </p:nvSpPr>
+          <p:spPr>
+            <a:xfrm>
+              <a:off x="4187524" y="4935682"/>
+              <a:ext cx="1091045" cy="369332"/>
+            </a:xfrm>
+            <a:prstGeom prst="rect">
+              <a:avLst/>
+            </a:prstGeom>
+            <a:noFill/>
+          </p:spPr>
+          <p:txBody>
+            <a:bodyPr wrap="square" rtlCol="0">
+              <a:spAutoFit/>
+            </a:bodyPr>
+            <a:lstStyle/>
+            <a:p>
+              <a:r>
+                <a:rPr lang="zh-CN" altLang="en-US" dirty="0"/>
+                <a:t>调用栈</a:t>
+              </a:r>
+            </a:p>
+          </p:txBody>
+        </p:sp>
+        <p:sp>
+          <p:nvSpPr>
+            <p:cNvPr id="19" name="矩形: 圆角 18">
+              <a:extLst>
+                <a:ext uri="{FF2B5EF4-FFF2-40B4-BE49-F238E27FC236}">
+                  <a16:creationId xmlns:a16="http://schemas.microsoft.com/office/drawing/2014/main" id="{C490D844-F85D-4CFE-ADBC-FF0F4BFE6514}"/>
+                </a:ext>
+              </a:extLst>
+            </p:cNvPr>
+            <p:cNvSpPr/>
+            <p:nvPr/>
+          </p:nvSpPr>
+          <p:spPr>
+            <a:xfrm>
+              <a:off x="3865405" y="4197928"/>
+              <a:ext cx="1413159" cy="457189"/>
+            </a:xfrm>
+            <a:prstGeom prst="roundRect">
+              <a:avLst/>
+            </a:prstGeom>
+          </p:spPr>
+          <p:style>
+            <a:lnRef idx="2">
+              <a:schemeClr val="dk1"/>
+            </a:lnRef>
+            <a:fillRef idx="1">
+              <a:schemeClr val="lt1"/>
+            </a:fillRef>
+            <a:effectRef idx="0">
+              <a:schemeClr val="dk1"/>
+            </a:effectRef>
+            <a:fontRef idx="minor">
+              <a:schemeClr val="dk1"/>
+            </a:fontRef>
+          </p:style>
+          <p:txBody>
+            <a:bodyPr rot="0" spcFirstLastPara="0" vertOverflow="overflow" horzOverflow="overflow" vert="horz" wrap="square" lIns="91440" tIns="45720" rIns="91440" bIns="45720" numCol="1" spcCol="0" rtlCol="0" fromWordArt="0" anchor="ctr" anchorCtr="0" forceAA="0" compatLnSpc="1">
+              <a:prstTxWarp prst="textNoShape">
+                <a:avLst/>
+              </a:prstTxWarp>
+              <a:noAutofit/>
+            </a:bodyPr>
+            <a:lstStyle/>
+            <a:p>
+              <a:pPr algn="ctr"/>
+              <a:r>
+                <a:rPr lang="en-US" altLang="zh-CN" dirty="0"/>
+                <a:t>main</a:t>
+              </a:r>
+              <a:endParaRPr lang="zh-CN" altLang="en-US" dirty="0"/>
+            </a:p>
+          </p:txBody>
+        </p:sp>
+        <p:sp>
+          <p:nvSpPr>
+            <p:cNvPr id="20" name="箭头: 下 19">
+              <a:extLst>
+                <a:ext uri="{FF2B5EF4-FFF2-40B4-BE49-F238E27FC236}">
+                  <a16:creationId xmlns:a16="http://schemas.microsoft.com/office/drawing/2014/main" id="{1F6D0957-1AAE-4B54-A7AB-E5C7CCBDDF19}"/>
+                </a:ext>
+              </a:extLst>
+            </p:cNvPr>
+            <p:cNvSpPr/>
+            <p:nvPr/>
+          </p:nvSpPr>
+          <p:spPr>
+            <a:xfrm>
+              <a:off x="4211764" y="1828799"/>
+              <a:ext cx="720440" cy="852055"/>
+            </a:xfrm>
+            <a:prstGeom prst="downArrow">
+              <a:avLst/>
+            </a:prstGeom>
+          </p:spPr>
+          <p:style>
+            <a:lnRef idx="2">
+              <a:schemeClr val="dk1"/>
+            </a:lnRef>
+            <a:fillRef idx="1">
+              <a:schemeClr val="lt1"/>
+            </a:fillRef>
+            <a:effectRef idx="0">
+              <a:schemeClr val="dk1"/>
+            </a:effectRef>
+            <a:fontRef idx="minor">
+              <a:schemeClr val="dk1"/>
+            </a:fontRef>
+          </p:style>
+          <p:txBody>
+            <a:bodyPr rot="0" spcFirstLastPara="0" vertOverflow="overflow" horzOverflow="overflow" vert="horz" wrap="square" lIns="91440" tIns="45720" rIns="91440" bIns="45720" numCol="1" spcCol="0" rtlCol="0" fromWordArt="0" anchor="ctr" anchorCtr="0" forceAA="0" compatLnSpc="1">
+              <a:prstTxWarp prst="textNoShape">
+                <a:avLst/>
+              </a:prstTxWarp>
+              <a:noAutofit/>
+            </a:bodyPr>
+            <a:lstStyle/>
+            <a:p>
+              <a:pPr algn="ctr"/>
+              <a:endParaRPr lang="zh-CN" altLang="en-US"/>
+            </a:p>
+          </p:txBody>
+        </p:sp>
+        <p:sp>
+          <p:nvSpPr>
+            <p:cNvPr id="21" name="矩形: 圆角 20">
+              <a:extLst>
+                <a:ext uri="{FF2B5EF4-FFF2-40B4-BE49-F238E27FC236}">
+                  <a16:creationId xmlns:a16="http://schemas.microsoft.com/office/drawing/2014/main" id="{945EB374-A760-46A9-A72A-C82FD3F14ADD}"/>
+                </a:ext>
+              </a:extLst>
+            </p:cNvPr>
+            <p:cNvSpPr/>
+            <p:nvPr/>
+          </p:nvSpPr>
+          <p:spPr>
+            <a:xfrm>
+              <a:off x="3880993" y="3636819"/>
+              <a:ext cx="1413159" cy="457189"/>
+            </a:xfrm>
+            <a:prstGeom prst="roundRect">
+              <a:avLst/>
+            </a:prstGeom>
+          </p:spPr>
+          <p:style>
+            <a:lnRef idx="2">
+              <a:schemeClr val="dk1"/>
+            </a:lnRef>
+            <a:fillRef idx="1">
+              <a:schemeClr val="lt1"/>
+            </a:fillRef>
+            <a:effectRef idx="0">
+              <a:schemeClr val="dk1"/>
+            </a:effectRef>
+            <a:fontRef idx="minor">
+              <a:schemeClr val="dk1"/>
+            </a:fontRef>
+          </p:style>
+          <p:txBody>
+            <a:bodyPr rot="0" spcFirstLastPara="0" vertOverflow="overflow" horzOverflow="overflow" vert="horz" wrap="square" lIns="91440" tIns="45720" rIns="91440" bIns="45720" numCol="1" spcCol="0" rtlCol="0" fromWordArt="0" anchor="ctr" anchorCtr="0" forceAA="0" compatLnSpc="1">
+              <a:prstTxWarp prst="textNoShape">
+                <a:avLst/>
+              </a:prstTxWarp>
+              <a:noAutofit/>
+            </a:bodyPr>
+            <a:lstStyle/>
+            <a:p>
+              <a:pPr algn="ctr"/>
+              <a:r>
+                <a:rPr lang="en-US" altLang="zh-CN" dirty="0"/>
+                <a:t>frac(3)</a:t>
+              </a:r>
+              <a:endParaRPr lang="zh-CN" altLang="en-US" dirty="0"/>
+            </a:p>
+          </p:txBody>
+        </p:sp>
+        <p:sp>
+          <p:nvSpPr>
+            <p:cNvPr id="22" name="矩形: 圆角 21">
+              <a:extLst>
+                <a:ext uri="{FF2B5EF4-FFF2-40B4-BE49-F238E27FC236}">
+                  <a16:creationId xmlns:a16="http://schemas.microsoft.com/office/drawing/2014/main" id="{D11C5F2C-DD86-48CD-93B1-32B4529BD92B}"/>
+                </a:ext>
+              </a:extLst>
+            </p:cNvPr>
+            <p:cNvSpPr/>
+            <p:nvPr/>
+          </p:nvSpPr>
+          <p:spPr>
+            <a:xfrm>
+              <a:off x="3865404" y="3091308"/>
+              <a:ext cx="1413159" cy="457189"/>
+            </a:xfrm>
+            <a:prstGeom prst="roundRect">
+              <a:avLst/>
+            </a:prstGeom>
+          </p:spPr>
+          <p:style>
+            <a:lnRef idx="2">
+              <a:schemeClr val="dk1"/>
+            </a:lnRef>
+            <a:fillRef idx="1">
+              <a:schemeClr val="lt1"/>
+            </a:fillRef>
+            <a:effectRef idx="0">
+              <a:schemeClr val="dk1"/>
+            </a:effectRef>
+            <a:fontRef idx="minor">
+              <a:schemeClr val="dk1"/>
+            </a:fontRef>
+          </p:style>
+          <p:txBody>
+            <a:bodyPr rot="0" spcFirstLastPara="0" vertOverflow="overflow" horzOverflow="overflow" vert="horz" wrap="square" lIns="91440" tIns="45720" rIns="91440" bIns="45720" numCol="1" spcCol="0" rtlCol="0" fromWordArt="0" anchor="ctr" anchorCtr="0" forceAA="0" compatLnSpc="1">
+              <a:prstTxWarp prst="textNoShape">
+                <a:avLst/>
+              </a:prstTxWarp>
+              <a:noAutofit/>
+            </a:bodyPr>
+            <a:lstStyle/>
+            <a:p>
+              <a:pPr algn="ctr"/>
+              <a:r>
+                <a:rPr lang="en-US" altLang="zh-CN" dirty="0"/>
+                <a:t>frac(2)</a:t>
+              </a:r>
+              <a:endParaRPr lang="zh-CN" altLang="en-US" dirty="0"/>
+            </a:p>
+          </p:txBody>
+        </p:sp>
+        <p:cxnSp>
+          <p:nvCxnSpPr>
+            <p:cNvPr id="23" name="直接连接符 22">
+              <a:extLst>
+                <a:ext uri="{FF2B5EF4-FFF2-40B4-BE49-F238E27FC236}">
+                  <a16:creationId xmlns:a16="http://schemas.microsoft.com/office/drawing/2014/main" id="{08991983-4FBB-4098-AE68-DC13E8305D8A}"/>
+                </a:ext>
+              </a:extLst>
+            </p:cNvPr>
+            <p:cNvCxnSpPr/>
+            <p:nvPr/>
+          </p:nvCxnSpPr>
+          <p:spPr>
+            <a:xfrm>
+              <a:off x="5619712" y="628649"/>
+              <a:ext cx="0" cy="4104409"/>
+            </a:xfrm>
+            <a:prstGeom prst="line">
+              <a:avLst/>
+            </a:prstGeom>
+            <a:ln w="38100">
+              <a:headEnd type="none" w="med" len="med"/>
+              <a:tailEnd type="none" w="med" len="med"/>
+            </a:ln>
+          </p:spPr>
+          <p:style>
+            <a:lnRef idx="1">
+              <a:schemeClr val="dk1"/>
+            </a:lnRef>
+            <a:fillRef idx="0">
+              <a:schemeClr val="dk1"/>
+            </a:fillRef>
+            <a:effectRef idx="0">
+              <a:schemeClr val="dk1"/>
+            </a:effectRef>
+            <a:fontRef idx="minor">
+              <a:schemeClr val="tx1"/>
+            </a:fontRef>
+          </p:style>
+        </p:cxnSp>
+        <p:cxnSp>
+          <p:nvCxnSpPr>
+            <p:cNvPr id="24" name="直接连接符 23">
+              <a:extLst>
+                <a:ext uri="{FF2B5EF4-FFF2-40B4-BE49-F238E27FC236}">
+                  <a16:creationId xmlns:a16="http://schemas.microsoft.com/office/drawing/2014/main" id="{AA0845AB-0AAD-4C09-AC47-9BD829EBB10E}"/>
+                </a:ext>
+              </a:extLst>
+            </p:cNvPr>
+            <p:cNvCxnSpPr/>
+            <p:nvPr/>
+          </p:nvCxnSpPr>
+          <p:spPr>
+            <a:xfrm>
+              <a:off x="7240694" y="628649"/>
+              <a:ext cx="0" cy="4104409"/>
+            </a:xfrm>
+            <a:prstGeom prst="line">
+              <a:avLst/>
+            </a:prstGeom>
+            <a:ln w="38100">
+              <a:headEnd type="none" w="med" len="med"/>
+              <a:tailEnd type="none" w="med" len="med"/>
+            </a:ln>
+          </p:spPr>
+          <p:style>
+            <a:lnRef idx="1">
+              <a:schemeClr val="dk1"/>
+            </a:lnRef>
+            <a:fillRef idx="0">
+              <a:schemeClr val="dk1"/>
+            </a:fillRef>
+            <a:effectRef idx="0">
+              <a:schemeClr val="dk1"/>
+            </a:effectRef>
+            <a:fontRef idx="minor">
+              <a:schemeClr val="tx1"/>
+            </a:fontRef>
+          </p:style>
+        </p:cxnSp>
+        <p:cxnSp>
+          <p:nvCxnSpPr>
+            <p:cNvPr id="25" name="直接连接符 24">
+              <a:extLst>
+                <a:ext uri="{FF2B5EF4-FFF2-40B4-BE49-F238E27FC236}">
+                  <a16:creationId xmlns:a16="http://schemas.microsoft.com/office/drawing/2014/main" id="{3AF86133-5814-43E8-A2D4-3D92D093437F}"/>
+                </a:ext>
+              </a:extLst>
+            </p:cNvPr>
+            <p:cNvCxnSpPr/>
+            <p:nvPr/>
+          </p:nvCxnSpPr>
+          <p:spPr>
+            <a:xfrm flipH="1">
+              <a:off x="5619712" y="4733058"/>
+              <a:ext cx="1610591" cy="0"/>
+            </a:xfrm>
+            <a:prstGeom prst="line">
+              <a:avLst/>
+            </a:prstGeom>
+            <a:ln w="38100">
+              <a:headEnd type="none" w="med" len="med"/>
+              <a:tailEnd type="none" w="med" len="med"/>
+            </a:ln>
+          </p:spPr>
+          <p:style>
+            <a:lnRef idx="3">
+              <a:schemeClr val="dk1"/>
+            </a:lnRef>
+            <a:fillRef idx="0">
+              <a:schemeClr val="dk1"/>
+            </a:fillRef>
+            <a:effectRef idx="2">
+              <a:schemeClr val="dk1"/>
+            </a:effectRef>
+            <a:fontRef idx="minor">
+              <a:schemeClr val="tx1"/>
+            </a:fontRef>
+          </p:style>
+        </p:cxnSp>
+        <p:sp>
+          <p:nvSpPr>
+            <p:cNvPr id="26" name="文本框 25">
+              <a:extLst>
+                <a:ext uri="{FF2B5EF4-FFF2-40B4-BE49-F238E27FC236}">
+                  <a16:creationId xmlns:a16="http://schemas.microsoft.com/office/drawing/2014/main" id="{6B3C22F5-7C7E-4B5B-AD42-67EE7A190D4E}"/>
+                </a:ext>
+              </a:extLst>
+            </p:cNvPr>
+            <p:cNvSpPr txBox="1"/>
+            <p:nvPr/>
+          </p:nvSpPr>
+          <p:spPr>
+            <a:xfrm>
+              <a:off x="6024958" y="4909703"/>
+              <a:ext cx="1091045" cy="369332"/>
+            </a:xfrm>
+            <a:prstGeom prst="rect">
+              <a:avLst/>
+            </a:prstGeom>
+            <a:noFill/>
+          </p:spPr>
+          <p:txBody>
+            <a:bodyPr wrap="square" rtlCol="0">
+              <a:spAutoFit/>
+            </a:bodyPr>
+            <a:lstStyle/>
+            <a:p>
+              <a:r>
+                <a:rPr lang="zh-CN" altLang="en-US" dirty="0"/>
+                <a:t>调用栈</a:t>
+              </a:r>
+            </a:p>
+          </p:txBody>
+        </p:sp>
+        <p:sp>
+          <p:nvSpPr>
+            <p:cNvPr id="27" name="矩形: 圆角 26">
+              <a:extLst>
+                <a:ext uri="{FF2B5EF4-FFF2-40B4-BE49-F238E27FC236}">
+                  <a16:creationId xmlns:a16="http://schemas.microsoft.com/office/drawing/2014/main" id="{4ED24195-1DF9-43C6-8670-D08986876AB7}"/>
+                </a:ext>
+              </a:extLst>
+            </p:cNvPr>
+            <p:cNvSpPr/>
+            <p:nvPr/>
+          </p:nvSpPr>
+          <p:spPr>
+            <a:xfrm>
+              <a:off x="5702839" y="4171949"/>
+              <a:ext cx="1413159" cy="457189"/>
+            </a:xfrm>
+            <a:prstGeom prst="roundRect">
+              <a:avLst/>
+            </a:prstGeom>
+          </p:spPr>
+          <p:style>
+            <a:lnRef idx="2">
+              <a:schemeClr val="dk1"/>
+            </a:lnRef>
+            <a:fillRef idx="1">
+              <a:schemeClr val="lt1"/>
+            </a:fillRef>
+            <a:effectRef idx="0">
+              <a:schemeClr val="dk1"/>
+            </a:effectRef>
+            <a:fontRef idx="minor">
+              <a:schemeClr val="dk1"/>
+            </a:fontRef>
+          </p:style>
+          <p:txBody>
+            <a:bodyPr rot="0" spcFirstLastPara="0" vertOverflow="overflow" horzOverflow="overflow" vert="horz" wrap="square" lIns="91440" tIns="45720" rIns="91440" bIns="45720" numCol="1" spcCol="0" rtlCol="0" fromWordArt="0" anchor="ctr" anchorCtr="0" forceAA="0" compatLnSpc="1">
+              <a:prstTxWarp prst="textNoShape">
+                <a:avLst/>
+              </a:prstTxWarp>
+              <a:noAutofit/>
+            </a:bodyPr>
+            <a:lstStyle/>
+            <a:p>
+              <a:pPr algn="ctr"/>
+              <a:r>
+                <a:rPr lang="en-US" altLang="zh-CN" dirty="0"/>
+                <a:t>main</a:t>
+              </a:r>
+              <a:endParaRPr lang="zh-CN" altLang="en-US" dirty="0"/>
+            </a:p>
+          </p:txBody>
+        </p:sp>
+        <p:sp>
+          <p:nvSpPr>
+            <p:cNvPr id="28" name="箭头: 下 27">
+              <a:extLst>
+                <a:ext uri="{FF2B5EF4-FFF2-40B4-BE49-F238E27FC236}">
+                  <a16:creationId xmlns:a16="http://schemas.microsoft.com/office/drawing/2014/main" id="{73E1DCB5-E53A-429B-90B0-6BD545273C59}"/>
+                </a:ext>
+              </a:extLst>
+            </p:cNvPr>
+            <p:cNvSpPr/>
+            <p:nvPr/>
+          </p:nvSpPr>
+          <p:spPr>
+            <a:xfrm>
+              <a:off x="6024958" y="1181977"/>
+              <a:ext cx="720440" cy="852055"/>
+            </a:xfrm>
+            <a:prstGeom prst="downArrow">
+              <a:avLst/>
+            </a:prstGeom>
+          </p:spPr>
+          <p:style>
+            <a:lnRef idx="2">
+              <a:schemeClr val="dk1"/>
+            </a:lnRef>
+            <a:fillRef idx="1">
+              <a:schemeClr val="lt1"/>
+            </a:fillRef>
+            <a:effectRef idx="0">
+              <a:schemeClr val="dk1"/>
+            </a:effectRef>
+            <a:fontRef idx="minor">
+              <a:schemeClr val="dk1"/>
+            </a:fontRef>
+          </p:style>
+          <p:txBody>
+            <a:bodyPr rot="0" spcFirstLastPara="0" vertOverflow="overflow" horzOverflow="overflow" vert="horz" wrap="square" lIns="91440" tIns="45720" rIns="91440" bIns="45720" numCol="1" spcCol="0" rtlCol="0" fromWordArt="0" anchor="ctr" anchorCtr="0" forceAA="0" compatLnSpc="1">
+              <a:prstTxWarp prst="textNoShape">
+                <a:avLst/>
+              </a:prstTxWarp>
+              <a:noAutofit/>
+            </a:bodyPr>
+            <a:lstStyle/>
+            <a:p>
+              <a:pPr algn="ctr"/>
+              <a:endParaRPr lang="zh-CN" altLang="en-US"/>
+            </a:p>
+          </p:txBody>
+        </p:sp>
+        <p:sp>
+          <p:nvSpPr>
+            <p:cNvPr id="29" name="矩形: 圆角 28">
+              <a:extLst>
+                <a:ext uri="{FF2B5EF4-FFF2-40B4-BE49-F238E27FC236}">
+                  <a16:creationId xmlns:a16="http://schemas.microsoft.com/office/drawing/2014/main" id="{AFF2C8B9-3CDD-46DC-85AC-E241149F540B}"/>
+                </a:ext>
+              </a:extLst>
+            </p:cNvPr>
+            <p:cNvSpPr/>
+            <p:nvPr/>
+          </p:nvSpPr>
+          <p:spPr>
+            <a:xfrm>
+              <a:off x="5718427" y="3610840"/>
+              <a:ext cx="1413159" cy="457189"/>
+            </a:xfrm>
+            <a:prstGeom prst="roundRect">
+              <a:avLst/>
+            </a:prstGeom>
+          </p:spPr>
+          <p:style>
+            <a:lnRef idx="2">
+              <a:schemeClr val="dk1"/>
+            </a:lnRef>
+            <a:fillRef idx="1">
+              <a:schemeClr val="lt1"/>
+            </a:fillRef>
+            <a:effectRef idx="0">
+              <a:schemeClr val="dk1"/>
+            </a:effectRef>
+            <a:fontRef idx="minor">
+              <a:schemeClr val="dk1"/>
+            </a:fontRef>
+          </p:style>
+          <p:txBody>
+            <a:bodyPr rot="0" spcFirstLastPara="0" vertOverflow="overflow" horzOverflow="overflow" vert="horz" wrap="square" lIns="91440" tIns="45720" rIns="91440" bIns="45720" numCol="1" spcCol="0" rtlCol="0" fromWordArt="0" anchor="ctr" anchorCtr="0" forceAA="0" compatLnSpc="1">
+              <a:prstTxWarp prst="textNoShape">
+                <a:avLst/>
+              </a:prstTxWarp>
+              <a:noAutofit/>
+            </a:bodyPr>
+            <a:lstStyle/>
+            <a:p>
+              <a:pPr algn="ctr"/>
+              <a:r>
+                <a:rPr lang="en-US" altLang="zh-CN" dirty="0"/>
+                <a:t>frac(3)</a:t>
+              </a:r>
+              <a:endParaRPr lang="zh-CN" altLang="en-US" dirty="0"/>
+            </a:p>
+          </p:txBody>
+        </p:sp>
+        <p:sp>
+          <p:nvSpPr>
+            <p:cNvPr id="30" name="矩形: 圆角 29">
+              <a:extLst>
+                <a:ext uri="{FF2B5EF4-FFF2-40B4-BE49-F238E27FC236}">
+                  <a16:creationId xmlns:a16="http://schemas.microsoft.com/office/drawing/2014/main" id="{D6A831C8-F615-42E9-8DFC-A6C6A7F6A3B7}"/>
+                </a:ext>
+              </a:extLst>
+            </p:cNvPr>
+            <p:cNvSpPr/>
+            <p:nvPr/>
+          </p:nvSpPr>
+          <p:spPr>
+            <a:xfrm>
+              <a:off x="5702838" y="3065329"/>
+              <a:ext cx="1413159" cy="457189"/>
+            </a:xfrm>
+            <a:prstGeom prst="roundRect">
+              <a:avLst/>
+            </a:prstGeom>
+          </p:spPr>
+          <p:style>
+            <a:lnRef idx="2">
+              <a:schemeClr val="dk1"/>
+            </a:lnRef>
+            <a:fillRef idx="1">
+              <a:schemeClr val="lt1"/>
+            </a:fillRef>
+            <a:effectRef idx="0">
+              <a:schemeClr val="dk1"/>
+            </a:effectRef>
+            <a:fontRef idx="minor">
+              <a:schemeClr val="dk1"/>
+            </a:fontRef>
+          </p:style>
+          <p:txBody>
+            <a:bodyPr rot="0" spcFirstLastPara="0" vertOverflow="overflow" horzOverflow="overflow" vert="horz" wrap="square" lIns="91440" tIns="45720" rIns="91440" bIns="45720" numCol="1" spcCol="0" rtlCol="0" fromWordArt="0" anchor="ctr" anchorCtr="0" forceAA="0" compatLnSpc="1">
+              <a:prstTxWarp prst="textNoShape">
+                <a:avLst/>
+              </a:prstTxWarp>
+              <a:noAutofit/>
+            </a:bodyPr>
+            <a:lstStyle/>
+            <a:p>
+              <a:pPr algn="ctr"/>
+              <a:r>
+                <a:rPr lang="en-US" altLang="zh-CN" dirty="0"/>
+                <a:t>frac(2)</a:t>
+              </a:r>
+              <a:endParaRPr lang="zh-CN" altLang="en-US" dirty="0"/>
+            </a:p>
+          </p:txBody>
+        </p:sp>
+        <p:sp>
+          <p:nvSpPr>
+            <p:cNvPr id="31" name="矩形: 圆角 30">
+              <a:extLst>
+                <a:ext uri="{FF2B5EF4-FFF2-40B4-BE49-F238E27FC236}">
+                  <a16:creationId xmlns:a16="http://schemas.microsoft.com/office/drawing/2014/main" id="{A1597738-F1BE-4828-9BCC-6A11BF4D6737}"/>
+                </a:ext>
+              </a:extLst>
+            </p:cNvPr>
+            <p:cNvSpPr/>
+            <p:nvPr/>
+          </p:nvSpPr>
+          <p:spPr>
+            <a:xfrm>
+              <a:off x="5702838" y="2512019"/>
+              <a:ext cx="1413159" cy="457189"/>
+            </a:xfrm>
+            <a:prstGeom prst="roundRect">
+              <a:avLst/>
+            </a:prstGeom>
+          </p:spPr>
+          <p:style>
+            <a:lnRef idx="2">
+              <a:schemeClr val="dk1"/>
+            </a:lnRef>
+            <a:fillRef idx="1">
+              <a:schemeClr val="lt1"/>
+            </a:fillRef>
+            <a:effectRef idx="0">
+              <a:schemeClr val="dk1"/>
+            </a:effectRef>
+            <a:fontRef idx="minor">
+              <a:schemeClr val="dk1"/>
+            </a:fontRef>
+          </p:style>
+          <p:txBody>
+            <a:bodyPr rot="0" spcFirstLastPara="0" vertOverflow="overflow" horzOverflow="overflow" vert="horz" wrap="square" lIns="91440" tIns="45720" rIns="91440" bIns="45720" numCol="1" spcCol="0" rtlCol="0" fromWordArt="0" anchor="ctr" anchorCtr="0" forceAA="0" compatLnSpc="1">
+              <a:prstTxWarp prst="textNoShape">
+                <a:avLst/>
+              </a:prstTxWarp>
+              <a:noAutofit/>
+            </a:bodyPr>
+            <a:lstStyle/>
+            <a:p>
+              <a:pPr algn="ctr"/>
+              <a:r>
+                <a:rPr lang="en-US" altLang="zh-CN" dirty="0"/>
+                <a:t>frac(1)</a:t>
+              </a:r>
+              <a:endParaRPr lang="zh-CN" altLang="en-US" dirty="0"/>
+            </a:p>
+          </p:txBody>
+        </p:sp>
+        <p:cxnSp>
+          <p:nvCxnSpPr>
+            <p:cNvPr id="32" name="直接连接符 31">
+              <a:extLst>
+                <a:ext uri="{FF2B5EF4-FFF2-40B4-BE49-F238E27FC236}">
+                  <a16:creationId xmlns:a16="http://schemas.microsoft.com/office/drawing/2014/main" id="{C992C2FF-4591-426C-84A8-8980D8200A60}"/>
+                </a:ext>
+              </a:extLst>
+            </p:cNvPr>
+            <p:cNvCxnSpPr/>
+            <p:nvPr/>
+          </p:nvCxnSpPr>
+          <p:spPr>
+            <a:xfrm>
+              <a:off x="7394781" y="654628"/>
+              <a:ext cx="0" cy="4104409"/>
+            </a:xfrm>
+            <a:prstGeom prst="line">
+              <a:avLst/>
+            </a:prstGeom>
+            <a:ln w="38100">
+              <a:headEnd type="none" w="med" len="med"/>
+              <a:tailEnd type="none" w="med" len="med"/>
+            </a:ln>
+          </p:spPr>
+          <p:style>
+            <a:lnRef idx="1">
+              <a:schemeClr val="dk1"/>
+            </a:lnRef>
+            <a:fillRef idx="0">
+              <a:schemeClr val="dk1"/>
+            </a:fillRef>
+            <a:effectRef idx="0">
+              <a:schemeClr val="dk1"/>
+            </a:effectRef>
+            <a:fontRef idx="minor">
+              <a:schemeClr val="tx1"/>
+            </a:fontRef>
+          </p:style>
+        </p:cxnSp>
+        <p:cxnSp>
+          <p:nvCxnSpPr>
+            <p:cNvPr id="33" name="直接连接符 32">
+              <a:extLst>
+                <a:ext uri="{FF2B5EF4-FFF2-40B4-BE49-F238E27FC236}">
+                  <a16:creationId xmlns:a16="http://schemas.microsoft.com/office/drawing/2014/main" id="{C63AC638-CD64-401D-B9B3-48698D3C200C}"/>
+                </a:ext>
+              </a:extLst>
+            </p:cNvPr>
+            <p:cNvCxnSpPr/>
+            <p:nvPr/>
+          </p:nvCxnSpPr>
+          <p:spPr>
+            <a:xfrm>
+              <a:off x="9015763" y="654628"/>
+              <a:ext cx="0" cy="4104409"/>
+            </a:xfrm>
+            <a:prstGeom prst="line">
+              <a:avLst/>
+            </a:prstGeom>
+            <a:ln w="38100">
+              <a:headEnd type="none" w="med" len="med"/>
+              <a:tailEnd type="none" w="med" len="med"/>
+            </a:ln>
+          </p:spPr>
+          <p:style>
+            <a:lnRef idx="1">
+              <a:schemeClr val="dk1"/>
+            </a:lnRef>
+            <a:fillRef idx="0">
+              <a:schemeClr val="dk1"/>
+            </a:fillRef>
+            <a:effectRef idx="0">
+              <a:schemeClr val="dk1"/>
+            </a:effectRef>
+            <a:fontRef idx="minor">
+              <a:schemeClr val="tx1"/>
+            </a:fontRef>
+          </p:style>
+        </p:cxnSp>
+        <p:cxnSp>
+          <p:nvCxnSpPr>
+            <p:cNvPr id="34" name="直接连接符 33">
+              <a:extLst>
+                <a:ext uri="{FF2B5EF4-FFF2-40B4-BE49-F238E27FC236}">
+                  <a16:creationId xmlns:a16="http://schemas.microsoft.com/office/drawing/2014/main" id="{68E9F9DB-F8E0-45DC-8C75-F98C19498DD6}"/>
+                </a:ext>
+              </a:extLst>
+            </p:cNvPr>
+            <p:cNvCxnSpPr/>
+            <p:nvPr/>
+          </p:nvCxnSpPr>
+          <p:spPr>
+            <a:xfrm flipH="1">
+              <a:off x="7394781" y="4759037"/>
+              <a:ext cx="1610591" cy="0"/>
+            </a:xfrm>
+            <a:prstGeom prst="line">
+              <a:avLst/>
+            </a:prstGeom>
+            <a:ln w="38100">
+              <a:headEnd type="none" w="med" len="med"/>
+              <a:tailEnd type="none" w="med" len="med"/>
+            </a:ln>
+          </p:spPr>
+          <p:style>
+            <a:lnRef idx="3">
+              <a:schemeClr val="dk1"/>
+            </a:lnRef>
+            <a:fillRef idx="0">
+              <a:schemeClr val="dk1"/>
+            </a:fillRef>
+            <a:effectRef idx="2">
+              <a:schemeClr val="dk1"/>
+            </a:effectRef>
+            <a:fontRef idx="minor">
+              <a:schemeClr val="tx1"/>
+            </a:fontRef>
+          </p:style>
+        </p:cxnSp>
+        <p:sp>
+          <p:nvSpPr>
+            <p:cNvPr id="35" name="文本框 34">
+              <a:extLst>
+                <a:ext uri="{FF2B5EF4-FFF2-40B4-BE49-F238E27FC236}">
+                  <a16:creationId xmlns:a16="http://schemas.microsoft.com/office/drawing/2014/main" id="{A2775077-14F0-4D0A-8762-58C7340845D0}"/>
+                </a:ext>
+              </a:extLst>
+            </p:cNvPr>
+            <p:cNvSpPr txBox="1"/>
+            <p:nvPr/>
+          </p:nvSpPr>
+          <p:spPr>
+            <a:xfrm>
+              <a:off x="7800027" y="4935682"/>
+              <a:ext cx="1091045" cy="369332"/>
+            </a:xfrm>
+            <a:prstGeom prst="rect">
+              <a:avLst/>
+            </a:prstGeom>
+            <a:noFill/>
+          </p:spPr>
+          <p:txBody>
+            <a:bodyPr wrap="square" rtlCol="0">
+              <a:spAutoFit/>
+            </a:bodyPr>
+            <a:lstStyle/>
+            <a:p>
+              <a:r>
+                <a:rPr lang="zh-CN" altLang="en-US" dirty="0"/>
+                <a:t>调用栈</a:t>
+              </a:r>
+            </a:p>
+          </p:txBody>
+        </p:sp>
+        <p:sp>
+          <p:nvSpPr>
+            <p:cNvPr id="36" name="矩形: 圆角 35">
+              <a:extLst>
+                <a:ext uri="{FF2B5EF4-FFF2-40B4-BE49-F238E27FC236}">
+                  <a16:creationId xmlns:a16="http://schemas.microsoft.com/office/drawing/2014/main" id="{70EE48A3-5ECA-4AC2-AABA-DC54BB3E6C27}"/>
+                </a:ext>
+              </a:extLst>
+            </p:cNvPr>
+            <p:cNvSpPr/>
+            <p:nvPr/>
+          </p:nvSpPr>
+          <p:spPr>
+            <a:xfrm>
+              <a:off x="7477908" y="4197928"/>
+              <a:ext cx="1413159" cy="457189"/>
+            </a:xfrm>
+            <a:prstGeom prst="roundRect">
+              <a:avLst/>
+            </a:prstGeom>
+          </p:spPr>
+          <p:style>
+            <a:lnRef idx="2">
+              <a:schemeClr val="dk1"/>
+            </a:lnRef>
+            <a:fillRef idx="1">
+              <a:schemeClr val="lt1"/>
+            </a:fillRef>
+            <a:effectRef idx="0">
+              <a:schemeClr val="dk1"/>
+            </a:effectRef>
+            <a:fontRef idx="minor">
+              <a:schemeClr val="dk1"/>
+            </a:fontRef>
+          </p:style>
+          <p:txBody>
+            <a:bodyPr rot="0" spcFirstLastPara="0" vertOverflow="overflow" horzOverflow="overflow" vert="horz" wrap="square" lIns="91440" tIns="45720" rIns="91440" bIns="45720" numCol="1" spcCol="0" rtlCol="0" fromWordArt="0" anchor="ctr" anchorCtr="0" forceAA="0" compatLnSpc="1">
+              <a:prstTxWarp prst="textNoShape">
+                <a:avLst/>
+              </a:prstTxWarp>
+              <a:noAutofit/>
+            </a:bodyPr>
+            <a:lstStyle/>
+            <a:p>
+              <a:pPr algn="ctr"/>
+              <a:r>
+                <a:rPr lang="en-US" altLang="zh-CN" dirty="0"/>
+                <a:t>main</a:t>
+              </a:r>
+              <a:endParaRPr lang="zh-CN" altLang="en-US" dirty="0"/>
+            </a:p>
+          </p:txBody>
+        </p:sp>
+        <p:sp>
+          <p:nvSpPr>
+            <p:cNvPr id="38" name="矩形: 圆角 37">
+              <a:extLst>
+                <a:ext uri="{FF2B5EF4-FFF2-40B4-BE49-F238E27FC236}">
+                  <a16:creationId xmlns:a16="http://schemas.microsoft.com/office/drawing/2014/main" id="{22971E3E-46F8-4855-8B62-FC8640A0E19F}"/>
+                </a:ext>
+              </a:extLst>
+            </p:cNvPr>
+            <p:cNvSpPr/>
+            <p:nvPr/>
+          </p:nvSpPr>
+          <p:spPr>
+            <a:xfrm>
+              <a:off x="7493496" y="3636819"/>
+              <a:ext cx="1413159" cy="457189"/>
+            </a:xfrm>
+            <a:prstGeom prst="roundRect">
+              <a:avLst/>
+            </a:prstGeom>
+          </p:spPr>
+          <p:style>
+            <a:lnRef idx="2">
+              <a:schemeClr val="dk1"/>
+            </a:lnRef>
+            <a:fillRef idx="1">
+              <a:schemeClr val="lt1"/>
+            </a:fillRef>
+            <a:effectRef idx="0">
+              <a:schemeClr val="dk1"/>
+            </a:effectRef>
+            <a:fontRef idx="minor">
+              <a:schemeClr val="dk1"/>
+            </a:fontRef>
+          </p:style>
+          <p:txBody>
+            <a:bodyPr rot="0" spcFirstLastPara="0" vertOverflow="overflow" horzOverflow="overflow" vert="horz" wrap="square" lIns="91440" tIns="45720" rIns="91440" bIns="45720" numCol="1" spcCol="0" rtlCol="0" fromWordArt="0" anchor="ctr" anchorCtr="0" forceAA="0" compatLnSpc="1">
+              <a:prstTxWarp prst="textNoShape">
+                <a:avLst/>
+              </a:prstTxWarp>
+              <a:noAutofit/>
+            </a:bodyPr>
+            <a:lstStyle/>
+            <a:p>
+              <a:pPr algn="ctr"/>
+              <a:r>
+                <a:rPr lang="en-US" altLang="zh-CN" dirty="0"/>
+                <a:t>frac(3)</a:t>
+              </a:r>
+              <a:endParaRPr lang="zh-CN" altLang="en-US" dirty="0"/>
+            </a:p>
+          </p:txBody>
+        </p:sp>
+        <p:sp>
+          <p:nvSpPr>
+            <p:cNvPr id="39" name="矩形: 圆角 38">
+              <a:extLst>
+                <a:ext uri="{FF2B5EF4-FFF2-40B4-BE49-F238E27FC236}">
+                  <a16:creationId xmlns:a16="http://schemas.microsoft.com/office/drawing/2014/main" id="{85AE1E23-CD8B-4F1D-B076-ED68D30966F8}"/>
+                </a:ext>
+              </a:extLst>
+            </p:cNvPr>
+            <p:cNvSpPr/>
+            <p:nvPr/>
+          </p:nvSpPr>
+          <p:spPr>
+            <a:xfrm>
+              <a:off x="7477907" y="3091308"/>
+              <a:ext cx="1413159" cy="457189"/>
+            </a:xfrm>
+            <a:prstGeom prst="roundRect">
+              <a:avLst/>
+            </a:prstGeom>
+          </p:spPr>
+          <p:style>
+            <a:lnRef idx="2">
+              <a:schemeClr val="dk1"/>
+            </a:lnRef>
+            <a:fillRef idx="1">
+              <a:schemeClr val="lt1"/>
+            </a:fillRef>
+            <a:effectRef idx="0">
+              <a:schemeClr val="dk1"/>
+            </a:effectRef>
+            <a:fontRef idx="minor">
+              <a:schemeClr val="dk1"/>
+            </a:fontRef>
+          </p:style>
+          <p:txBody>
+            <a:bodyPr rot="0" spcFirstLastPara="0" vertOverflow="overflow" horzOverflow="overflow" vert="horz" wrap="square" lIns="91440" tIns="45720" rIns="91440" bIns="45720" numCol="1" spcCol="0" rtlCol="0" fromWordArt="0" anchor="ctr" anchorCtr="0" forceAA="0" compatLnSpc="1">
+              <a:prstTxWarp prst="textNoShape">
+                <a:avLst/>
+              </a:prstTxWarp>
+              <a:noAutofit/>
+            </a:bodyPr>
+            <a:lstStyle/>
+            <a:p>
+              <a:pPr algn="ctr"/>
+              <a:r>
+                <a:rPr lang="en-US" altLang="zh-CN" dirty="0"/>
+                <a:t>frac(2)</a:t>
+              </a:r>
+              <a:endParaRPr lang="zh-CN" altLang="en-US" dirty="0"/>
+            </a:p>
+          </p:txBody>
+        </p:sp>
+        <p:cxnSp>
+          <p:nvCxnSpPr>
+            <p:cNvPr id="41" name="直接连接符 40">
+              <a:extLst>
+                <a:ext uri="{FF2B5EF4-FFF2-40B4-BE49-F238E27FC236}">
+                  <a16:creationId xmlns:a16="http://schemas.microsoft.com/office/drawing/2014/main" id="{97D3EE29-F8BF-457E-B941-1D89795056FC}"/>
+                </a:ext>
+              </a:extLst>
+            </p:cNvPr>
+            <p:cNvCxnSpPr>
+              <a:cxnSpLocks/>
+            </p:cNvCxnSpPr>
+            <p:nvPr/>
+          </p:nvCxnSpPr>
+          <p:spPr>
+            <a:xfrm>
+              <a:off x="9130067" y="633836"/>
+              <a:ext cx="0" cy="4104409"/>
+            </a:xfrm>
+            <a:prstGeom prst="line">
+              <a:avLst/>
+            </a:prstGeom>
+            <a:ln w="38100">
+              <a:headEnd type="none" w="med" len="med"/>
+              <a:tailEnd type="none" w="med" len="med"/>
+            </a:ln>
+          </p:spPr>
+          <p:style>
+            <a:lnRef idx="1">
+              <a:schemeClr val="dk1"/>
+            </a:lnRef>
+            <a:fillRef idx="0">
+              <a:schemeClr val="dk1"/>
+            </a:fillRef>
+            <a:effectRef idx="0">
+              <a:schemeClr val="dk1"/>
+            </a:effectRef>
+            <a:fontRef idx="minor">
+              <a:schemeClr val="tx1"/>
+            </a:fontRef>
+          </p:style>
+        </p:cxnSp>
+        <p:cxnSp>
+          <p:nvCxnSpPr>
+            <p:cNvPr id="42" name="直接连接符 41">
+              <a:extLst>
+                <a:ext uri="{FF2B5EF4-FFF2-40B4-BE49-F238E27FC236}">
+                  <a16:creationId xmlns:a16="http://schemas.microsoft.com/office/drawing/2014/main" id="{3D26B5B1-7B36-47F5-923F-F78045ED1F90}"/>
+                </a:ext>
+              </a:extLst>
+            </p:cNvPr>
+            <p:cNvCxnSpPr>
+              <a:cxnSpLocks/>
+            </p:cNvCxnSpPr>
+            <p:nvPr/>
+          </p:nvCxnSpPr>
+          <p:spPr>
+            <a:xfrm>
+              <a:off x="10751049" y="633836"/>
+              <a:ext cx="0" cy="4104409"/>
+            </a:xfrm>
+            <a:prstGeom prst="line">
+              <a:avLst/>
+            </a:prstGeom>
+            <a:ln w="38100">
+              <a:headEnd type="none" w="med" len="med"/>
+              <a:tailEnd type="none" w="med" len="med"/>
+            </a:ln>
+          </p:spPr>
+          <p:style>
+            <a:lnRef idx="1">
+              <a:schemeClr val="dk1"/>
+            </a:lnRef>
+            <a:fillRef idx="0">
+              <a:schemeClr val="dk1"/>
+            </a:fillRef>
+            <a:effectRef idx="0">
+              <a:schemeClr val="dk1"/>
+            </a:effectRef>
+            <a:fontRef idx="minor">
+              <a:schemeClr val="tx1"/>
+            </a:fontRef>
+          </p:style>
+        </p:cxnSp>
+        <p:cxnSp>
+          <p:nvCxnSpPr>
+            <p:cNvPr id="43" name="直接连接符 42">
+              <a:extLst>
+                <a:ext uri="{FF2B5EF4-FFF2-40B4-BE49-F238E27FC236}">
+                  <a16:creationId xmlns:a16="http://schemas.microsoft.com/office/drawing/2014/main" id="{C0C7C04F-455D-43F8-9F49-422FEEE26CB7}"/>
+                </a:ext>
+              </a:extLst>
+            </p:cNvPr>
+            <p:cNvCxnSpPr>
+              <a:cxnSpLocks/>
+            </p:cNvCxnSpPr>
+            <p:nvPr/>
+          </p:nvCxnSpPr>
+          <p:spPr>
+            <a:xfrm flipH="1">
+              <a:off x="9130067" y="4738245"/>
+              <a:ext cx="1610591" cy="0"/>
+            </a:xfrm>
+            <a:prstGeom prst="line">
+              <a:avLst/>
+            </a:prstGeom>
+            <a:ln w="38100">
+              <a:headEnd type="none" w="med" len="med"/>
+              <a:tailEnd type="none" w="med" len="med"/>
+            </a:ln>
+          </p:spPr>
+          <p:style>
+            <a:lnRef idx="3">
+              <a:schemeClr val="dk1"/>
+            </a:lnRef>
+            <a:fillRef idx="0">
+              <a:schemeClr val="dk1"/>
+            </a:fillRef>
+            <a:effectRef idx="2">
+              <a:schemeClr val="dk1"/>
+            </a:effectRef>
+            <a:fontRef idx="minor">
+              <a:schemeClr val="tx1"/>
+            </a:fontRef>
+          </p:style>
+        </p:cxnSp>
+        <p:sp>
+          <p:nvSpPr>
+            <p:cNvPr id="44" name="文本框 43">
+              <a:extLst>
+                <a:ext uri="{FF2B5EF4-FFF2-40B4-BE49-F238E27FC236}">
+                  <a16:creationId xmlns:a16="http://schemas.microsoft.com/office/drawing/2014/main" id="{82D4C1C5-2573-4259-A2B4-4D4D28D0BCE5}"/>
+                </a:ext>
+              </a:extLst>
+            </p:cNvPr>
+            <p:cNvSpPr txBox="1"/>
+            <p:nvPr/>
+          </p:nvSpPr>
+          <p:spPr>
+            <a:xfrm>
+              <a:off x="9535313" y="4914890"/>
+              <a:ext cx="1091045" cy="369332"/>
+            </a:xfrm>
+            <a:prstGeom prst="rect">
+              <a:avLst/>
+            </a:prstGeom>
+            <a:noFill/>
+          </p:spPr>
+          <p:txBody>
+            <a:bodyPr wrap="square" rtlCol="0">
+              <a:spAutoFit/>
+            </a:bodyPr>
+            <a:lstStyle/>
+            <a:p>
+              <a:r>
+                <a:rPr lang="zh-CN" altLang="en-US" dirty="0"/>
+                <a:t>调用栈</a:t>
+              </a:r>
+            </a:p>
+          </p:txBody>
+        </p:sp>
+        <p:sp>
+          <p:nvSpPr>
+            <p:cNvPr id="45" name="矩形: 圆角 44">
+              <a:extLst>
+                <a:ext uri="{FF2B5EF4-FFF2-40B4-BE49-F238E27FC236}">
+                  <a16:creationId xmlns:a16="http://schemas.microsoft.com/office/drawing/2014/main" id="{82F9FFB8-6460-4FD2-9469-F26160472A48}"/>
+                </a:ext>
+              </a:extLst>
+            </p:cNvPr>
+            <p:cNvSpPr/>
+            <p:nvPr/>
+          </p:nvSpPr>
+          <p:spPr>
+            <a:xfrm>
+              <a:off x="9213194" y="4177136"/>
+              <a:ext cx="1413159" cy="457189"/>
+            </a:xfrm>
+            <a:prstGeom prst="roundRect">
+              <a:avLst/>
+            </a:prstGeom>
+          </p:spPr>
+          <p:style>
+            <a:lnRef idx="2">
+              <a:schemeClr val="dk1"/>
+            </a:lnRef>
+            <a:fillRef idx="1">
+              <a:schemeClr val="lt1"/>
+            </a:fillRef>
+            <a:effectRef idx="0">
+              <a:schemeClr val="dk1"/>
+            </a:effectRef>
+            <a:fontRef idx="minor">
+              <a:schemeClr val="dk1"/>
+            </a:fontRef>
+          </p:style>
+          <p:txBody>
+            <a:bodyPr rot="0" spcFirstLastPara="0" vertOverflow="overflow" horzOverflow="overflow" vert="horz" wrap="square" lIns="91440" tIns="45720" rIns="91440" bIns="45720" numCol="1" spcCol="0" rtlCol="0" fromWordArt="0" anchor="ctr" anchorCtr="0" forceAA="0" compatLnSpc="1">
+              <a:prstTxWarp prst="textNoShape">
+                <a:avLst/>
+              </a:prstTxWarp>
+              <a:noAutofit/>
+            </a:bodyPr>
+            <a:lstStyle/>
+            <a:p>
+              <a:pPr algn="ctr"/>
+              <a:r>
+                <a:rPr lang="en-US" altLang="zh-CN" dirty="0"/>
+                <a:t>main</a:t>
+              </a:r>
+              <a:endParaRPr lang="zh-CN" altLang="en-US" dirty="0"/>
+            </a:p>
+          </p:txBody>
+        </p:sp>
+        <p:sp>
+          <p:nvSpPr>
+            <p:cNvPr id="47" name="矩形: 圆角 46">
+              <a:extLst>
+                <a:ext uri="{FF2B5EF4-FFF2-40B4-BE49-F238E27FC236}">
+                  <a16:creationId xmlns:a16="http://schemas.microsoft.com/office/drawing/2014/main" id="{9BC1F203-3E75-4742-ACA5-A93EA69D0EE0}"/>
+                </a:ext>
+              </a:extLst>
+            </p:cNvPr>
+            <p:cNvSpPr/>
+            <p:nvPr/>
+          </p:nvSpPr>
+          <p:spPr>
+            <a:xfrm>
+              <a:off x="9228782" y="3616027"/>
+              <a:ext cx="1413159" cy="457189"/>
+            </a:xfrm>
+            <a:prstGeom prst="roundRect">
+              <a:avLst/>
+            </a:prstGeom>
+          </p:spPr>
+          <p:style>
+            <a:lnRef idx="2">
+              <a:schemeClr val="dk1"/>
+            </a:lnRef>
+            <a:fillRef idx="1">
+              <a:schemeClr val="lt1"/>
+            </a:fillRef>
+            <a:effectRef idx="0">
+              <a:schemeClr val="dk1"/>
+            </a:effectRef>
+            <a:fontRef idx="minor">
+              <a:schemeClr val="dk1"/>
+            </a:fontRef>
+          </p:style>
+          <p:txBody>
+            <a:bodyPr rot="0" spcFirstLastPara="0" vertOverflow="overflow" horzOverflow="overflow" vert="horz" wrap="square" lIns="91440" tIns="45720" rIns="91440" bIns="45720" numCol="1" spcCol="0" rtlCol="0" fromWordArt="0" anchor="ctr" anchorCtr="0" forceAA="0" compatLnSpc="1">
+              <a:prstTxWarp prst="textNoShape">
+                <a:avLst/>
+              </a:prstTxWarp>
+              <a:noAutofit/>
+            </a:bodyPr>
+            <a:lstStyle/>
+            <a:p>
+              <a:pPr algn="ctr"/>
+              <a:r>
+                <a:rPr lang="en-US" altLang="zh-CN" dirty="0"/>
+                <a:t>frac(3)</a:t>
+              </a:r>
+              <a:endParaRPr lang="zh-CN" altLang="en-US" dirty="0"/>
+            </a:p>
+          </p:txBody>
+        </p:sp>
+        <p:cxnSp>
+          <p:nvCxnSpPr>
+            <p:cNvPr id="52" name="直接连接符 51">
+              <a:extLst>
+                <a:ext uri="{FF2B5EF4-FFF2-40B4-BE49-F238E27FC236}">
+                  <a16:creationId xmlns:a16="http://schemas.microsoft.com/office/drawing/2014/main" id="{B92D9425-9672-47EE-88C8-FF2644AF7236}"/>
+                </a:ext>
+              </a:extLst>
+            </p:cNvPr>
+            <p:cNvCxnSpPr>
+              <a:cxnSpLocks/>
+            </p:cNvCxnSpPr>
+            <p:nvPr/>
+          </p:nvCxnSpPr>
+          <p:spPr>
+            <a:xfrm>
+              <a:off x="10839372" y="654628"/>
+              <a:ext cx="0" cy="4104409"/>
+            </a:xfrm>
+            <a:prstGeom prst="line">
+              <a:avLst/>
+            </a:prstGeom>
+            <a:ln w="38100">
+              <a:headEnd type="none" w="med" len="med"/>
+              <a:tailEnd type="none" w="med" len="med"/>
+            </a:ln>
+          </p:spPr>
+          <p:style>
+            <a:lnRef idx="1">
+              <a:schemeClr val="dk1"/>
+            </a:lnRef>
+            <a:fillRef idx="0">
+              <a:schemeClr val="dk1"/>
+            </a:fillRef>
+            <a:effectRef idx="0">
+              <a:schemeClr val="dk1"/>
+            </a:effectRef>
+            <a:fontRef idx="minor">
+              <a:schemeClr val="tx1"/>
+            </a:fontRef>
+          </p:style>
+        </p:cxnSp>
+        <p:cxnSp>
+          <p:nvCxnSpPr>
+            <p:cNvPr id="53" name="直接连接符 52">
+              <a:extLst>
+                <a:ext uri="{FF2B5EF4-FFF2-40B4-BE49-F238E27FC236}">
+                  <a16:creationId xmlns:a16="http://schemas.microsoft.com/office/drawing/2014/main" id="{97DB3436-ACF5-4562-81A7-2E96CA4FA2BB}"/>
+                </a:ext>
+              </a:extLst>
+            </p:cNvPr>
+            <p:cNvCxnSpPr>
+              <a:cxnSpLocks/>
+            </p:cNvCxnSpPr>
+            <p:nvPr/>
+          </p:nvCxnSpPr>
+          <p:spPr>
+            <a:xfrm>
+              <a:off x="12460354" y="654628"/>
+              <a:ext cx="0" cy="4104409"/>
+            </a:xfrm>
+            <a:prstGeom prst="line">
+              <a:avLst/>
+            </a:prstGeom>
+            <a:ln w="38100">
+              <a:headEnd type="none" w="med" len="med"/>
+              <a:tailEnd type="none" w="med" len="med"/>
+            </a:ln>
+          </p:spPr>
+          <p:style>
+            <a:lnRef idx="1">
+              <a:schemeClr val="dk1"/>
+            </a:lnRef>
+            <a:fillRef idx="0">
+              <a:schemeClr val="dk1"/>
+            </a:fillRef>
+            <a:effectRef idx="0">
+              <a:schemeClr val="dk1"/>
+            </a:effectRef>
+            <a:fontRef idx="minor">
+              <a:schemeClr val="tx1"/>
+            </a:fontRef>
+          </p:style>
+        </p:cxnSp>
+        <p:cxnSp>
+          <p:nvCxnSpPr>
+            <p:cNvPr id="54" name="直接连接符 53">
+              <a:extLst>
+                <a:ext uri="{FF2B5EF4-FFF2-40B4-BE49-F238E27FC236}">
+                  <a16:creationId xmlns:a16="http://schemas.microsoft.com/office/drawing/2014/main" id="{DBB1250D-60B5-4330-8267-FD673F10974F}"/>
+                </a:ext>
+              </a:extLst>
+            </p:cNvPr>
+            <p:cNvCxnSpPr>
+              <a:cxnSpLocks/>
+            </p:cNvCxnSpPr>
+            <p:nvPr/>
+          </p:nvCxnSpPr>
+          <p:spPr>
+            <a:xfrm flipH="1">
+              <a:off x="10839372" y="4759037"/>
+              <a:ext cx="1610591" cy="0"/>
+            </a:xfrm>
+            <a:prstGeom prst="line">
+              <a:avLst/>
+            </a:prstGeom>
+            <a:ln w="38100">
+              <a:headEnd type="none" w="med" len="med"/>
+              <a:tailEnd type="none" w="med" len="med"/>
+            </a:ln>
+          </p:spPr>
+          <p:style>
+            <a:lnRef idx="3">
+              <a:schemeClr val="dk1"/>
+            </a:lnRef>
+            <a:fillRef idx="0">
+              <a:schemeClr val="dk1"/>
+            </a:fillRef>
+            <a:effectRef idx="2">
+              <a:schemeClr val="dk1"/>
+            </a:effectRef>
+            <a:fontRef idx="minor">
+              <a:schemeClr val="tx1"/>
+            </a:fontRef>
+          </p:style>
+        </p:cxnSp>
+        <p:sp>
+          <p:nvSpPr>
+            <p:cNvPr id="55" name="文本框 54">
+              <a:extLst>
+                <a:ext uri="{FF2B5EF4-FFF2-40B4-BE49-F238E27FC236}">
+                  <a16:creationId xmlns:a16="http://schemas.microsoft.com/office/drawing/2014/main" id="{9DAD5045-51A4-4817-82E4-D06D8729C251}"/>
+                </a:ext>
+              </a:extLst>
+            </p:cNvPr>
+            <p:cNvSpPr txBox="1"/>
+            <p:nvPr/>
+          </p:nvSpPr>
+          <p:spPr>
+            <a:xfrm>
+              <a:off x="11244618" y="4935682"/>
+              <a:ext cx="1091045" cy="369332"/>
+            </a:xfrm>
+            <a:prstGeom prst="rect">
+              <a:avLst/>
+            </a:prstGeom>
+            <a:noFill/>
+          </p:spPr>
+          <p:txBody>
+            <a:bodyPr wrap="square" rtlCol="0">
+              <a:spAutoFit/>
+            </a:bodyPr>
+            <a:lstStyle/>
+            <a:p>
+              <a:r>
+                <a:rPr lang="zh-CN" altLang="en-US" dirty="0"/>
+                <a:t>调用栈</a:t>
+              </a:r>
+            </a:p>
+          </p:txBody>
+        </p:sp>
+        <p:sp>
+          <p:nvSpPr>
+            <p:cNvPr id="56" name="矩形: 圆角 55">
+              <a:extLst>
+                <a:ext uri="{FF2B5EF4-FFF2-40B4-BE49-F238E27FC236}">
+                  <a16:creationId xmlns:a16="http://schemas.microsoft.com/office/drawing/2014/main" id="{9C8F8D7C-F97A-4F3C-947A-A76C9C5AD571}"/>
+                </a:ext>
+              </a:extLst>
+            </p:cNvPr>
+            <p:cNvSpPr/>
+            <p:nvPr/>
+          </p:nvSpPr>
+          <p:spPr>
+            <a:xfrm>
+              <a:off x="10922499" y="4197928"/>
+              <a:ext cx="1413159" cy="457189"/>
+            </a:xfrm>
+            <a:prstGeom prst="roundRect">
+              <a:avLst/>
+            </a:prstGeom>
+          </p:spPr>
+          <p:style>
+            <a:lnRef idx="2">
+              <a:schemeClr val="dk1"/>
+            </a:lnRef>
+            <a:fillRef idx="1">
+              <a:schemeClr val="lt1"/>
+            </a:fillRef>
+            <a:effectRef idx="0">
+              <a:schemeClr val="dk1"/>
+            </a:effectRef>
+            <a:fontRef idx="minor">
+              <a:schemeClr val="dk1"/>
+            </a:fontRef>
+          </p:style>
+          <p:txBody>
+            <a:bodyPr rot="0" spcFirstLastPara="0" vertOverflow="overflow" horzOverflow="overflow" vert="horz" wrap="square" lIns="91440" tIns="45720" rIns="91440" bIns="45720" numCol="1" spcCol="0" rtlCol="0" fromWordArt="0" anchor="ctr" anchorCtr="0" forceAA="0" compatLnSpc="1">
+              <a:prstTxWarp prst="textNoShape">
+                <a:avLst/>
+              </a:prstTxWarp>
+              <a:noAutofit/>
+            </a:bodyPr>
+            <a:lstStyle/>
+            <a:p>
+              <a:pPr algn="ctr"/>
+              <a:r>
+                <a:rPr lang="en-US" altLang="zh-CN" dirty="0"/>
+                <a:t>main</a:t>
+              </a:r>
+              <a:endParaRPr lang="zh-CN" altLang="en-US" dirty="0"/>
+            </a:p>
+          </p:txBody>
+        </p:sp>
+        <p:sp>
+          <p:nvSpPr>
+            <p:cNvPr id="59" name="箭头: 上 58">
+              <a:extLst>
+                <a:ext uri="{FF2B5EF4-FFF2-40B4-BE49-F238E27FC236}">
+                  <a16:creationId xmlns:a16="http://schemas.microsoft.com/office/drawing/2014/main" id="{FC93191F-5C94-408E-AECD-1D380EC75DDE}"/>
+                </a:ext>
+              </a:extLst>
+            </p:cNvPr>
+            <p:cNvSpPr/>
+            <p:nvPr/>
+          </p:nvSpPr>
+          <p:spPr>
+            <a:xfrm>
+              <a:off x="7800027" y="1366221"/>
+              <a:ext cx="798400" cy="935915"/>
+            </a:xfrm>
+            <a:prstGeom prst="upArrow">
+              <a:avLst/>
+            </a:prstGeom>
+          </p:spPr>
+          <p:style>
+            <a:lnRef idx="2">
+              <a:schemeClr val="dk1"/>
+            </a:lnRef>
+            <a:fillRef idx="1">
+              <a:schemeClr val="lt1"/>
+            </a:fillRef>
+            <a:effectRef idx="0">
+              <a:schemeClr val="dk1"/>
+            </a:effectRef>
+            <a:fontRef idx="minor">
+              <a:schemeClr val="dk1"/>
+            </a:fontRef>
+          </p:style>
+          <p:txBody>
+            <a:bodyPr rot="0" spcFirstLastPara="0" vertOverflow="overflow" horzOverflow="overflow" vert="horz" wrap="square" lIns="91440" tIns="45720" rIns="91440" bIns="45720" numCol="1" spcCol="0" rtlCol="0" fromWordArt="0" anchor="ctr" anchorCtr="0" forceAA="0" compatLnSpc="1">
+              <a:prstTxWarp prst="textNoShape">
+                <a:avLst/>
+              </a:prstTxWarp>
+              <a:noAutofit/>
+            </a:bodyPr>
+            <a:lstStyle/>
+            <a:p>
+              <a:pPr algn="ctr"/>
+              <a:endParaRPr lang="zh-CN" altLang="en-US"/>
+            </a:p>
+          </p:txBody>
+        </p:sp>
+        <p:sp>
+          <p:nvSpPr>
+            <p:cNvPr id="60" name="箭头: 上 59">
+              <a:extLst>
+                <a:ext uri="{FF2B5EF4-FFF2-40B4-BE49-F238E27FC236}">
+                  <a16:creationId xmlns:a16="http://schemas.microsoft.com/office/drawing/2014/main" id="{D4A20883-AAB3-4227-82F0-10715CAEB08C}"/>
+                </a:ext>
+              </a:extLst>
+            </p:cNvPr>
+            <p:cNvSpPr/>
+            <p:nvPr/>
+          </p:nvSpPr>
+          <p:spPr>
+            <a:xfrm>
+              <a:off x="9440115" y="1835462"/>
+              <a:ext cx="798400" cy="935915"/>
+            </a:xfrm>
+            <a:prstGeom prst="upArrow">
+              <a:avLst/>
+            </a:prstGeom>
+          </p:spPr>
+          <p:style>
+            <a:lnRef idx="2">
+              <a:schemeClr val="dk1"/>
+            </a:lnRef>
+            <a:fillRef idx="1">
+              <a:schemeClr val="lt1"/>
+            </a:fillRef>
+            <a:effectRef idx="0">
+              <a:schemeClr val="dk1"/>
+            </a:effectRef>
+            <a:fontRef idx="minor">
+              <a:schemeClr val="dk1"/>
+            </a:fontRef>
+          </p:style>
+          <p:txBody>
+            <a:bodyPr rot="0" spcFirstLastPara="0" vertOverflow="overflow" horzOverflow="overflow" vert="horz" wrap="square" lIns="91440" tIns="45720" rIns="91440" bIns="45720" numCol="1" spcCol="0" rtlCol="0" fromWordArt="0" anchor="ctr" anchorCtr="0" forceAA="0" compatLnSpc="1">
+              <a:prstTxWarp prst="textNoShape">
+                <a:avLst/>
+              </a:prstTxWarp>
+              <a:noAutofit/>
+            </a:bodyPr>
+            <a:lstStyle/>
+            <a:p>
+              <a:pPr algn="ctr"/>
+              <a:endParaRPr lang="zh-CN" altLang="en-US"/>
+            </a:p>
+          </p:txBody>
+        </p:sp>
+        <p:sp>
+          <p:nvSpPr>
+            <p:cNvPr id="61" name="箭头: 上 60">
+              <a:extLst>
+                <a:ext uri="{FF2B5EF4-FFF2-40B4-BE49-F238E27FC236}">
+                  <a16:creationId xmlns:a16="http://schemas.microsoft.com/office/drawing/2014/main" id="{ABA527DA-8556-4C8D-A9AB-2352352F74C8}"/>
+                </a:ext>
+              </a:extLst>
+            </p:cNvPr>
+            <p:cNvSpPr/>
+            <p:nvPr/>
+          </p:nvSpPr>
+          <p:spPr>
+            <a:xfrm>
+              <a:off x="11125124" y="1973901"/>
+              <a:ext cx="798400" cy="935915"/>
+            </a:xfrm>
+            <a:prstGeom prst="upArrow">
+              <a:avLst/>
+            </a:prstGeom>
+          </p:spPr>
+          <p:style>
+            <a:lnRef idx="2">
+              <a:schemeClr val="dk1"/>
+            </a:lnRef>
+            <a:fillRef idx="1">
+              <a:schemeClr val="lt1"/>
+            </a:fillRef>
+            <a:effectRef idx="0">
+              <a:schemeClr val="dk1"/>
+            </a:effectRef>
+            <a:fontRef idx="minor">
+              <a:schemeClr val="dk1"/>
+            </a:fontRef>
+          </p:style>
+          <p:txBody>
+            <a:bodyPr rot="0" spcFirstLastPara="0" vertOverflow="overflow" horzOverflow="overflow" vert="horz" wrap="square" lIns="91440" tIns="45720" rIns="91440" bIns="45720" numCol="1" spcCol="0" rtlCol="0" fromWordArt="0" anchor="ctr" anchorCtr="0" forceAA="0" compatLnSpc="1">
+              <a:prstTxWarp prst="textNoShape">
+                <a:avLst/>
+              </a:prstTxWarp>
+              <a:noAutofit/>
+            </a:bodyPr>
+            <a:lstStyle/>
+            <a:p>
+              <a:pPr algn="ctr"/>
+              <a:endParaRPr lang="zh-CN" altLang="en-US"/>
+            </a:p>
+          </p:txBody>
+        </p:sp>
+      </p:grpSp>
+    </p:spTree>
+    <p:extLst>
+      <p:ext uri="{BB962C8B-B14F-4D97-AF65-F5344CB8AC3E}">
+        <p14:creationId xmlns:p14="http://schemas.microsoft.com/office/powerpoint/2010/main" val="3749406555"/>
+      </p:ext>
+    </p:extLst>
+  </p:cSld>
+  <p:clrMapOvr>
+    <a:masterClrMapping/>
+  </p:clrMapOvr>
+</p:sld>
+</file>
+
+<file path=ppt/slides/slide6.xml><?xml version="1.0" encoding="utf-8"?>
+<p:sld xmlns:a="http://schemas.openxmlformats.org/drawingml/2006/main" xmlns:r="http://schemas.openxmlformats.org/officeDocument/2006/relationships" xmlns:p="http://schemas.openxmlformats.org/presentationml/2006/main">
+  <p:cSld>
+    <p:spTree>
+      <p:nvGrpSpPr>
+        <p:cNvPr id="1" name=""/>
+        <p:cNvGrpSpPr/>
+        <p:nvPr/>
+      </p:nvGrpSpPr>
+      <p:grpSpPr>
+        <a:xfrm>
+          <a:off x="0" y="0"/>
+          <a:ext cx="0" cy="0"/>
+          <a:chOff x="0" y="0"/>
+          <a:chExt cx="0" cy="0"/>
+        </a:xfrm>
+      </p:grpSpPr>
+      <p:sp>
+        <p:nvSpPr>
+          <p:cNvPr id="2" name="矩形 1">
+            <a:extLst>
+              <a:ext uri="{FF2B5EF4-FFF2-40B4-BE49-F238E27FC236}">
+                <a16:creationId xmlns:a16="http://schemas.microsoft.com/office/drawing/2014/main" id="{5B15F7D0-48D9-4DDF-8A26-6D7E0CF355D5}"/>
+              </a:ext>
+            </a:extLst>
+          </p:cNvPr>
+          <p:cNvSpPr/>
+          <p:nvPr/>
+        </p:nvSpPr>
+        <p:spPr>
+          <a:xfrm>
+            <a:off x="2248348" y="2119256"/>
+            <a:ext cx="1355464" cy="1516829"/>
+          </a:xfrm>
+          <a:prstGeom prst="rect">
+            <a:avLst/>
+          </a:prstGeom>
+        </p:spPr>
+        <p:style>
+          <a:lnRef idx="2">
+            <a:schemeClr val="dk1"/>
+          </a:lnRef>
+          <a:fillRef idx="1">
+            <a:schemeClr val="lt1"/>
+          </a:fillRef>
+          <a:effectRef idx="0">
+            <a:schemeClr val="dk1"/>
+          </a:effectRef>
+          <a:fontRef idx="minor">
+            <a:schemeClr val="dk1"/>
+          </a:fontRef>
+        </p:style>
+        <p:txBody>
+          <a:bodyPr rot="0" spcFirstLastPara="0" vertOverflow="overflow" horzOverflow="overflow" vert="horz" wrap="square" lIns="91440" tIns="45720" rIns="91440" bIns="45720" numCol="1" spcCol="0" rtlCol="0" fromWordArt="0" anchor="ctr" anchorCtr="0" forceAA="0" compatLnSpc="1">
+            <a:prstTxWarp prst="textNoShape">
+              <a:avLst/>
+            </a:prstTxWarp>
+            <a:noAutofit/>
+          </a:bodyPr>
+          <a:lstStyle/>
+          <a:p>
+            <a:pPr algn="ctr"/>
+            <a:r>
+              <a:rPr lang="zh-CN" altLang="en-US" dirty="0"/>
+              <a:t>地址译码器</a:t>
+            </a:r>
+          </a:p>
+        </p:txBody>
+      </p:sp>
+      <p:sp>
+        <p:nvSpPr>
+          <p:cNvPr id="3" name="矩形 2">
+            <a:extLst>
+              <a:ext uri="{FF2B5EF4-FFF2-40B4-BE49-F238E27FC236}">
+                <a16:creationId xmlns:a16="http://schemas.microsoft.com/office/drawing/2014/main" id="{01F1BAF4-3ADF-42DD-83E8-C7305C69A043}"/>
+              </a:ext>
+            </a:extLst>
+          </p:cNvPr>
+          <p:cNvSpPr/>
+          <p:nvPr/>
+        </p:nvSpPr>
+        <p:spPr>
+          <a:xfrm>
+            <a:off x="4604273" y="2119256"/>
+            <a:ext cx="1355464" cy="1516829"/>
+          </a:xfrm>
+          <a:prstGeom prst="rect">
+            <a:avLst/>
+          </a:prstGeom>
+        </p:spPr>
+        <p:style>
+          <a:lnRef idx="2">
+            <a:schemeClr val="dk1"/>
+          </a:lnRef>
+          <a:fillRef idx="1">
+            <a:schemeClr val="lt1"/>
+          </a:fillRef>
+          <a:effectRef idx="0">
+            <a:schemeClr val="dk1"/>
+          </a:effectRef>
+          <a:fontRef idx="minor">
+            <a:schemeClr val="dk1"/>
+          </a:fontRef>
+        </p:style>
+        <p:txBody>
+          <a:bodyPr rot="0" spcFirstLastPara="0" vertOverflow="overflow" horzOverflow="overflow" vert="horz" wrap="square" lIns="91440" tIns="45720" rIns="91440" bIns="45720" numCol="1" spcCol="0" rtlCol="0" fromWordArt="0" anchor="ctr" anchorCtr="0" forceAA="0" compatLnSpc="1">
+            <a:prstTxWarp prst="textNoShape">
+              <a:avLst/>
+            </a:prstTxWarp>
+            <a:noAutofit/>
+          </a:bodyPr>
+          <a:lstStyle/>
+          <a:p>
+            <a:pPr algn="ctr"/>
+            <a:r>
+              <a:rPr lang="zh-CN" altLang="en-US" dirty="0"/>
+              <a:t>存储单元阵列</a:t>
+            </a:r>
+          </a:p>
+        </p:txBody>
+      </p:sp>
+      <p:cxnSp>
+        <p:nvCxnSpPr>
+          <p:cNvPr id="5" name="直接箭头连接符 4">
+            <a:extLst>
+              <a:ext uri="{FF2B5EF4-FFF2-40B4-BE49-F238E27FC236}">
+                <a16:creationId xmlns:a16="http://schemas.microsoft.com/office/drawing/2014/main" id="{58C621DC-5020-4BB0-B686-BB07FC5E1273}"/>
+              </a:ext>
+            </a:extLst>
+          </p:cNvPr>
+          <p:cNvCxnSpPr/>
+          <p:nvPr/>
+        </p:nvCxnSpPr>
+        <p:spPr>
+          <a:xfrm>
+            <a:off x="1247887" y="2248348"/>
+            <a:ext cx="1000461" cy="0"/>
+          </a:xfrm>
+          <a:prstGeom prst="straightConnector1">
+            <a:avLst/>
+          </a:prstGeom>
+          <a:ln>
+            <a:tailEnd type="triangle"/>
+          </a:ln>
+        </p:spPr>
+        <p:style>
+          <a:lnRef idx="3">
+            <a:schemeClr val="dk1"/>
+          </a:lnRef>
+          <a:fillRef idx="0">
+            <a:schemeClr val="dk1"/>
+          </a:fillRef>
+          <a:effectRef idx="2">
+            <a:schemeClr val="dk1"/>
+          </a:effectRef>
+          <a:fontRef idx="minor">
+            <a:schemeClr val="tx1"/>
+          </a:fontRef>
+        </p:style>
+      </p:cxnSp>
+      <p:cxnSp>
+        <p:nvCxnSpPr>
+          <p:cNvPr id="6" name="直接箭头连接符 5">
+            <a:extLst>
+              <a:ext uri="{FF2B5EF4-FFF2-40B4-BE49-F238E27FC236}">
+                <a16:creationId xmlns:a16="http://schemas.microsoft.com/office/drawing/2014/main" id="{F2B9F74F-57DB-40C8-ADEA-372E784DCE08}"/>
+              </a:ext>
+            </a:extLst>
+          </p:cNvPr>
+          <p:cNvCxnSpPr/>
+          <p:nvPr/>
+        </p:nvCxnSpPr>
+        <p:spPr>
+          <a:xfrm>
+            <a:off x="1247887" y="2560320"/>
+            <a:ext cx="1000461" cy="0"/>
+          </a:xfrm>
+          <a:prstGeom prst="straightConnector1">
+            <a:avLst/>
+          </a:prstGeom>
+          <a:ln>
+            <a:tailEnd type="triangle"/>
+          </a:ln>
+        </p:spPr>
+        <p:style>
+          <a:lnRef idx="3">
+            <a:schemeClr val="dk1"/>
+          </a:lnRef>
+          <a:fillRef idx="0">
+            <a:schemeClr val="dk1"/>
+          </a:fillRef>
+          <a:effectRef idx="2">
+            <a:schemeClr val="dk1"/>
+          </a:effectRef>
+          <a:fontRef idx="minor">
+            <a:schemeClr val="tx1"/>
+          </a:fontRef>
+        </p:style>
+      </p:cxnSp>
+      <p:cxnSp>
+        <p:nvCxnSpPr>
+          <p:cNvPr id="7" name="直接箭头连接符 6">
+            <a:extLst>
+              <a:ext uri="{FF2B5EF4-FFF2-40B4-BE49-F238E27FC236}">
+                <a16:creationId xmlns:a16="http://schemas.microsoft.com/office/drawing/2014/main" id="{6E5E82DA-CA3E-48DB-A76C-7FF0E81310DF}"/>
+              </a:ext>
+            </a:extLst>
+          </p:cNvPr>
+          <p:cNvCxnSpPr/>
+          <p:nvPr/>
+        </p:nvCxnSpPr>
+        <p:spPr>
+          <a:xfrm>
+            <a:off x="1247887" y="2877670"/>
+            <a:ext cx="1000461" cy="0"/>
+          </a:xfrm>
+          <a:prstGeom prst="straightConnector1">
+            <a:avLst/>
+          </a:prstGeom>
+          <a:ln>
+            <a:tailEnd type="triangle"/>
+          </a:ln>
+        </p:spPr>
+        <p:style>
+          <a:lnRef idx="3">
+            <a:schemeClr val="dk1"/>
+          </a:lnRef>
+          <a:fillRef idx="0">
+            <a:schemeClr val="dk1"/>
+          </a:fillRef>
+          <a:effectRef idx="2">
+            <a:schemeClr val="dk1"/>
+          </a:effectRef>
+          <a:fontRef idx="minor">
+            <a:schemeClr val="tx1"/>
+          </a:fontRef>
+        </p:style>
+      </p:cxnSp>
+      <p:cxnSp>
+        <p:nvCxnSpPr>
+          <p:cNvPr id="8" name="直接箭头连接符 7">
+            <a:extLst>
+              <a:ext uri="{FF2B5EF4-FFF2-40B4-BE49-F238E27FC236}">
+                <a16:creationId xmlns:a16="http://schemas.microsoft.com/office/drawing/2014/main" id="{3E4490D9-FBB4-4AF1-B04F-2E1683D00E91}"/>
+              </a:ext>
+            </a:extLst>
+          </p:cNvPr>
+          <p:cNvCxnSpPr/>
+          <p:nvPr/>
+        </p:nvCxnSpPr>
+        <p:spPr>
+          <a:xfrm>
+            <a:off x="1247887" y="3423621"/>
+            <a:ext cx="1000461" cy="0"/>
+          </a:xfrm>
+          <a:prstGeom prst="straightConnector1">
+            <a:avLst/>
+          </a:prstGeom>
+          <a:ln>
+            <a:tailEnd type="triangle"/>
+          </a:ln>
+        </p:spPr>
+        <p:style>
+          <a:lnRef idx="3">
+            <a:schemeClr val="dk1"/>
+          </a:lnRef>
+          <a:fillRef idx="0">
+            <a:schemeClr val="dk1"/>
+          </a:fillRef>
+          <a:effectRef idx="2">
+            <a:schemeClr val="dk1"/>
+          </a:effectRef>
+          <a:fontRef idx="minor">
+            <a:schemeClr val="tx1"/>
+          </a:fontRef>
+        </p:style>
+      </p:cxnSp>
+      <p:sp>
+        <p:nvSpPr>
+          <p:cNvPr id="9" name="文本框 8">
+            <a:extLst>
+              <a:ext uri="{FF2B5EF4-FFF2-40B4-BE49-F238E27FC236}">
+                <a16:creationId xmlns:a16="http://schemas.microsoft.com/office/drawing/2014/main" id="{92D23CAA-4AD7-4547-AB75-5627DF7AD2FD}"/>
+              </a:ext>
+            </a:extLst>
+          </p:cNvPr>
+          <p:cNvSpPr txBox="1"/>
+          <p:nvPr/>
+        </p:nvSpPr>
+        <p:spPr>
+          <a:xfrm>
+            <a:off x="1516828" y="2979868"/>
+            <a:ext cx="387276" cy="369332"/>
+          </a:xfrm>
+          <a:prstGeom prst="rect">
+            <a:avLst/>
+          </a:prstGeom>
+          <a:noFill/>
+        </p:spPr>
+        <p:txBody>
+          <a:bodyPr wrap="square" rtlCol="0">
+            <a:spAutoFit/>
+          </a:bodyPr>
+          <a:lstStyle/>
+          <a:p>
+            <a:r>
+              <a:rPr lang="en-US" altLang="zh-CN" dirty="0"/>
+              <a:t>…</a:t>
+            </a:r>
+            <a:endParaRPr lang="zh-CN" altLang="en-US" dirty="0"/>
+          </a:p>
+        </p:txBody>
+      </p:sp>
+      <p:sp>
+        <p:nvSpPr>
+          <p:cNvPr id="10" name="文本框 9">
+            <a:extLst>
+              <a:ext uri="{FF2B5EF4-FFF2-40B4-BE49-F238E27FC236}">
+                <a16:creationId xmlns:a16="http://schemas.microsoft.com/office/drawing/2014/main" id="{6556E741-A67D-4F80-884C-D528E2718584}"/>
+              </a:ext>
+            </a:extLst>
+          </p:cNvPr>
+          <p:cNvSpPr txBox="1"/>
+          <p:nvPr/>
+        </p:nvSpPr>
+        <p:spPr>
+          <a:xfrm>
+            <a:off x="792479" y="2061444"/>
+            <a:ext cx="455408" cy="307777"/>
+          </a:xfrm>
+          <a:prstGeom prst="rect">
+            <a:avLst/>
+          </a:prstGeom>
+          <a:noFill/>
+        </p:spPr>
+        <p:txBody>
+          <a:bodyPr wrap="square" rtlCol="0">
+            <a:spAutoFit/>
+          </a:bodyPr>
+          <a:lstStyle/>
+          <a:p>
+            <a:r>
+              <a:rPr lang="en-US" altLang="zh-CN" sz="1400" dirty="0"/>
+              <a:t>A</a:t>
+            </a:r>
+            <a:r>
+              <a:rPr lang="en-US" altLang="zh-CN" sz="1400" baseline="-25000" dirty="0"/>
+              <a:t>0</a:t>
+            </a:r>
+            <a:endParaRPr lang="zh-CN" altLang="en-US" sz="1400" baseline="-25000" dirty="0"/>
+          </a:p>
+        </p:txBody>
+      </p:sp>
+      <p:sp>
+        <p:nvSpPr>
+          <p:cNvPr id="11" name="文本框 10">
+            <a:extLst>
+              <a:ext uri="{FF2B5EF4-FFF2-40B4-BE49-F238E27FC236}">
+                <a16:creationId xmlns:a16="http://schemas.microsoft.com/office/drawing/2014/main" id="{6584B51E-C074-455E-8099-DD2E5E78380F}"/>
+              </a:ext>
+            </a:extLst>
+          </p:cNvPr>
+          <p:cNvSpPr txBox="1"/>
+          <p:nvPr/>
+        </p:nvSpPr>
+        <p:spPr>
+          <a:xfrm>
+            <a:off x="792479" y="2370125"/>
+            <a:ext cx="455408" cy="307777"/>
+          </a:xfrm>
+          <a:prstGeom prst="rect">
+            <a:avLst/>
+          </a:prstGeom>
+          <a:noFill/>
+        </p:spPr>
+        <p:txBody>
+          <a:bodyPr wrap="square" rtlCol="0">
+            <a:spAutoFit/>
+          </a:bodyPr>
+          <a:lstStyle/>
+          <a:p>
+            <a:r>
+              <a:rPr lang="en-US" altLang="zh-CN" sz="1400" dirty="0"/>
+              <a:t>A</a:t>
+            </a:r>
+            <a:r>
+              <a:rPr lang="en-US" altLang="zh-CN" sz="1400" baseline="-25000" dirty="0"/>
+              <a:t>1</a:t>
+            </a:r>
+            <a:endParaRPr lang="zh-CN" altLang="en-US" sz="1400" baseline="-25000" dirty="0"/>
+          </a:p>
+        </p:txBody>
+      </p:sp>
+      <p:sp>
+        <p:nvSpPr>
+          <p:cNvPr id="12" name="文本框 11">
+            <a:extLst>
+              <a:ext uri="{FF2B5EF4-FFF2-40B4-BE49-F238E27FC236}">
+                <a16:creationId xmlns:a16="http://schemas.microsoft.com/office/drawing/2014/main" id="{6592CA69-8510-43A7-8145-28665F1824A3}"/>
+              </a:ext>
+            </a:extLst>
+          </p:cNvPr>
+          <p:cNvSpPr txBox="1"/>
+          <p:nvPr/>
+        </p:nvSpPr>
+        <p:spPr>
+          <a:xfrm>
+            <a:off x="792479" y="2671338"/>
+            <a:ext cx="455408" cy="307777"/>
+          </a:xfrm>
+          <a:prstGeom prst="rect">
+            <a:avLst/>
+          </a:prstGeom>
+          <a:noFill/>
+        </p:spPr>
+        <p:txBody>
+          <a:bodyPr wrap="square" rtlCol="0">
+            <a:spAutoFit/>
+          </a:bodyPr>
+          <a:lstStyle/>
+          <a:p>
+            <a:r>
+              <a:rPr lang="en-US" altLang="zh-CN" sz="1400" dirty="0"/>
+              <a:t>A</a:t>
+            </a:r>
+            <a:r>
+              <a:rPr lang="en-US" altLang="zh-CN" sz="1400" baseline="-25000" dirty="0"/>
+              <a:t>2</a:t>
+            </a:r>
+            <a:endParaRPr lang="zh-CN" altLang="en-US" sz="1400" baseline="-25000" dirty="0"/>
+          </a:p>
+        </p:txBody>
+      </p:sp>
+      <p:sp>
+        <p:nvSpPr>
+          <p:cNvPr id="13" name="文本框 12">
+            <a:extLst>
+              <a:ext uri="{FF2B5EF4-FFF2-40B4-BE49-F238E27FC236}">
+                <a16:creationId xmlns:a16="http://schemas.microsoft.com/office/drawing/2014/main" id="{0DEB6E58-B47B-402C-9C6E-661CAA1585CD}"/>
+              </a:ext>
+            </a:extLst>
+          </p:cNvPr>
+          <p:cNvSpPr txBox="1"/>
+          <p:nvPr/>
+        </p:nvSpPr>
+        <p:spPr>
+          <a:xfrm>
+            <a:off x="720767" y="3269732"/>
+            <a:ext cx="677732" cy="307777"/>
+          </a:xfrm>
+          <a:prstGeom prst="rect">
+            <a:avLst/>
+          </a:prstGeom>
+          <a:noFill/>
+        </p:spPr>
+        <p:txBody>
+          <a:bodyPr wrap="square" rtlCol="0">
+            <a:spAutoFit/>
+          </a:bodyPr>
+          <a:lstStyle/>
+          <a:p>
+            <a:r>
+              <a:rPr lang="en-US" altLang="zh-CN" sz="1400" dirty="0"/>
+              <a:t>A</a:t>
+            </a:r>
+            <a:r>
+              <a:rPr lang="en-US" altLang="zh-CN" sz="1400" baseline="-25000" dirty="0"/>
+              <a:t>n-1</a:t>
+            </a:r>
+            <a:endParaRPr lang="zh-CN" altLang="en-US" sz="1400" baseline="-25000" dirty="0"/>
+          </a:p>
+        </p:txBody>
+      </p:sp>
+      <p:cxnSp>
+        <p:nvCxnSpPr>
+          <p:cNvPr id="14" name="直接箭头连接符 13">
+            <a:extLst>
+              <a:ext uri="{FF2B5EF4-FFF2-40B4-BE49-F238E27FC236}">
+                <a16:creationId xmlns:a16="http://schemas.microsoft.com/office/drawing/2014/main" id="{717AC6FA-F220-4CEE-8CB9-73E367E89D21}"/>
+              </a:ext>
+            </a:extLst>
+          </p:cNvPr>
+          <p:cNvCxnSpPr/>
+          <p:nvPr/>
+        </p:nvCxnSpPr>
+        <p:spPr>
+          <a:xfrm>
+            <a:off x="3603812" y="2248348"/>
+            <a:ext cx="1000461" cy="0"/>
+          </a:xfrm>
+          <a:prstGeom prst="straightConnector1">
+            <a:avLst/>
+          </a:prstGeom>
+          <a:ln>
+            <a:tailEnd type="triangle"/>
+          </a:ln>
+        </p:spPr>
+        <p:style>
+          <a:lnRef idx="3">
+            <a:schemeClr val="dk1"/>
+          </a:lnRef>
+          <a:fillRef idx="0">
+            <a:schemeClr val="dk1"/>
+          </a:fillRef>
+          <a:effectRef idx="2">
+            <a:schemeClr val="dk1"/>
+          </a:effectRef>
+          <a:fontRef idx="minor">
+            <a:schemeClr val="tx1"/>
+          </a:fontRef>
+        </p:style>
+      </p:cxnSp>
+      <p:cxnSp>
+        <p:nvCxnSpPr>
+          <p:cNvPr id="15" name="直接箭头连接符 14">
+            <a:extLst>
+              <a:ext uri="{FF2B5EF4-FFF2-40B4-BE49-F238E27FC236}">
+                <a16:creationId xmlns:a16="http://schemas.microsoft.com/office/drawing/2014/main" id="{64170C61-95D3-43D6-8DEC-DCFBB108DD35}"/>
+              </a:ext>
+            </a:extLst>
+          </p:cNvPr>
+          <p:cNvCxnSpPr/>
+          <p:nvPr/>
+        </p:nvCxnSpPr>
+        <p:spPr>
+          <a:xfrm>
+            <a:off x="3603812" y="2560320"/>
+            <a:ext cx="1000461" cy="0"/>
+          </a:xfrm>
+          <a:prstGeom prst="straightConnector1">
+            <a:avLst/>
+          </a:prstGeom>
+          <a:ln>
+            <a:tailEnd type="triangle"/>
+          </a:ln>
+        </p:spPr>
+        <p:style>
+          <a:lnRef idx="3">
+            <a:schemeClr val="dk1"/>
+          </a:lnRef>
+          <a:fillRef idx="0">
+            <a:schemeClr val="dk1"/>
+          </a:fillRef>
+          <a:effectRef idx="2">
+            <a:schemeClr val="dk1"/>
+          </a:effectRef>
+          <a:fontRef idx="minor">
+            <a:schemeClr val="tx1"/>
+          </a:fontRef>
+        </p:style>
+      </p:cxnSp>
+      <p:cxnSp>
+        <p:nvCxnSpPr>
+          <p:cNvPr id="16" name="直接箭头连接符 15">
+            <a:extLst>
+              <a:ext uri="{FF2B5EF4-FFF2-40B4-BE49-F238E27FC236}">
+                <a16:creationId xmlns:a16="http://schemas.microsoft.com/office/drawing/2014/main" id="{B289955A-7435-4CF8-96CD-273C42BFF04A}"/>
+              </a:ext>
+            </a:extLst>
+          </p:cNvPr>
+          <p:cNvCxnSpPr/>
+          <p:nvPr/>
+        </p:nvCxnSpPr>
+        <p:spPr>
+          <a:xfrm>
+            <a:off x="3603812" y="2877670"/>
+            <a:ext cx="1000461" cy="0"/>
+          </a:xfrm>
+          <a:prstGeom prst="straightConnector1">
+            <a:avLst/>
+          </a:prstGeom>
+          <a:ln>
+            <a:tailEnd type="triangle"/>
+          </a:ln>
+        </p:spPr>
+        <p:style>
+          <a:lnRef idx="3">
+            <a:schemeClr val="dk1"/>
+          </a:lnRef>
+          <a:fillRef idx="0">
+            <a:schemeClr val="dk1"/>
+          </a:fillRef>
+          <a:effectRef idx="2">
+            <a:schemeClr val="dk1"/>
+          </a:effectRef>
+          <a:fontRef idx="minor">
+            <a:schemeClr val="tx1"/>
+          </a:fontRef>
+        </p:style>
+      </p:cxnSp>
+      <p:cxnSp>
+        <p:nvCxnSpPr>
+          <p:cNvPr id="17" name="直接箭头连接符 16">
+            <a:extLst>
+              <a:ext uri="{FF2B5EF4-FFF2-40B4-BE49-F238E27FC236}">
+                <a16:creationId xmlns:a16="http://schemas.microsoft.com/office/drawing/2014/main" id="{F3DC5314-9317-4A11-A659-5B3AF613E8C0}"/>
+              </a:ext>
+            </a:extLst>
+          </p:cNvPr>
+          <p:cNvCxnSpPr/>
+          <p:nvPr/>
+        </p:nvCxnSpPr>
+        <p:spPr>
+          <a:xfrm>
+            <a:off x="3603812" y="3423621"/>
+            <a:ext cx="1000461" cy="0"/>
+          </a:xfrm>
+          <a:prstGeom prst="straightConnector1">
+            <a:avLst/>
+          </a:prstGeom>
+          <a:ln>
+            <a:tailEnd type="triangle"/>
+          </a:ln>
+        </p:spPr>
+        <p:style>
+          <a:lnRef idx="3">
+            <a:schemeClr val="dk1"/>
+          </a:lnRef>
+          <a:fillRef idx="0">
+            <a:schemeClr val="dk1"/>
+          </a:fillRef>
+          <a:effectRef idx="2">
+            <a:schemeClr val="dk1"/>
+          </a:effectRef>
+          <a:fontRef idx="minor">
+            <a:schemeClr val="tx1"/>
+          </a:fontRef>
+        </p:style>
+      </p:cxnSp>
+      <p:sp>
+        <p:nvSpPr>
+          <p:cNvPr id="18" name="文本框 17">
+            <a:extLst>
+              <a:ext uri="{FF2B5EF4-FFF2-40B4-BE49-F238E27FC236}">
+                <a16:creationId xmlns:a16="http://schemas.microsoft.com/office/drawing/2014/main" id="{385F1CFF-30DE-4544-9831-18FCD7B9D34D}"/>
+              </a:ext>
+            </a:extLst>
+          </p:cNvPr>
+          <p:cNvSpPr txBox="1"/>
+          <p:nvPr/>
+        </p:nvSpPr>
+        <p:spPr>
+          <a:xfrm>
+            <a:off x="3872753" y="2979868"/>
+            <a:ext cx="387276" cy="369332"/>
+          </a:xfrm>
+          <a:prstGeom prst="rect">
+            <a:avLst/>
+          </a:prstGeom>
+          <a:noFill/>
+        </p:spPr>
+        <p:txBody>
+          <a:bodyPr wrap="square" rtlCol="0">
+            <a:spAutoFit/>
+          </a:bodyPr>
+          <a:lstStyle/>
+          <a:p>
+            <a:r>
+              <a:rPr lang="en-US" altLang="zh-CN" dirty="0"/>
+              <a:t>…</a:t>
+            </a:r>
+            <a:endParaRPr lang="zh-CN" altLang="en-US" dirty="0"/>
+          </a:p>
+        </p:txBody>
+      </p:sp>
+      <p:sp>
+        <p:nvSpPr>
+          <p:cNvPr id="19" name="文本框 18">
+            <a:extLst>
+              <a:ext uri="{FF2B5EF4-FFF2-40B4-BE49-F238E27FC236}">
+                <a16:creationId xmlns:a16="http://schemas.microsoft.com/office/drawing/2014/main" id="{E41F9A65-1B7E-40F4-B0B2-3DD738F03960}"/>
+              </a:ext>
+            </a:extLst>
+          </p:cNvPr>
+          <p:cNvSpPr txBox="1"/>
+          <p:nvPr/>
+        </p:nvSpPr>
+        <p:spPr>
+          <a:xfrm>
+            <a:off x="3729307" y="1907555"/>
+            <a:ext cx="455408" cy="307777"/>
+          </a:xfrm>
+          <a:prstGeom prst="rect">
+            <a:avLst/>
+          </a:prstGeom>
+          <a:noFill/>
+        </p:spPr>
+        <p:txBody>
+          <a:bodyPr wrap="square" rtlCol="0">
+            <a:spAutoFit/>
+          </a:bodyPr>
+          <a:lstStyle/>
+          <a:p>
+            <a:r>
+              <a:rPr lang="en-US" altLang="zh-CN" sz="1400" dirty="0"/>
+              <a:t>W</a:t>
+            </a:r>
+            <a:r>
+              <a:rPr lang="en-US" altLang="zh-CN" sz="1400" baseline="-25000" dirty="0"/>
+              <a:t>0</a:t>
+            </a:r>
+            <a:endParaRPr lang="zh-CN" altLang="en-US" sz="1400" baseline="-25000" dirty="0"/>
+          </a:p>
+        </p:txBody>
+      </p:sp>
+      <p:sp>
+        <p:nvSpPr>
+          <p:cNvPr id="20" name="文本框 19">
+            <a:extLst>
+              <a:ext uri="{FF2B5EF4-FFF2-40B4-BE49-F238E27FC236}">
+                <a16:creationId xmlns:a16="http://schemas.microsoft.com/office/drawing/2014/main" id="{58C4774B-5D68-4915-9BFD-4760202BD461}"/>
+              </a:ext>
+            </a:extLst>
+          </p:cNvPr>
+          <p:cNvSpPr txBox="1"/>
+          <p:nvPr/>
+        </p:nvSpPr>
+        <p:spPr>
+          <a:xfrm>
+            <a:off x="3729307" y="2216236"/>
+            <a:ext cx="455408" cy="307777"/>
+          </a:xfrm>
+          <a:prstGeom prst="rect">
+            <a:avLst/>
+          </a:prstGeom>
+          <a:noFill/>
+        </p:spPr>
+        <p:txBody>
+          <a:bodyPr wrap="square" rtlCol="0">
+            <a:spAutoFit/>
+          </a:bodyPr>
+          <a:lstStyle/>
+          <a:p>
+            <a:r>
+              <a:rPr lang="en-US" altLang="zh-CN" sz="1400" dirty="0"/>
+              <a:t>W</a:t>
+            </a:r>
+            <a:r>
+              <a:rPr lang="en-US" altLang="zh-CN" sz="1400" baseline="-25000" dirty="0"/>
+              <a:t>1</a:t>
+            </a:r>
+            <a:endParaRPr lang="zh-CN" altLang="en-US" sz="1400" baseline="-25000" dirty="0"/>
+          </a:p>
+        </p:txBody>
+      </p:sp>
+      <p:sp>
+        <p:nvSpPr>
+          <p:cNvPr id="21" name="文本框 20">
+            <a:extLst>
+              <a:ext uri="{FF2B5EF4-FFF2-40B4-BE49-F238E27FC236}">
+                <a16:creationId xmlns:a16="http://schemas.microsoft.com/office/drawing/2014/main" id="{86B21671-6433-4C0B-96FF-EE01C8008387}"/>
+              </a:ext>
+            </a:extLst>
+          </p:cNvPr>
+          <p:cNvSpPr txBox="1"/>
+          <p:nvPr/>
+        </p:nvSpPr>
+        <p:spPr>
+          <a:xfrm>
+            <a:off x="3729307" y="2517449"/>
+            <a:ext cx="455408" cy="307777"/>
+          </a:xfrm>
+          <a:prstGeom prst="rect">
+            <a:avLst/>
+          </a:prstGeom>
+          <a:noFill/>
+        </p:spPr>
+        <p:txBody>
+          <a:bodyPr wrap="square" rtlCol="0">
+            <a:spAutoFit/>
+          </a:bodyPr>
+          <a:lstStyle/>
+          <a:p>
+            <a:r>
+              <a:rPr lang="en-US" altLang="zh-CN" sz="1400" dirty="0"/>
+              <a:t>W</a:t>
+            </a:r>
+            <a:r>
+              <a:rPr lang="en-US" altLang="zh-CN" sz="1400" baseline="-25000" dirty="0"/>
+              <a:t>2</a:t>
+            </a:r>
+            <a:endParaRPr lang="zh-CN" altLang="en-US" sz="1400" baseline="-25000" dirty="0"/>
+          </a:p>
+        </p:txBody>
+      </p:sp>
+      <p:sp>
+        <p:nvSpPr>
+          <p:cNvPr id="22" name="文本框 21">
+            <a:extLst>
+              <a:ext uri="{FF2B5EF4-FFF2-40B4-BE49-F238E27FC236}">
+                <a16:creationId xmlns:a16="http://schemas.microsoft.com/office/drawing/2014/main" id="{BD69D347-7D56-4BC6-92BB-91E96927C7B4}"/>
+              </a:ext>
+            </a:extLst>
+          </p:cNvPr>
+          <p:cNvSpPr txBox="1"/>
+          <p:nvPr/>
+        </p:nvSpPr>
+        <p:spPr>
+          <a:xfrm>
+            <a:off x="3657595" y="3115843"/>
+            <a:ext cx="677732" cy="307777"/>
+          </a:xfrm>
+          <a:prstGeom prst="rect">
+            <a:avLst/>
+          </a:prstGeom>
+          <a:noFill/>
+        </p:spPr>
+        <p:txBody>
+          <a:bodyPr wrap="square" rtlCol="0">
+            <a:spAutoFit/>
+          </a:bodyPr>
+          <a:lstStyle/>
+          <a:p>
+            <a:r>
+              <a:rPr lang="en-US" altLang="zh-CN" sz="1400" dirty="0"/>
+              <a:t>W</a:t>
+            </a:r>
+            <a:r>
+              <a:rPr lang="en-US" altLang="zh-CN" sz="1400" baseline="-25000" dirty="0"/>
+              <a:t>p-1</a:t>
+            </a:r>
+            <a:endParaRPr lang="zh-CN" altLang="en-US" sz="1400" baseline="-25000" dirty="0"/>
+          </a:p>
+        </p:txBody>
+      </p:sp>
+      <p:cxnSp>
+        <p:nvCxnSpPr>
+          <p:cNvPr id="23" name="直接箭头连接符 22">
+            <a:extLst>
+              <a:ext uri="{FF2B5EF4-FFF2-40B4-BE49-F238E27FC236}">
+                <a16:creationId xmlns:a16="http://schemas.microsoft.com/office/drawing/2014/main" id="{93FC6825-F015-4A32-8F26-193F236AC52C}"/>
+              </a:ext>
+            </a:extLst>
+          </p:cNvPr>
+          <p:cNvCxnSpPr/>
+          <p:nvPr/>
+        </p:nvCxnSpPr>
+        <p:spPr>
+          <a:xfrm>
+            <a:off x="5966888" y="2248348"/>
+            <a:ext cx="1000461" cy="0"/>
+          </a:xfrm>
+          <a:prstGeom prst="straightConnector1">
+            <a:avLst/>
+          </a:prstGeom>
+          <a:ln>
+            <a:tailEnd type="triangle"/>
+          </a:ln>
+        </p:spPr>
+        <p:style>
+          <a:lnRef idx="3">
+            <a:schemeClr val="dk1"/>
+          </a:lnRef>
+          <a:fillRef idx="0">
+            <a:schemeClr val="dk1"/>
+          </a:fillRef>
+          <a:effectRef idx="2">
+            <a:schemeClr val="dk1"/>
+          </a:effectRef>
+          <a:fontRef idx="minor">
+            <a:schemeClr val="tx1"/>
+          </a:fontRef>
+        </p:style>
+      </p:cxnSp>
+      <p:cxnSp>
+        <p:nvCxnSpPr>
+          <p:cNvPr id="24" name="直接箭头连接符 23">
+            <a:extLst>
+              <a:ext uri="{FF2B5EF4-FFF2-40B4-BE49-F238E27FC236}">
+                <a16:creationId xmlns:a16="http://schemas.microsoft.com/office/drawing/2014/main" id="{865764BC-DC21-4BD7-8B8E-C840A1D51458}"/>
+              </a:ext>
+            </a:extLst>
+          </p:cNvPr>
+          <p:cNvCxnSpPr/>
+          <p:nvPr/>
+        </p:nvCxnSpPr>
+        <p:spPr>
+          <a:xfrm>
+            <a:off x="5966888" y="2560320"/>
+            <a:ext cx="1000461" cy="0"/>
+          </a:xfrm>
+          <a:prstGeom prst="straightConnector1">
+            <a:avLst/>
+          </a:prstGeom>
+          <a:ln>
+            <a:tailEnd type="triangle"/>
+          </a:ln>
+        </p:spPr>
+        <p:style>
+          <a:lnRef idx="3">
+            <a:schemeClr val="dk1"/>
+          </a:lnRef>
+          <a:fillRef idx="0">
+            <a:schemeClr val="dk1"/>
+          </a:fillRef>
+          <a:effectRef idx="2">
+            <a:schemeClr val="dk1"/>
+          </a:effectRef>
+          <a:fontRef idx="minor">
+            <a:schemeClr val="tx1"/>
+          </a:fontRef>
+        </p:style>
+      </p:cxnSp>
+      <p:cxnSp>
+        <p:nvCxnSpPr>
+          <p:cNvPr id="25" name="直接箭头连接符 24">
+            <a:extLst>
+              <a:ext uri="{FF2B5EF4-FFF2-40B4-BE49-F238E27FC236}">
+                <a16:creationId xmlns:a16="http://schemas.microsoft.com/office/drawing/2014/main" id="{581D6C3E-FFD1-4449-BF81-A74225FFA7D3}"/>
+              </a:ext>
+            </a:extLst>
+          </p:cNvPr>
+          <p:cNvCxnSpPr/>
+          <p:nvPr/>
+        </p:nvCxnSpPr>
+        <p:spPr>
+          <a:xfrm>
+            <a:off x="5966888" y="2877670"/>
+            <a:ext cx="1000461" cy="0"/>
+          </a:xfrm>
+          <a:prstGeom prst="straightConnector1">
+            <a:avLst/>
+          </a:prstGeom>
+          <a:ln>
+            <a:tailEnd type="triangle"/>
+          </a:ln>
+        </p:spPr>
+        <p:style>
+          <a:lnRef idx="3">
+            <a:schemeClr val="dk1"/>
+          </a:lnRef>
+          <a:fillRef idx="0">
+            <a:schemeClr val="dk1"/>
+          </a:fillRef>
+          <a:effectRef idx="2">
+            <a:schemeClr val="dk1"/>
+          </a:effectRef>
+          <a:fontRef idx="minor">
+            <a:schemeClr val="tx1"/>
+          </a:fontRef>
+        </p:style>
+      </p:cxnSp>
+      <p:cxnSp>
+        <p:nvCxnSpPr>
+          <p:cNvPr id="26" name="直接箭头连接符 25">
+            <a:extLst>
+              <a:ext uri="{FF2B5EF4-FFF2-40B4-BE49-F238E27FC236}">
+                <a16:creationId xmlns:a16="http://schemas.microsoft.com/office/drawing/2014/main" id="{63562F37-CF28-4A37-A1F0-F3750AFACA3D}"/>
+              </a:ext>
+            </a:extLst>
+          </p:cNvPr>
+          <p:cNvCxnSpPr/>
+          <p:nvPr/>
+        </p:nvCxnSpPr>
+        <p:spPr>
+          <a:xfrm>
+            <a:off x="5966888" y="3423621"/>
+            <a:ext cx="1000461" cy="0"/>
+          </a:xfrm>
+          <a:prstGeom prst="straightConnector1">
+            <a:avLst/>
+          </a:prstGeom>
+          <a:ln>
+            <a:tailEnd type="triangle"/>
+          </a:ln>
+        </p:spPr>
+        <p:style>
+          <a:lnRef idx="3">
+            <a:schemeClr val="dk1"/>
+          </a:lnRef>
+          <a:fillRef idx="0">
+            <a:schemeClr val="dk1"/>
+          </a:fillRef>
+          <a:effectRef idx="2">
+            <a:schemeClr val="dk1"/>
+          </a:effectRef>
+          <a:fontRef idx="minor">
+            <a:schemeClr val="tx1"/>
+          </a:fontRef>
+        </p:style>
+      </p:cxnSp>
+      <p:sp>
+        <p:nvSpPr>
+          <p:cNvPr id="27" name="文本框 26">
+            <a:extLst>
+              <a:ext uri="{FF2B5EF4-FFF2-40B4-BE49-F238E27FC236}">
+                <a16:creationId xmlns:a16="http://schemas.microsoft.com/office/drawing/2014/main" id="{695092A7-1402-446B-BA1B-7145BEF98175}"/>
+              </a:ext>
+            </a:extLst>
+          </p:cNvPr>
+          <p:cNvSpPr txBox="1"/>
+          <p:nvPr/>
+        </p:nvSpPr>
+        <p:spPr>
+          <a:xfrm>
+            <a:off x="6235829" y="2979868"/>
+            <a:ext cx="387276" cy="369332"/>
+          </a:xfrm>
+          <a:prstGeom prst="rect">
+            <a:avLst/>
+          </a:prstGeom>
+          <a:noFill/>
+        </p:spPr>
+        <p:txBody>
+          <a:bodyPr wrap="square" rtlCol="0">
+            <a:spAutoFit/>
+          </a:bodyPr>
+          <a:lstStyle/>
+          <a:p>
+            <a:r>
+              <a:rPr lang="en-US" altLang="zh-CN" dirty="0"/>
+              <a:t>…</a:t>
+            </a:r>
+            <a:endParaRPr lang="zh-CN" altLang="en-US" dirty="0"/>
+          </a:p>
+        </p:txBody>
+      </p:sp>
+      <p:sp>
+        <p:nvSpPr>
+          <p:cNvPr id="28" name="文本框 27">
+            <a:extLst>
+              <a:ext uri="{FF2B5EF4-FFF2-40B4-BE49-F238E27FC236}">
+                <a16:creationId xmlns:a16="http://schemas.microsoft.com/office/drawing/2014/main" id="{ADE9E35A-0DE5-4B72-8EAF-AB2F4C72913B}"/>
+              </a:ext>
+            </a:extLst>
+          </p:cNvPr>
+          <p:cNvSpPr txBox="1"/>
+          <p:nvPr/>
+        </p:nvSpPr>
+        <p:spPr>
+          <a:xfrm>
+            <a:off x="6092383" y="1907555"/>
+            <a:ext cx="455408" cy="307777"/>
+          </a:xfrm>
+          <a:prstGeom prst="rect">
+            <a:avLst/>
+          </a:prstGeom>
+          <a:noFill/>
+        </p:spPr>
+        <p:txBody>
+          <a:bodyPr wrap="square" rtlCol="0">
+            <a:spAutoFit/>
+          </a:bodyPr>
+          <a:lstStyle/>
+          <a:p>
+            <a:r>
+              <a:rPr lang="en-US" altLang="zh-CN" sz="1400" dirty="0"/>
+              <a:t>F</a:t>
+            </a:r>
+            <a:r>
+              <a:rPr lang="en-US" altLang="zh-CN" sz="1400" baseline="-25000" dirty="0"/>
+              <a:t>0</a:t>
+            </a:r>
+            <a:endParaRPr lang="zh-CN" altLang="en-US" sz="1400" baseline="-25000" dirty="0"/>
+          </a:p>
+        </p:txBody>
+      </p:sp>
+      <p:sp>
+        <p:nvSpPr>
+          <p:cNvPr id="29" name="文本框 28">
+            <a:extLst>
+              <a:ext uri="{FF2B5EF4-FFF2-40B4-BE49-F238E27FC236}">
+                <a16:creationId xmlns:a16="http://schemas.microsoft.com/office/drawing/2014/main" id="{4905100F-9809-462E-886C-0F1014E69027}"/>
+              </a:ext>
+            </a:extLst>
+          </p:cNvPr>
+          <p:cNvSpPr txBox="1"/>
+          <p:nvPr/>
+        </p:nvSpPr>
+        <p:spPr>
+          <a:xfrm>
+            <a:off x="6092383" y="2216236"/>
+            <a:ext cx="455408" cy="307777"/>
+          </a:xfrm>
+          <a:prstGeom prst="rect">
+            <a:avLst/>
+          </a:prstGeom>
+          <a:noFill/>
+        </p:spPr>
+        <p:txBody>
+          <a:bodyPr wrap="square" rtlCol="0">
+            <a:spAutoFit/>
+          </a:bodyPr>
+          <a:lstStyle/>
+          <a:p>
+            <a:r>
+              <a:rPr lang="en-US" altLang="zh-CN" sz="1400" dirty="0"/>
+              <a:t>F</a:t>
+            </a:r>
+            <a:r>
+              <a:rPr lang="en-US" altLang="zh-CN" sz="1400" baseline="-25000" dirty="0"/>
+              <a:t>1</a:t>
+            </a:r>
+            <a:endParaRPr lang="zh-CN" altLang="en-US" sz="1400" baseline="-25000" dirty="0"/>
+          </a:p>
+        </p:txBody>
+      </p:sp>
+      <p:sp>
+        <p:nvSpPr>
+          <p:cNvPr id="30" name="文本框 29">
+            <a:extLst>
+              <a:ext uri="{FF2B5EF4-FFF2-40B4-BE49-F238E27FC236}">
+                <a16:creationId xmlns:a16="http://schemas.microsoft.com/office/drawing/2014/main" id="{FDF34931-4DC2-4AD4-8DAD-1E074F89040F}"/>
+              </a:ext>
+            </a:extLst>
+          </p:cNvPr>
+          <p:cNvSpPr txBox="1"/>
+          <p:nvPr/>
+        </p:nvSpPr>
+        <p:spPr>
+          <a:xfrm>
+            <a:off x="6092383" y="2517449"/>
+            <a:ext cx="455408" cy="307777"/>
+          </a:xfrm>
+          <a:prstGeom prst="rect">
+            <a:avLst/>
+          </a:prstGeom>
+          <a:noFill/>
+        </p:spPr>
+        <p:txBody>
+          <a:bodyPr wrap="square" rtlCol="0">
+            <a:spAutoFit/>
+          </a:bodyPr>
+          <a:lstStyle/>
+          <a:p>
+            <a:r>
+              <a:rPr lang="en-US" altLang="zh-CN" sz="1400" dirty="0"/>
+              <a:t>F</a:t>
+            </a:r>
+            <a:r>
+              <a:rPr lang="en-US" altLang="zh-CN" sz="1400" baseline="-25000" dirty="0"/>
+              <a:t>2</a:t>
+            </a:r>
+            <a:endParaRPr lang="zh-CN" altLang="en-US" sz="1400" baseline="-25000" dirty="0"/>
+          </a:p>
+        </p:txBody>
+      </p:sp>
+      <p:sp>
+        <p:nvSpPr>
+          <p:cNvPr id="31" name="文本框 30">
+            <a:extLst>
+              <a:ext uri="{FF2B5EF4-FFF2-40B4-BE49-F238E27FC236}">
+                <a16:creationId xmlns:a16="http://schemas.microsoft.com/office/drawing/2014/main" id="{330D674C-BD98-4DE0-89B0-A048BE6853DB}"/>
+              </a:ext>
+            </a:extLst>
+          </p:cNvPr>
+          <p:cNvSpPr txBox="1"/>
+          <p:nvPr/>
+        </p:nvSpPr>
+        <p:spPr>
+          <a:xfrm>
+            <a:off x="6020671" y="3115843"/>
+            <a:ext cx="677732" cy="307777"/>
+          </a:xfrm>
+          <a:prstGeom prst="rect">
+            <a:avLst/>
+          </a:prstGeom>
+          <a:noFill/>
+        </p:spPr>
+        <p:txBody>
+          <a:bodyPr wrap="square" rtlCol="0">
+            <a:spAutoFit/>
+          </a:bodyPr>
+          <a:lstStyle/>
+          <a:p>
+            <a:r>
+              <a:rPr lang="en-US" altLang="zh-CN" sz="1400" dirty="0"/>
+              <a:t>F</a:t>
+            </a:r>
+            <a:r>
+              <a:rPr lang="en-US" altLang="zh-CN" sz="1400" baseline="-25000" dirty="0"/>
+              <a:t>m-1</a:t>
+            </a:r>
+            <a:endParaRPr lang="zh-CN" altLang="en-US" sz="1400" baseline="-25000" dirty="0"/>
+          </a:p>
+        </p:txBody>
+      </p:sp>
+      <p:sp>
+        <p:nvSpPr>
+          <p:cNvPr id="32" name="文本框 31">
+            <a:extLst>
+              <a:ext uri="{FF2B5EF4-FFF2-40B4-BE49-F238E27FC236}">
+                <a16:creationId xmlns:a16="http://schemas.microsoft.com/office/drawing/2014/main" id="{D7FAF2C5-1D6E-4A4B-9C39-BC9452904DB0}"/>
+              </a:ext>
+            </a:extLst>
+          </p:cNvPr>
+          <p:cNvSpPr txBox="1"/>
+          <p:nvPr/>
+        </p:nvSpPr>
+        <p:spPr>
+          <a:xfrm>
+            <a:off x="3270325" y="3905026"/>
+            <a:ext cx="914390" cy="369332"/>
+          </a:xfrm>
+          <a:prstGeom prst="rect">
+            <a:avLst/>
+          </a:prstGeom>
+          <a:noFill/>
+        </p:spPr>
+        <p:txBody>
+          <a:bodyPr wrap="square" rtlCol="0">
+            <a:spAutoFit/>
+          </a:bodyPr>
+          <a:lstStyle/>
+          <a:p>
+            <a:r>
+              <a:rPr lang="en-US" altLang="zh-CN" dirty="0"/>
+              <a:t>p = 2</a:t>
+            </a:r>
+            <a:r>
+              <a:rPr lang="en-US" altLang="zh-CN" baseline="30000" dirty="0"/>
+              <a:t>n</a:t>
+            </a:r>
+            <a:endParaRPr lang="zh-CN" altLang="en-US" baseline="30000" dirty="0"/>
+          </a:p>
+        </p:txBody>
+      </p:sp>
+      <p:cxnSp>
+        <p:nvCxnSpPr>
+          <p:cNvPr id="34" name="直接箭头连接符 33">
+            <a:extLst>
+              <a:ext uri="{FF2B5EF4-FFF2-40B4-BE49-F238E27FC236}">
+                <a16:creationId xmlns:a16="http://schemas.microsoft.com/office/drawing/2014/main" id="{707BE17D-BBD5-4979-9F79-EDCB2D5E0E90}"/>
+              </a:ext>
+            </a:extLst>
+          </p:cNvPr>
+          <p:cNvCxnSpPr/>
+          <p:nvPr/>
+        </p:nvCxnSpPr>
+        <p:spPr>
+          <a:xfrm flipV="1">
+            <a:off x="3657595" y="3423620"/>
+            <a:ext cx="215158" cy="373829"/>
+          </a:xfrm>
+          <a:prstGeom prst="straightConnector1">
+            <a:avLst/>
+          </a:prstGeom>
+          <a:ln>
+            <a:tailEnd type="triangle"/>
+          </a:ln>
+        </p:spPr>
+        <p:style>
+          <a:lnRef idx="3">
+            <a:schemeClr val="dk1"/>
+          </a:lnRef>
+          <a:fillRef idx="0">
+            <a:schemeClr val="dk1"/>
+          </a:fillRef>
+          <a:effectRef idx="2">
+            <a:schemeClr val="dk1"/>
+          </a:effectRef>
+          <a:fontRef idx="minor">
+            <a:schemeClr val="tx1"/>
+          </a:fontRef>
+        </p:style>
+      </p:cxnSp>
+    </p:spTree>
+    <p:extLst>
+      <p:ext uri="{BB962C8B-B14F-4D97-AF65-F5344CB8AC3E}">
+        <p14:creationId xmlns:p14="http://schemas.microsoft.com/office/powerpoint/2010/main" val="127286300"/>
       </p:ext>
     </p:extLst>
   </p:cSld>

--- a/EDA技术/ppt/chapter2.pptx
+++ b/EDA技术/ppt/chapter2.pptx
@@ -11,6 +11,7 @@
     <p:sldId id="259" r:id="rId5"/>
     <p:sldId id="260" r:id="rId6"/>
     <p:sldId id="261" r:id="rId7"/>
+    <p:sldId id="262" r:id="rId8"/>
   </p:sldIdLst>
   <p:sldSz cx="12192000" cy="6858000"/>
   <p:notesSz cx="6858000" cy="9144000"/>
@@ -109,6 +110,11 @@
       </a:defRPr>
     </a:lvl9pPr>
   </p:defaultTextStyle>
+  <p:extLst>
+    <p:ext uri="{EFAFB233-063F-42B5-8137-9DF3F51BA10A}">
+      <p15:sldGuideLst xmlns:p15="http://schemas.microsoft.com/office/powerpoint/2012/main"/>
+    </p:ext>
+  </p:extLst>
 </p:presentation>
 </file>
 
@@ -5461,7 +5467,7 @@
           <a:p>
             <a:fld id="{50F401A1-E8D9-4E3F-BB78-7CA4463D771E}" type="datetimeFigureOut">
               <a:rPr lang="zh-CN" altLang="en-US" smtClean="0"/>
-              <a:t>2018/11/7</a:t>
+              <a:t>2018/11/8</a:t>
             </a:fld>
             <a:endParaRPr lang="zh-CN" altLang="en-US"/>
           </a:p>
@@ -5659,7 +5665,7 @@
           <a:p>
             <a:fld id="{50F401A1-E8D9-4E3F-BB78-7CA4463D771E}" type="datetimeFigureOut">
               <a:rPr lang="zh-CN" altLang="en-US" smtClean="0"/>
-              <a:t>2018/11/7</a:t>
+              <a:t>2018/11/8</a:t>
             </a:fld>
             <a:endParaRPr lang="zh-CN" altLang="en-US"/>
           </a:p>
@@ -5867,7 +5873,7 @@
           <a:p>
             <a:fld id="{50F401A1-E8D9-4E3F-BB78-7CA4463D771E}" type="datetimeFigureOut">
               <a:rPr lang="zh-CN" altLang="en-US" smtClean="0"/>
-              <a:t>2018/11/7</a:t>
+              <a:t>2018/11/8</a:t>
             </a:fld>
             <a:endParaRPr lang="zh-CN" altLang="en-US"/>
           </a:p>
@@ -6065,7 +6071,7 @@
           <a:p>
             <a:fld id="{50F401A1-E8D9-4E3F-BB78-7CA4463D771E}" type="datetimeFigureOut">
               <a:rPr lang="zh-CN" altLang="en-US" smtClean="0"/>
-              <a:t>2018/11/7</a:t>
+              <a:t>2018/11/8</a:t>
             </a:fld>
             <a:endParaRPr lang="zh-CN" altLang="en-US"/>
           </a:p>
@@ -6340,7 +6346,7 @@
           <a:p>
             <a:fld id="{50F401A1-E8D9-4E3F-BB78-7CA4463D771E}" type="datetimeFigureOut">
               <a:rPr lang="zh-CN" altLang="en-US" smtClean="0"/>
-              <a:t>2018/11/7</a:t>
+              <a:t>2018/11/8</a:t>
             </a:fld>
             <a:endParaRPr lang="zh-CN" altLang="en-US"/>
           </a:p>
@@ -6605,7 +6611,7 @@
           <a:p>
             <a:fld id="{50F401A1-E8D9-4E3F-BB78-7CA4463D771E}" type="datetimeFigureOut">
               <a:rPr lang="zh-CN" altLang="en-US" smtClean="0"/>
-              <a:t>2018/11/7</a:t>
+              <a:t>2018/11/8</a:t>
             </a:fld>
             <a:endParaRPr lang="zh-CN" altLang="en-US"/>
           </a:p>
@@ -7017,7 +7023,7 @@
           <a:p>
             <a:fld id="{50F401A1-E8D9-4E3F-BB78-7CA4463D771E}" type="datetimeFigureOut">
               <a:rPr lang="zh-CN" altLang="en-US" smtClean="0"/>
-              <a:t>2018/11/7</a:t>
+              <a:t>2018/11/8</a:t>
             </a:fld>
             <a:endParaRPr lang="zh-CN" altLang="en-US"/>
           </a:p>
@@ -7158,7 +7164,7 @@
           <a:p>
             <a:fld id="{50F401A1-E8D9-4E3F-BB78-7CA4463D771E}" type="datetimeFigureOut">
               <a:rPr lang="zh-CN" altLang="en-US" smtClean="0"/>
-              <a:t>2018/11/7</a:t>
+              <a:t>2018/11/8</a:t>
             </a:fld>
             <a:endParaRPr lang="zh-CN" altLang="en-US"/>
           </a:p>
@@ -7271,7 +7277,7 @@
           <a:p>
             <a:fld id="{50F401A1-E8D9-4E3F-BB78-7CA4463D771E}" type="datetimeFigureOut">
               <a:rPr lang="zh-CN" altLang="en-US" smtClean="0"/>
-              <a:t>2018/11/7</a:t>
+              <a:t>2018/11/8</a:t>
             </a:fld>
             <a:endParaRPr lang="zh-CN" altLang="en-US"/>
           </a:p>
@@ -7582,7 +7588,7 @@
           <a:p>
             <a:fld id="{50F401A1-E8D9-4E3F-BB78-7CA4463D771E}" type="datetimeFigureOut">
               <a:rPr lang="zh-CN" altLang="en-US" smtClean="0"/>
-              <a:t>2018/11/7</a:t>
+              <a:t>2018/11/8</a:t>
             </a:fld>
             <a:endParaRPr lang="zh-CN" altLang="en-US"/>
           </a:p>
@@ -7870,7 +7876,7 @@
           <a:p>
             <a:fld id="{50F401A1-E8D9-4E3F-BB78-7CA4463D771E}" type="datetimeFigureOut">
               <a:rPr lang="zh-CN" altLang="en-US" smtClean="0"/>
-              <a:t>2018/11/7</a:t>
+              <a:t>2018/11/8</a:t>
             </a:fld>
             <a:endParaRPr lang="zh-CN" altLang="en-US"/>
           </a:p>
@@ -8111,7 +8117,7 @@
           <a:p>
             <a:fld id="{50F401A1-E8D9-4E3F-BB78-7CA4463D771E}" type="datetimeFigureOut">
               <a:rPr lang="zh-CN" altLang="en-US" smtClean="0"/>
-              <a:t>2018/11/7</a:t>
+              <a:t>2018/11/8</a:t>
             </a:fld>
             <a:endParaRPr lang="zh-CN" altLang="en-US"/>
           </a:p>
@@ -15740,10 +15746,3336 @@
           </a:fontRef>
         </p:style>
       </p:cxnSp>
+      <p:sp>
+        <p:nvSpPr>
+          <p:cNvPr id="33" name="矩形 32">
+            <a:extLst>
+              <a:ext uri="{FF2B5EF4-FFF2-40B4-BE49-F238E27FC236}">
+                <a16:creationId xmlns:a16="http://schemas.microsoft.com/office/drawing/2014/main" id="{701847B7-A7C0-41AD-AF46-17FBC87E8680}"/>
+              </a:ext>
+            </a:extLst>
+          </p:cNvPr>
+          <p:cNvSpPr/>
+          <p:nvPr/>
+        </p:nvSpPr>
+        <p:spPr>
+          <a:xfrm>
+            <a:off x="6623105" y="4192031"/>
+            <a:ext cx="1355464" cy="1516829"/>
+          </a:xfrm>
+          <a:prstGeom prst="rect">
+            <a:avLst/>
+          </a:prstGeom>
+        </p:spPr>
+        <p:style>
+          <a:lnRef idx="2">
+            <a:schemeClr val="dk1"/>
+          </a:lnRef>
+          <a:fillRef idx="1">
+            <a:schemeClr val="lt1"/>
+          </a:fillRef>
+          <a:effectRef idx="0">
+            <a:schemeClr val="dk1"/>
+          </a:effectRef>
+          <a:fontRef idx="minor">
+            <a:schemeClr val="dk1"/>
+          </a:fontRef>
+        </p:style>
+        <p:txBody>
+          <a:bodyPr rot="0" spcFirstLastPara="0" vertOverflow="overflow" horzOverflow="overflow" vert="horz" wrap="square" lIns="91440" tIns="45720" rIns="91440" bIns="45720" numCol="1" spcCol="0" rtlCol="0" fromWordArt="0" anchor="ctr" anchorCtr="0" forceAA="0" compatLnSpc="1">
+            <a:prstTxWarp prst="textNoShape">
+              <a:avLst/>
+            </a:prstTxWarp>
+            <a:noAutofit/>
+          </a:bodyPr>
+          <a:lstStyle/>
+          <a:p>
+            <a:pPr algn="ctr"/>
+            <a:r>
+              <a:rPr lang="zh-CN" altLang="en-US" dirty="0"/>
+              <a:t>地址译码器</a:t>
+            </a:r>
+            <a:endParaRPr lang="en-US" altLang="zh-CN" dirty="0"/>
+          </a:p>
+          <a:p>
+            <a:pPr algn="ctr"/>
+            <a:r>
+              <a:rPr lang="zh-CN" altLang="en-US" dirty="0"/>
+              <a:t>与阵列</a:t>
+            </a:r>
+          </a:p>
+        </p:txBody>
+      </p:sp>
+      <p:sp>
+        <p:nvSpPr>
+          <p:cNvPr id="35" name="矩形 34">
+            <a:extLst>
+              <a:ext uri="{FF2B5EF4-FFF2-40B4-BE49-F238E27FC236}">
+                <a16:creationId xmlns:a16="http://schemas.microsoft.com/office/drawing/2014/main" id="{1814B61A-AD0C-4B8F-8437-8FD85BD53098}"/>
+              </a:ext>
+            </a:extLst>
+          </p:cNvPr>
+          <p:cNvSpPr/>
+          <p:nvPr/>
+        </p:nvSpPr>
+        <p:spPr>
+          <a:xfrm>
+            <a:off x="8979030" y="4192031"/>
+            <a:ext cx="1355464" cy="1516829"/>
+          </a:xfrm>
+          <a:prstGeom prst="rect">
+            <a:avLst/>
+          </a:prstGeom>
+        </p:spPr>
+        <p:style>
+          <a:lnRef idx="2">
+            <a:schemeClr val="dk1"/>
+          </a:lnRef>
+          <a:fillRef idx="1">
+            <a:schemeClr val="lt1"/>
+          </a:fillRef>
+          <a:effectRef idx="0">
+            <a:schemeClr val="dk1"/>
+          </a:effectRef>
+          <a:fontRef idx="minor">
+            <a:schemeClr val="dk1"/>
+          </a:fontRef>
+        </p:style>
+        <p:txBody>
+          <a:bodyPr rot="0" spcFirstLastPara="0" vertOverflow="overflow" horzOverflow="overflow" vert="horz" wrap="square" lIns="91440" tIns="45720" rIns="91440" bIns="45720" numCol="1" spcCol="0" rtlCol="0" fromWordArt="0" anchor="ctr" anchorCtr="0" forceAA="0" compatLnSpc="1">
+            <a:prstTxWarp prst="textNoShape">
+              <a:avLst/>
+            </a:prstTxWarp>
+            <a:noAutofit/>
+          </a:bodyPr>
+          <a:lstStyle/>
+          <a:p>
+            <a:pPr algn="ctr"/>
+            <a:r>
+              <a:rPr lang="zh-CN" altLang="en-US" dirty="0"/>
+              <a:t>存储单元阵列</a:t>
+            </a:r>
+            <a:endParaRPr lang="en-US" altLang="zh-CN" dirty="0"/>
+          </a:p>
+          <a:p>
+            <a:pPr algn="ctr"/>
+            <a:r>
+              <a:rPr lang="zh-CN" altLang="en-US" dirty="0"/>
+              <a:t>或阵列</a:t>
+            </a:r>
+          </a:p>
+        </p:txBody>
+      </p:sp>
+      <p:cxnSp>
+        <p:nvCxnSpPr>
+          <p:cNvPr id="36" name="直接箭头连接符 35">
+            <a:extLst>
+              <a:ext uri="{FF2B5EF4-FFF2-40B4-BE49-F238E27FC236}">
+                <a16:creationId xmlns:a16="http://schemas.microsoft.com/office/drawing/2014/main" id="{8060EA57-B7E2-41DC-90C0-2015E4AAD3F7}"/>
+              </a:ext>
+            </a:extLst>
+          </p:cNvPr>
+          <p:cNvCxnSpPr/>
+          <p:nvPr/>
+        </p:nvCxnSpPr>
+        <p:spPr>
+          <a:xfrm>
+            <a:off x="5622644" y="4321123"/>
+            <a:ext cx="1000461" cy="0"/>
+          </a:xfrm>
+          <a:prstGeom prst="straightConnector1">
+            <a:avLst/>
+          </a:prstGeom>
+          <a:ln>
+            <a:tailEnd type="triangle"/>
+          </a:ln>
+        </p:spPr>
+        <p:style>
+          <a:lnRef idx="3">
+            <a:schemeClr val="dk1"/>
+          </a:lnRef>
+          <a:fillRef idx="0">
+            <a:schemeClr val="dk1"/>
+          </a:fillRef>
+          <a:effectRef idx="2">
+            <a:schemeClr val="dk1"/>
+          </a:effectRef>
+          <a:fontRef idx="minor">
+            <a:schemeClr val="tx1"/>
+          </a:fontRef>
+        </p:style>
+      </p:cxnSp>
+      <p:cxnSp>
+        <p:nvCxnSpPr>
+          <p:cNvPr id="37" name="直接箭头连接符 36">
+            <a:extLst>
+              <a:ext uri="{FF2B5EF4-FFF2-40B4-BE49-F238E27FC236}">
+                <a16:creationId xmlns:a16="http://schemas.microsoft.com/office/drawing/2014/main" id="{74EA7961-1DC7-47E9-A318-CC5875426B18}"/>
+              </a:ext>
+            </a:extLst>
+          </p:cNvPr>
+          <p:cNvCxnSpPr/>
+          <p:nvPr/>
+        </p:nvCxnSpPr>
+        <p:spPr>
+          <a:xfrm>
+            <a:off x="5622644" y="4633095"/>
+            <a:ext cx="1000461" cy="0"/>
+          </a:xfrm>
+          <a:prstGeom prst="straightConnector1">
+            <a:avLst/>
+          </a:prstGeom>
+          <a:ln>
+            <a:tailEnd type="triangle"/>
+          </a:ln>
+        </p:spPr>
+        <p:style>
+          <a:lnRef idx="3">
+            <a:schemeClr val="dk1"/>
+          </a:lnRef>
+          <a:fillRef idx="0">
+            <a:schemeClr val="dk1"/>
+          </a:fillRef>
+          <a:effectRef idx="2">
+            <a:schemeClr val="dk1"/>
+          </a:effectRef>
+          <a:fontRef idx="minor">
+            <a:schemeClr val="tx1"/>
+          </a:fontRef>
+        </p:style>
+      </p:cxnSp>
+      <p:cxnSp>
+        <p:nvCxnSpPr>
+          <p:cNvPr id="38" name="直接箭头连接符 37">
+            <a:extLst>
+              <a:ext uri="{FF2B5EF4-FFF2-40B4-BE49-F238E27FC236}">
+                <a16:creationId xmlns:a16="http://schemas.microsoft.com/office/drawing/2014/main" id="{F1746610-CE27-4118-87A2-8F19FA056B04}"/>
+              </a:ext>
+            </a:extLst>
+          </p:cNvPr>
+          <p:cNvCxnSpPr/>
+          <p:nvPr/>
+        </p:nvCxnSpPr>
+        <p:spPr>
+          <a:xfrm>
+            <a:off x="5622644" y="4950445"/>
+            <a:ext cx="1000461" cy="0"/>
+          </a:xfrm>
+          <a:prstGeom prst="straightConnector1">
+            <a:avLst/>
+          </a:prstGeom>
+          <a:ln>
+            <a:tailEnd type="triangle"/>
+          </a:ln>
+        </p:spPr>
+        <p:style>
+          <a:lnRef idx="3">
+            <a:schemeClr val="dk1"/>
+          </a:lnRef>
+          <a:fillRef idx="0">
+            <a:schemeClr val="dk1"/>
+          </a:fillRef>
+          <a:effectRef idx="2">
+            <a:schemeClr val="dk1"/>
+          </a:effectRef>
+          <a:fontRef idx="minor">
+            <a:schemeClr val="tx1"/>
+          </a:fontRef>
+        </p:style>
+      </p:cxnSp>
+      <p:cxnSp>
+        <p:nvCxnSpPr>
+          <p:cNvPr id="39" name="直接箭头连接符 38">
+            <a:extLst>
+              <a:ext uri="{FF2B5EF4-FFF2-40B4-BE49-F238E27FC236}">
+                <a16:creationId xmlns:a16="http://schemas.microsoft.com/office/drawing/2014/main" id="{EEAB1AD2-47C8-4399-9B5F-84E41AEB5BEF}"/>
+              </a:ext>
+            </a:extLst>
+          </p:cNvPr>
+          <p:cNvCxnSpPr/>
+          <p:nvPr/>
+        </p:nvCxnSpPr>
+        <p:spPr>
+          <a:xfrm>
+            <a:off x="5622644" y="5496396"/>
+            <a:ext cx="1000461" cy="0"/>
+          </a:xfrm>
+          <a:prstGeom prst="straightConnector1">
+            <a:avLst/>
+          </a:prstGeom>
+          <a:ln>
+            <a:tailEnd type="triangle"/>
+          </a:ln>
+        </p:spPr>
+        <p:style>
+          <a:lnRef idx="3">
+            <a:schemeClr val="dk1"/>
+          </a:lnRef>
+          <a:fillRef idx="0">
+            <a:schemeClr val="dk1"/>
+          </a:fillRef>
+          <a:effectRef idx="2">
+            <a:schemeClr val="dk1"/>
+          </a:effectRef>
+          <a:fontRef idx="minor">
+            <a:schemeClr val="tx1"/>
+          </a:fontRef>
+        </p:style>
+      </p:cxnSp>
+      <p:sp>
+        <p:nvSpPr>
+          <p:cNvPr id="40" name="文本框 39">
+            <a:extLst>
+              <a:ext uri="{FF2B5EF4-FFF2-40B4-BE49-F238E27FC236}">
+                <a16:creationId xmlns:a16="http://schemas.microsoft.com/office/drawing/2014/main" id="{90EEFB13-B775-43F8-A3BB-0A97430B4C26}"/>
+              </a:ext>
+            </a:extLst>
+          </p:cNvPr>
+          <p:cNvSpPr txBox="1"/>
+          <p:nvPr/>
+        </p:nvSpPr>
+        <p:spPr>
+          <a:xfrm>
+            <a:off x="5891585" y="5052643"/>
+            <a:ext cx="387276" cy="369332"/>
+          </a:xfrm>
+          <a:prstGeom prst="rect">
+            <a:avLst/>
+          </a:prstGeom>
+          <a:noFill/>
+        </p:spPr>
+        <p:txBody>
+          <a:bodyPr wrap="square" rtlCol="0">
+            <a:spAutoFit/>
+          </a:bodyPr>
+          <a:lstStyle/>
+          <a:p>
+            <a:r>
+              <a:rPr lang="en-US" altLang="zh-CN" dirty="0"/>
+              <a:t>…</a:t>
+            </a:r>
+            <a:endParaRPr lang="zh-CN" altLang="en-US" dirty="0"/>
+          </a:p>
+        </p:txBody>
+      </p:sp>
+      <p:sp>
+        <p:nvSpPr>
+          <p:cNvPr id="41" name="文本框 40">
+            <a:extLst>
+              <a:ext uri="{FF2B5EF4-FFF2-40B4-BE49-F238E27FC236}">
+                <a16:creationId xmlns:a16="http://schemas.microsoft.com/office/drawing/2014/main" id="{7885FB8F-233D-4FC4-9200-C8C90745C0F4}"/>
+              </a:ext>
+            </a:extLst>
+          </p:cNvPr>
+          <p:cNvSpPr txBox="1"/>
+          <p:nvPr/>
+        </p:nvSpPr>
+        <p:spPr>
+          <a:xfrm>
+            <a:off x="5167236" y="4134219"/>
+            <a:ext cx="455408" cy="307777"/>
+          </a:xfrm>
+          <a:prstGeom prst="rect">
+            <a:avLst/>
+          </a:prstGeom>
+          <a:noFill/>
+        </p:spPr>
+        <p:txBody>
+          <a:bodyPr wrap="square" rtlCol="0">
+            <a:spAutoFit/>
+          </a:bodyPr>
+          <a:lstStyle/>
+          <a:p>
+            <a:r>
+              <a:rPr lang="en-US" altLang="zh-CN" sz="1400" dirty="0"/>
+              <a:t>A</a:t>
+            </a:r>
+            <a:r>
+              <a:rPr lang="en-US" altLang="zh-CN" sz="1400" baseline="-25000" dirty="0"/>
+              <a:t>0</a:t>
+            </a:r>
+            <a:endParaRPr lang="zh-CN" altLang="en-US" sz="1400" baseline="-25000" dirty="0"/>
+          </a:p>
+        </p:txBody>
+      </p:sp>
+      <p:sp>
+        <p:nvSpPr>
+          <p:cNvPr id="42" name="文本框 41">
+            <a:extLst>
+              <a:ext uri="{FF2B5EF4-FFF2-40B4-BE49-F238E27FC236}">
+                <a16:creationId xmlns:a16="http://schemas.microsoft.com/office/drawing/2014/main" id="{559B8E5E-F793-4CEF-8015-DF66918AB303}"/>
+              </a:ext>
+            </a:extLst>
+          </p:cNvPr>
+          <p:cNvSpPr txBox="1"/>
+          <p:nvPr/>
+        </p:nvSpPr>
+        <p:spPr>
+          <a:xfrm>
+            <a:off x="5167236" y="4442900"/>
+            <a:ext cx="455408" cy="307777"/>
+          </a:xfrm>
+          <a:prstGeom prst="rect">
+            <a:avLst/>
+          </a:prstGeom>
+          <a:noFill/>
+        </p:spPr>
+        <p:txBody>
+          <a:bodyPr wrap="square" rtlCol="0">
+            <a:spAutoFit/>
+          </a:bodyPr>
+          <a:lstStyle/>
+          <a:p>
+            <a:r>
+              <a:rPr lang="en-US" altLang="zh-CN" sz="1400" dirty="0"/>
+              <a:t>A</a:t>
+            </a:r>
+            <a:r>
+              <a:rPr lang="en-US" altLang="zh-CN" sz="1400" baseline="-25000" dirty="0"/>
+              <a:t>1</a:t>
+            </a:r>
+            <a:endParaRPr lang="zh-CN" altLang="en-US" sz="1400" baseline="-25000" dirty="0"/>
+          </a:p>
+        </p:txBody>
+      </p:sp>
+      <p:sp>
+        <p:nvSpPr>
+          <p:cNvPr id="43" name="文本框 42">
+            <a:extLst>
+              <a:ext uri="{FF2B5EF4-FFF2-40B4-BE49-F238E27FC236}">
+                <a16:creationId xmlns:a16="http://schemas.microsoft.com/office/drawing/2014/main" id="{456E8566-4225-4A7A-8AB9-9A6F269EE11D}"/>
+              </a:ext>
+            </a:extLst>
+          </p:cNvPr>
+          <p:cNvSpPr txBox="1"/>
+          <p:nvPr/>
+        </p:nvSpPr>
+        <p:spPr>
+          <a:xfrm>
+            <a:off x="5167236" y="4744113"/>
+            <a:ext cx="455408" cy="307777"/>
+          </a:xfrm>
+          <a:prstGeom prst="rect">
+            <a:avLst/>
+          </a:prstGeom>
+          <a:noFill/>
+        </p:spPr>
+        <p:txBody>
+          <a:bodyPr wrap="square" rtlCol="0">
+            <a:spAutoFit/>
+          </a:bodyPr>
+          <a:lstStyle/>
+          <a:p>
+            <a:r>
+              <a:rPr lang="en-US" altLang="zh-CN" sz="1400" dirty="0"/>
+              <a:t>A</a:t>
+            </a:r>
+            <a:r>
+              <a:rPr lang="en-US" altLang="zh-CN" sz="1400" baseline="-25000" dirty="0"/>
+              <a:t>2</a:t>
+            </a:r>
+            <a:endParaRPr lang="zh-CN" altLang="en-US" sz="1400" baseline="-25000" dirty="0"/>
+          </a:p>
+        </p:txBody>
+      </p:sp>
+      <p:sp>
+        <p:nvSpPr>
+          <p:cNvPr id="44" name="文本框 43">
+            <a:extLst>
+              <a:ext uri="{FF2B5EF4-FFF2-40B4-BE49-F238E27FC236}">
+                <a16:creationId xmlns:a16="http://schemas.microsoft.com/office/drawing/2014/main" id="{24469065-33C0-4872-AF64-9E41F3B46AA2}"/>
+              </a:ext>
+            </a:extLst>
+          </p:cNvPr>
+          <p:cNvSpPr txBox="1"/>
+          <p:nvPr/>
+        </p:nvSpPr>
+        <p:spPr>
+          <a:xfrm>
+            <a:off x="5095524" y="5342507"/>
+            <a:ext cx="677732" cy="307777"/>
+          </a:xfrm>
+          <a:prstGeom prst="rect">
+            <a:avLst/>
+          </a:prstGeom>
+          <a:noFill/>
+        </p:spPr>
+        <p:txBody>
+          <a:bodyPr wrap="square" rtlCol="0">
+            <a:spAutoFit/>
+          </a:bodyPr>
+          <a:lstStyle/>
+          <a:p>
+            <a:r>
+              <a:rPr lang="en-US" altLang="zh-CN" sz="1400" dirty="0"/>
+              <a:t>A</a:t>
+            </a:r>
+            <a:r>
+              <a:rPr lang="en-US" altLang="zh-CN" sz="1400" baseline="-25000" dirty="0"/>
+              <a:t>n-1</a:t>
+            </a:r>
+            <a:endParaRPr lang="zh-CN" altLang="en-US" sz="1400" baseline="-25000" dirty="0"/>
+          </a:p>
+        </p:txBody>
+      </p:sp>
+      <p:cxnSp>
+        <p:nvCxnSpPr>
+          <p:cNvPr id="45" name="直接箭头连接符 44">
+            <a:extLst>
+              <a:ext uri="{FF2B5EF4-FFF2-40B4-BE49-F238E27FC236}">
+                <a16:creationId xmlns:a16="http://schemas.microsoft.com/office/drawing/2014/main" id="{E540AA99-8260-4BE6-8907-B8F5B7816344}"/>
+              </a:ext>
+            </a:extLst>
+          </p:cNvPr>
+          <p:cNvCxnSpPr/>
+          <p:nvPr/>
+        </p:nvCxnSpPr>
+        <p:spPr>
+          <a:xfrm>
+            <a:off x="7978569" y="4321123"/>
+            <a:ext cx="1000461" cy="0"/>
+          </a:xfrm>
+          <a:prstGeom prst="straightConnector1">
+            <a:avLst/>
+          </a:prstGeom>
+          <a:ln>
+            <a:tailEnd type="triangle"/>
+          </a:ln>
+        </p:spPr>
+        <p:style>
+          <a:lnRef idx="3">
+            <a:schemeClr val="dk1"/>
+          </a:lnRef>
+          <a:fillRef idx="0">
+            <a:schemeClr val="dk1"/>
+          </a:fillRef>
+          <a:effectRef idx="2">
+            <a:schemeClr val="dk1"/>
+          </a:effectRef>
+          <a:fontRef idx="minor">
+            <a:schemeClr val="tx1"/>
+          </a:fontRef>
+        </p:style>
+      </p:cxnSp>
+      <p:cxnSp>
+        <p:nvCxnSpPr>
+          <p:cNvPr id="46" name="直接箭头连接符 45">
+            <a:extLst>
+              <a:ext uri="{FF2B5EF4-FFF2-40B4-BE49-F238E27FC236}">
+                <a16:creationId xmlns:a16="http://schemas.microsoft.com/office/drawing/2014/main" id="{42B202A9-5F72-4DB2-9C9B-31DE1F2C24D0}"/>
+              </a:ext>
+            </a:extLst>
+          </p:cNvPr>
+          <p:cNvCxnSpPr/>
+          <p:nvPr/>
+        </p:nvCxnSpPr>
+        <p:spPr>
+          <a:xfrm>
+            <a:off x="7978569" y="4633095"/>
+            <a:ext cx="1000461" cy="0"/>
+          </a:xfrm>
+          <a:prstGeom prst="straightConnector1">
+            <a:avLst/>
+          </a:prstGeom>
+          <a:ln>
+            <a:tailEnd type="triangle"/>
+          </a:ln>
+        </p:spPr>
+        <p:style>
+          <a:lnRef idx="3">
+            <a:schemeClr val="dk1"/>
+          </a:lnRef>
+          <a:fillRef idx="0">
+            <a:schemeClr val="dk1"/>
+          </a:fillRef>
+          <a:effectRef idx="2">
+            <a:schemeClr val="dk1"/>
+          </a:effectRef>
+          <a:fontRef idx="minor">
+            <a:schemeClr val="tx1"/>
+          </a:fontRef>
+        </p:style>
+      </p:cxnSp>
+      <p:cxnSp>
+        <p:nvCxnSpPr>
+          <p:cNvPr id="47" name="直接箭头连接符 46">
+            <a:extLst>
+              <a:ext uri="{FF2B5EF4-FFF2-40B4-BE49-F238E27FC236}">
+                <a16:creationId xmlns:a16="http://schemas.microsoft.com/office/drawing/2014/main" id="{7A081610-1894-41C6-891A-D1410D06C9D4}"/>
+              </a:ext>
+            </a:extLst>
+          </p:cNvPr>
+          <p:cNvCxnSpPr/>
+          <p:nvPr/>
+        </p:nvCxnSpPr>
+        <p:spPr>
+          <a:xfrm>
+            <a:off x="7978569" y="4950445"/>
+            <a:ext cx="1000461" cy="0"/>
+          </a:xfrm>
+          <a:prstGeom prst="straightConnector1">
+            <a:avLst/>
+          </a:prstGeom>
+          <a:ln>
+            <a:tailEnd type="triangle"/>
+          </a:ln>
+        </p:spPr>
+        <p:style>
+          <a:lnRef idx="3">
+            <a:schemeClr val="dk1"/>
+          </a:lnRef>
+          <a:fillRef idx="0">
+            <a:schemeClr val="dk1"/>
+          </a:fillRef>
+          <a:effectRef idx="2">
+            <a:schemeClr val="dk1"/>
+          </a:effectRef>
+          <a:fontRef idx="minor">
+            <a:schemeClr val="tx1"/>
+          </a:fontRef>
+        </p:style>
+      </p:cxnSp>
+      <p:cxnSp>
+        <p:nvCxnSpPr>
+          <p:cNvPr id="48" name="直接箭头连接符 47">
+            <a:extLst>
+              <a:ext uri="{FF2B5EF4-FFF2-40B4-BE49-F238E27FC236}">
+                <a16:creationId xmlns:a16="http://schemas.microsoft.com/office/drawing/2014/main" id="{09A47123-4446-411B-A66A-DCEDA274B8F5}"/>
+              </a:ext>
+            </a:extLst>
+          </p:cNvPr>
+          <p:cNvCxnSpPr/>
+          <p:nvPr/>
+        </p:nvCxnSpPr>
+        <p:spPr>
+          <a:xfrm>
+            <a:off x="7978569" y="5496396"/>
+            <a:ext cx="1000461" cy="0"/>
+          </a:xfrm>
+          <a:prstGeom prst="straightConnector1">
+            <a:avLst/>
+          </a:prstGeom>
+          <a:ln>
+            <a:tailEnd type="triangle"/>
+          </a:ln>
+        </p:spPr>
+        <p:style>
+          <a:lnRef idx="3">
+            <a:schemeClr val="dk1"/>
+          </a:lnRef>
+          <a:fillRef idx="0">
+            <a:schemeClr val="dk1"/>
+          </a:fillRef>
+          <a:effectRef idx="2">
+            <a:schemeClr val="dk1"/>
+          </a:effectRef>
+          <a:fontRef idx="minor">
+            <a:schemeClr val="tx1"/>
+          </a:fontRef>
+        </p:style>
+      </p:cxnSp>
+      <p:sp>
+        <p:nvSpPr>
+          <p:cNvPr id="49" name="文本框 48">
+            <a:extLst>
+              <a:ext uri="{FF2B5EF4-FFF2-40B4-BE49-F238E27FC236}">
+                <a16:creationId xmlns:a16="http://schemas.microsoft.com/office/drawing/2014/main" id="{6C426A7E-B506-44FD-BCE4-FEFEA30F7EB2}"/>
+              </a:ext>
+            </a:extLst>
+          </p:cNvPr>
+          <p:cNvSpPr txBox="1"/>
+          <p:nvPr/>
+        </p:nvSpPr>
+        <p:spPr>
+          <a:xfrm>
+            <a:off x="8247510" y="5052643"/>
+            <a:ext cx="387276" cy="369332"/>
+          </a:xfrm>
+          <a:prstGeom prst="rect">
+            <a:avLst/>
+          </a:prstGeom>
+          <a:noFill/>
+        </p:spPr>
+        <p:txBody>
+          <a:bodyPr wrap="square" rtlCol="0">
+            <a:spAutoFit/>
+          </a:bodyPr>
+          <a:lstStyle/>
+          <a:p>
+            <a:r>
+              <a:rPr lang="en-US" altLang="zh-CN" dirty="0"/>
+              <a:t>…</a:t>
+            </a:r>
+            <a:endParaRPr lang="zh-CN" altLang="en-US" dirty="0"/>
+          </a:p>
+        </p:txBody>
+      </p:sp>
+      <p:sp>
+        <p:nvSpPr>
+          <p:cNvPr id="50" name="文本框 49">
+            <a:extLst>
+              <a:ext uri="{FF2B5EF4-FFF2-40B4-BE49-F238E27FC236}">
+                <a16:creationId xmlns:a16="http://schemas.microsoft.com/office/drawing/2014/main" id="{FDEEA34A-6578-49B1-AA08-7A7160C2ADF0}"/>
+              </a:ext>
+            </a:extLst>
+          </p:cNvPr>
+          <p:cNvSpPr txBox="1"/>
+          <p:nvPr/>
+        </p:nvSpPr>
+        <p:spPr>
+          <a:xfrm>
+            <a:off x="8104064" y="3980330"/>
+            <a:ext cx="455408" cy="307777"/>
+          </a:xfrm>
+          <a:prstGeom prst="rect">
+            <a:avLst/>
+          </a:prstGeom>
+          <a:noFill/>
+        </p:spPr>
+        <p:txBody>
+          <a:bodyPr wrap="square" rtlCol="0">
+            <a:spAutoFit/>
+          </a:bodyPr>
+          <a:lstStyle/>
+          <a:p>
+            <a:r>
+              <a:rPr lang="en-US" altLang="zh-CN" sz="1400" dirty="0"/>
+              <a:t>W</a:t>
+            </a:r>
+            <a:r>
+              <a:rPr lang="en-US" altLang="zh-CN" sz="1400" baseline="-25000" dirty="0"/>
+              <a:t>0</a:t>
+            </a:r>
+            <a:endParaRPr lang="zh-CN" altLang="en-US" sz="1400" baseline="-25000" dirty="0"/>
+          </a:p>
+        </p:txBody>
+      </p:sp>
+      <p:sp>
+        <p:nvSpPr>
+          <p:cNvPr id="51" name="文本框 50">
+            <a:extLst>
+              <a:ext uri="{FF2B5EF4-FFF2-40B4-BE49-F238E27FC236}">
+                <a16:creationId xmlns:a16="http://schemas.microsoft.com/office/drawing/2014/main" id="{4881D167-D889-46EB-BF44-0D383CB362EC}"/>
+              </a:ext>
+            </a:extLst>
+          </p:cNvPr>
+          <p:cNvSpPr txBox="1"/>
+          <p:nvPr/>
+        </p:nvSpPr>
+        <p:spPr>
+          <a:xfrm>
+            <a:off x="8104064" y="4289011"/>
+            <a:ext cx="455408" cy="307777"/>
+          </a:xfrm>
+          <a:prstGeom prst="rect">
+            <a:avLst/>
+          </a:prstGeom>
+          <a:noFill/>
+        </p:spPr>
+        <p:txBody>
+          <a:bodyPr wrap="square" rtlCol="0">
+            <a:spAutoFit/>
+          </a:bodyPr>
+          <a:lstStyle/>
+          <a:p>
+            <a:r>
+              <a:rPr lang="en-US" altLang="zh-CN" sz="1400" dirty="0"/>
+              <a:t>W</a:t>
+            </a:r>
+            <a:r>
+              <a:rPr lang="en-US" altLang="zh-CN" sz="1400" baseline="-25000" dirty="0"/>
+              <a:t>1</a:t>
+            </a:r>
+            <a:endParaRPr lang="zh-CN" altLang="en-US" sz="1400" baseline="-25000" dirty="0"/>
+          </a:p>
+        </p:txBody>
+      </p:sp>
+      <p:sp>
+        <p:nvSpPr>
+          <p:cNvPr id="52" name="文本框 51">
+            <a:extLst>
+              <a:ext uri="{FF2B5EF4-FFF2-40B4-BE49-F238E27FC236}">
+                <a16:creationId xmlns:a16="http://schemas.microsoft.com/office/drawing/2014/main" id="{036B31D2-8FEA-4C99-AA35-8D5C8F1F0B8B}"/>
+              </a:ext>
+            </a:extLst>
+          </p:cNvPr>
+          <p:cNvSpPr txBox="1"/>
+          <p:nvPr/>
+        </p:nvSpPr>
+        <p:spPr>
+          <a:xfrm>
+            <a:off x="8104064" y="4590224"/>
+            <a:ext cx="455408" cy="307777"/>
+          </a:xfrm>
+          <a:prstGeom prst="rect">
+            <a:avLst/>
+          </a:prstGeom>
+          <a:noFill/>
+        </p:spPr>
+        <p:txBody>
+          <a:bodyPr wrap="square" rtlCol="0">
+            <a:spAutoFit/>
+          </a:bodyPr>
+          <a:lstStyle/>
+          <a:p>
+            <a:r>
+              <a:rPr lang="en-US" altLang="zh-CN" sz="1400" dirty="0"/>
+              <a:t>W</a:t>
+            </a:r>
+            <a:r>
+              <a:rPr lang="en-US" altLang="zh-CN" sz="1400" baseline="-25000" dirty="0"/>
+              <a:t>2</a:t>
+            </a:r>
+            <a:endParaRPr lang="zh-CN" altLang="en-US" sz="1400" baseline="-25000" dirty="0"/>
+          </a:p>
+        </p:txBody>
+      </p:sp>
+      <p:sp>
+        <p:nvSpPr>
+          <p:cNvPr id="53" name="文本框 52">
+            <a:extLst>
+              <a:ext uri="{FF2B5EF4-FFF2-40B4-BE49-F238E27FC236}">
+                <a16:creationId xmlns:a16="http://schemas.microsoft.com/office/drawing/2014/main" id="{849D4CF4-A575-4B9E-B17A-E4A388904781}"/>
+              </a:ext>
+            </a:extLst>
+          </p:cNvPr>
+          <p:cNvSpPr txBox="1"/>
+          <p:nvPr/>
+        </p:nvSpPr>
+        <p:spPr>
+          <a:xfrm>
+            <a:off x="8032352" y="5188618"/>
+            <a:ext cx="677732" cy="307777"/>
+          </a:xfrm>
+          <a:prstGeom prst="rect">
+            <a:avLst/>
+          </a:prstGeom>
+          <a:noFill/>
+        </p:spPr>
+        <p:txBody>
+          <a:bodyPr wrap="square" rtlCol="0">
+            <a:spAutoFit/>
+          </a:bodyPr>
+          <a:lstStyle/>
+          <a:p>
+            <a:r>
+              <a:rPr lang="en-US" altLang="zh-CN" sz="1400" dirty="0"/>
+              <a:t>W</a:t>
+            </a:r>
+            <a:r>
+              <a:rPr lang="en-US" altLang="zh-CN" sz="1400" baseline="-25000" dirty="0"/>
+              <a:t>p-1</a:t>
+            </a:r>
+            <a:endParaRPr lang="zh-CN" altLang="en-US" sz="1400" baseline="-25000" dirty="0"/>
+          </a:p>
+        </p:txBody>
+      </p:sp>
+      <p:cxnSp>
+        <p:nvCxnSpPr>
+          <p:cNvPr id="54" name="直接箭头连接符 53">
+            <a:extLst>
+              <a:ext uri="{FF2B5EF4-FFF2-40B4-BE49-F238E27FC236}">
+                <a16:creationId xmlns:a16="http://schemas.microsoft.com/office/drawing/2014/main" id="{CEB82567-1845-4B27-B98C-E5C82C8A083D}"/>
+              </a:ext>
+            </a:extLst>
+          </p:cNvPr>
+          <p:cNvCxnSpPr/>
+          <p:nvPr/>
+        </p:nvCxnSpPr>
+        <p:spPr>
+          <a:xfrm>
+            <a:off x="10341645" y="4321123"/>
+            <a:ext cx="1000461" cy="0"/>
+          </a:xfrm>
+          <a:prstGeom prst="straightConnector1">
+            <a:avLst/>
+          </a:prstGeom>
+          <a:ln>
+            <a:tailEnd type="triangle"/>
+          </a:ln>
+        </p:spPr>
+        <p:style>
+          <a:lnRef idx="3">
+            <a:schemeClr val="dk1"/>
+          </a:lnRef>
+          <a:fillRef idx="0">
+            <a:schemeClr val="dk1"/>
+          </a:fillRef>
+          <a:effectRef idx="2">
+            <a:schemeClr val="dk1"/>
+          </a:effectRef>
+          <a:fontRef idx="minor">
+            <a:schemeClr val="tx1"/>
+          </a:fontRef>
+        </p:style>
+      </p:cxnSp>
+      <p:cxnSp>
+        <p:nvCxnSpPr>
+          <p:cNvPr id="55" name="直接箭头连接符 54">
+            <a:extLst>
+              <a:ext uri="{FF2B5EF4-FFF2-40B4-BE49-F238E27FC236}">
+                <a16:creationId xmlns:a16="http://schemas.microsoft.com/office/drawing/2014/main" id="{713496D1-A02F-4960-9929-CDE7C522C4FC}"/>
+              </a:ext>
+            </a:extLst>
+          </p:cNvPr>
+          <p:cNvCxnSpPr/>
+          <p:nvPr/>
+        </p:nvCxnSpPr>
+        <p:spPr>
+          <a:xfrm>
+            <a:off x="10341645" y="4633095"/>
+            <a:ext cx="1000461" cy="0"/>
+          </a:xfrm>
+          <a:prstGeom prst="straightConnector1">
+            <a:avLst/>
+          </a:prstGeom>
+          <a:ln>
+            <a:tailEnd type="triangle"/>
+          </a:ln>
+        </p:spPr>
+        <p:style>
+          <a:lnRef idx="3">
+            <a:schemeClr val="dk1"/>
+          </a:lnRef>
+          <a:fillRef idx="0">
+            <a:schemeClr val="dk1"/>
+          </a:fillRef>
+          <a:effectRef idx="2">
+            <a:schemeClr val="dk1"/>
+          </a:effectRef>
+          <a:fontRef idx="minor">
+            <a:schemeClr val="tx1"/>
+          </a:fontRef>
+        </p:style>
+      </p:cxnSp>
+      <p:cxnSp>
+        <p:nvCxnSpPr>
+          <p:cNvPr id="56" name="直接箭头连接符 55">
+            <a:extLst>
+              <a:ext uri="{FF2B5EF4-FFF2-40B4-BE49-F238E27FC236}">
+                <a16:creationId xmlns:a16="http://schemas.microsoft.com/office/drawing/2014/main" id="{1A3EAD36-EADE-4BBF-B9E0-CD526CADE157}"/>
+              </a:ext>
+            </a:extLst>
+          </p:cNvPr>
+          <p:cNvCxnSpPr/>
+          <p:nvPr/>
+        </p:nvCxnSpPr>
+        <p:spPr>
+          <a:xfrm>
+            <a:off x="10341645" y="4950445"/>
+            <a:ext cx="1000461" cy="0"/>
+          </a:xfrm>
+          <a:prstGeom prst="straightConnector1">
+            <a:avLst/>
+          </a:prstGeom>
+          <a:ln>
+            <a:tailEnd type="triangle"/>
+          </a:ln>
+        </p:spPr>
+        <p:style>
+          <a:lnRef idx="3">
+            <a:schemeClr val="dk1"/>
+          </a:lnRef>
+          <a:fillRef idx="0">
+            <a:schemeClr val="dk1"/>
+          </a:fillRef>
+          <a:effectRef idx="2">
+            <a:schemeClr val="dk1"/>
+          </a:effectRef>
+          <a:fontRef idx="minor">
+            <a:schemeClr val="tx1"/>
+          </a:fontRef>
+        </p:style>
+      </p:cxnSp>
+      <p:cxnSp>
+        <p:nvCxnSpPr>
+          <p:cNvPr id="57" name="直接箭头连接符 56">
+            <a:extLst>
+              <a:ext uri="{FF2B5EF4-FFF2-40B4-BE49-F238E27FC236}">
+                <a16:creationId xmlns:a16="http://schemas.microsoft.com/office/drawing/2014/main" id="{19EC4670-F48A-4340-A243-F0D9E4E26450}"/>
+              </a:ext>
+            </a:extLst>
+          </p:cNvPr>
+          <p:cNvCxnSpPr/>
+          <p:nvPr/>
+        </p:nvCxnSpPr>
+        <p:spPr>
+          <a:xfrm>
+            <a:off x="10341645" y="5496396"/>
+            <a:ext cx="1000461" cy="0"/>
+          </a:xfrm>
+          <a:prstGeom prst="straightConnector1">
+            <a:avLst/>
+          </a:prstGeom>
+          <a:ln>
+            <a:tailEnd type="triangle"/>
+          </a:ln>
+        </p:spPr>
+        <p:style>
+          <a:lnRef idx="3">
+            <a:schemeClr val="dk1"/>
+          </a:lnRef>
+          <a:fillRef idx="0">
+            <a:schemeClr val="dk1"/>
+          </a:fillRef>
+          <a:effectRef idx="2">
+            <a:schemeClr val="dk1"/>
+          </a:effectRef>
+          <a:fontRef idx="minor">
+            <a:schemeClr val="tx1"/>
+          </a:fontRef>
+        </p:style>
+      </p:cxnSp>
+      <p:sp>
+        <p:nvSpPr>
+          <p:cNvPr id="58" name="文本框 57">
+            <a:extLst>
+              <a:ext uri="{FF2B5EF4-FFF2-40B4-BE49-F238E27FC236}">
+                <a16:creationId xmlns:a16="http://schemas.microsoft.com/office/drawing/2014/main" id="{54718EDA-1808-48A8-8A3A-8E6DA0ED30FB}"/>
+              </a:ext>
+            </a:extLst>
+          </p:cNvPr>
+          <p:cNvSpPr txBox="1"/>
+          <p:nvPr/>
+        </p:nvSpPr>
+        <p:spPr>
+          <a:xfrm>
+            <a:off x="10610586" y="5052643"/>
+            <a:ext cx="387276" cy="369332"/>
+          </a:xfrm>
+          <a:prstGeom prst="rect">
+            <a:avLst/>
+          </a:prstGeom>
+          <a:noFill/>
+        </p:spPr>
+        <p:txBody>
+          <a:bodyPr wrap="square" rtlCol="0">
+            <a:spAutoFit/>
+          </a:bodyPr>
+          <a:lstStyle/>
+          <a:p>
+            <a:r>
+              <a:rPr lang="en-US" altLang="zh-CN" dirty="0"/>
+              <a:t>…</a:t>
+            </a:r>
+            <a:endParaRPr lang="zh-CN" altLang="en-US" dirty="0"/>
+          </a:p>
+        </p:txBody>
+      </p:sp>
+      <p:sp>
+        <p:nvSpPr>
+          <p:cNvPr id="59" name="文本框 58">
+            <a:extLst>
+              <a:ext uri="{FF2B5EF4-FFF2-40B4-BE49-F238E27FC236}">
+                <a16:creationId xmlns:a16="http://schemas.microsoft.com/office/drawing/2014/main" id="{3798BA1C-9DCF-47FE-9991-7BFDEF11B77B}"/>
+              </a:ext>
+            </a:extLst>
+          </p:cNvPr>
+          <p:cNvSpPr txBox="1"/>
+          <p:nvPr/>
+        </p:nvSpPr>
+        <p:spPr>
+          <a:xfrm>
+            <a:off x="10467140" y="3980330"/>
+            <a:ext cx="455408" cy="307777"/>
+          </a:xfrm>
+          <a:prstGeom prst="rect">
+            <a:avLst/>
+          </a:prstGeom>
+          <a:noFill/>
+        </p:spPr>
+        <p:txBody>
+          <a:bodyPr wrap="square" rtlCol="0">
+            <a:spAutoFit/>
+          </a:bodyPr>
+          <a:lstStyle/>
+          <a:p>
+            <a:r>
+              <a:rPr lang="en-US" altLang="zh-CN" sz="1400" dirty="0"/>
+              <a:t>F</a:t>
+            </a:r>
+            <a:r>
+              <a:rPr lang="en-US" altLang="zh-CN" sz="1400" baseline="-25000" dirty="0"/>
+              <a:t>0</a:t>
+            </a:r>
+            <a:endParaRPr lang="zh-CN" altLang="en-US" sz="1400" baseline="-25000" dirty="0"/>
+          </a:p>
+        </p:txBody>
+      </p:sp>
+      <p:sp>
+        <p:nvSpPr>
+          <p:cNvPr id="60" name="文本框 59">
+            <a:extLst>
+              <a:ext uri="{FF2B5EF4-FFF2-40B4-BE49-F238E27FC236}">
+                <a16:creationId xmlns:a16="http://schemas.microsoft.com/office/drawing/2014/main" id="{4DA141B8-30D0-47C6-ACA5-5B97F63BC809}"/>
+              </a:ext>
+            </a:extLst>
+          </p:cNvPr>
+          <p:cNvSpPr txBox="1"/>
+          <p:nvPr/>
+        </p:nvSpPr>
+        <p:spPr>
+          <a:xfrm>
+            <a:off x="10467140" y="4289011"/>
+            <a:ext cx="455408" cy="307777"/>
+          </a:xfrm>
+          <a:prstGeom prst="rect">
+            <a:avLst/>
+          </a:prstGeom>
+          <a:noFill/>
+        </p:spPr>
+        <p:txBody>
+          <a:bodyPr wrap="square" rtlCol="0">
+            <a:spAutoFit/>
+          </a:bodyPr>
+          <a:lstStyle/>
+          <a:p>
+            <a:r>
+              <a:rPr lang="en-US" altLang="zh-CN" sz="1400" dirty="0"/>
+              <a:t>F</a:t>
+            </a:r>
+            <a:r>
+              <a:rPr lang="en-US" altLang="zh-CN" sz="1400" baseline="-25000" dirty="0"/>
+              <a:t>1</a:t>
+            </a:r>
+            <a:endParaRPr lang="zh-CN" altLang="en-US" sz="1400" baseline="-25000" dirty="0"/>
+          </a:p>
+        </p:txBody>
+      </p:sp>
+      <p:sp>
+        <p:nvSpPr>
+          <p:cNvPr id="61" name="文本框 60">
+            <a:extLst>
+              <a:ext uri="{FF2B5EF4-FFF2-40B4-BE49-F238E27FC236}">
+                <a16:creationId xmlns:a16="http://schemas.microsoft.com/office/drawing/2014/main" id="{D57C267A-B084-404B-B3AD-384557443755}"/>
+              </a:ext>
+            </a:extLst>
+          </p:cNvPr>
+          <p:cNvSpPr txBox="1"/>
+          <p:nvPr/>
+        </p:nvSpPr>
+        <p:spPr>
+          <a:xfrm>
+            <a:off x="10467140" y="4590224"/>
+            <a:ext cx="455408" cy="307777"/>
+          </a:xfrm>
+          <a:prstGeom prst="rect">
+            <a:avLst/>
+          </a:prstGeom>
+          <a:noFill/>
+        </p:spPr>
+        <p:txBody>
+          <a:bodyPr wrap="square" rtlCol="0">
+            <a:spAutoFit/>
+          </a:bodyPr>
+          <a:lstStyle/>
+          <a:p>
+            <a:r>
+              <a:rPr lang="en-US" altLang="zh-CN" sz="1400" dirty="0"/>
+              <a:t>F</a:t>
+            </a:r>
+            <a:r>
+              <a:rPr lang="en-US" altLang="zh-CN" sz="1400" baseline="-25000" dirty="0"/>
+              <a:t>2</a:t>
+            </a:r>
+            <a:endParaRPr lang="zh-CN" altLang="en-US" sz="1400" baseline="-25000" dirty="0"/>
+          </a:p>
+        </p:txBody>
+      </p:sp>
+      <p:sp>
+        <p:nvSpPr>
+          <p:cNvPr id="62" name="文本框 61">
+            <a:extLst>
+              <a:ext uri="{FF2B5EF4-FFF2-40B4-BE49-F238E27FC236}">
+                <a16:creationId xmlns:a16="http://schemas.microsoft.com/office/drawing/2014/main" id="{BE5747F0-FF40-4D6C-BBCC-EB4D292C6ABC}"/>
+              </a:ext>
+            </a:extLst>
+          </p:cNvPr>
+          <p:cNvSpPr txBox="1"/>
+          <p:nvPr/>
+        </p:nvSpPr>
+        <p:spPr>
+          <a:xfrm>
+            <a:off x="10395428" y="5188618"/>
+            <a:ext cx="677732" cy="307777"/>
+          </a:xfrm>
+          <a:prstGeom prst="rect">
+            <a:avLst/>
+          </a:prstGeom>
+          <a:noFill/>
+        </p:spPr>
+        <p:txBody>
+          <a:bodyPr wrap="square" rtlCol="0">
+            <a:spAutoFit/>
+          </a:bodyPr>
+          <a:lstStyle/>
+          <a:p>
+            <a:r>
+              <a:rPr lang="en-US" altLang="zh-CN" sz="1400" dirty="0"/>
+              <a:t>F</a:t>
+            </a:r>
+            <a:r>
+              <a:rPr lang="en-US" altLang="zh-CN" sz="1400" baseline="-25000" dirty="0"/>
+              <a:t>m-1</a:t>
+            </a:r>
+            <a:endParaRPr lang="zh-CN" altLang="en-US" sz="1400" baseline="-25000" dirty="0"/>
+          </a:p>
+        </p:txBody>
+      </p:sp>
+      <p:sp>
+        <p:nvSpPr>
+          <p:cNvPr id="63" name="文本框 62">
+            <a:extLst>
+              <a:ext uri="{FF2B5EF4-FFF2-40B4-BE49-F238E27FC236}">
+                <a16:creationId xmlns:a16="http://schemas.microsoft.com/office/drawing/2014/main" id="{40F2A903-DEA9-49D3-947D-F06C02C71311}"/>
+              </a:ext>
+            </a:extLst>
+          </p:cNvPr>
+          <p:cNvSpPr txBox="1"/>
+          <p:nvPr/>
+        </p:nvSpPr>
+        <p:spPr>
+          <a:xfrm>
+            <a:off x="7645082" y="5977801"/>
+            <a:ext cx="914390" cy="369332"/>
+          </a:xfrm>
+          <a:prstGeom prst="rect">
+            <a:avLst/>
+          </a:prstGeom>
+          <a:noFill/>
+        </p:spPr>
+        <p:txBody>
+          <a:bodyPr wrap="square" rtlCol="0">
+            <a:spAutoFit/>
+          </a:bodyPr>
+          <a:lstStyle/>
+          <a:p>
+            <a:r>
+              <a:rPr lang="en-US" altLang="zh-CN" dirty="0"/>
+              <a:t>p = 2</a:t>
+            </a:r>
+            <a:r>
+              <a:rPr lang="en-US" altLang="zh-CN" baseline="30000" dirty="0"/>
+              <a:t>n</a:t>
+            </a:r>
+            <a:endParaRPr lang="zh-CN" altLang="en-US" baseline="30000" dirty="0"/>
+          </a:p>
+        </p:txBody>
+      </p:sp>
+      <p:cxnSp>
+        <p:nvCxnSpPr>
+          <p:cNvPr id="64" name="直接箭头连接符 63">
+            <a:extLst>
+              <a:ext uri="{FF2B5EF4-FFF2-40B4-BE49-F238E27FC236}">
+                <a16:creationId xmlns:a16="http://schemas.microsoft.com/office/drawing/2014/main" id="{FBC31EAD-4A79-4507-B320-4CC22568BD8B}"/>
+              </a:ext>
+            </a:extLst>
+          </p:cNvPr>
+          <p:cNvCxnSpPr/>
+          <p:nvPr/>
+        </p:nvCxnSpPr>
+        <p:spPr>
+          <a:xfrm flipV="1">
+            <a:off x="8032352" y="5496395"/>
+            <a:ext cx="215158" cy="373829"/>
+          </a:xfrm>
+          <a:prstGeom prst="straightConnector1">
+            <a:avLst/>
+          </a:prstGeom>
+          <a:ln>
+            <a:tailEnd type="triangle"/>
+          </a:ln>
+        </p:spPr>
+        <p:style>
+          <a:lnRef idx="3">
+            <a:schemeClr val="dk1"/>
+          </a:lnRef>
+          <a:fillRef idx="0">
+            <a:schemeClr val="dk1"/>
+          </a:fillRef>
+          <a:effectRef idx="2">
+            <a:schemeClr val="dk1"/>
+          </a:effectRef>
+          <a:fontRef idx="minor">
+            <a:schemeClr val="tx1"/>
+          </a:fontRef>
+        </p:style>
+      </p:cxnSp>
     </p:spTree>
     <p:extLst>
       <p:ext uri="{BB962C8B-B14F-4D97-AF65-F5344CB8AC3E}">
         <p14:creationId xmlns:p14="http://schemas.microsoft.com/office/powerpoint/2010/main" val="127286300"/>
+      </p:ext>
+    </p:extLst>
+  </p:cSld>
+  <p:clrMapOvr>
+    <a:masterClrMapping/>
+  </p:clrMapOvr>
+</p:sld>
+</file>
+
+<file path=ppt/slides/slide7.xml><?xml version="1.0" encoding="utf-8"?>
+<p:sld xmlns:a="http://schemas.openxmlformats.org/drawingml/2006/main" xmlns:r="http://schemas.openxmlformats.org/officeDocument/2006/relationships" xmlns:p="http://schemas.openxmlformats.org/presentationml/2006/main">
+  <p:cSld>
+    <p:spTree>
+      <p:nvGrpSpPr>
+        <p:cNvPr id="1" name=""/>
+        <p:cNvGrpSpPr/>
+        <p:nvPr/>
+      </p:nvGrpSpPr>
+      <p:grpSpPr>
+        <a:xfrm>
+          <a:off x="0" y="0"/>
+          <a:ext cx="0" cy="0"/>
+          <a:chOff x="0" y="0"/>
+          <a:chExt cx="0" cy="0"/>
+        </a:xfrm>
+      </p:grpSpPr>
+      <p:grpSp>
+        <p:nvGrpSpPr>
+          <p:cNvPr id="10" name="组合 9">
+            <a:extLst>
+              <a:ext uri="{FF2B5EF4-FFF2-40B4-BE49-F238E27FC236}">
+                <a16:creationId xmlns:a16="http://schemas.microsoft.com/office/drawing/2014/main" id="{2A6EDCD4-D913-4DDE-9684-1ABDBBECB035}"/>
+              </a:ext>
+            </a:extLst>
+          </p:cNvPr>
+          <p:cNvGrpSpPr/>
+          <p:nvPr/>
+        </p:nvGrpSpPr>
+        <p:grpSpPr>
+          <a:xfrm>
+            <a:off x="1881051" y="435429"/>
+            <a:ext cx="853439" cy="1301930"/>
+            <a:chOff x="1881051" y="435429"/>
+            <a:chExt cx="853439" cy="1301930"/>
+          </a:xfrm>
+        </p:grpSpPr>
+        <p:cxnSp>
+          <p:nvCxnSpPr>
+            <p:cNvPr id="8" name="直接连接符 7">
+              <a:extLst>
+                <a:ext uri="{FF2B5EF4-FFF2-40B4-BE49-F238E27FC236}">
+                  <a16:creationId xmlns:a16="http://schemas.microsoft.com/office/drawing/2014/main" id="{010BF705-744E-4B58-810A-9AFAFF86A70E}"/>
+                </a:ext>
+              </a:extLst>
+            </p:cNvPr>
+            <p:cNvCxnSpPr>
+              <a:cxnSpLocks/>
+            </p:cNvCxnSpPr>
+            <p:nvPr/>
+          </p:nvCxnSpPr>
+          <p:spPr>
+            <a:xfrm>
+              <a:off x="2207622" y="531223"/>
+              <a:ext cx="0" cy="531223"/>
+            </a:xfrm>
+            <a:prstGeom prst="line">
+              <a:avLst/>
+            </a:prstGeom>
+            <a:ln>
+              <a:headEnd type="none" w="med" len="med"/>
+              <a:tailEnd type="none" w="med" len="med"/>
+            </a:ln>
+          </p:spPr>
+          <p:style>
+            <a:lnRef idx="3">
+              <a:schemeClr val="dk1"/>
+            </a:lnRef>
+            <a:fillRef idx="0">
+              <a:schemeClr val="dk1"/>
+            </a:fillRef>
+            <a:effectRef idx="2">
+              <a:schemeClr val="dk1"/>
+            </a:effectRef>
+            <a:fontRef idx="minor">
+              <a:schemeClr val="tx1"/>
+            </a:fontRef>
+          </p:style>
+        </p:cxnSp>
+        <p:cxnSp>
+          <p:nvCxnSpPr>
+            <p:cNvPr id="7" name="直接连接符 6">
+              <a:extLst>
+                <a:ext uri="{FF2B5EF4-FFF2-40B4-BE49-F238E27FC236}">
+                  <a16:creationId xmlns:a16="http://schemas.microsoft.com/office/drawing/2014/main" id="{6C254EA0-3A23-4302-B58A-07BC7D74267C}"/>
+                </a:ext>
+              </a:extLst>
+            </p:cNvPr>
+            <p:cNvCxnSpPr>
+              <a:cxnSpLocks/>
+            </p:cNvCxnSpPr>
+            <p:nvPr/>
+          </p:nvCxnSpPr>
+          <p:spPr>
+            <a:xfrm>
+              <a:off x="2447103" y="1206136"/>
+              <a:ext cx="0" cy="531223"/>
+            </a:xfrm>
+            <a:prstGeom prst="line">
+              <a:avLst/>
+            </a:prstGeom>
+            <a:ln>
+              <a:headEnd type="none" w="med" len="med"/>
+              <a:tailEnd type="none" w="med" len="med"/>
+            </a:ln>
+          </p:spPr>
+          <p:style>
+            <a:lnRef idx="3">
+              <a:schemeClr val="dk1"/>
+            </a:lnRef>
+            <a:fillRef idx="0">
+              <a:schemeClr val="dk1"/>
+            </a:fillRef>
+            <a:effectRef idx="2">
+              <a:schemeClr val="dk1"/>
+            </a:effectRef>
+            <a:fontRef idx="minor">
+              <a:schemeClr val="tx1"/>
+            </a:fontRef>
+          </p:style>
+        </p:cxnSp>
+        <p:sp>
+          <p:nvSpPr>
+            <p:cNvPr id="2" name="流程图: 摘录 1">
+              <a:extLst>
+                <a:ext uri="{FF2B5EF4-FFF2-40B4-BE49-F238E27FC236}">
+                  <a16:creationId xmlns:a16="http://schemas.microsoft.com/office/drawing/2014/main" id="{B75C3FB9-FECC-4525-B959-E3A81A315F7A}"/>
+                </a:ext>
+              </a:extLst>
+            </p:cNvPr>
+            <p:cNvSpPr/>
+            <p:nvPr/>
+          </p:nvSpPr>
+          <p:spPr>
+            <a:xfrm flipV="1">
+              <a:off x="1881051" y="923109"/>
+              <a:ext cx="653143" cy="539931"/>
+            </a:xfrm>
+            <a:prstGeom prst="flowChartExtract">
+              <a:avLst/>
+            </a:prstGeom>
+          </p:spPr>
+          <p:style>
+            <a:lnRef idx="2">
+              <a:schemeClr val="dk1"/>
+            </a:lnRef>
+            <a:fillRef idx="1">
+              <a:schemeClr val="lt1"/>
+            </a:fillRef>
+            <a:effectRef idx="0">
+              <a:schemeClr val="dk1"/>
+            </a:effectRef>
+            <a:fontRef idx="minor">
+              <a:schemeClr val="dk1"/>
+            </a:fontRef>
+          </p:style>
+          <p:txBody>
+            <a:bodyPr rtlCol="0" anchor="ctr"/>
+            <a:lstStyle/>
+            <a:p>
+              <a:pPr algn="ctr"/>
+              <a:endParaRPr lang="zh-CN" altLang="en-US"/>
+            </a:p>
+          </p:txBody>
+        </p:sp>
+        <p:sp>
+          <p:nvSpPr>
+            <p:cNvPr id="3" name="椭圆 2">
+              <a:extLst>
+                <a:ext uri="{FF2B5EF4-FFF2-40B4-BE49-F238E27FC236}">
+                  <a16:creationId xmlns:a16="http://schemas.microsoft.com/office/drawing/2014/main" id="{9F99128E-ED69-4EAA-9205-FF8015414A65}"/>
+                </a:ext>
+              </a:extLst>
+            </p:cNvPr>
+            <p:cNvSpPr/>
+            <p:nvPr/>
+          </p:nvSpPr>
+          <p:spPr>
+            <a:xfrm>
+              <a:off x="2368730" y="1158240"/>
+              <a:ext cx="165463" cy="165462"/>
+            </a:xfrm>
+            <a:prstGeom prst="ellipse">
+              <a:avLst/>
+            </a:prstGeom>
+          </p:spPr>
+          <p:style>
+            <a:lnRef idx="2">
+              <a:schemeClr val="dk1"/>
+            </a:lnRef>
+            <a:fillRef idx="1">
+              <a:schemeClr val="lt1"/>
+            </a:fillRef>
+            <a:effectRef idx="0">
+              <a:schemeClr val="dk1"/>
+            </a:effectRef>
+            <a:fontRef idx="minor">
+              <a:schemeClr val="dk1"/>
+            </a:fontRef>
+          </p:style>
+          <p:txBody>
+            <a:bodyPr rtlCol="0" anchor="ctr"/>
+            <a:lstStyle/>
+            <a:p>
+              <a:pPr algn="ctr"/>
+              <a:endParaRPr lang="zh-CN" altLang="en-US"/>
+            </a:p>
+          </p:txBody>
+        </p:sp>
+        <p:cxnSp>
+          <p:nvCxnSpPr>
+            <p:cNvPr id="5" name="直接连接符 4">
+              <a:extLst>
+                <a:ext uri="{FF2B5EF4-FFF2-40B4-BE49-F238E27FC236}">
+                  <a16:creationId xmlns:a16="http://schemas.microsoft.com/office/drawing/2014/main" id="{CE882AA1-AAC9-4C88-B4FA-8421A4F76DE9}"/>
+                </a:ext>
+              </a:extLst>
+            </p:cNvPr>
+            <p:cNvCxnSpPr>
+              <a:cxnSpLocks/>
+            </p:cNvCxnSpPr>
+            <p:nvPr/>
+          </p:nvCxnSpPr>
+          <p:spPr>
+            <a:xfrm>
+              <a:off x="2048690" y="1197428"/>
+              <a:ext cx="0" cy="531223"/>
+            </a:xfrm>
+            <a:prstGeom prst="line">
+              <a:avLst/>
+            </a:prstGeom>
+            <a:ln>
+              <a:headEnd type="none" w="med" len="med"/>
+              <a:tailEnd type="none" w="med" len="med"/>
+            </a:ln>
+          </p:spPr>
+          <p:style>
+            <a:lnRef idx="3">
+              <a:schemeClr val="dk1"/>
+            </a:lnRef>
+            <a:fillRef idx="0">
+              <a:schemeClr val="dk1"/>
+            </a:fillRef>
+            <a:effectRef idx="2">
+              <a:schemeClr val="dk1"/>
+            </a:effectRef>
+            <a:fontRef idx="minor">
+              <a:schemeClr val="tx1"/>
+            </a:fontRef>
+          </p:style>
+        </p:cxnSp>
+        <p:sp>
+          <p:nvSpPr>
+            <p:cNvPr id="9" name="文本框 8">
+              <a:extLst>
+                <a:ext uri="{FF2B5EF4-FFF2-40B4-BE49-F238E27FC236}">
+                  <a16:creationId xmlns:a16="http://schemas.microsoft.com/office/drawing/2014/main" id="{153B8231-29DA-4FF9-8F07-A535CE87948A}"/>
+                </a:ext>
+              </a:extLst>
+            </p:cNvPr>
+            <p:cNvSpPr txBox="1"/>
+            <p:nvPr/>
+          </p:nvSpPr>
+          <p:spPr>
+            <a:xfrm>
+              <a:off x="2281646" y="435429"/>
+              <a:ext cx="452844" cy="369332"/>
+            </a:xfrm>
+            <a:prstGeom prst="rect">
+              <a:avLst/>
+            </a:prstGeom>
+            <a:noFill/>
+          </p:spPr>
+          <p:txBody>
+            <a:bodyPr wrap="square" rtlCol="0">
+              <a:spAutoFit/>
+            </a:bodyPr>
+            <a:lstStyle/>
+            <a:p>
+              <a:r>
+                <a:rPr lang="en-US" altLang="zh-CN" dirty="0"/>
+                <a:t>A</a:t>
+              </a:r>
+              <a:endParaRPr lang="zh-CN" altLang="en-US" dirty="0"/>
+            </a:p>
+          </p:txBody>
+        </p:sp>
+      </p:grpSp>
+      <p:grpSp>
+        <p:nvGrpSpPr>
+          <p:cNvPr id="11" name="组合 10">
+            <a:extLst>
+              <a:ext uri="{FF2B5EF4-FFF2-40B4-BE49-F238E27FC236}">
+                <a16:creationId xmlns:a16="http://schemas.microsoft.com/office/drawing/2014/main" id="{8315AF0E-9941-434F-815B-F8B7658F4B20}"/>
+              </a:ext>
+            </a:extLst>
+          </p:cNvPr>
+          <p:cNvGrpSpPr/>
+          <p:nvPr/>
+        </p:nvGrpSpPr>
+        <p:grpSpPr>
+          <a:xfrm>
+            <a:off x="3209104" y="435429"/>
+            <a:ext cx="853439" cy="1301930"/>
+            <a:chOff x="1881051" y="435429"/>
+            <a:chExt cx="853439" cy="1301930"/>
+          </a:xfrm>
+        </p:grpSpPr>
+        <p:cxnSp>
+          <p:nvCxnSpPr>
+            <p:cNvPr id="12" name="直接连接符 11">
+              <a:extLst>
+                <a:ext uri="{FF2B5EF4-FFF2-40B4-BE49-F238E27FC236}">
+                  <a16:creationId xmlns:a16="http://schemas.microsoft.com/office/drawing/2014/main" id="{723C809A-5CB3-4618-B98E-6CEF4C81240A}"/>
+                </a:ext>
+              </a:extLst>
+            </p:cNvPr>
+            <p:cNvCxnSpPr>
+              <a:cxnSpLocks/>
+            </p:cNvCxnSpPr>
+            <p:nvPr/>
+          </p:nvCxnSpPr>
+          <p:spPr>
+            <a:xfrm>
+              <a:off x="2207622" y="531223"/>
+              <a:ext cx="0" cy="531223"/>
+            </a:xfrm>
+            <a:prstGeom prst="line">
+              <a:avLst/>
+            </a:prstGeom>
+            <a:ln>
+              <a:headEnd type="none" w="med" len="med"/>
+              <a:tailEnd type="none" w="med" len="med"/>
+            </a:ln>
+          </p:spPr>
+          <p:style>
+            <a:lnRef idx="3">
+              <a:schemeClr val="dk1"/>
+            </a:lnRef>
+            <a:fillRef idx="0">
+              <a:schemeClr val="dk1"/>
+            </a:fillRef>
+            <a:effectRef idx="2">
+              <a:schemeClr val="dk1"/>
+            </a:effectRef>
+            <a:fontRef idx="minor">
+              <a:schemeClr val="tx1"/>
+            </a:fontRef>
+          </p:style>
+        </p:cxnSp>
+        <p:cxnSp>
+          <p:nvCxnSpPr>
+            <p:cNvPr id="13" name="直接连接符 12">
+              <a:extLst>
+                <a:ext uri="{FF2B5EF4-FFF2-40B4-BE49-F238E27FC236}">
+                  <a16:creationId xmlns:a16="http://schemas.microsoft.com/office/drawing/2014/main" id="{51D4694D-288E-4245-8AC4-57EF6E1DC85D}"/>
+                </a:ext>
+              </a:extLst>
+            </p:cNvPr>
+            <p:cNvCxnSpPr>
+              <a:cxnSpLocks/>
+            </p:cNvCxnSpPr>
+            <p:nvPr/>
+          </p:nvCxnSpPr>
+          <p:spPr>
+            <a:xfrm>
+              <a:off x="2447103" y="1206136"/>
+              <a:ext cx="0" cy="531223"/>
+            </a:xfrm>
+            <a:prstGeom prst="line">
+              <a:avLst/>
+            </a:prstGeom>
+            <a:ln>
+              <a:headEnd type="none" w="med" len="med"/>
+              <a:tailEnd type="none" w="med" len="med"/>
+            </a:ln>
+          </p:spPr>
+          <p:style>
+            <a:lnRef idx="3">
+              <a:schemeClr val="dk1"/>
+            </a:lnRef>
+            <a:fillRef idx="0">
+              <a:schemeClr val="dk1"/>
+            </a:fillRef>
+            <a:effectRef idx="2">
+              <a:schemeClr val="dk1"/>
+            </a:effectRef>
+            <a:fontRef idx="minor">
+              <a:schemeClr val="tx1"/>
+            </a:fontRef>
+          </p:style>
+        </p:cxnSp>
+        <p:sp>
+          <p:nvSpPr>
+            <p:cNvPr id="14" name="流程图: 摘录 13">
+              <a:extLst>
+                <a:ext uri="{FF2B5EF4-FFF2-40B4-BE49-F238E27FC236}">
+                  <a16:creationId xmlns:a16="http://schemas.microsoft.com/office/drawing/2014/main" id="{02189A7A-9FB3-4544-A71E-075AA9D51DCA}"/>
+                </a:ext>
+              </a:extLst>
+            </p:cNvPr>
+            <p:cNvSpPr/>
+            <p:nvPr/>
+          </p:nvSpPr>
+          <p:spPr>
+            <a:xfrm flipV="1">
+              <a:off x="1881051" y="923109"/>
+              <a:ext cx="653143" cy="539931"/>
+            </a:xfrm>
+            <a:prstGeom prst="flowChartExtract">
+              <a:avLst/>
+            </a:prstGeom>
+          </p:spPr>
+          <p:style>
+            <a:lnRef idx="2">
+              <a:schemeClr val="dk1"/>
+            </a:lnRef>
+            <a:fillRef idx="1">
+              <a:schemeClr val="lt1"/>
+            </a:fillRef>
+            <a:effectRef idx="0">
+              <a:schemeClr val="dk1"/>
+            </a:effectRef>
+            <a:fontRef idx="minor">
+              <a:schemeClr val="dk1"/>
+            </a:fontRef>
+          </p:style>
+          <p:txBody>
+            <a:bodyPr rtlCol="0" anchor="ctr"/>
+            <a:lstStyle/>
+            <a:p>
+              <a:pPr algn="ctr"/>
+              <a:endParaRPr lang="zh-CN" altLang="en-US"/>
+            </a:p>
+          </p:txBody>
+        </p:sp>
+        <p:sp>
+          <p:nvSpPr>
+            <p:cNvPr id="15" name="椭圆 14">
+              <a:extLst>
+                <a:ext uri="{FF2B5EF4-FFF2-40B4-BE49-F238E27FC236}">
+                  <a16:creationId xmlns:a16="http://schemas.microsoft.com/office/drawing/2014/main" id="{6D60FF1B-0642-4C2E-89B8-2F5248203B6E}"/>
+                </a:ext>
+              </a:extLst>
+            </p:cNvPr>
+            <p:cNvSpPr/>
+            <p:nvPr/>
+          </p:nvSpPr>
+          <p:spPr>
+            <a:xfrm>
+              <a:off x="2368730" y="1158240"/>
+              <a:ext cx="165463" cy="165462"/>
+            </a:xfrm>
+            <a:prstGeom prst="ellipse">
+              <a:avLst/>
+            </a:prstGeom>
+          </p:spPr>
+          <p:style>
+            <a:lnRef idx="2">
+              <a:schemeClr val="dk1"/>
+            </a:lnRef>
+            <a:fillRef idx="1">
+              <a:schemeClr val="lt1"/>
+            </a:fillRef>
+            <a:effectRef idx="0">
+              <a:schemeClr val="dk1"/>
+            </a:effectRef>
+            <a:fontRef idx="minor">
+              <a:schemeClr val="dk1"/>
+            </a:fontRef>
+          </p:style>
+          <p:txBody>
+            <a:bodyPr rtlCol="0" anchor="ctr"/>
+            <a:lstStyle/>
+            <a:p>
+              <a:pPr algn="ctr"/>
+              <a:endParaRPr lang="zh-CN" altLang="en-US"/>
+            </a:p>
+          </p:txBody>
+        </p:sp>
+        <p:cxnSp>
+          <p:nvCxnSpPr>
+            <p:cNvPr id="16" name="直接连接符 15">
+              <a:extLst>
+                <a:ext uri="{FF2B5EF4-FFF2-40B4-BE49-F238E27FC236}">
+                  <a16:creationId xmlns:a16="http://schemas.microsoft.com/office/drawing/2014/main" id="{AF169950-6D92-4761-A988-71B3E9FDD940}"/>
+                </a:ext>
+              </a:extLst>
+            </p:cNvPr>
+            <p:cNvCxnSpPr>
+              <a:cxnSpLocks/>
+            </p:cNvCxnSpPr>
+            <p:nvPr/>
+          </p:nvCxnSpPr>
+          <p:spPr>
+            <a:xfrm>
+              <a:off x="2048690" y="1197428"/>
+              <a:ext cx="0" cy="531223"/>
+            </a:xfrm>
+            <a:prstGeom prst="line">
+              <a:avLst/>
+            </a:prstGeom>
+            <a:ln>
+              <a:headEnd type="none" w="med" len="med"/>
+              <a:tailEnd type="none" w="med" len="med"/>
+            </a:ln>
+          </p:spPr>
+          <p:style>
+            <a:lnRef idx="3">
+              <a:schemeClr val="dk1"/>
+            </a:lnRef>
+            <a:fillRef idx="0">
+              <a:schemeClr val="dk1"/>
+            </a:fillRef>
+            <a:effectRef idx="2">
+              <a:schemeClr val="dk1"/>
+            </a:effectRef>
+            <a:fontRef idx="minor">
+              <a:schemeClr val="tx1"/>
+            </a:fontRef>
+          </p:style>
+        </p:cxnSp>
+        <p:sp>
+          <p:nvSpPr>
+            <p:cNvPr id="17" name="文本框 16">
+              <a:extLst>
+                <a:ext uri="{FF2B5EF4-FFF2-40B4-BE49-F238E27FC236}">
+                  <a16:creationId xmlns:a16="http://schemas.microsoft.com/office/drawing/2014/main" id="{3A1D11FE-E16A-4B6E-AAED-145F28BF7769}"/>
+                </a:ext>
+              </a:extLst>
+            </p:cNvPr>
+            <p:cNvSpPr txBox="1"/>
+            <p:nvPr/>
+          </p:nvSpPr>
+          <p:spPr>
+            <a:xfrm>
+              <a:off x="2281646" y="435429"/>
+              <a:ext cx="452844" cy="369332"/>
+            </a:xfrm>
+            <a:prstGeom prst="rect">
+              <a:avLst/>
+            </a:prstGeom>
+            <a:noFill/>
+          </p:spPr>
+          <p:txBody>
+            <a:bodyPr wrap="square" rtlCol="0">
+              <a:spAutoFit/>
+            </a:bodyPr>
+            <a:lstStyle/>
+            <a:p>
+              <a:r>
+                <a:rPr lang="en-US" altLang="zh-CN" dirty="0"/>
+                <a:t>B</a:t>
+              </a:r>
+              <a:endParaRPr lang="zh-CN" altLang="en-US" dirty="0"/>
+            </a:p>
+          </p:txBody>
+        </p:sp>
+      </p:grpSp>
+      <p:cxnSp>
+        <p:nvCxnSpPr>
+          <p:cNvPr id="19" name="直接连接符 18">
+            <a:extLst>
+              <a:ext uri="{FF2B5EF4-FFF2-40B4-BE49-F238E27FC236}">
+                <a16:creationId xmlns:a16="http://schemas.microsoft.com/office/drawing/2014/main" id="{AF44B2D3-18C9-4BC6-B2E5-EED7D5152C03}"/>
+              </a:ext>
+            </a:extLst>
+          </p:cNvPr>
+          <p:cNvCxnSpPr/>
+          <p:nvPr/>
+        </p:nvCxnSpPr>
+        <p:spPr>
+          <a:xfrm>
+            <a:off x="2048690" y="1728651"/>
+            <a:ext cx="0" cy="3365863"/>
+          </a:xfrm>
+          <a:prstGeom prst="line">
+            <a:avLst/>
+          </a:prstGeom>
+          <a:ln>
+            <a:headEnd type="none" w="med" len="med"/>
+            <a:tailEnd type="none" w="med" len="med"/>
+          </a:ln>
+        </p:spPr>
+        <p:style>
+          <a:lnRef idx="3">
+            <a:schemeClr val="dk1"/>
+          </a:lnRef>
+          <a:fillRef idx="0">
+            <a:schemeClr val="dk1"/>
+          </a:fillRef>
+          <a:effectRef idx="2">
+            <a:schemeClr val="dk1"/>
+          </a:effectRef>
+          <a:fontRef idx="minor">
+            <a:schemeClr val="tx1"/>
+          </a:fontRef>
+        </p:style>
+      </p:cxnSp>
+      <p:cxnSp>
+        <p:nvCxnSpPr>
+          <p:cNvPr id="27" name="直接连接符 26">
+            <a:extLst>
+              <a:ext uri="{FF2B5EF4-FFF2-40B4-BE49-F238E27FC236}">
+                <a16:creationId xmlns:a16="http://schemas.microsoft.com/office/drawing/2014/main" id="{D6EE0B15-A54A-4F56-9507-91E04AD6846B}"/>
+              </a:ext>
+            </a:extLst>
+          </p:cNvPr>
+          <p:cNvCxnSpPr/>
+          <p:nvPr/>
+        </p:nvCxnSpPr>
+        <p:spPr>
+          <a:xfrm>
+            <a:off x="2447103" y="1728648"/>
+            <a:ext cx="0" cy="3365863"/>
+          </a:xfrm>
+          <a:prstGeom prst="line">
+            <a:avLst/>
+          </a:prstGeom>
+          <a:ln>
+            <a:headEnd type="none" w="med" len="med"/>
+            <a:tailEnd type="none" w="med" len="med"/>
+          </a:ln>
+        </p:spPr>
+        <p:style>
+          <a:lnRef idx="3">
+            <a:schemeClr val="dk1"/>
+          </a:lnRef>
+          <a:fillRef idx="0">
+            <a:schemeClr val="dk1"/>
+          </a:fillRef>
+          <a:effectRef idx="2">
+            <a:schemeClr val="dk1"/>
+          </a:effectRef>
+          <a:fontRef idx="minor">
+            <a:schemeClr val="tx1"/>
+          </a:fontRef>
+        </p:style>
+      </p:cxnSp>
+      <p:cxnSp>
+        <p:nvCxnSpPr>
+          <p:cNvPr id="28" name="直接连接符 27">
+            <a:extLst>
+              <a:ext uri="{FF2B5EF4-FFF2-40B4-BE49-F238E27FC236}">
+                <a16:creationId xmlns:a16="http://schemas.microsoft.com/office/drawing/2014/main" id="{F8094C6A-69A3-40CD-883B-9C420C38789C}"/>
+              </a:ext>
+            </a:extLst>
+          </p:cNvPr>
+          <p:cNvCxnSpPr/>
+          <p:nvPr/>
+        </p:nvCxnSpPr>
+        <p:spPr>
+          <a:xfrm>
+            <a:off x="3376743" y="1728649"/>
+            <a:ext cx="0" cy="3365863"/>
+          </a:xfrm>
+          <a:prstGeom prst="line">
+            <a:avLst/>
+          </a:prstGeom>
+          <a:ln>
+            <a:headEnd type="none" w="med" len="med"/>
+            <a:tailEnd type="none" w="med" len="med"/>
+          </a:ln>
+        </p:spPr>
+        <p:style>
+          <a:lnRef idx="3">
+            <a:schemeClr val="dk1"/>
+          </a:lnRef>
+          <a:fillRef idx="0">
+            <a:schemeClr val="dk1"/>
+          </a:fillRef>
+          <a:effectRef idx="2">
+            <a:schemeClr val="dk1"/>
+          </a:effectRef>
+          <a:fontRef idx="minor">
+            <a:schemeClr val="tx1"/>
+          </a:fontRef>
+        </p:style>
+      </p:cxnSp>
+      <p:cxnSp>
+        <p:nvCxnSpPr>
+          <p:cNvPr id="29" name="直接连接符 28">
+            <a:extLst>
+              <a:ext uri="{FF2B5EF4-FFF2-40B4-BE49-F238E27FC236}">
+                <a16:creationId xmlns:a16="http://schemas.microsoft.com/office/drawing/2014/main" id="{25BAC639-284C-4F58-9FC0-122DA4C0D323}"/>
+              </a:ext>
+            </a:extLst>
+          </p:cNvPr>
+          <p:cNvCxnSpPr/>
+          <p:nvPr/>
+        </p:nvCxnSpPr>
+        <p:spPr>
+          <a:xfrm>
+            <a:off x="3775156" y="1728650"/>
+            <a:ext cx="0" cy="3365863"/>
+          </a:xfrm>
+          <a:prstGeom prst="line">
+            <a:avLst/>
+          </a:prstGeom>
+          <a:ln>
+            <a:headEnd type="none" w="med" len="med"/>
+            <a:tailEnd type="none" w="med" len="med"/>
+          </a:ln>
+        </p:spPr>
+        <p:style>
+          <a:lnRef idx="3">
+            <a:schemeClr val="dk1"/>
+          </a:lnRef>
+          <a:fillRef idx="0">
+            <a:schemeClr val="dk1"/>
+          </a:fillRef>
+          <a:effectRef idx="2">
+            <a:schemeClr val="dk1"/>
+          </a:effectRef>
+          <a:fontRef idx="minor">
+            <a:schemeClr val="tx1"/>
+          </a:fontRef>
+        </p:style>
+      </p:cxnSp>
+      <p:cxnSp>
+        <p:nvCxnSpPr>
+          <p:cNvPr id="31" name="直接连接符 30">
+            <a:extLst>
+              <a:ext uri="{FF2B5EF4-FFF2-40B4-BE49-F238E27FC236}">
+                <a16:creationId xmlns:a16="http://schemas.microsoft.com/office/drawing/2014/main" id="{9E833882-8B7B-454F-938F-B6C27951EE26}"/>
+              </a:ext>
+            </a:extLst>
+          </p:cNvPr>
+          <p:cNvCxnSpPr>
+            <a:cxnSpLocks/>
+          </p:cNvCxnSpPr>
+          <p:nvPr/>
+        </p:nvCxnSpPr>
+        <p:spPr>
+          <a:xfrm>
+            <a:off x="1706880" y="2142309"/>
+            <a:ext cx="4197531" cy="0"/>
+          </a:xfrm>
+          <a:prstGeom prst="line">
+            <a:avLst/>
+          </a:prstGeom>
+          <a:ln>
+            <a:headEnd type="none" w="med" len="med"/>
+            <a:tailEnd type="none" w="med" len="med"/>
+          </a:ln>
+        </p:spPr>
+        <p:style>
+          <a:lnRef idx="3">
+            <a:schemeClr val="dk1"/>
+          </a:lnRef>
+          <a:fillRef idx="0">
+            <a:schemeClr val="dk1"/>
+          </a:fillRef>
+          <a:effectRef idx="2">
+            <a:schemeClr val="dk1"/>
+          </a:effectRef>
+          <a:fontRef idx="minor">
+            <a:schemeClr val="tx1"/>
+          </a:fontRef>
+        </p:style>
+      </p:cxnSp>
+      <p:cxnSp>
+        <p:nvCxnSpPr>
+          <p:cNvPr id="34" name="直接连接符 33">
+            <a:extLst>
+              <a:ext uri="{FF2B5EF4-FFF2-40B4-BE49-F238E27FC236}">
+                <a16:creationId xmlns:a16="http://schemas.microsoft.com/office/drawing/2014/main" id="{23E6A021-52E2-4DE3-B934-4508DDF8D054}"/>
+              </a:ext>
+            </a:extLst>
+          </p:cNvPr>
+          <p:cNvCxnSpPr>
+            <a:cxnSpLocks/>
+          </p:cNvCxnSpPr>
+          <p:nvPr/>
+        </p:nvCxnSpPr>
+        <p:spPr>
+          <a:xfrm>
+            <a:off x="1737355" y="2599509"/>
+            <a:ext cx="4197531" cy="0"/>
+          </a:xfrm>
+          <a:prstGeom prst="line">
+            <a:avLst/>
+          </a:prstGeom>
+          <a:ln>
+            <a:headEnd type="none" w="med" len="med"/>
+            <a:tailEnd type="none" w="med" len="med"/>
+          </a:ln>
+        </p:spPr>
+        <p:style>
+          <a:lnRef idx="3">
+            <a:schemeClr val="dk1"/>
+          </a:lnRef>
+          <a:fillRef idx="0">
+            <a:schemeClr val="dk1"/>
+          </a:fillRef>
+          <a:effectRef idx="2">
+            <a:schemeClr val="dk1"/>
+          </a:effectRef>
+          <a:fontRef idx="minor">
+            <a:schemeClr val="tx1"/>
+          </a:fontRef>
+        </p:style>
+      </p:cxnSp>
+      <p:cxnSp>
+        <p:nvCxnSpPr>
+          <p:cNvPr id="35" name="直接连接符 34">
+            <a:extLst>
+              <a:ext uri="{FF2B5EF4-FFF2-40B4-BE49-F238E27FC236}">
+                <a16:creationId xmlns:a16="http://schemas.microsoft.com/office/drawing/2014/main" id="{D53CBA5D-2C87-4993-874F-93C282242FB0}"/>
+              </a:ext>
+            </a:extLst>
+          </p:cNvPr>
+          <p:cNvCxnSpPr>
+            <a:cxnSpLocks/>
+          </p:cNvCxnSpPr>
+          <p:nvPr/>
+        </p:nvCxnSpPr>
+        <p:spPr>
+          <a:xfrm>
+            <a:off x="1706880" y="3039292"/>
+            <a:ext cx="4197531" cy="0"/>
+          </a:xfrm>
+          <a:prstGeom prst="line">
+            <a:avLst/>
+          </a:prstGeom>
+          <a:ln>
+            <a:headEnd type="none" w="med" len="med"/>
+            <a:tailEnd type="none" w="med" len="med"/>
+          </a:ln>
+        </p:spPr>
+        <p:style>
+          <a:lnRef idx="3">
+            <a:schemeClr val="dk1"/>
+          </a:lnRef>
+          <a:fillRef idx="0">
+            <a:schemeClr val="dk1"/>
+          </a:fillRef>
+          <a:effectRef idx="2">
+            <a:schemeClr val="dk1"/>
+          </a:effectRef>
+          <a:fontRef idx="minor">
+            <a:schemeClr val="tx1"/>
+          </a:fontRef>
+        </p:style>
+      </p:cxnSp>
+      <p:cxnSp>
+        <p:nvCxnSpPr>
+          <p:cNvPr id="36" name="直接连接符 35">
+            <a:extLst>
+              <a:ext uri="{FF2B5EF4-FFF2-40B4-BE49-F238E27FC236}">
+                <a16:creationId xmlns:a16="http://schemas.microsoft.com/office/drawing/2014/main" id="{D7D86165-0D01-415E-866E-0AAD3FDF12B1}"/>
+              </a:ext>
+            </a:extLst>
+          </p:cNvPr>
+          <p:cNvCxnSpPr>
+            <a:cxnSpLocks/>
+          </p:cNvCxnSpPr>
+          <p:nvPr/>
+        </p:nvCxnSpPr>
+        <p:spPr>
+          <a:xfrm>
+            <a:off x="1737354" y="3411579"/>
+            <a:ext cx="4197531" cy="0"/>
+          </a:xfrm>
+          <a:prstGeom prst="line">
+            <a:avLst/>
+          </a:prstGeom>
+          <a:ln>
+            <a:headEnd type="none" w="med" len="med"/>
+            <a:tailEnd type="none" w="med" len="med"/>
+          </a:ln>
+        </p:spPr>
+        <p:style>
+          <a:lnRef idx="3">
+            <a:schemeClr val="dk1"/>
+          </a:lnRef>
+          <a:fillRef idx="0">
+            <a:schemeClr val="dk1"/>
+          </a:fillRef>
+          <a:effectRef idx="2">
+            <a:schemeClr val="dk1"/>
+          </a:effectRef>
+          <a:fontRef idx="minor">
+            <a:schemeClr val="tx1"/>
+          </a:fontRef>
+        </p:style>
+      </p:cxnSp>
+      <p:sp>
+        <p:nvSpPr>
+          <p:cNvPr id="37" name="流程图: 延期 36">
+            <a:extLst>
+              <a:ext uri="{FF2B5EF4-FFF2-40B4-BE49-F238E27FC236}">
+                <a16:creationId xmlns:a16="http://schemas.microsoft.com/office/drawing/2014/main" id="{ED1F0ED5-63B2-43AA-A903-79C4E8C96FE6}"/>
+              </a:ext>
+            </a:extLst>
+          </p:cNvPr>
+          <p:cNvSpPr/>
+          <p:nvPr/>
+        </p:nvSpPr>
+        <p:spPr>
+          <a:xfrm>
+            <a:off x="4232366" y="1924594"/>
+            <a:ext cx="539922" cy="365731"/>
+          </a:xfrm>
+          <a:prstGeom prst="flowChartDelay">
+            <a:avLst/>
+          </a:prstGeom>
+        </p:spPr>
+        <p:style>
+          <a:lnRef idx="2">
+            <a:schemeClr val="dk1"/>
+          </a:lnRef>
+          <a:fillRef idx="1">
+            <a:schemeClr val="lt1"/>
+          </a:fillRef>
+          <a:effectRef idx="0">
+            <a:schemeClr val="dk1"/>
+          </a:effectRef>
+          <a:fontRef idx="minor">
+            <a:schemeClr val="dk1"/>
+          </a:fontRef>
+        </p:style>
+        <p:txBody>
+          <a:bodyPr rtlCol="0" anchor="ctr"/>
+          <a:lstStyle/>
+          <a:p>
+            <a:pPr algn="ctr"/>
+            <a:endParaRPr lang="zh-CN" altLang="en-US"/>
+          </a:p>
+        </p:txBody>
+      </p:sp>
+      <p:sp>
+        <p:nvSpPr>
+          <p:cNvPr id="38" name="流程图: 延期 37">
+            <a:extLst>
+              <a:ext uri="{FF2B5EF4-FFF2-40B4-BE49-F238E27FC236}">
+                <a16:creationId xmlns:a16="http://schemas.microsoft.com/office/drawing/2014/main" id="{B2FCAC5D-E46F-4898-8F87-3F9F3CF18508}"/>
+              </a:ext>
+            </a:extLst>
+          </p:cNvPr>
+          <p:cNvSpPr/>
+          <p:nvPr/>
+        </p:nvSpPr>
+        <p:spPr>
+          <a:xfrm>
+            <a:off x="4275894" y="2373084"/>
+            <a:ext cx="539922" cy="365731"/>
+          </a:xfrm>
+          <a:prstGeom prst="flowChartDelay">
+            <a:avLst/>
+          </a:prstGeom>
+        </p:spPr>
+        <p:style>
+          <a:lnRef idx="2">
+            <a:schemeClr val="dk1"/>
+          </a:lnRef>
+          <a:fillRef idx="1">
+            <a:schemeClr val="lt1"/>
+          </a:fillRef>
+          <a:effectRef idx="0">
+            <a:schemeClr val="dk1"/>
+          </a:effectRef>
+          <a:fontRef idx="minor">
+            <a:schemeClr val="dk1"/>
+          </a:fontRef>
+        </p:style>
+        <p:txBody>
+          <a:bodyPr rtlCol="0" anchor="ctr"/>
+          <a:lstStyle/>
+          <a:p>
+            <a:pPr algn="ctr"/>
+            <a:endParaRPr lang="zh-CN" altLang="en-US"/>
+          </a:p>
+        </p:txBody>
+      </p:sp>
+      <p:sp>
+        <p:nvSpPr>
+          <p:cNvPr id="39" name="流程图: 延期 38">
+            <a:extLst>
+              <a:ext uri="{FF2B5EF4-FFF2-40B4-BE49-F238E27FC236}">
+                <a16:creationId xmlns:a16="http://schemas.microsoft.com/office/drawing/2014/main" id="{C107B9A2-89A4-45FC-949A-30A1C0874557}"/>
+              </a:ext>
+            </a:extLst>
+          </p:cNvPr>
+          <p:cNvSpPr/>
+          <p:nvPr/>
+        </p:nvSpPr>
+        <p:spPr>
+          <a:xfrm>
+            <a:off x="4275894" y="2805235"/>
+            <a:ext cx="539922" cy="365731"/>
+          </a:xfrm>
+          <a:prstGeom prst="flowChartDelay">
+            <a:avLst/>
+          </a:prstGeom>
+        </p:spPr>
+        <p:style>
+          <a:lnRef idx="2">
+            <a:schemeClr val="dk1"/>
+          </a:lnRef>
+          <a:fillRef idx="1">
+            <a:schemeClr val="lt1"/>
+          </a:fillRef>
+          <a:effectRef idx="0">
+            <a:schemeClr val="dk1"/>
+          </a:effectRef>
+          <a:fontRef idx="minor">
+            <a:schemeClr val="dk1"/>
+          </a:fontRef>
+        </p:style>
+        <p:txBody>
+          <a:bodyPr rtlCol="0" anchor="ctr"/>
+          <a:lstStyle/>
+          <a:p>
+            <a:pPr algn="ctr"/>
+            <a:endParaRPr lang="zh-CN" altLang="en-US"/>
+          </a:p>
+        </p:txBody>
+      </p:sp>
+      <p:sp>
+        <p:nvSpPr>
+          <p:cNvPr id="40" name="流程图: 延期 39">
+            <a:extLst>
+              <a:ext uri="{FF2B5EF4-FFF2-40B4-BE49-F238E27FC236}">
+                <a16:creationId xmlns:a16="http://schemas.microsoft.com/office/drawing/2014/main" id="{99EC1595-B61B-4724-882D-1C32D5612DFB}"/>
+              </a:ext>
+            </a:extLst>
+          </p:cNvPr>
+          <p:cNvSpPr/>
+          <p:nvPr/>
+        </p:nvSpPr>
+        <p:spPr>
+          <a:xfrm>
+            <a:off x="4299862" y="3217758"/>
+            <a:ext cx="539922" cy="365731"/>
+          </a:xfrm>
+          <a:prstGeom prst="flowChartDelay">
+            <a:avLst/>
+          </a:prstGeom>
+        </p:spPr>
+        <p:style>
+          <a:lnRef idx="2">
+            <a:schemeClr val="dk1"/>
+          </a:lnRef>
+          <a:fillRef idx="1">
+            <a:schemeClr val="lt1"/>
+          </a:fillRef>
+          <a:effectRef idx="0">
+            <a:schemeClr val="dk1"/>
+          </a:effectRef>
+          <a:fontRef idx="minor">
+            <a:schemeClr val="dk1"/>
+          </a:fontRef>
+        </p:style>
+        <p:txBody>
+          <a:bodyPr rtlCol="0" anchor="ctr"/>
+          <a:lstStyle/>
+          <a:p>
+            <a:pPr algn="ctr"/>
+            <a:endParaRPr lang="zh-CN" altLang="en-US"/>
+          </a:p>
+        </p:txBody>
+      </p:sp>
+      <p:sp>
+        <p:nvSpPr>
+          <p:cNvPr id="41" name="椭圆 40">
+            <a:extLst>
+              <a:ext uri="{FF2B5EF4-FFF2-40B4-BE49-F238E27FC236}">
+                <a16:creationId xmlns:a16="http://schemas.microsoft.com/office/drawing/2014/main" id="{B509299C-4540-45A6-96D1-910F25E75682}"/>
+              </a:ext>
+            </a:extLst>
+          </p:cNvPr>
+          <p:cNvSpPr/>
+          <p:nvPr/>
+        </p:nvSpPr>
+        <p:spPr>
+          <a:xfrm>
+            <a:off x="2368730" y="2081332"/>
+            <a:ext cx="137160" cy="113223"/>
+          </a:xfrm>
+          <a:prstGeom prst="ellipse">
+            <a:avLst/>
+          </a:prstGeom>
+          <a:solidFill>
+            <a:schemeClr val="tx1"/>
+          </a:solidFill>
+        </p:spPr>
+        <p:style>
+          <a:lnRef idx="2">
+            <a:schemeClr val="dk1"/>
+          </a:lnRef>
+          <a:fillRef idx="1">
+            <a:schemeClr val="lt1"/>
+          </a:fillRef>
+          <a:effectRef idx="0">
+            <a:schemeClr val="dk1"/>
+          </a:effectRef>
+          <a:fontRef idx="minor">
+            <a:schemeClr val="dk1"/>
+          </a:fontRef>
+        </p:style>
+        <p:txBody>
+          <a:bodyPr rtlCol="0" anchor="ctr"/>
+          <a:lstStyle/>
+          <a:p>
+            <a:pPr algn="ctr"/>
+            <a:endParaRPr lang="zh-CN" altLang="en-US"/>
+          </a:p>
+        </p:txBody>
+      </p:sp>
+      <p:sp>
+        <p:nvSpPr>
+          <p:cNvPr id="42" name="椭圆 41">
+            <a:extLst>
+              <a:ext uri="{FF2B5EF4-FFF2-40B4-BE49-F238E27FC236}">
+                <a16:creationId xmlns:a16="http://schemas.microsoft.com/office/drawing/2014/main" id="{7610BA71-44B6-4B59-A40E-514C7D6545CB}"/>
+              </a:ext>
+            </a:extLst>
+          </p:cNvPr>
+          <p:cNvSpPr/>
+          <p:nvPr/>
+        </p:nvSpPr>
+        <p:spPr>
+          <a:xfrm>
+            <a:off x="3696782" y="2085697"/>
+            <a:ext cx="137160" cy="113223"/>
+          </a:xfrm>
+          <a:prstGeom prst="ellipse">
+            <a:avLst/>
+          </a:prstGeom>
+          <a:solidFill>
+            <a:schemeClr val="tx1"/>
+          </a:solidFill>
+        </p:spPr>
+        <p:style>
+          <a:lnRef idx="2">
+            <a:schemeClr val="dk1"/>
+          </a:lnRef>
+          <a:fillRef idx="1">
+            <a:schemeClr val="lt1"/>
+          </a:fillRef>
+          <a:effectRef idx="0">
+            <a:schemeClr val="dk1"/>
+          </a:effectRef>
+          <a:fontRef idx="minor">
+            <a:schemeClr val="dk1"/>
+          </a:fontRef>
+        </p:style>
+        <p:txBody>
+          <a:bodyPr rtlCol="0" anchor="ctr"/>
+          <a:lstStyle/>
+          <a:p>
+            <a:pPr algn="ctr"/>
+            <a:endParaRPr lang="zh-CN" altLang="en-US"/>
+          </a:p>
+        </p:txBody>
+      </p:sp>
+      <p:sp>
+        <p:nvSpPr>
+          <p:cNvPr id="43" name="椭圆 42">
+            <a:extLst>
+              <a:ext uri="{FF2B5EF4-FFF2-40B4-BE49-F238E27FC236}">
+                <a16:creationId xmlns:a16="http://schemas.microsoft.com/office/drawing/2014/main" id="{F05F250F-5720-406B-A339-2D28BFB7DE7D}"/>
+              </a:ext>
+            </a:extLst>
+          </p:cNvPr>
+          <p:cNvSpPr/>
+          <p:nvPr/>
+        </p:nvSpPr>
+        <p:spPr>
+          <a:xfrm>
+            <a:off x="2360026" y="2522213"/>
+            <a:ext cx="137160" cy="113223"/>
+          </a:xfrm>
+          <a:prstGeom prst="ellipse">
+            <a:avLst/>
+          </a:prstGeom>
+          <a:solidFill>
+            <a:schemeClr val="tx1"/>
+          </a:solidFill>
+        </p:spPr>
+        <p:style>
+          <a:lnRef idx="2">
+            <a:schemeClr val="dk1"/>
+          </a:lnRef>
+          <a:fillRef idx="1">
+            <a:schemeClr val="lt1"/>
+          </a:fillRef>
+          <a:effectRef idx="0">
+            <a:schemeClr val="dk1"/>
+          </a:effectRef>
+          <a:fontRef idx="minor">
+            <a:schemeClr val="dk1"/>
+          </a:fontRef>
+        </p:style>
+        <p:txBody>
+          <a:bodyPr rtlCol="0" anchor="ctr"/>
+          <a:lstStyle/>
+          <a:p>
+            <a:pPr algn="ctr"/>
+            <a:endParaRPr lang="zh-CN" altLang="en-US"/>
+          </a:p>
+        </p:txBody>
+      </p:sp>
+      <p:sp>
+        <p:nvSpPr>
+          <p:cNvPr id="44" name="椭圆 43">
+            <a:extLst>
+              <a:ext uri="{FF2B5EF4-FFF2-40B4-BE49-F238E27FC236}">
+                <a16:creationId xmlns:a16="http://schemas.microsoft.com/office/drawing/2014/main" id="{460C954C-0D63-400D-BB0C-FBA4B2BA188F}"/>
+              </a:ext>
+            </a:extLst>
+          </p:cNvPr>
+          <p:cNvSpPr/>
+          <p:nvPr/>
+        </p:nvSpPr>
+        <p:spPr>
+          <a:xfrm>
+            <a:off x="3319048" y="2555949"/>
+            <a:ext cx="137160" cy="113223"/>
+          </a:xfrm>
+          <a:prstGeom prst="ellipse">
+            <a:avLst/>
+          </a:prstGeom>
+          <a:solidFill>
+            <a:schemeClr val="tx1"/>
+          </a:solidFill>
+        </p:spPr>
+        <p:style>
+          <a:lnRef idx="2">
+            <a:schemeClr val="dk1"/>
+          </a:lnRef>
+          <a:fillRef idx="1">
+            <a:schemeClr val="lt1"/>
+          </a:fillRef>
+          <a:effectRef idx="0">
+            <a:schemeClr val="dk1"/>
+          </a:effectRef>
+          <a:fontRef idx="minor">
+            <a:schemeClr val="dk1"/>
+          </a:fontRef>
+        </p:style>
+        <p:txBody>
+          <a:bodyPr rtlCol="0" anchor="ctr"/>
+          <a:lstStyle/>
+          <a:p>
+            <a:pPr algn="ctr"/>
+            <a:endParaRPr lang="zh-CN" altLang="en-US"/>
+          </a:p>
+        </p:txBody>
+      </p:sp>
+      <p:sp>
+        <p:nvSpPr>
+          <p:cNvPr id="45" name="椭圆 44">
+            <a:extLst>
+              <a:ext uri="{FF2B5EF4-FFF2-40B4-BE49-F238E27FC236}">
+                <a16:creationId xmlns:a16="http://schemas.microsoft.com/office/drawing/2014/main" id="{09580CE1-90D2-4A3A-A16A-D58A0B8CED1E}"/>
+              </a:ext>
+            </a:extLst>
+          </p:cNvPr>
+          <p:cNvSpPr/>
+          <p:nvPr/>
+        </p:nvSpPr>
+        <p:spPr>
+          <a:xfrm>
+            <a:off x="1980110" y="2976139"/>
+            <a:ext cx="137160" cy="113223"/>
+          </a:xfrm>
+          <a:prstGeom prst="ellipse">
+            <a:avLst/>
+          </a:prstGeom>
+          <a:solidFill>
+            <a:schemeClr val="tx1"/>
+          </a:solidFill>
+        </p:spPr>
+        <p:style>
+          <a:lnRef idx="2">
+            <a:schemeClr val="dk1"/>
+          </a:lnRef>
+          <a:fillRef idx="1">
+            <a:schemeClr val="lt1"/>
+          </a:fillRef>
+          <a:effectRef idx="0">
+            <a:schemeClr val="dk1"/>
+          </a:effectRef>
+          <a:fontRef idx="minor">
+            <a:schemeClr val="dk1"/>
+          </a:fontRef>
+        </p:style>
+        <p:txBody>
+          <a:bodyPr rtlCol="0" anchor="ctr"/>
+          <a:lstStyle/>
+          <a:p>
+            <a:pPr algn="ctr"/>
+            <a:endParaRPr lang="zh-CN" altLang="en-US"/>
+          </a:p>
+        </p:txBody>
+      </p:sp>
+      <p:sp>
+        <p:nvSpPr>
+          <p:cNvPr id="46" name="椭圆 45">
+            <a:extLst>
+              <a:ext uri="{FF2B5EF4-FFF2-40B4-BE49-F238E27FC236}">
+                <a16:creationId xmlns:a16="http://schemas.microsoft.com/office/drawing/2014/main" id="{36C4D6F0-67BD-4F73-93F4-445B0BB6C62F}"/>
+              </a:ext>
+            </a:extLst>
+          </p:cNvPr>
+          <p:cNvSpPr/>
+          <p:nvPr/>
+        </p:nvSpPr>
+        <p:spPr>
+          <a:xfrm>
+            <a:off x="1989894" y="3372358"/>
+            <a:ext cx="137160" cy="113223"/>
+          </a:xfrm>
+          <a:prstGeom prst="ellipse">
+            <a:avLst/>
+          </a:prstGeom>
+          <a:solidFill>
+            <a:schemeClr val="tx1"/>
+          </a:solidFill>
+        </p:spPr>
+        <p:style>
+          <a:lnRef idx="2">
+            <a:schemeClr val="dk1"/>
+          </a:lnRef>
+          <a:fillRef idx="1">
+            <a:schemeClr val="lt1"/>
+          </a:fillRef>
+          <a:effectRef idx="0">
+            <a:schemeClr val="dk1"/>
+          </a:effectRef>
+          <a:fontRef idx="minor">
+            <a:schemeClr val="dk1"/>
+          </a:fontRef>
+        </p:style>
+        <p:txBody>
+          <a:bodyPr rtlCol="0" anchor="ctr"/>
+          <a:lstStyle/>
+          <a:p>
+            <a:pPr algn="ctr"/>
+            <a:endParaRPr lang="zh-CN" altLang="en-US"/>
+          </a:p>
+        </p:txBody>
+      </p:sp>
+      <p:sp>
+        <p:nvSpPr>
+          <p:cNvPr id="47" name="椭圆 46">
+            <a:extLst>
+              <a:ext uri="{FF2B5EF4-FFF2-40B4-BE49-F238E27FC236}">
+                <a16:creationId xmlns:a16="http://schemas.microsoft.com/office/drawing/2014/main" id="{8E13B91A-7589-4C61-AB7D-93728DCB6A53}"/>
+              </a:ext>
+            </a:extLst>
+          </p:cNvPr>
+          <p:cNvSpPr/>
+          <p:nvPr/>
+        </p:nvSpPr>
+        <p:spPr>
+          <a:xfrm>
+            <a:off x="3698959" y="2988100"/>
+            <a:ext cx="137160" cy="113223"/>
+          </a:xfrm>
+          <a:prstGeom prst="ellipse">
+            <a:avLst/>
+          </a:prstGeom>
+          <a:solidFill>
+            <a:schemeClr val="tx1"/>
+          </a:solidFill>
+        </p:spPr>
+        <p:style>
+          <a:lnRef idx="2">
+            <a:schemeClr val="dk1"/>
+          </a:lnRef>
+          <a:fillRef idx="1">
+            <a:schemeClr val="lt1"/>
+          </a:fillRef>
+          <a:effectRef idx="0">
+            <a:schemeClr val="dk1"/>
+          </a:effectRef>
+          <a:fontRef idx="minor">
+            <a:schemeClr val="dk1"/>
+          </a:fontRef>
+        </p:style>
+        <p:txBody>
+          <a:bodyPr rtlCol="0" anchor="ctr"/>
+          <a:lstStyle/>
+          <a:p>
+            <a:pPr algn="ctr"/>
+            <a:endParaRPr lang="zh-CN" altLang="en-US"/>
+          </a:p>
+        </p:txBody>
+      </p:sp>
+      <p:sp>
+        <p:nvSpPr>
+          <p:cNvPr id="48" name="椭圆 47">
+            <a:extLst>
+              <a:ext uri="{FF2B5EF4-FFF2-40B4-BE49-F238E27FC236}">
+                <a16:creationId xmlns:a16="http://schemas.microsoft.com/office/drawing/2014/main" id="{46ABFB9C-6367-4362-818C-1C00E458E776}"/>
+              </a:ext>
+            </a:extLst>
+          </p:cNvPr>
+          <p:cNvSpPr/>
+          <p:nvPr/>
+        </p:nvSpPr>
+        <p:spPr>
+          <a:xfrm>
+            <a:off x="3298370" y="3352820"/>
+            <a:ext cx="137160" cy="113223"/>
+          </a:xfrm>
+          <a:prstGeom prst="ellipse">
+            <a:avLst/>
+          </a:prstGeom>
+          <a:solidFill>
+            <a:schemeClr val="tx1"/>
+          </a:solidFill>
+        </p:spPr>
+        <p:style>
+          <a:lnRef idx="2">
+            <a:schemeClr val="dk1"/>
+          </a:lnRef>
+          <a:fillRef idx="1">
+            <a:schemeClr val="lt1"/>
+          </a:fillRef>
+          <a:effectRef idx="0">
+            <a:schemeClr val="dk1"/>
+          </a:effectRef>
+          <a:fontRef idx="minor">
+            <a:schemeClr val="dk1"/>
+          </a:fontRef>
+        </p:style>
+        <p:txBody>
+          <a:bodyPr rtlCol="0" anchor="ctr"/>
+          <a:lstStyle/>
+          <a:p>
+            <a:pPr algn="ctr"/>
+            <a:endParaRPr lang="zh-CN" altLang="en-US"/>
+          </a:p>
+        </p:txBody>
+      </p:sp>
+      <p:cxnSp>
+        <p:nvCxnSpPr>
+          <p:cNvPr id="49" name="直接连接符 48">
+            <a:extLst>
+              <a:ext uri="{FF2B5EF4-FFF2-40B4-BE49-F238E27FC236}">
+                <a16:creationId xmlns:a16="http://schemas.microsoft.com/office/drawing/2014/main" id="{E7EED71B-DFB1-4D79-A12C-D091FD25A646}"/>
+              </a:ext>
+            </a:extLst>
+          </p:cNvPr>
+          <p:cNvCxnSpPr/>
+          <p:nvPr/>
+        </p:nvCxnSpPr>
+        <p:spPr>
+          <a:xfrm>
+            <a:off x="5085796" y="1534826"/>
+            <a:ext cx="0" cy="3365863"/>
+          </a:xfrm>
+          <a:prstGeom prst="line">
+            <a:avLst/>
+          </a:prstGeom>
+          <a:ln>
+            <a:headEnd type="none" w="med" len="med"/>
+            <a:tailEnd type="none" w="med" len="med"/>
+          </a:ln>
+        </p:spPr>
+        <p:style>
+          <a:lnRef idx="3">
+            <a:schemeClr val="dk1"/>
+          </a:lnRef>
+          <a:fillRef idx="0">
+            <a:schemeClr val="dk1"/>
+          </a:fillRef>
+          <a:effectRef idx="2">
+            <a:schemeClr val="dk1"/>
+          </a:effectRef>
+          <a:fontRef idx="minor">
+            <a:schemeClr val="tx1"/>
+          </a:fontRef>
+        </p:style>
+      </p:cxnSp>
+      <p:cxnSp>
+        <p:nvCxnSpPr>
+          <p:cNvPr id="50" name="直接连接符 49">
+            <a:extLst>
+              <a:ext uri="{FF2B5EF4-FFF2-40B4-BE49-F238E27FC236}">
+                <a16:creationId xmlns:a16="http://schemas.microsoft.com/office/drawing/2014/main" id="{7BAEA750-F303-4025-80AB-E224835DE53A}"/>
+              </a:ext>
+            </a:extLst>
+          </p:cNvPr>
+          <p:cNvCxnSpPr/>
+          <p:nvPr/>
+        </p:nvCxnSpPr>
+        <p:spPr>
+          <a:xfrm>
+            <a:off x="5717168" y="1534826"/>
+            <a:ext cx="0" cy="3365863"/>
+          </a:xfrm>
+          <a:prstGeom prst="line">
+            <a:avLst/>
+          </a:prstGeom>
+          <a:ln>
+            <a:headEnd type="none" w="med" len="med"/>
+            <a:tailEnd type="none" w="med" len="med"/>
+          </a:ln>
+        </p:spPr>
+        <p:style>
+          <a:lnRef idx="3">
+            <a:schemeClr val="dk1"/>
+          </a:lnRef>
+          <a:fillRef idx="0">
+            <a:schemeClr val="dk1"/>
+          </a:fillRef>
+          <a:effectRef idx="2">
+            <a:schemeClr val="dk1"/>
+          </a:effectRef>
+          <a:fontRef idx="minor">
+            <a:schemeClr val="tx1"/>
+          </a:fontRef>
+        </p:style>
+      </p:cxnSp>
+      <p:sp>
+        <p:nvSpPr>
+          <p:cNvPr id="51" name="流程图: 存储数据 50">
+            <a:extLst>
+              <a:ext uri="{FF2B5EF4-FFF2-40B4-BE49-F238E27FC236}">
+                <a16:creationId xmlns:a16="http://schemas.microsoft.com/office/drawing/2014/main" id="{B44E8E16-C391-4621-AFE6-F1AA784CA59D}"/>
+              </a:ext>
+            </a:extLst>
+          </p:cNvPr>
+          <p:cNvSpPr/>
+          <p:nvPr/>
+        </p:nvSpPr>
+        <p:spPr>
+          <a:xfrm rot="16200000">
+            <a:off x="4689560" y="3922125"/>
+            <a:ext cx="827298" cy="426720"/>
+          </a:xfrm>
+          <a:custGeom>
+            <a:avLst/>
+            <a:gdLst>
+              <a:gd name="connsiteX0" fmla="*/ 1667 w 10000"/>
+              <a:gd name="connsiteY0" fmla="*/ 0 h 10000"/>
+              <a:gd name="connsiteX1" fmla="*/ 10000 w 10000"/>
+              <a:gd name="connsiteY1" fmla="*/ 0 h 10000"/>
+              <a:gd name="connsiteX2" fmla="*/ 8333 w 10000"/>
+              <a:gd name="connsiteY2" fmla="*/ 5000 h 10000"/>
+              <a:gd name="connsiteX3" fmla="*/ 10000 w 10000"/>
+              <a:gd name="connsiteY3" fmla="*/ 10000 h 10000"/>
+              <a:gd name="connsiteX4" fmla="*/ 1667 w 10000"/>
+              <a:gd name="connsiteY4" fmla="*/ 10000 h 10000"/>
+              <a:gd name="connsiteX5" fmla="*/ 0 w 10000"/>
+              <a:gd name="connsiteY5" fmla="*/ 5000 h 10000"/>
+              <a:gd name="connsiteX6" fmla="*/ 1667 w 10000"/>
+              <a:gd name="connsiteY6" fmla="*/ 0 h 10000"/>
+              <a:gd name="connsiteX0" fmla="*/ 2576 w 10016"/>
+              <a:gd name="connsiteY0" fmla="*/ 0 h 10204"/>
+              <a:gd name="connsiteX1" fmla="*/ 10016 w 10016"/>
+              <a:gd name="connsiteY1" fmla="*/ 204 h 10204"/>
+              <a:gd name="connsiteX2" fmla="*/ 8349 w 10016"/>
+              <a:gd name="connsiteY2" fmla="*/ 5204 h 10204"/>
+              <a:gd name="connsiteX3" fmla="*/ 10016 w 10016"/>
+              <a:gd name="connsiteY3" fmla="*/ 10204 h 10204"/>
+              <a:gd name="connsiteX4" fmla="*/ 1683 w 10016"/>
+              <a:gd name="connsiteY4" fmla="*/ 10204 h 10204"/>
+              <a:gd name="connsiteX5" fmla="*/ 16 w 10016"/>
+              <a:gd name="connsiteY5" fmla="*/ 5204 h 10204"/>
+              <a:gd name="connsiteX6" fmla="*/ 2576 w 10016"/>
+              <a:gd name="connsiteY6" fmla="*/ 0 h 10204"/>
+              <a:gd name="connsiteX0" fmla="*/ 2568 w 10008"/>
+              <a:gd name="connsiteY0" fmla="*/ 0 h 10204"/>
+              <a:gd name="connsiteX1" fmla="*/ 10008 w 10008"/>
+              <a:gd name="connsiteY1" fmla="*/ 204 h 10204"/>
+              <a:gd name="connsiteX2" fmla="*/ 8341 w 10008"/>
+              <a:gd name="connsiteY2" fmla="*/ 5204 h 10204"/>
+              <a:gd name="connsiteX3" fmla="*/ 10008 w 10008"/>
+              <a:gd name="connsiteY3" fmla="*/ 10204 h 10204"/>
+              <a:gd name="connsiteX4" fmla="*/ 3371 w 10008"/>
+              <a:gd name="connsiteY4" fmla="*/ 9184 h 10204"/>
+              <a:gd name="connsiteX5" fmla="*/ 8 w 10008"/>
+              <a:gd name="connsiteY5" fmla="*/ 5204 h 10204"/>
+              <a:gd name="connsiteX6" fmla="*/ 2568 w 10008"/>
+              <a:gd name="connsiteY6" fmla="*/ 0 h 10204"/>
+              <a:gd name="connsiteX0" fmla="*/ 4083 w 10005"/>
+              <a:gd name="connsiteY0" fmla="*/ 408 h 10000"/>
+              <a:gd name="connsiteX1" fmla="*/ 10005 w 10005"/>
+              <a:gd name="connsiteY1" fmla="*/ 0 h 10000"/>
+              <a:gd name="connsiteX2" fmla="*/ 8338 w 10005"/>
+              <a:gd name="connsiteY2" fmla="*/ 5000 h 10000"/>
+              <a:gd name="connsiteX3" fmla="*/ 10005 w 10005"/>
+              <a:gd name="connsiteY3" fmla="*/ 10000 h 10000"/>
+              <a:gd name="connsiteX4" fmla="*/ 3368 w 10005"/>
+              <a:gd name="connsiteY4" fmla="*/ 8980 h 10000"/>
+              <a:gd name="connsiteX5" fmla="*/ 5 w 10005"/>
+              <a:gd name="connsiteY5" fmla="*/ 5000 h 10000"/>
+              <a:gd name="connsiteX6" fmla="*/ 4083 w 10005"/>
+              <a:gd name="connsiteY6" fmla="*/ 408 h 10000"/>
+            </a:gdLst>
+            <a:ahLst/>
+            <a:cxnLst>
+              <a:cxn ang="0">
+                <a:pos x="connsiteX0" y="connsiteY0"/>
+              </a:cxn>
+              <a:cxn ang="0">
+                <a:pos x="connsiteX1" y="connsiteY1"/>
+              </a:cxn>
+              <a:cxn ang="0">
+                <a:pos x="connsiteX2" y="connsiteY2"/>
+              </a:cxn>
+              <a:cxn ang="0">
+                <a:pos x="connsiteX3" y="connsiteY3"/>
+              </a:cxn>
+              <a:cxn ang="0">
+                <a:pos x="connsiteX4" y="connsiteY4"/>
+              </a:cxn>
+              <a:cxn ang="0">
+                <a:pos x="connsiteX5" y="connsiteY5"/>
+              </a:cxn>
+              <a:cxn ang="0">
+                <a:pos x="connsiteX6" y="connsiteY6"/>
+              </a:cxn>
+            </a:cxnLst>
+            <a:rect l="l" t="t" r="r" b="b"/>
+            <a:pathLst>
+              <a:path w="10005" h="10000">
+                <a:moveTo>
+                  <a:pt x="4083" y="408"/>
+                </a:moveTo>
+                <a:cubicBezTo>
+                  <a:pt x="6861" y="408"/>
+                  <a:pt x="7227" y="0"/>
+                  <a:pt x="10005" y="0"/>
+                </a:cubicBezTo>
+                <a:cubicBezTo>
+                  <a:pt x="9084" y="0"/>
+                  <a:pt x="8338" y="2239"/>
+                  <a:pt x="8338" y="5000"/>
+                </a:cubicBezTo>
+                <a:cubicBezTo>
+                  <a:pt x="8338" y="7761"/>
+                  <a:pt x="9084" y="10000"/>
+                  <a:pt x="10005" y="10000"/>
+                </a:cubicBezTo>
+                <a:lnTo>
+                  <a:pt x="3368" y="8980"/>
+                </a:lnTo>
+                <a:cubicBezTo>
+                  <a:pt x="2447" y="8980"/>
+                  <a:pt x="-114" y="6429"/>
+                  <a:pt x="5" y="5000"/>
+                </a:cubicBezTo>
+                <a:cubicBezTo>
+                  <a:pt x="124" y="3571"/>
+                  <a:pt x="3162" y="408"/>
+                  <a:pt x="4083" y="408"/>
+                </a:cubicBezTo>
+                <a:close/>
+              </a:path>
+            </a:pathLst>
+          </a:custGeom>
+        </p:spPr>
+        <p:style>
+          <a:lnRef idx="2">
+            <a:schemeClr val="dk1"/>
+          </a:lnRef>
+          <a:fillRef idx="1">
+            <a:schemeClr val="lt1"/>
+          </a:fillRef>
+          <a:effectRef idx="0">
+            <a:schemeClr val="dk1"/>
+          </a:effectRef>
+          <a:fontRef idx="minor">
+            <a:schemeClr val="dk1"/>
+          </a:fontRef>
+        </p:style>
+        <p:txBody>
+          <a:bodyPr rtlCol="0" anchor="ctr"/>
+          <a:lstStyle/>
+          <a:p>
+            <a:pPr algn="ctr"/>
+            <a:endParaRPr lang="zh-CN" altLang="en-US"/>
+          </a:p>
+        </p:txBody>
+      </p:sp>
+      <p:sp>
+        <p:nvSpPr>
+          <p:cNvPr id="52" name="流程图: 存储数据 50">
+            <a:extLst>
+              <a:ext uri="{FF2B5EF4-FFF2-40B4-BE49-F238E27FC236}">
+                <a16:creationId xmlns:a16="http://schemas.microsoft.com/office/drawing/2014/main" id="{0C983BF1-0C2C-4505-A72B-0FE3582ED675}"/>
+              </a:ext>
+            </a:extLst>
+          </p:cNvPr>
+          <p:cNvSpPr/>
+          <p:nvPr/>
+        </p:nvSpPr>
+        <p:spPr>
+          <a:xfrm rot="16200000">
+            <a:off x="5312227" y="3934086"/>
+            <a:ext cx="827298" cy="426720"/>
+          </a:xfrm>
+          <a:custGeom>
+            <a:avLst/>
+            <a:gdLst>
+              <a:gd name="connsiteX0" fmla="*/ 1667 w 10000"/>
+              <a:gd name="connsiteY0" fmla="*/ 0 h 10000"/>
+              <a:gd name="connsiteX1" fmla="*/ 10000 w 10000"/>
+              <a:gd name="connsiteY1" fmla="*/ 0 h 10000"/>
+              <a:gd name="connsiteX2" fmla="*/ 8333 w 10000"/>
+              <a:gd name="connsiteY2" fmla="*/ 5000 h 10000"/>
+              <a:gd name="connsiteX3" fmla="*/ 10000 w 10000"/>
+              <a:gd name="connsiteY3" fmla="*/ 10000 h 10000"/>
+              <a:gd name="connsiteX4" fmla="*/ 1667 w 10000"/>
+              <a:gd name="connsiteY4" fmla="*/ 10000 h 10000"/>
+              <a:gd name="connsiteX5" fmla="*/ 0 w 10000"/>
+              <a:gd name="connsiteY5" fmla="*/ 5000 h 10000"/>
+              <a:gd name="connsiteX6" fmla="*/ 1667 w 10000"/>
+              <a:gd name="connsiteY6" fmla="*/ 0 h 10000"/>
+              <a:gd name="connsiteX0" fmla="*/ 2576 w 10016"/>
+              <a:gd name="connsiteY0" fmla="*/ 0 h 10204"/>
+              <a:gd name="connsiteX1" fmla="*/ 10016 w 10016"/>
+              <a:gd name="connsiteY1" fmla="*/ 204 h 10204"/>
+              <a:gd name="connsiteX2" fmla="*/ 8349 w 10016"/>
+              <a:gd name="connsiteY2" fmla="*/ 5204 h 10204"/>
+              <a:gd name="connsiteX3" fmla="*/ 10016 w 10016"/>
+              <a:gd name="connsiteY3" fmla="*/ 10204 h 10204"/>
+              <a:gd name="connsiteX4" fmla="*/ 1683 w 10016"/>
+              <a:gd name="connsiteY4" fmla="*/ 10204 h 10204"/>
+              <a:gd name="connsiteX5" fmla="*/ 16 w 10016"/>
+              <a:gd name="connsiteY5" fmla="*/ 5204 h 10204"/>
+              <a:gd name="connsiteX6" fmla="*/ 2576 w 10016"/>
+              <a:gd name="connsiteY6" fmla="*/ 0 h 10204"/>
+              <a:gd name="connsiteX0" fmla="*/ 2568 w 10008"/>
+              <a:gd name="connsiteY0" fmla="*/ 0 h 10204"/>
+              <a:gd name="connsiteX1" fmla="*/ 10008 w 10008"/>
+              <a:gd name="connsiteY1" fmla="*/ 204 h 10204"/>
+              <a:gd name="connsiteX2" fmla="*/ 8341 w 10008"/>
+              <a:gd name="connsiteY2" fmla="*/ 5204 h 10204"/>
+              <a:gd name="connsiteX3" fmla="*/ 10008 w 10008"/>
+              <a:gd name="connsiteY3" fmla="*/ 10204 h 10204"/>
+              <a:gd name="connsiteX4" fmla="*/ 3371 w 10008"/>
+              <a:gd name="connsiteY4" fmla="*/ 9184 h 10204"/>
+              <a:gd name="connsiteX5" fmla="*/ 8 w 10008"/>
+              <a:gd name="connsiteY5" fmla="*/ 5204 h 10204"/>
+              <a:gd name="connsiteX6" fmla="*/ 2568 w 10008"/>
+              <a:gd name="connsiteY6" fmla="*/ 0 h 10204"/>
+              <a:gd name="connsiteX0" fmla="*/ 4083 w 10005"/>
+              <a:gd name="connsiteY0" fmla="*/ 408 h 10000"/>
+              <a:gd name="connsiteX1" fmla="*/ 10005 w 10005"/>
+              <a:gd name="connsiteY1" fmla="*/ 0 h 10000"/>
+              <a:gd name="connsiteX2" fmla="*/ 8338 w 10005"/>
+              <a:gd name="connsiteY2" fmla="*/ 5000 h 10000"/>
+              <a:gd name="connsiteX3" fmla="*/ 10005 w 10005"/>
+              <a:gd name="connsiteY3" fmla="*/ 10000 h 10000"/>
+              <a:gd name="connsiteX4" fmla="*/ 3368 w 10005"/>
+              <a:gd name="connsiteY4" fmla="*/ 8980 h 10000"/>
+              <a:gd name="connsiteX5" fmla="*/ 5 w 10005"/>
+              <a:gd name="connsiteY5" fmla="*/ 5000 h 10000"/>
+              <a:gd name="connsiteX6" fmla="*/ 4083 w 10005"/>
+              <a:gd name="connsiteY6" fmla="*/ 408 h 10000"/>
+            </a:gdLst>
+            <a:ahLst/>
+            <a:cxnLst>
+              <a:cxn ang="0">
+                <a:pos x="connsiteX0" y="connsiteY0"/>
+              </a:cxn>
+              <a:cxn ang="0">
+                <a:pos x="connsiteX1" y="connsiteY1"/>
+              </a:cxn>
+              <a:cxn ang="0">
+                <a:pos x="connsiteX2" y="connsiteY2"/>
+              </a:cxn>
+              <a:cxn ang="0">
+                <a:pos x="connsiteX3" y="connsiteY3"/>
+              </a:cxn>
+              <a:cxn ang="0">
+                <a:pos x="connsiteX4" y="connsiteY4"/>
+              </a:cxn>
+              <a:cxn ang="0">
+                <a:pos x="connsiteX5" y="connsiteY5"/>
+              </a:cxn>
+              <a:cxn ang="0">
+                <a:pos x="connsiteX6" y="connsiteY6"/>
+              </a:cxn>
+            </a:cxnLst>
+            <a:rect l="l" t="t" r="r" b="b"/>
+            <a:pathLst>
+              <a:path w="10005" h="10000">
+                <a:moveTo>
+                  <a:pt x="4083" y="408"/>
+                </a:moveTo>
+                <a:cubicBezTo>
+                  <a:pt x="6861" y="408"/>
+                  <a:pt x="7227" y="0"/>
+                  <a:pt x="10005" y="0"/>
+                </a:cubicBezTo>
+                <a:cubicBezTo>
+                  <a:pt x="9084" y="0"/>
+                  <a:pt x="8338" y="2239"/>
+                  <a:pt x="8338" y="5000"/>
+                </a:cubicBezTo>
+                <a:cubicBezTo>
+                  <a:pt x="8338" y="7761"/>
+                  <a:pt x="9084" y="10000"/>
+                  <a:pt x="10005" y="10000"/>
+                </a:cubicBezTo>
+                <a:lnTo>
+                  <a:pt x="3368" y="8980"/>
+                </a:lnTo>
+                <a:cubicBezTo>
+                  <a:pt x="2447" y="8980"/>
+                  <a:pt x="-114" y="6429"/>
+                  <a:pt x="5" y="5000"/>
+                </a:cubicBezTo>
+                <a:cubicBezTo>
+                  <a:pt x="124" y="3571"/>
+                  <a:pt x="3162" y="408"/>
+                  <a:pt x="4083" y="408"/>
+                </a:cubicBezTo>
+                <a:close/>
+              </a:path>
+            </a:pathLst>
+          </a:custGeom>
+        </p:spPr>
+        <p:style>
+          <a:lnRef idx="2">
+            <a:schemeClr val="dk1"/>
+          </a:lnRef>
+          <a:fillRef idx="1">
+            <a:schemeClr val="lt1"/>
+          </a:fillRef>
+          <a:effectRef idx="0">
+            <a:schemeClr val="dk1"/>
+          </a:effectRef>
+          <a:fontRef idx="minor">
+            <a:schemeClr val="dk1"/>
+          </a:fontRef>
+        </p:style>
+        <p:txBody>
+          <a:bodyPr rtlCol="0" anchor="ctr"/>
+          <a:lstStyle/>
+          <a:p>
+            <a:pPr algn="ctr"/>
+            <a:endParaRPr lang="zh-CN" altLang="en-US"/>
+          </a:p>
+        </p:txBody>
+      </p:sp>
+      <p:sp>
+        <p:nvSpPr>
+          <p:cNvPr id="54" name="乘号 53">
+            <a:extLst>
+              <a:ext uri="{FF2B5EF4-FFF2-40B4-BE49-F238E27FC236}">
+                <a16:creationId xmlns:a16="http://schemas.microsoft.com/office/drawing/2014/main" id="{FB0698BF-70E3-4A1A-BB66-BC0C74711A99}"/>
+              </a:ext>
+            </a:extLst>
+          </p:cNvPr>
+          <p:cNvSpPr/>
+          <p:nvPr/>
+        </p:nvSpPr>
+        <p:spPr>
+          <a:xfrm>
+            <a:off x="4937798" y="2442787"/>
+            <a:ext cx="309123" cy="283017"/>
+          </a:xfrm>
+          <a:prstGeom prst="mathMultiply">
+            <a:avLst/>
+          </a:prstGeom>
+          <a:solidFill>
+            <a:srgbClr val="FF0000"/>
+          </a:solidFill>
+        </p:spPr>
+        <p:style>
+          <a:lnRef idx="2">
+            <a:schemeClr val="dk1"/>
+          </a:lnRef>
+          <a:fillRef idx="1">
+            <a:schemeClr val="lt1"/>
+          </a:fillRef>
+          <a:effectRef idx="0">
+            <a:schemeClr val="dk1"/>
+          </a:effectRef>
+          <a:fontRef idx="minor">
+            <a:schemeClr val="dk1"/>
+          </a:fontRef>
+        </p:style>
+        <p:txBody>
+          <a:bodyPr rtlCol="0" anchor="ctr"/>
+          <a:lstStyle/>
+          <a:p>
+            <a:pPr algn="ctr"/>
+            <a:endParaRPr lang="zh-CN" altLang="en-US"/>
+          </a:p>
+        </p:txBody>
+      </p:sp>
+      <p:sp>
+        <p:nvSpPr>
+          <p:cNvPr id="55" name="乘号 54">
+            <a:extLst>
+              <a:ext uri="{FF2B5EF4-FFF2-40B4-BE49-F238E27FC236}">
+                <a16:creationId xmlns:a16="http://schemas.microsoft.com/office/drawing/2014/main" id="{EE9C2A05-6E17-4B3E-9152-BF5EACD8710E}"/>
+              </a:ext>
+            </a:extLst>
+          </p:cNvPr>
+          <p:cNvSpPr/>
+          <p:nvPr/>
+        </p:nvSpPr>
+        <p:spPr>
+          <a:xfrm>
+            <a:off x="4931234" y="2882526"/>
+            <a:ext cx="309123" cy="283017"/>
+          </a:xfrm>
+          <a:prstGeom prst="mathMultiply">
+            <a:avLst/>
+          </a:prstGeom>
+          <a:solidFill>
+            <a:srgbClr val="FF0000"/>
+          </a:solidFill>
+        </p:spPr>
+        <p:style>
+          <a:lnRef idx="2">
+            <a:schemeClr val="dk1"/>
+          </a:lnRef>
+          <a:fillRef idx="1">
+            <a:schemeClr val="lt1"/>
+          </a:fillRef>
+          <a:effectRef idx="0">
+            <a:schemeClr val="dk1"/>
+          </a:effectRef>
+          <a:fontRef idx="minor">
+            <a:schemeClr val="dk1"/>
+          </a:fontRef>
+        </p:style>
+        <p:txBody>
+          <a:bodyPr rtlCol="0" anchor="ctr"/>
+          <a:lstStyle/>
+          <a:p>
+            <a:pPr algn="ctr"/>
+            <a:endParaRPr lang="zh-CN" altLang="en-US"/>
+          </a:p>
+        </p:txBody>
+      </p:sp>
+      <p:sp>
+        <p:nvSpPr>
+          <p:cNvPr id="56" name="乘号 55">
+            <a:extLst>
+              <a:ext uri="{FF2B5EF4-FFF2-40B4-BE49-F238E27FC236}">
+                <a16:creationId xmlns:a16="http://schemas.microsoft.com/office/drawing/2014/main" id="{7FA025A6-B473-4DFA-82F0-73609784D989}"/>
+              </a:ext>
+            </a:extLst>
+          </p:cNvPr>
+          <p:cNvSpPr/>
+          <p:nvPr/>
+        </p:nvSpPr>
+        <p:spPr>
+          <a:xfrm>
+            <a:off x="5552803" y="3230849"/>
+            <a:ext cx="309123" cy="283017"/>
+          </a:xfrm>
+          <a:prstGeom prst="mathMultiply">
+            <a:avLst/>
+          </a:prstGeom>
+          <a:solidFill>
+            <a:srgbClr val="FF0000"/>
+          </a:solidFill>
+        </p:spPr>
+        <p:style>
+          <a:lnRef idx="2">
+            <a:schemeClr val="dk1"/>
+          </a:lnRef>
+          <a:fillRef idx="1">
+            <a:schemeClr val="lt1"/>
+          </a:fillRef>
+          <a:effectRef idx="0">
+            <a:schemeClr val="dk1"/>
+          </a:effectRef>
+          <a:fontRef idx="minor">
+            <a:schemeClr val="dk1"/>
+          </a:fontRef>
+        </p:style>
+        <p:txBody>
+          <a:bodyPr rtlCol="0" anchor="ctr"/>
+          <a:lstStyle/>
+          <a:p>
+            <a:pPr algn="ctr"/>
+            <a:endParaRPr lang="zh-CN" altLang="en-US"/>
+          </a:p>
+        </p:txBody>
+      </p:sp>
+      <p:sp>
+        <p:nvSpPr>
+          <p:cNvPr id="57" name="文本框 56">
+            <a:extLst>
+              <a:ext uri="{FF2B5EF4-FFF2-40B4-BE49-F238E27FC236}">
+                <a16:creationId xmlns:a16="http://schemas.microsoft.com/office/drawing/2014/main" id="{9E0083E4-223E-488D-B05B-5A913A199B9E}"/>
+              </a:ext>
+            </a:extLst>
+          </p:cNvPr>
+          <p:cNvSpPr txBox="1"/>
+          <p:nvPr/>
+        </p:nvSpPr>
+        <p:spPr>
+          <a:xfrm>
+            <a:off x="4815816" y="5024846"/>
+            <a:ext cx="431105" cy="369332"/>
+          </a:xfrm>
+          <a:prstGeom prst="rect">
+            <a:avLst/>
+          </a:prstGeom>
+          <a:noFill/>
+        </p:spPr>
+        <p:txBody>
+          <a:bodyPr wrap="square" rtlCol="0">
+            <a:spAutoFit/>
+          </a:bodyPr>
+          <a:lstStyle/>
+          <a:p>
+            <a:r>
+              <a:rPr lang="en-US" altLang="zh-CN" dirty="0"/>
+              <a:t>S</a:t>
+            </a:r>
+            <a:endParaRPr lang="zh-CN" altLang="en-US" dirty="0"/>
+          </a:p>
+        </p:txBody>
+      </p:sp>
+      <p:sp>
+        <p:nvSpPr>
+          <p:cNvPr id="58" name="文本框 57">
+            <a:extLst>
+              <a:ext uri="{FF2B5EF4-FFF2-40B4-BE49-F238E27FC236}">
+                <a16:creationId xmlns:a16="http://schemas.microsoft.com/office/drawing/2014/main" id="{0B24186A-3292-4D5B-A48E-9458331B1F67}"/>
+              </a:ext>
+            </a:extLst>
+          </p:cNvPr>
+          <p:cNvSpPr txBox="1"/>
+          <p:nvPr/>
+        </p:nvSpPr>
+        <p:spPr>
+          <a:xfrm>
+            <a:off x="5529903" y="5024846"/>
+            <a:ext cx="431105" cy="369332"/>
+          </a:xfrm>
+          <a:prstGeom prst="rect">
+            <a:avLst/>
+          </a:prstGeom>
+          <a:noFill/>
+        </p:spPr>
+        <p:txBody>
+          <a:bodyPr wrap="square" rtlCol="0">
+            <a:spAutoFit/>
+          </a:bodyPr>
+          <a:lstStyle/>
+          <a:p>
+            <a:r>
+              <a:rPr lang="en-US" altLang="zh-CN" dirty="0"/>
+              <a:t>C</a:t>
+            </a:r>
+            <a:endParaRPr lang="zh-CN" altLang="en-US" dirty="0"/>
+          </a:p>
+        </p:txBody>
+      </p:sp>
+    </p:spTree>
+    <p:extLst>
+      <p:ext uri="{BB962C8B-B14F-4D97-AF65-F5344CB8AC3E}">
+        <p14:creationId xmlns:p14="http://schemas.microsoft.com/office/powerpoint/2010/main" val="2242433147"/>
       </p:ext>
     </p:extLst>
   </p:cSld>

--- a/EDA技术/ppt/chapter2.pptx
+++ b/EDA技术/ppt/chapter2.pptx
@@ -12,6 +12,7 @@
     <p:sldId id="260" r:id="rId6"/>
     <p:sldId id="261" r:id="rId7"/>
     <p:sldId id="262" r:id="rId8"/>
+    <p:sldId id="263" r:id="rId9"/>
   </p:sldIdLst>
   <p:sldSz cx="12192000" cy="6858000"/>
   <p:notesSz cx="6858000" cy="9144000"/>
@@ -17045,7 +17046,7 @@
         </p:nvGrpSpPr>
         <p:grpSpPr>
           <a:xfrm>
-            <a:off x="1881051" y="435429"/>
+            <a:off x="6975544" y="435429"/>
             <a:ext cx="853439" cy="1301930"/>
             <a:chOff x="1881051" y="435429"/>
             <a:chExt cx="853439" cy="1301930"/>
@@ -17316,7 +17317,7 @@
         </p:nvGrpSpPr>
         <p:grpSpPr>
           <a:xfrm>
-            <a:off x="3209104" y="435429"/>
+            <a:off x="8303597" y="435429"/>
             <a:ext cx="853439" cy="1301930"/>
             <a:chOff x="1881051" y="435429"/>
             <a:chExt cx="853439" cy="1301930"/>
@@ -17587,7 +17588,7 @@
         </p:nvCxnSpPr>
         <p:spPr>
           <a:xfrm>
-            <a:off x="2048690" y="1728651"/>
+            <a:off x="7143183" y="1728651"/>
             <a:ext cx="0" cy="3365863"/>
           </a:xfrm>
           <a:prstGeom prst="line">
@@ -17627,7 +17628,7 @@
         </p:nvCxnSpPr>
         <p:spPr>
           <a:xfrm>
-            <a:off x="2447103" y="1728648"/>
+            <a:off x="7541596" y="1728648"/>
             <a:ext cx="0" cy="3365863"/>
           </a:xfrm>
           <a:prstGeom prst="line">
@@ -17667,7 +17668,7 @@
         </p:nvCxnSpPr>
         <p:spPr>
           <a:xfrm>
-            <a:off x="3376743" y="1728649"/>
+            <a:off x="8471236" y="1728649"/>
             <a:ext cx="0" cy="3365863"/>
           </a:xfrm>
           <a:prstGeom prst="line">
@@ -17707,7 +17708,7 @@
         </p:nvCxnSpPr>
         <p:spPr>
           <a:xfrm>
-            <a:off x="3775156" y="1728650"/>
+            <a:off x="8869649" y="1728650"/>
             <a:ext cx="0" cy="3365863"/>
           </a:xfrm>
           <a:prstGeom prst="line">
@@ -17749,7 +17750,7 @@
         </p:nvCxnSpPr>
         <p:spPr>
           <a:xfrm>
-            <a:off x="1706880" y="2142309"/>
+            <a:off x="6801373" y="2142309"/>
             <a:ext cx="4197531" cy="0"/>
           </a:xfrm>
           <a:prstGeom prst="line">
@@ -17791,7 +17792,7 @@
         </p:nvCxnSpPr>
         <p:spPr>
           <a:xfrm>
-            <a:off x="1737355" y="2599509"/>
+            <a:off x="6831848" y="2599509"/>
             <a:ext cx="4197531" cy="0"/>
           </a:xfrm>
           <a:prstGeom prst="line">
@@ -17833,7 +17834,7 @@
         </p:nvCxnSpPr>
         <p:spPr>
           <a:xfrm>
-            <a:off x="1706880" y="3039292"/>
+            <a:off x="6801373" y="3039292"/>
             <a:ext cx="4197531" cy="0"/>
           </a:xfrm>
           <a:prstGeom prst="line">
@@ -17875,7 +17876,7 @@
         </p:nvCxnSpPr>
         <p:spPr>
           <a:xfrm>
-            <a:off x="1737354" y="3411579"/>
+            <a:off x="6831847" y="3411579"/>
             <a:ext cx="4197531" cy="0"/>
           </a:xfrm>
           <a:prstGeom prst="line">
@@ -17915,7 +17916,7 @@
         </p:nvSpPr>
         <p:spPr>
           <a:xfrm>
-            <a:off x="4232366" y="1924594"/>
+            <a:off x="9326859" y="1924594"/>
             <a:ext cx="539922" cy="365731"/>
           </a:xfrm>
           <a:prstGeom prst="flowChartDelay">
@@ -17959,7 +17960,7 @@
         </p:nvSpPr>
         <p:spPr>
           <a:xfrm>
-            <a:off x="4275894" y="2373084"/>
+            <a:off x="9370387" y="2373084"/>
             <a:ext cx="539922" cy="365731"/>
           </a:xfrm>
           <a:prstGeom prst="flowChartDelay">
@@ -18003,7 +18004,7 @@
         </p:nvSpPr>
         <p:spPr>
           <a:xfrm>
-            <a:off x="4275894" y="2805235"/>
+            <a:off x="9370387" y="2805235"/>
             <a:ext cx="539922" cy="365731"/>
           </a:xfrm>
           <a:prstGeom prst="flowChartDelay">
@@ -18047,7 +18048,7 @@
         </p:nvSpPr>
         <p:spPr>
           <a:xfrm>
-            <a:off x="4299862" y="3217758"/>
+            <a:off x="9394355" y="3217758"/>
             <a:ext cx="539922" cy="365731"/>
           </a:xfrm>
           <a:prstGeom prst="flowChartDelay">
@@ -18091,7 +18092,7 @@
         </p:nvSpPr>
         <p:spPr>
           <a:xfrm>
-            <a:off x="2368730" y="2081332"/>
+            <a:off x="7463223" y="2081332"/>
             <a:ext cx="137160" cy="113223"/>
           </a:xfrm>
           <a:prstGeom prst="ellipse">
@@ -18138,7 +18139,7 @@
         </p:nvSpPr>
         <p:spPr>
           <a:xfrm>
-            <a:off x="3696782" y="2085697"/>
+            <a:off x="8791275" y="2085697"/>
             <a:ext cx="137160" cy="113223"/>
           </a:xfrm>
           <a:prstGeom prst="ellipse">
@@ -18185,7 +18186,7 @@
         </p:nvSpPr>
         <p:spPr>
           <a:xfrm>
-            <a:off x="2360026" y="2522213"/>
+            <a:off x="7454519" y="2522213"/>
             <a:ext cx="137160" cy="113223"/>
           </a:xfrm>
           <a:prstGeom prst="ellipse">
@@ -18232,7 +18233,7 @@
         </p:nvSpPr>
         <p:spPr>
           <a:xfrm>
-            <a:off x="3319048" y="2555949"/>
+            <a:off x="8413541" y="2555949"/>
             <a:ext cx="137160" cy="113223"/>
           </a:xfrm>
           <a:prstGeom prst="ellipse">
@@ -18279,7 +18280,7 @@
         </p:nvSpPr>
         <p:spPr>
           <a:xfrm>
-            <a:off x="1980110" y="2976139"/>
+            <a:off x="7074603" y="2976139"/>
             <a:ext cx="137160" cy="113223"/>
           </a:xfrm>
           <a:prstGeom prst="ellipse">
@@ -18326,7 +18327,7 @@
         </p:nvSpPr>
         <p:spPr>
           <a:xfrm>
-            <a:off x="1989894" y="3372358"/>
+            <a:off x="7084387" y="3372358"/>
             <a:ext cx="137160" cy="113223"/>
           </a:xfrm>
           <a:prstGeom prst="ellipse">
@@ -18373,7 +18374,7 @@
         </p:nvSpPr>
         <p:spPr>
           <a:xfrm>
-            <a:off x="3698959" y="2988100"/>
+            <a:off x="8793452" y="2988100"/>
             <a:ext cx="137160" cy="113223"/>
           </a:xfrm>
           <a:prstGeom prst="ellipse">
@@ -18420,7 +18421,7 @@
         </p:nvSpPr>
         <p:spPr>
           <a:xfrm>
-            <a:off x="3298370" y="3352820"/>
+            <a:off x="8392863" y="3352820"/>
             <a:ext cx="137160" cy="113223"/>
           </a:xfrm>
           <a:prstGeom prst="ellipse">
@@ -18467,7 +18468,7 @@
         </p:nvCxnSpPr>
         <p:spPr>
           <a:xfrm>
-            <a:off x="5085796" y="1534826"/>
+            <a:off x="10180289" y="1534826"/>
             <a:ext cx="0" cy="3365863"/>
           </a:xfrm>
           <a:prstGeom prst="line">
@@ -18507,7 +18508,7 @@
         </p:nvCxnSpPr>
         <p:spPr>
           <a:xfrm>
-            <a:off x="5717168" y="1534826"/>
+            <a:off x="10811661" y="1534826"/>
             <a:ext cx="0" cy="3365863"/>
           </a:xfrm>
           <a:prstGeom prst="line">
@@ -18547,7 +18548,7 @@
         </p:nvSpPr>
         <p:spPr>
           <a:xfrm rot="16200000">
-            <a:off x="4689560" y="3922125"/>
+            <a:off x="9784053" y="3922125"/>
             <a:ext cx="827298" cy="426720"/>
           </a:xfrm>
           <a:custGeom>
@@ -18710,7 +18711,7 @@
         </p:nvSpPr>
         <p:spPr>
           <a:xfrm rot="16200000">
-            <a:off x="5312227" y="3934086"/>
+            <a:off x="10406720" y="3934086"/>
             <a:ext cx="827298" cy="426720"/>
           </a:xfrm>
           <a:custGeom>
@@ -18873,7 +18874,7 @@
         </p:nvSpPr>
         <p:spPr>
           <a:xfrm>
-            <a:off x="4937798" y="2442787"/>
+            <a:off x="10032291" y="2442787"/>
             <a:ext cx="309123" cy="283017"/>
           </a:xfrm>
           <a:prstGeom prst="mathMultiply">
@@ -18920,7 +18921,7 @@
         </p:nvSpPr>
         <p:spPr>
           <a:xfrm>
-            <a:off x="4931234" y="2882526"/>
+            <a:off x="10025727" y="2882526"/>
             <a:ext cx="309123" cy="283017"/>
           </a:xfrm>
           <a:prstGeom prst="mathMultiply">
@@ -18967,7 +18968,7 @@
         </p:nvSpPr>
         <p:spPr>
           <a:xfrm>
-            <a:off x="5552803" y="3230849"/>
+            <a:off x="10647296" y="3230849"/>
             <a:ext cx="309123" cy="283017"/>
           </a:xfrm>
           <a:prstGeom prst="mathMultiply">
@@ -19014,7 +19015,7 @@
         </p:nvSpPr>
         <p:spPr>
           <a:xfrm>
-            <a:off x="4815816" y="5024846"/>
+            <a:off x="9910309" y="5024846"/>
             <a:ext cx="431105" cy="369332"/>
           </a:xfrm>
           <a:prstGeom prst="rect">
@@ -19050,7 +19051,7 @@
         </p:nvSpPr>
         <p:spPr>
           <a:xfrm>
-            <a:off x="5529903" y="5024846"/>
+            <a:off x="10624396" y="5024846"/>
             <a:ext cx="431105" cy="369332"/>
           </a:xfrm>
           <a:prstGeom prst="rect">
@@ -19076,6 +19077,3810 @@
     <p:extLst>
       <p:ext uri="{BB962C8B-B14F-4D97-AF65-F5344CB8AC3E}">
         <p14:creationId xmlns:p14="http://schemas.microsoft.com/office/powerpoint/2010/main" val="2242433147"/>
+      </p:ext>
+    </p:extLst>
+  </p:cSld>
+  <p:clrMapOvr>
+    <a:masterClrMapping/>
+  </p:clrMapOvr>
+</p:sld>
+</file>
+
+<file path=ppt/slides/slide8.xml><?xml version="1.0" encoding="utf-8"?>
+<p:sld xmlns:a="http://schemas.openxmlformats.org/drawingml/2006/main" xmlns:r="http://schemas.openxmlformats.org/officeDocument/2006/relationships" xmlns:p="http://schemas.openxmlformats.org/presentationml/2006/main">
+  <p:cSld>
+    <p:spTree>
+      <p:nvGrpSpPr>
+        <p:cNvPr id="1" name=""/>
+        <p:cNvGrpSpPr/>
+        <p:nvPr/>
+      </p:nvGrpSpPr>
+      <p:grpSpPr>
+        <a:xfrm>
+          <a:off x="0" y="0"/>
+          <a:ext cx="0" cy="0"/>
+          <a:chOff x="0" y="0"/>
+          <a:chExt cx="0" cy="0"/>
+        </a:xfrm>
+      </p:grpSpPr>
+      <p:sp>
+        <p:nvSpPr>
+          <p:cNvPr id="2" name="箭头: 五边形 1">
+            <a:extLst>
+              <a:ext uri="{FF2B5EF4-FFF2-40B4-BE49-F238E27FC236}">
+                <a16:creationId xmlns:a16="http://schemas.microsoft.com/office/drawing/2014/main" id="{5C46652D-9E68-40F9-A318-CA2267F7A2BD}"/>
+              </a:ext>
+            </a:extLst>
+          </p:cNvPr>
+          <p:cNvSpPr/>
+          <p:nvPr/>
+        </p:nvSpPr>
+        <p:spPr>
+          <a:xfrm>
+            <a:off x="244188" y="322118"/>
+            <a:ext cx="561109" cy="322118"/>
+          </a:xfrm>
+          <a:prstGeom prst="homePlate">
+            <a:avLst/>
+          </a:prstGeom>
+        </p:spPr>
+        <p:style>
+          <a:lnRef idx="2">
+            <a:schemeClr val="dk1"/>
+          </a:lnRef>
+          <a:fillRef idx="1">
+            <a:schemeClr val="lt1"/>
+          </a:fillRef>
+          <a:effectRef idx="0">
+            <a:schemeClr val="dk1"/>
+          </a:effectRef>
+          <a:fontRef idx="minor">
+            <a:schemeClr val="dk1"/>
+          </a:fontRef>
+        </p:style>
+        <p:txBody>
+          <a:bodyPr rtlCol="0" anchor="ctr"/>
+          <a:lstStyle/>
+          <a:p>
+            <a:pPr algn="ctr"/>
+            <a:r>
+              <a:rPr lang="en-US" altLang="zh-CN" dirty="0"/>
+              <a:t>S</a:t>
+            </a:r>
+            <a:endParaRPr lang="zh-CN" altLang="en-US" dirty="0"/>
+          </a:p>
+        </p:txBody>
+      </p:sp>
+      <p:sp>
+        <p:nvSpPr>
+          <p:cNvPr id="3" name="箭头: 五边形 2">
+            <a:extLst>
+              <a:ext uri="{FF2B5EF4-FFF2-40B4-BE49-F238E27FC236}">
+                <a16:creationId xmlns:a16="http://schemas.microsoft.com/office/drawing/2014/main" id="{80E4FC6A-7233-4BDF-8129-FAB096F58AF4}"/>
+              </a:ext>
+            </a:extLst>
+          </p:cNvPr>
+          <p:cNvSpPr/>
+          <p:nvPr/>
+        </p:nvSpPr>
+        <p:spPr>
+          <a:xfrm>
+            <a:off x="244188" y="893618"/>
+            <a:ext cx="561109" cy="322118"/>
+          </a:xfrm>
+          <a:prstGeom prst="homePlate">
+            <a:avLst/>
+          </a:prstGeom>
+        </p:spPr>
+        <p:style>
+          <a:lnRef idx="2">
+            <a:schemeClr val="dk1"/>
+          </a:lnRef>
+          <a:fillRef idx="1">
+            <a:schemeClr val="lt1"/>
+          </a:fillRef>
+          <a:effectRef idx="0">
+            <a:schemeClr val="dk1"/>
+          </a:effectRef>
+          <a:fontRef idx="minor">
+            <a:schemeClr val="dk1"/>
+          </a:fontRef>
+        </p:style>
+        <p:txBody>
+          <a:bodyPr rtlCol="0" anchor="ctr"/>
+          <a:lstStyle/>
+          <a:p>
+            <a:pPr algn="ctr"/>
+            <a:r>
+              <a:rPr lang="en-US" altLang="zh-CN" dirty="0"/>
+              <a:t>B</a:t>
+            </a:r>
+            <a:endParaRPr lang="zh-CN" altLang="en-US" dirty="0"/>
+          </a:p>
+        </p:txBody>
+      </p:sp>
+      <p:sp>
+        <p:nvSpPr>
+          <p:cNvPr id="4" name="箭头: 五边形 3">
+            <a:extLst>
+              <a:ext uri="{FF2B5EF4-FFF2-40B4-BE49-F238E27FC236}">
+                <a16:creationId xmlns:a16="http://schemas.microsoft.com/office/drawing/2014/main" id="{7170016C-B452-49BA-BD58-BD3AD3C0B72F}"/>
+              </a:ext>
+            </a:extLst>
+          </p:cNvPr>
+          <p:cNvSpPr/>
+          <p:nvPr/>
+        </p:nvSpPr>
+        <p:spPr>
+          <a:xfrm>
+            <a:off x="244188" y="1465118"/>
+            <a:ext cx="561109" cy="322118"/>
+          </a:xfrm>
+          <a:prstGeom prst="homePlate">
+            <a:avLst/>
+          </a:prstGeom>
+        </p:spPr>
+        <p:style>
+          <a:lnRef idx="2">
+            <a:schemeClr val="dk1"/>
+          </a:lnRef>
+          <a:fillRef idx="1">
+            <a:schemeClr val="lt1"/>
+          </a:fillRef>
+          <a:effectRef idx="0">
+            <a:schemeClr val="dk1"/>
+          </a:effectRef>
+          <a:fontRef idx="minor">
+            <a:schemeClr val="dk1"/>
+          </a:fontRef>
+        </p:style>
+        <p:txBody>
+          <a:bodyPr rtlCol="0" anchor="ctr"/>
+          <a:lstStyle/>
+          <a:p>
+            <a:pPr algn="ctr"/>
+            <a:r>
+              <a:rPr lang="en-US" altLang="zh-CN" dirty="0"/>
+              <a:t>A</a:t>
+            </a:r>
+            <a:endParaRPr lang="zh-CN" altLang="en-US" dirty="0"/>
+          </a:p>
+        </p:txBody>
+      </p:sp>
+      <p:sp>
+        <p:nvSpPr>
+          <p:cNvPr id="5" name="流程图: 手动操作 4">
+            <a:extLst>
+              <a:ext uri="{FF2B5EF4-FFF2-40B4-BE49-F238E27FC236}">
+                <a16:creationId xmlns:a16="http://schemas.microsoft.com/office/drawing/2014/main" id="{A7B2F3B3-0AF6-4611-91B5-3C70DEAF8581}"/>
+              </a:ext>
+            </a:extLst>
+          </p:cNvPr>
+          <p:cNvSpPr/>
+          <p:nvPr/>
+        </p:nvSpPr>
+        <p:spPr>
+          <a:xfrm rot="16200000">
+            <a:off x="1143001" y="997527"/>
+            <a:ext cx="1236519" cy="675409"/>
+          </a:xfrm>
+          <a:prstGeom prst="flowChartManualOperation">
+            <a:avLst/>
+          </a:prstGeom>
+        </p:spPr>
+        <p:style>
+          <a:lnRef idx="2">
+            <a:schemeClr val="dk1"/>
+          </a:lnRef>
+          <a:fillRef idx="1">
+            <a:schemeClr val="lt1"/>
+          </a:fillRef>
+          <a:effectRef idx="0">
+            <a:schemeClr val="dk1"/>
+          </a:effectRef>
+          <a:fontRef idx="minor">
+            <a:schemeClr val="dk1"/>
+          </a:fontRef>
+        </p:style>
+        <p:txBody>
+          <a:bodyPr rtlCol="0" anchor="ctr"/>
+          <a:lstStyle/>
+          <a:p>
+            <a:pPr algn="ctr"/>
+            <a:endParaRPr lang="zh-CN" altLang="en-US"/>
+          </a:p>
+        </p:txBody>
+      </p:sp>
+      <p:cxnSp>
+        <p:nvCxnSpPr>
+          <p:cNvPr id="7" name="直接连接符 6">
+            <a:extLst>
+              <a:ext uri="{FF2B5EF4-FFF2-40B4-BE49-F238E27FC236}">
+                <a16:creationId xmlns:a16="http://schemas.microsoft.com/office/drawing/2014/main" id="{BAC37250-6B4E-4B65-A353-89CA76EA0D73}"/>
+              </a:ext>
+            </a:extLst>
+          </p:cNvPr>
+          <p:cNvCxnSpPr>
+            <a:cxnSpLocks/>
+            <a:stCxn id="3" idx="3"/>
+          </p:cNvCxnSpPr>
+          <p:nvPr/>
+        </p:nvCxnSpPr>
+        <p:spPr>
+          <a:xfrm>
+            <a:off x="805297" y="1054677"/>
+            <a:ext cx="618259" cy="0"/>
+          </a:xfrm>
+          <a:prstGeom prst="line">
+            <a:avLst/>
+          </a:prstGeom>
+          <a:ln>
+            <a:tailEnd type="triangle"/>
+          </a:ln>
+        </p:spPr>
+        <p:style>
+          <a:lnRef idx="3">
+            <a:schemeClr val="dk1"/>
+          </a:lnRef>
+          <a:fillRef idx="0">
+            <a:schemeClr val="dk1"/>
+          </a:fillRef>
+          <a:effectRef idx="2">
+            <a:schemeClr val="dk1"/>
+          </a:effectRef>
+          <a:fontRef idx="minor">
+            <a:schemeClr val="tx1"/>
+          </a:fontRef>
+        </p:style>
+      </p:cxnSp>
+      <p:cxnSp>
+        <p:nvCxnSpPr>
+          <p:cNvPr id="8" name="直接连接符 7">
+            <a:extLst>
+              <a:ext uri="{FF2B5EF4-FFF2-40B4-BE49-F238E27FC236}">
+                <a16:creationId xmlns:a16="http://schemas.microsoft.com/office/drawing/2014/main" id="{69CFC33F-4CCD-4BA0-8BCD-F5DB1BD37324}"/>
+              </a:ext>
+            </a:extLst>
+          </p:cNvPr>
+          <p:cNvCxnSpPr>
+            <a:cxnSpLocks/>
+            <a:stCxn id="4" idx="3"/>
+          </p:cNvCxnSpPr>
+          <p:nvPr/>
+        </p:nvCxnSpPr>
+        <p:spPr>
+          <a:xfrm>
+            <a:off x="805297" y="1626177"/>
+            <a:ext cx="618259" cy="0"/>
+          </a:xfrm>
+          <a:prstGeom prst="line">
+            <a:avLst/>
+          </a:prstGeom>
+          <a:ln>
+            <a:tailEnd type="triangle"/>
+          </a:ln>
+        </p:spPr>
+        <p:style>
+          <a:lnRef idx="3">
+            <a:schemeClr val="dk1"/>
+          </a:lnRef>
+          <a:fillRef idx="0">
+            <a:schemeClr val="dk1"/>
+          </a:fillRef>
+          <a:effectRef idx="2">
+            <a:schemeClr val="dk1"/>
+          </a:effectRef>
+          <a:fontRef idx="minor">
+            <a:schemeClr val="tx1"/>
+          </a:fontRef>
+        </p:style>
+      </p:cxnSp>
+      <p:cxnSp>
+        <p:nvCxnSpPr>
+          <p:cNvPr id="10" name="连接符: 肘形 9">
+            <a:extLst>
+              <a:ext uri="{FF2B5EF4-FFF2-40B4-BE49-F238E27FC236}">
+                <a16:creationId xmlns:a16="http://schemas.microsoft.com/office/drawing/2014/main" id="{F41ACD5D-ECD1-4170-A905-82FF5AA7020B}"/>
+              </a:ext>
+            </a:extLst>
+          </p:cNvPr>
+          <p:cNvCxnSpPr>
+            <a:cxnSpLocks/>
+            <a:stCxn id="2" idx="3"/>
+            <a:endCxn id="5" idx="3"/>
+          </p:cNvCxnSpPr>
+          <p:nvPr/>
+        </p:nvCxnSpPr>
+        <p:spPr>
+          <a:xfrm>
+            <a:off x="805297" y="483177"/>
+            <a:ext cx="955964" cy="357447"/>
+          </a:xfrm>
+          <a:prstGeom prst="bentConnector2">
+            <a:avLst/>
+          </a:prstGeom>
+          <a:ln>
+            <a:tailEnd type="triangle"/>
+          </a:ln>
+        </p:spPr>
+        <p:style>
+          <a:lnRef idx="3">
+            <a:schemeClr val="dk1"/>
+          </a:lnRef>
+          <a:fillRef idx="0">
+            <a:schemeClr val="dk1"/>
+          </a:fillRef>
+          <a:effectRef idx="2">
+            <a:schemeClr val="dk1"/>
+          </a:effectRef>
+          <a:fontRef idx="minor">
+            <a:schemeClr val="tx1"/>
+          </a:fontRef>
+        </p:style>
+      </p:cxnSp>
+      <p:cxnSp>
+        <p:nvCxnSpPr>
+          <p:cNvPr id="12" name="直接箭头连接符 11">
+            <a:extLst>
+              <a:ext uri="{FF2B5EF4-FFF2-40B4-BE49-F238E27FC236}">
+                <a16:creationId xmlns:a16="http://schemas.microsoft.com/office/drawing/2014/main" id="{1F79E21B-41AC-42F2-9A33-13B7443EB2D7}"/>
+              </a:ext>
+            </a:extLst>
+          </p:cNvPr>
+          <p:cNvCxnSpPr>
+            <a:stCxn id="5" idx="2"/>
+          </p:cNvCxnSpPr>
+          <p:nvPr/>
+        </p:nvCxnSpPr>
+        <p:spPr>
+          <a:xfrm>
+            <a:off x="2098965" y="1335231"/>
+            <a:ext cx="685799" cy="0"/>
+          </a:xfrm>
+          <a:prstGeom prst="straightConnector1">
+            <a:avLst/>
+          </a:prstGeom>
+          <a:ln>
+            <a:tailEnd type="triangle"/>
+          </a:ln>
+        </p:spPr>
+        <p:style>
+          <a:lnRef idx="3">
+            <a:schemeClr val="dk1"/>
+          </a:lnRef>
+          <a:fillRef idx="0">
+            <a:schemeClr val="dk1"/>
+          </a:fillRef>
+          <a:effectRef idx="2">
+            <a:schemeClr val="dk1"/>
+          </a:effectRef>
+          <a:fontRef idx="minor">
+            <a:schemeClr val="tx1"/>
+          </a:fontRef>
+        </p:style>
+      </p:cxnSp>
+      <p:sp>
+        <p:nvSpPr>
+          <p:cNvPr id="14" name="箭头: 五边形 13">
+            <a:extLst>
+              <a:ext uri="{FF2B5EF4-FFF2-40B4-BE49-F238E27FC236}">
+                <a16:creationId xmlns:a16="http://schemas.microsoft.com/office/drawing/2014/main" id="{58867818-6799-4FCE-A3BA-B3780697901D}"/>
+              </a:ext>
+            </a:extLst>
+          </p:cNvPr>
+          <p:cNvSpPr/>
+          <p:nvPr/>
+        </p:nvSpPr>
+        <p:spPr>
+          <a:xfrm>
+            <a:off x="2774375" y="1174172"/>
+            <a:ext cx="488372" cy="322118"/>
+          </a:xfrm>
+          <a:prstGeom prst="homePlate">
+            <a:avLst/>
+          </a:prstGeom>
+        </p:spPr>
+        <p:style>
+          <a:lnRef idx="2">
+            <a:schemeClr val="dk1"/>
+          </a:lnRef>
+          <a:fillRef idx="1">
+            <a:schemeClr val="lt1"/>
+          </a:fillRef>
+          <a:effectRef idx="0">
+            <a:schemeClr val="dk1"/>
+          </a:effectRef>
+          <a:fontRef idx="minor">
+            <a:schemeClr val="dk1"/>
+          </a:fontRef>
+        </p:style>
+        <p:txBody>
+          <a:bodyPr rtlCol="0" anchor="ctr"/>
+          <a:lstStyle/>
+          <a:p>
+            <a:pPr algn="ctr"/>
+            <a:r>
+              <a:rPr lang="en-US" altLang="zh-CN" dirty="0"/>
+              <a:t>Y</a:t>
+            </a:r>
+            <a:endParaRPr lang="zh-CN" altLang="en-US" dirty="0"/>
+          </a:p>
+        </p:txBody>
+      </p:sp>
+      <p:sp>
+        <p:nvSpPr>
+          <p:cNvPr id="15" name="文本框 14">
+            <a:extLst>
+              <a:ext uri="{FF2B5EF4-FFF2-40B4-BE49-F238E27FC236}">
+                <a16:creationId xmlns:a16="http://schemas.microsoft.com/office/drawing/2014/main" id="{7B346233-A324-4CE4-ACA7-0AECB6BF809A}"/>
+              </a:ext>
+            </a:extLst>
+          </p:cNvPr>
+          <p:cNvSpPr txBox="1"/>
+          <p:nvPr/>
+        </p:nvSpPr>
+        <p:spPr>
+          <a:xfrm>
+            <a:off x="1496292" y="893618"/>
+            <a:ext cx="264969" cy="369332"/>
+          </a:xfrm>
+          <a:prstGeom prst="rect">
+            <a:avLst/>
+          </a:prstGeom>
+          <a:noFill/>
+        </p:spPr>
+        <p:txBody>
+          <a:bodyPr wrap="square" rtlCol="0">
+            <a:spAutoFit/>
+          </a:bodyPr>
+          <a:lstStyle/>
+          <a:p>
+            <a:r>
+              <a:rPr lang="en-US" altLang="zh-CN" dirty="0"/>
+              <a:t>0</a:t>
+            </a:r>
+            <a:endParaRPr lang="zh-CN" altLang="en-US" dirty="0"/>
+          </a:p>
+        </p:txBody>
+      </p:sp>
+      <p:sp>
+        <p:nvSpPr>
+          <p:cNvPr id="16" name="文本框 15">
+            <a:extLst>
+              <a:ext uri="{FF2B5EF4-FFF2-40B4-BE49-F238E27FC236}">
+                <a16:creationId xmlns:a16="http://schemas.microsoft.com/office/drawing/2014/main" id="{4BC42C6B-BDF2-4DDA-B58D-040913353A75}"/>
+              </a:ext>
+            </a:extLst>
+          </p:cNvPr>
+          <p:cNvSpPr txBox="1"/>
+          <p:nvPr/>
+        </p:nvSpPr>
+        <p:spPr>
+          <a:xfrm>
+            <a:off x="1496292" y="1352312"/>
+            <a:ext cx="264969" cy="369332"/>
+          </a:xfrm>
+          <a:prstGeom prst="rect">
+            <a:avLst/>
+          </a:prstGeom>
+          <a:noFill/>
+        </p:spPr>
+        <p:txBody>
+          <a:bodyPr wrap="square" rtlCol="0">
+            <a:spAutoFit/>
+          </a:bodyPr>
+          <a:lstStyle/>
+          <a:p>
+            <a:r>
+              <a:rPr lang="en-US" altLang="zh-CN" dirty="0"/>
+              <a:t>1</a:t>
+            </a:r>
+            <a:endParaRPr lang="zh-CN" altLang="en-US" dirty="0"/>
+          </a:p>
+        </p:txBody>
+      </p:sp>
+      <p:grpSp>
+        <p:nvGrpSpPr>
+          <p:cNvPr id="22" name="组合 21">
+            <a:extLst>
+              <a:ext uri="{FF2B5EF4-FFF2-40B4-BE49-F238E27FC236}">
+                <a16:creationId xmlns:a16="http://schemas.microsoft.com/office/drawing/2014/main" id="{EDB0E12D-B5BD-4BD3-B063-1DA57EBD6332}"/>
+              </a:ext>
+            </a:extLst>
+          </p:cNvPr>
+          <p:cNvGrpSpPr/>
+          <p:nvPr/>
+        </p:nvGrpSpPr>
+        <p:grpSpPr>
+          <a:xfrm>
+            <a:off x="6240483" y="280940"/>
+            <a:ext cx="853439" cy="1301930"/>
+            <a:chOff x="1881051" y="435429"/>
+            <a:chExt cx="853439" cy="1301930"/>
+          </a:xfrm>
+        </p:grpSpPr>
+        <p:cxnSp>
+          <p:nvCxnSpPr>
+            <p:cNvPr id="23" name="直接连接符 22">
+              <a:extLst>
+                <a:ext uri="{FF2B5EF4-FFF2-40B4-BE49-F238E27FC236}">
+                  <a16:creationId xmlns:a16="http://schemas.microsoft.com/office/drawing/2014/main" id="{E1182624-999A-4166-B0EA-2EFDB0B01E56}"/>
+                </a:ext>
+              </a:extLst>
+            </p:cNvPr>
+            <p:cNvCxnSpPr>
+              <a:cxnSpLocks/>
+            </p:cNvCxnSpPr>
+            <p:nvPr/>
+          </p:nvCxnSpPr>
+          <p:spPr>
+            <a:xfrm>
+              <a:off x="2207622" y="531223"/>
+              <a:ext cx="0" cy="531223"/>
+            </a:xfrm>
+            <a:prstGeom prst="line">
+              <a:avLst/>
+            </a:prstGeom>
+            <a:ln>
+              <a:headEnd type="none" w="med" len="med"/>
+              <a:tailEnd type="none" w="med" len="med"/>
+            </a:ln>
+          </p:spPr>
+          <p:style>
+            <a:lnRef idx="3">
+              <a:schemeClr val="dk1"/>
+            </a:lnRef>
+            <a:fillRef idx="0">
+              <a:schemeClr val="dk1"/>
+            </a:fillRef>
+            <a:effectRef idx="2">
+              <a:schemeClr val="dk1"/>
+            </a:effectRef>
+            <a:fontRef idx="minor">
+              <a:schemeClr val="tx1"/>
+            </a:fontRef>
+          </p:style>
+        </p:cxnSp>
+        <p:cxnSp>
+          <p:nvCxnSpPr>
+            <p:cNvPr id="24" name="直接连接符 23">
+              <a:extLst>
+                <a:ext uri="{FF2B5EF4-FFF2-40B4-BE49-F238E27FC236}">
+                  <a16:creationId xmlns:a16="http://schemas.microsoft.com/office/drawing/2014/main" id="{DF3D692D-55C1-49A3-BA88-6E8CB5A6266B}"/>
+                </a:ext>
+              </a:extLst>
+            </p:cNvPr>
+            <p:cNvCxnSpPr>
+              <a:cxnSpLocks/>
+            </p:cNvCxnSpPr>
+            <p:nvPr/>
+          </p:nvCxnSpPr>
+          <p:spPr>
+            <a:xfrm>
+              <a:off x="2447103" y="1206136"/>
+              <a:ext cx="0" cy="531223"/>
+            </a:xfrm>
+            <a:prstGeom prst="line">
+              <a:avLst/>
+            </a:prstGeom>
+            <a:ln>
+              <a:headEnd type="none" w="med" len="med"/>
+              <a:tailEnd type="none" w="med" len="med"/>
+            </a:ln>
+          </p:spPr>
+          <p:style>
+            <a:lnRef idx="3">
+              <a:schemeClr val="dk1"/>
+            </a:lnRef>
+            <a:fillRef idx="0">
+              <a:schemeClr val="dk1"/>
+            </a:fillRef>
+            <a:effectRef idx="2">
+              <a:schemeClr val="dk1"/>
+            </a:effectRef>
+            <a:fontRef idx="minor">
+              <a:schemeClr val="tx1"/>
+            </a:fontRef>
+          </p:style>
+        </p:cxnSp>
+        <p:sp>
+          <p:nvSpPr>
+            <p:cNvPr id="25" name="流程图: 摘录 24">
+              <a:extLst>
+                <a:ext uri="{FF2B5EF4-FFF2-40B4-BE49-F238E27FC236}">
+                  <a16:creationId xmlns:a16="http://schemas.microsoft.com/office/drawing/2014/main" id="{E5CD3EBE-760A-4057-B347-B91CBD3C4F69}"/>
+                </a:ext>
+              </a:extLst>
+            </p:cNvPr>
+            <p:cNvSpPr/>
+            <p:nvPr/>
+          </p:nvSpPr>
+          <p:spPr>
+            <a:xfrm flipV="1">
+              <a:off x="1881051" y="923109"/>
+              <a:ext cx="653143" cy="539931"/>
+            </a:xfrm>
+            <a:prstGeom prst="flowChartExtract">
+              <a:avLst/>
+            </a:prstGeom>
+          </p:spPr>
+          <p:style>
+            <a:lnRef idx="2">
+              <a:schemeClr val="dk1"/>
+            </a:lnRef>
+            <a:fillRef idx="1">
+              <a:schemeClr val="lt1"/>
+            </a:fillRef>
+            <a:effectRef idx="0">
+              <a:schemeClr val="dk1"/>
+            </a:effectRef>
+            <a:fontRef idx="minor">
+              <a:schemeClr val="dk1"/>
+            </a:fontRef>
+          </p:style>
+          <p:txBody>
+            <a:bodyPr rtlCol="0" anchor="ctr"/>
+            <a:lstStyle/>
+            <a:p>
+              <a:pPr algn="ctr"/>
+              <a:endParaRPr lang="zh-CN" altLang="en-US"/>
+            </a:p>
+          </p:txBody>
+        </p:sp>
+        <p:sp>
+          <p:nvSpPr>
+            <p:cNvPr id="26" name="椭圆 25">
+              <a:extLst>
+                <a:ext uri="{FF2B5EF4-FFF2-40B4-BE49-F238E27FC236}">
+                  <a16:creationId xmlns:a16="http://schemas.microsoft.com/office/drawing/2014/main" id="{67F3B36F-390F-499A-B102-05906CB2B3D8}"/>
+                </a:ext>
+              </a:extLst>
+            </p:cNvPr>
+            <p:cNvSpPr/>
+            <p:nvPr/>
+          </p:nvSpPr>
+          <p:spPr>
+            <a:xfrm>
+              <a:off x="2368730" y="1158240"/>
+              <a:ext cx="165463" cy="165462"/>
+            </a:xfrm>
+            <a:prstGeom prst="ellipse">
+              <a:avLst/>
+            </a:prstGeom>
+          </p:spPr>
+          <p:style>
+            <a:lnRef idx="2">
+              <a:schemeClr val="dk1"/>
+            </a:lnRef>
+            <a:fillRef idx="1">
+              <a:schemeClr val="lt1"/>
+            </a:fillRef>
+            <a:effectRef idx="0">
+              <a:schemeClr val="dk1"/>
+            </a:effectRef>
+            <a:fontRef idx="minor">
+              <a:schemeClr val="dk1"/>
+            </a:fontRef>
+          </p:style>
+          <p:txBody>
+            <a:bodyPr rtlCol="0" anchor="ctr"/>
+            <a:lstStyle/>
+            <a:p>
+              <a:pPr algn="ctr"/>
+              <a:endParaRPr lang="zh-CN" altLang="en-US"/>
+            </a:p>
+          </p:txBody>
+        </p:sp>
+        <p:cxnSp>
+          <p:nvCxnSpPr>
+            <p:cNvPr id="27" name="直接连接符 26">
+              <a:extLst>
+                <a:ext uri="{FF2B5EF4-FFF2-40B4-BE49-F238E27FC236}">
+                  <a16:creationId xmlns:a16="http://schemas.microsoft.com/office/drawing/2014/main" id="{6AF0645A-B83C-42E7-8F18-80381113A11D}"/>
+                </a:ext>
+              </a:extLst>
+            </p:cNvPr>
+            <p:cNvCxnSpPr>
+              <a:cxnSpLocks/>
+            </p:cNvCxnSpPr>
+            <p:nvPr/>
+          </p:nvCxnSpPr>
+          <p:spPr>
+            <a:xfrm>
+              <a:off x="2048690" y="1197428"/>
+              <a:ext cx="0" cy="531223"/>
+            </a:xfrm>
+            <a:prstGeom prst="line">
+              <a:avLst/>
+            </a:prstGeom>
+            <a:ln>
+              <a:headEnd type="none" w="med" len="med"/>
+              <a:tailEnd type="none" w="med" len="med"/>
+            </a:ln>
+          </p:spPr>
+          <p:style>
+            <a:lnRef idx="3">
+              <a:schemeClr val="dk1"/>
+            </a:lnRef>
+            <a:fillRef idx="0">
+              <a:schemeClr val="dk1"/>
+            </a:fillRef>
+            <a:effectRef idx="2">
+              <a:schemeClr val="dk1"/>
+            </a:effectRef>
+            <a:fontRef idx="minor">
+              <a:schemeClr val="tx1"/>
+            </a:fontRef>
+          </p:style>
+        </p:cxnSp>
+        <p:sp>
+          <p:nvSpPr>
+            <p:cNvPr id="28" name="文本框 27">
+              <a:extLst>
+                <a:ext uri="{FF2B5EF4-FFF2-40B4-BE49-F238E27FC236}">
+                  <a16:creationId xmlns:a16="http://schemas.microsoft.com/office/drawing/2014/main" id="{36DD3655-0EA9-49CB-96C3-ABCDA40C281F}"/>
+                </a:ext>
+              </a:extLst>
+            </p:cNvPr>
+            <p:cNvSpPr txBox="1"/>
+            <p:nvPr/>
+          </p:nvSpPr>
+          <p:spPr>
+            <a:xfrm>
+              <a:off x="2281646" y="435429"/>
+              <a:ext cx="452844" cy="369332"/>
+            </a:xfrm>
+            <a:prstGeom prst="rect">
+              <a:avLst/>
+            </a:prstGeom>
+            <a:noFill/>
+          </p:spPr>
+          <p:txBody>
+            <a:bodyPr wrap="square" rtlCol="0">
+              <a:spAutoFit/>
+            </a:bodyPr>
+            <a:lstStyle/>
+            <a:p>
+              <a:r>
+                <a:rPr lang="en-US" altLang="zh-CN" dirty="0"/>
+                <a:t>A</a:t>
+              </a:r>
+              <a:endParaRPr lang="zh-CN" altLang="en-US" dirty="0"/>
+            </a:p>
+          </p:txBody>
+        </p:sp>
+      </p:grpSp>
+      <p:grpSp>
+        <p:nvGrpSpPr>
+          <p:cNvPr id="29" name="组合 28">
+            <a:extLst>
+              <a:ext uri="{FF2B5EF4-FFF2-40B4-BE49-F238E27FC236}">
+                <a16:creationId xmlns:a16="http://schemas.microsoft.com/office/drawing/2014/main" id="{5DCC83F2-18CE-4EFB-82F5-6E3EC61FF5A2}"/>
+              </a:ext>
+            </a:extLst>
+          </p:cNvPr>
+          <p:cNvGrpSpPr/>
+          <p:nvPr/>
+        </p:nvGrpSpPr>
+        <p:grpSpPr>
+          <a:xfrm>
+            <a:off x="7568536" y="280940"/>
+            <a:ext cx="853439" cy="1301930"/>
+            <a:chOff x="1881051" y="435429"/>
+            <a:chExt cx="853439" cy="1301930"/>
+          </a:xfrm>
+        </p:grpSpPr>
+        <p:cxnSp>
+          <p:nvCxnSpPr>
+            <p:cNvPr id="30" name="直接连接符 29">
+              <a:extLst>
+                <a:ext uri="{FF2B5EF4-FFF2-40B4-BE49-F238E27FC236}">
+                  <a16:creationId xmlns:a16="http://schemas.microsoft.com/office/drawing/2014/main" id="{D556D4D8-85D8-4773-98A3-99F4BAE97F4D}"/>
+                </a:ext>
+              </a:extLst>
+            </p:cNvPr>
+            <p:cNvCxnSpPr>
+              <a:cxnSpLocks/>
+            </p:cNvCxnSpPr>
+            <p:nvPr/>
+          </p:nvCxnSpPr>
+          <p:spPr>
+            <a:xfrm>
+              <a:off x="2207622" y="531223"/>
+              <a:ext cx="0" cy="531223"/>
+            </a:xfrm>
+            <a:prstGeom prst="line">
+              <a:avLst/>
+            </a:prstGeom>
+            <a:ln>
+              <a:headEnd type="none" w="med" len="med"/>
+              <a:tailEnd type="none" w="med" len="med"/>
+            </a:ln>
+          </p:spPr>
+          <p:style>
+            <a:lnRef idx="3">
+              <a:schemeClr val="dk1"/>
+            </a:lnRef>
+            <a:fillRef idx="0">
+              <a:schemeClr val="dk1"/>
+            </a:fillRef>
+            <a:effectRef idx="2">
+              <a:schemeClr val="dk1"/>
+            </a:effectRef>
+            <a:fontRef idx="minor">
+              <a:schemeClr val="tx1"/>
+            </a:fontRef>
+          </p:style>
+        </p:cxnSp>
+        <p:cxnSp>
+          <p:nvCxnSpPr>
+            <p:cNvPr id="31" name="直接连接符 30">
+              <a:extLst>
+                <a:ext uri="{FF2B5EF4-FFF2-40B4-BE49-F238E27FC236}">
+                  <a16:creationId xmlns:a16="http://schemas.microsoft.com/office/drawing/2014/main" id="{A9759320-7931-429F-9E84-EFF2CD8CE338}"/>
+                </a:ext>
+              </a:extLst>
+            </p:cNvPr>
+            <p:cNvCxnSpPr>
+              <a:cxnSpLocks/>
+            </p:cNvCxnSpPr>
+            <p:nvPr/>
+          </p:nvCxnSpPr>
+          <p:spPr>
+            <a:xfrm>
+              <a:off x="2447103" y="1206136"/>
+              <a:ext cx="0" cy="531223"/>
+            </a:xfrm>
+            <a:prstGeom prst="line">
+              <a:avLst/>
+            </a:prstGeom>
+            <a:ln>
+              <a:headEnd type="none" w="med" len="med"/>
+              <a:tailEnd type="none" w="med" len="med"/>
+            </a:ln>
+          </p:spPr>
+          <p:style>
+            <a:lnRef idx="3">
+              <a:schemeClr val="dk1"/>
+            </a:lnRef>
+            <a:fillRef idx="0">
+              <a:schemeClr val="dk1"/>
+            </a:fillRef>
+            <a:effectRef idx="2">
+              <a:schemeClr val="dk1"/>
+            </a:effectRef>
+            <a:fontRef idx="minor">
+              <a:schemeClr val="tx1"/>
+            </a:fontRef>
+          </p:style>
+        </p:cxnSp>
+        <p:sp>
+          <p:nvSpPr>
+            <p:cNvPr id="32" name="流程图: 摘录 31">
+              <a:extLst>
+                <a:ext uri="{FF2B5EF4-FFF2-40B4-BE49-F238E27FC236}">
+                  <a16:creationId xmlns:a16="http://schemas.microsoft.com/office/drawing/2014/main" id="{CD8AD0B8-1BBA-4DCF-ACD8-DB98BB273F1A}"/>
+                </a:ext>
+              </a:extLst>
+            </p:cNvPr>
+            <p:cNvSpPr/>
+            <p:nvPr/>
+          </p:nvSpPr>
+          <p:spPr>
+            <a:xfrm flipV="1">
+              <a:off x="1881051" y="923109"/>
+              <a:ext cx="653143" cy="539931"/>
+            </a:xfrm>
+            <a:prstGeom prst="flowChartExtract">
+              <a:avLst/>
+            </a:prstGeom>
+          </p:spPr>
+          <p:style>
+            <a:lnRef idx="2">
+              <a:schemeClr val="dk1"/>
+            </a:lnRef>
+            <a:fillRef idx="1">
+              <a:schemeClr val="lt1"/>
+            </a:fillRef>
+            <a:effectRef idx="0">
+              <a:schemeClr val="dk1"/>
+            </a:effectRef>
+            <a:fontRef idx="minor">
+              <a:schemeClr val="dk1"/>
+            </a:fontRef>
+          </p:style>
+          <p:txBody>
+            <a:bodyPr rtlCol="0" anchor="ctr"/>
+            <a:lstStyle/>
+            <a:p>
+              <a:pPr algn="ctr"/>
+              <a:endParaRPr lang="zh-CN" altLang="en-US"/>
+            </a:p>
+          </p:txBody>
+        </p:sp>
+        <p:sp>
+          <p:nvSpPr>
+            <p:cNvPr id="33" name="椭圆 32">
+              <a:extLst>
+                <a:ext uri="{FF2B5EF4-FFF2-40B4-BE49-F238E27FC236}">
+                  <a16:creationId xmlns:a16="http://schemas.microsoft.com/office/drawing/2014/main" id="{F0BAD05C-F616-4BA1-BD0A-CC553165F4B3}"/>
+                </a:ext>
+              </a:extLst>
+            </p:cNvPr>
+            <p:cNvSpPr/>
+            <p:nvPr/>
+          </p:nvSpPr>
+          <p:spPr>
+            <a:xfrm>
+              <a:off x="2368730" y="1158240"/>
+              <a:ext cx="165463" cy="165462"/>
+            </a:xfrm>
+            <a:prstGeom prst="ellipse">
+              <a:avLst/>
+            </a:prstGeom>
+          </p:spPr>
+          <p:style>
+            <a:lnRef idx="2">
+              <a:schemeClr val="dk1"/>
+            </a:lnRef>
+            <a:fillRef idx="1">
+              <a:schemeClr val="lt1"/>
+            </a:fillRef>
+            <a:effectRef idx="0">
+              <a:schemeClr val="dk1"/>
+            </a:effectRef>
+            <a:fontRef idx="minor">
+              <a:schemeClr val="dk1"/>
+            </a:fontRef>
+          </p:style>
+          <p:txBody>
+            <a:bodyPr rtlCol="0" anchor="ctr"/>
+            <a:lstStyle/>
+            <a:p>
+              <a:pPr algn="ctr"/>
+              <a:endParaRPr lang="zh-CN" altLang="en-US"/>
+            </a:p>
+          </p:txBody>
+        </p:sp>
+        <p:cxnSp>
+          <p:nvCxnSpPr>
+            <p:cNvPr id="34" name="直接连接符 33">
+              <a:extLst>
+                <a:ext uri="{FF2B5EF4-FFF2-40B4-BE49-F238E27FC236}">
+                  <a16:creationId xmlns:a16="http://schemas.microsoft.com/office/drawing/2014/main" id="{BAFD91D7-9712-4C9E-8709-1BEDCA8BAFCA}"/>
+                </a:ext>
+              </a:extLst>
+            </p:cNvPr>
+            <p:cNvCxnSpPr>
+              <a:cxnSpLocks/>
+            </p:cNvCxnSpPr>
+            <p:nvPr/>
+          </p:nvCxnSpPr>
+          <p:spPr>
+            <a:xfrm>
+              <a:off x="2048690" y="1197428"/>
+              <a:ext cx="0" cy="531223"/>
+            </a:xfrm>
+            <a:prstGeom prst="line">
+              <a:avLst/>
+            </a:prstGeom>
+            <a:ln>
+              <a:headEnd type="none" w="med" len="med"/>
+              <a:tailEnd type="none" w="med" len="med"/>
+            </a:ln>
+          </p:spPr>
+          <p:style>
+            <a:lnRef idx="3">
+              <a:schemeClr val="dk1"/>
+            </a:lnRef>
+            <a:fillRef idx="0">
+              <a:schemeClr val="dk1"/>
+            </a:fillRef>
+            <a:effectRef idx="2">
+              <a:schemeClr val="dk1"/>
+            </a:effectRef>
+            <a:fontRef idx="minor">
+              <a:schemeClr val="tx1"/>
+            </a:fontRef>
+          </p:style>
+        </p:cxnSp>
+        <p:sp>
+          <p:nvSpPr>
+            <p:cNvPr id="35" name="文本框 34">
+              <a:extLst>
+                <a:ext uri="{FF2B5EF4-FFF2-40B4-BE49-F238E27FC236}">
+                  <a16:creationId xmlns:a16="http://schemas.microsoft.com/office/drawing/2014/main" id="{42AEB7FE-9045-4457-A23D-4F208B9990F3}"/>
+                </a:ext>
+              </a:extLst>
+            </p:cNvPr>
+            <p:cNvSpPr txBox="1"/>
+            <p:nvPr/>
+          </p:nvSpPr>
+          <p:spPr>
+            <a:xfrm>
+              <a:off x="2281646" y="435429"/>
+              <a:ext cx="452844" cy="369332"/>
+            </a:xfrm>
+            <a:prstGeom prst="rect">
+              <a:avLst/>
+            </a:prstGeom>
+            <a:noFill/>
+          </p:spPr>
+          <p:txBody>
+            <a:bodyPr wrap="square" rtlCol="0">
+              <a:spAutoFit/>
+            </a:bodyPr>
+            <a:lstStyle/>
+            <a:p>
+              <a:r>
+                <a:rPr lang="en-US" altLang="zh-CN" dirty="0"/>
+                <a:t>B</a:t>
+              </a:r>
+              <a:endParaRPr lang="zh-CN" altLang="en-US" dirty="0"/>
+            </a:p>
+          </p:txBody>
+        </p:sp>
+      </p:grpSp>
+      <p:cxnSp>
+        <p:nvCxnSpPr>
+          <p:cNvPr id="36" name="直接连接符 35">
+            <a:extLst>
+              <a:ext uri="{FF2B5EF4-FFF2-40B4-BE49-F238E27FC236}">
+                <a16:creationId xmlns:a16="http://schemas.microsoft.com/office/drawing/2014/main" id="{FB7C2D2F-087A-4D0D-A6B7-E2280E4BF832}"/>
+              </a:ext>
+            </a:extLst>
+          </p:cNvPr>
+          <p:cNvCxnSpPr/>
+          <p:nvPr/>
+        </p:nvCxnSpPr>
+        <p:spPr>
+          <a:xfrm>
+            <a:off x="6408122" y="1574162"/>
+            <a:ext cx="0" cy="3365863"/>
+          </a:xfrm>
+          <a:prstGeom prst="line">
+            <a:avLst/>
+          </a:prstGeom>
+          <a:ln>
+            <a:headEnd type="none" w="med" len="med"/>
+            <a:tailEnd type="none" w="med" len="med"/>
+          </a:ln>
+        </p:spPr>
+        <p:style>
+          <a:lnRef idx="3">
+            <a:schemeClr val="dk1"/>
+          </a:lnRef>
+          <a:fillRef idx="0">
+            <a:schemeClr val="dk1"/>
+          </a:fillRef>
+          <a:effectRef idx="2">
+            <a:schemeClr val="dk1"/>
+          </a:effectRef>
+          <a:fontRef idx="minor">
+            <a:schemeClr val="tx1"/>
+          </a:fontRef>
+        </p:style>
+      </p:cxnSp>
+      <p:cxnSp>
+        <p:nvCxnSpPr>
+          <p:cNvPr id="37" name="直接连接符 36">
+            <a:extLst>
+              <a:ext uri="{FF2B5EF4-FFF2-40B4-BE49-F238E27FC236}">
+                <a16:creationId xmlns:a16="http://schemas.microsoft.com/office/drawing/2014/main" id="{A8972FE7-C433-4C89-8BC8-EF655F314D59}"/>
+              </a:ext>
+            </a:extLst>
+          </p:cNvPr>
+          <p:cNvCxnSpPr/>
+          <p:nvPr/>
+        </p:nvCxnSpPr>
+        <p:spPr>
+          <a:xfrm>
+            <a:off x="6806535" y="1574159"/>
+            <a:ext cx="0" cy="3365863"/>
+          </a:xfrm>
+          <a:prstGeom prst="line">
+            <a:avLst/>
+          </a:prstGeom>
+          <a:ln>
+            <a:headEnd type="none" w="med" len="med"/>
+            <a:tailEnd type="none" w="med" len="med"/>
+          </a:ln>
+        </p:spPr>
+        <p:style>
+          <a:lnRef idx="3">
+            <a:schemeClr val="dk1"/>
+          </a:lnRef>
+          <a:fillRef idx="0">
+            <a:schemeClr val="dk1"/>
+          </a:fillRef>
+          <a:effectRef idx="2">
+            <a:schemeClr val="dk1"/>
+          </a:effectRef>
+          <a:fontRef idx="minor">
+            <a:schemeClr val="tx1"/>
+          </a:fontRef>
+        </p:style>
+      </p:cxnSp>
+      <p:cxnSp>
+        <p:nvCxnSpPr>
+          <p:cNvPr id="38" name="直接连接符 37">
+            <a:extLst>
+              <a:ext uri="{FF2B5EF4-FFF2-40B4-BE49-F238E27FC236}">
+                <a16:creationId xmlns:a16="http://schemas.microsoft.com/office/drawing/2014/main" id="{F61E3808-AE57-4170-BB6C-A24B13E17BE6}"/>
+              </a:ext>
+            </a:extLst>
+          </p:cNvPr>
+          <p:cNvCxnSpPr/>
+          <p:nvPr/>
+        </p:nvCxnSpPr>
+        <p:spPr>
+          <a:xfrm>
+            <a:off x="7736175" y="1574160"/>
+            <a:ext cx="0" cy="3365863"/>
+          </a:xfrm>
+          <a:prstGeom prst="line">
+            <a:avLst/>
+          </a:prstGeom>
+          <a:ln>
+            <a:headEnd type="none" w="med" len="med"/>
+            <a:tailEnd type="none" w="med" len="med"/>
+          </a:ln>
+        </p:spPr>
+        <p:style>
+          <a:lnRef idx="3">
+            <a:schemeClr val="dk1"/>
+          </a:lnRef>
+          <a:fillRef idx="0">
+            <a:schemeClr val="dk1"/>
+          </a:fillRef>
+          <a:effectRef idx="2">
+            <a:schemeClr val="dk1"/>
+          </a:effectRef>
+          <a:fontRef idx="minor">
+            <a:schemeClr val="tx1"/>
+          </a:fontRef>
+        </p:style>
+      </p:cxnSp>
+      <p:cxnSp>
+        <p:nvCxnSpPr>
+          <p:cNvPr id="39" name="直接连接符 38">
+            <a:extLst>
+              <a:ext uri="{FF2B5EF4-FFF2-40B4-BE49-F238E27FC236}">
+                <a16:creationId xmlns:a16="http://schemas.microsoft.com/office/drawing/2014/main" id="{68227219-D8BB-4D9B-B112-73C04BC927A3}"/>
+              </a:ext>
+            </a:extLst>
+          </p:cNvPr>
+          <p:cNvCxnSpPr/>
+          <p:nvPr/>
+        </p:nvCxnSpPr>
+        <p:spPr>
+          <a:xfrm>
+            <a:off x="8134588" y="1574161"/>
+            <a:ext cx="0" cy="3365863"/>
+          </a:xfrm>
+          <a:prstGeom prst="line">
+            <a:avLst/>
+          </a:prstGeom>
+          <a:ln>
+            <a:headEnd type="none" w="med" len="med"/>
+            <a:tailEnd type="none" w="med" len="med"/>
+          </a:ln>
+        </p:spPr>
+        <p:style>
+          <a:lnRef idx="3">
+            <a:schemeClr val="dk1"/>
+          </a:lnRef>
+          <a:fillRef idx="0">
+            <a:schemeClr val="dk1"/>
+          </a:fillRef>
+          <a:effectRef idx="2">
+            <a:schemeClr val="dk1"/>
+          </a:effectRef>
+          <a:fontRef idx="minor">
+            <a:schemeClr val="tx1"/>
+          </a:fontRef>
+        </p:style>
+      </p:cxnSp>
+      <p:cxnSp>
+        <p:nvCxnSpPr>
+          <p:cNvPr id="40" name="直接连接符 39">
+            <a:extLst>
+              <a:ext uri="{FF2B5EF4-FFF2-40B4-BE49-F238E27FC236}">
+                <a16:creationId xmlns:a16="http://schemas.microsoft.com/office/drawing/2014/main" id="{69E85103-56D4-4033-9ACD-FCC16ED98A47}"/>
+              </a:ext>
+            </a:extLst>
+          </p:cNvPr>
+          <p:cNvCxnSpPr>
+            <a:cxnSpLocks/>
+          </p:cNvCxnSpPr>
+          <p:nvPr/>
+        </p:nvCxnSpPr>
+        <p:spPr>
+          <a:xfrm>
+            <a:off x="4337586" y="1589752"/>
+            <a:ext cx="5928141" cy="0"/>
+          </a:xfrm>
+          <a:prstGeom prst="line">
+            <a:avLst/>
+          </a:prstGeom>
+          <a:ln>
+            <a:headEnd type="none" w="med" len="med"/>
+            <a:tailEnd type="none" w="med" len="med"/>
+          </a:ln>
+        </p:spPr>
+        <p:style>
+          <a:lnRef idx="3">
+            <a:schemeClr val="dk1"/>
+          </a:lnRef>
+          <a:fillRef idx="0">
+            <a:schemeClr val="dk1"/>
+          </a:fillRef>
+          <a:effectRef idx="2">
+            <a:schemeClr val="dk1"/>
+          </a:effectRef>
+          <a:fontRef idx="minor">
+            <a:schemeClr val="tx1"/>
+          </a:fontRef>
+        </p:style>
+      </p:cxnSp>
+      <p:cxnSp>
+        <p:nvCxnSpPr>
+          <p:cNvPr id="41" name="直接连接符 40">
+            <a:extLst>
+              <a:ext uri="{FF2B5EF4-FFF2-40B4-BE49-F238E27FC236}">
+                <a16:creationId xmlns:a16="http://schemas.microsoft.com/office/drawing/2014/main" id="{6EBEFF18-F93B-42CE-81A1-B4738094D1F4}"/>
+              </a:ext>
+            </a:extLst>
+          </p:cNvPr>
+          <p:cNvCxnSpPr>
+            <a:cxnSpLocks/>
+          </p:cNvCxnSpPr>
+          <p:nvPr/>
+        </p:nvCxnSpPr>
+        <p:spPr>
+          <a:xfrm>
+            <a:off x="4337586" y="2003392"/>
+            <a:ext cx="5958616" cy="43560"/>
+          </a:xfrm>
+          <a:prstGeom prst="line">
+            <a:avLst/>
+          </a:prstGeom>
+          <a:ln>
+            <a:headEnd type="none" w="med" len="med"/>
+            <a:tailEnd type="none" w="med" len="med"/>
+          </a:ln>
+        </p:spPr>
+        <p:style>
+          <a:lnRef idx="3">
+            <a:schemeClr val="dk1"/>
+          </a:lnRef>
+          <a:fillRef idx="0">
+            <a:schemeClr val="dk1"/>
+          </a:fillRef>
+          <a:effectRef idx="2">
+            <a:schemeClr val="dk1"/>
+          </a:effectRef>
+          <a:fontRef idx="minor">
+            <a:schemeClr val="tx1"/>
+          </a:fontRef>
+        </p:style>
+      </p:cxnSp>
+      <p:cxnSp>
+        <p:nvCxnSpPr>
+          <p:cNvPr id="42" name="直接连接符 41">
+            <a:extLst>
+              <a:ext uri="{FF2B5EF4-FFF2-40B4-BE49-F238E27FC236}">
+                <a16:creationId xmlns:a16="http://schemas.microsoft.com/office/drawing/2014/main" id="{79B6B1DC-6947-46B3-AE7B-562359F00811}"/>
+              </a:ext>
+            </a:extLst>
+          </p:cNvPr>
+          <p:cNvCxnSpPr>
+            <a:cxnSpLocks/>
+          </p:cNvCxnSpPr>
+          <p:nvPr/>
+        </p:nvCxnSpPr>
+        <p:spPr>
+          <a:xfrm>
+            <a:off x="4337586" y="2486735"/>
+            <a:ext cx="5928141" cy="0"/>
+          </a:xfrm>
+          <a:prstGeom prst="line">
+            <a:avLst/>
+          </a:prstGeom>
+          <a:ln>
+            <a:headEnd type="none" w="med" len="med"/>
+            <a:tailEnd type="none" w="med" len="med"/>
+          </a:ln>
+        </p:spPr>
+        <p:style>
+          <a:lnRef idx="3">
+            <a:schemeClr val="dk1"/>
+          </a:lnRef>
+          <a:fillRef idx="0">
+            <a:schemeClr val="dk1"/>
+          </a:fillRef>
+          <a:effectRef idx="2">
+            <a:schemeClr val="dk1"/>
+          </a:effectRef>
+          <a:fontRef idx="minor">
+            <a:schemeClr val="tx1"/>
+          </a:fontRef>
+        </p:style>
+      </p:cxnSp>
+      <p:cxnSp>
+        <p:nvCxnSpPr>
+          <p:cNvPr id="43" name="直接连接符 42">
+            <a:extLst>
+              <a:ext uri="{FF2B5EF4-FFF2-40B4-BE49-F238E27FC236}">
+                <a16:creationId xmlns:a16="http://schemas.microsoft.com/office/drawing/2014/main" id="{04769196-0EF3-4767-A258-AC00D4B48421}"/>
+              </a:ext>
+            </a:extLst>
+          </p:cNvPr>
+          <p:cNvCxnSpPr>
+            <a:cxnSpLocks/>
+          </p:cNvCxnSpPr>
+          <p:nvPr/>
+        </p:nvCxnSpPr>
+        <p:spPr>
+          <a:xfrm>
+            <a:off x="4420713" y="2859022"/>
+            <a:ext cx="5875488" cy="0"/>
+          </a:xfrm>
+          <a:prstGeom prst="line">
+            <a:avLst/>
+          </a:prstGeom>
+          <a:ln>
+            <a:headEnd type="none" w="med" len="med"/>
+            <a:tailEnd type="none" w="med" len="med"/>
+          </a:ln>
+        </p:spPr>
+        <p:style>
+          <a:lnRef idx="3">
+            <a:schemeClr val="dk1"/>
+          </a:lnRef>
+          <a:fillRef idx="0">
+            <a:schemeClr val="dk1"/>
+          </a:fillRef>
+          <a:effectRef idx="2">
+            <a:schemeClr val="dk1"/>
+          </a:effectRef>
+          <a:fontRef idx="minor">
+            <a:schemeClr val="tx1"/>
+          </a:fontRef>
+        </p:style>
+      </p:cxnSp>
+      <p:sp>
+        <p:nvSpPr>
+          <p:cNvPr id="44" name="流程图: 延期 43">
+            <a:extLst>
+              <a:ext uri="{FF2B5EF4-FFF2-40B4-BE49-F238E27FC236}">
+                <a16:creationId xmlns:a16="http://schemas.microsoft.com/office/drawing/2014/main" id="{7C13BC39-0108-4742-A373-783893047551}"/>
+              </a:ext>
+            </a:extLst>
+          </p:cNvPr>
+          <p:cNvSpPr/>
+          <p:nvPr/>
+        </p:nvSpPr>
+        <p:spPr>
+          <a:xfrm>
+            <a:off x="8635246" y="1372037"/>
+            <a:ext cx="539922" cy="365731"/>
+          </a:xfrm>
+          <a:prstGeom prst="flowChartDelay">
+            <a:avLst/>
+          </a:prstGeom>
+        </p:spPr>
+        <p:style>
+          <a:lnRef idx="2">
+            <a:schemeClr val="dk1"/>
+          </a:lnRef>
+          <a:fillRef idx="1">
+            <a:schemeClr val="lt1"/>
+          </a:fillRef>
+          <a:effectRef idx="0">
+            <a:schemeClr val="dk1"/>
+          </a:effectRef>
+          <a:fontRef idx="minor">
+            <a:schemeClr val="dk1"/>
+          </a:fontRef>
+        </p:style>
+        <p:txBody>
+          <a:bodyPr rtlCol="0" anchor="ctr"/>
+          <a:lstStyle/>
+          <a:p>
+            <a:pPr algn="ctr"/>
+            <a:endParaRPr lang="zh-CN" altLang="en-US"/>
+          </a:p>
+        </p:txBody>
+      </p:sp>
+      <p:sp>
+        <p:nvSpPr>
+          <p:cNvPr id="45" name="流程图: 延期 44">
+            <a:extLst>
+              <a:ext uri="{FF2B5EF4-FFF2-40B4-BE49-F238E27FC236}">
+                <a16:creationId xmlns:a16="http://schemas.microsoft.com/office/drawing/2014/main" id="{7EFABB6C-B111-45F2-9CB1-1A22772F087C}"/>
+              </a:ext>
+            </a:extLst>
+          </p:cNvPr>
+          <p:cNvSpPr/>
+          <p:nvPr/>
+        </p:nvSpPr>
+        <p:spPr>
+          <a:xfrm>
+            <a:off x="8637210" y="1820527"/>
+            <a:ext cx="539922" cy="365731"/>
+          </a:xfrm>
+          <a:prstGeom prst="flowChartDelay">
+            <a:avLst/>
+          </a:prstGeom>
+        </p:spPr>
+        <p:style>
+          <a:lnRef idx="2">
+            <a:schemeClr val="dk1"/>
+          </a:lnRef>
+          <a:fillRef idx="1">
+            <a:schemeClr val="lt1"/>
+          </a:fillRef>
+          <a:effectRef idx="0">
+            <a:schemeClr val="dk1"/>
+          </a:effectRef>
+          <a:fontRef idx="minor">
+            <a:schemeClr val="dk1"/>
+          </a:fontRef>
+        </p:style>
+        <p:txBody>
+          <a:bodyPr rtlCol="0" anchor="ctr"/>
+          <a:lstStyle/>
+          <a:p>
+            <a:pPr algn="ctr"/>
+            <a:endParaRPr lang="zh-CN" altLang="en-US"/>
+          </a:p>
+        </p:txBody>
+      </p:sp>
+      <p:sp>
+        <p:nvSpPr>
+          <p:cNvPr id="46" name="流程图: 延期 45">
+            <a:extLst>
+              <a:ext uri="{FF2B5EF4-FFF2-40B4-BE49-F238E27FC236}">
+                <a16:creationId xmlns:a16="http://schemas.microsoft.com/office/drawing/2014/main" id="{F3144FC6-8C68-4470-AB07-DBE5B56A001A}"/>
+              </a:ext>
+            </a:extLst>
+          </p:cNvPr>
+          <p:cNvSpPr/>
+          <p:nvPr/>
+        </p:nvSpPr>
+        <p:spPr>
+          <a:xfrm>
+            <a:off x="8637210" y="2252678"/>
+            <a:ext cx="539922" cy="365731"/>
+          </a:xfrm>
+          <a:prstGeom prst="flowChartDelay">
+            <a:avLst/>
+          </a:prstGeom>
+        </p:spPr>
+        <p:style>
+          <a:lnRef idx="2">
+            <a:schemeClr val="dk1"/>
+          </a:lnRef>
+          <a:fillRef idx="1">
+            <a:schemeClr val="lt1"/>
+          </a:fillRef>
+          <a:effectRef idx="0">
+            <a:schemeClr val="dk1"/>
+          </a:effectRef>
+          <a:fontRef idx="minor">
+            <a:schemeClr val="dk1"/>
+          </a:fontRef>
+        </p:style>
+        <p:txBody>
+          <a:bodyPr rtlCol="0" anchor="ctr"/>
+          <a:lstStyle/>
+          <a:p>
+            <a:pPr algn="ctr"/>
+            <a:endParaRPr lang="zh-CN" altLang="en-US"/>
+          </a:p>
+        </p:txBody>
+      </p:sp>
+      <p:sp>
+        <p:nvSpPr>
+          <p:cNvPr id="47" name="流程图: 延期 46">
+            <a:extLst>
+              <a:ext uri="{FF2B5EF4-FFF2-40B4-BE49-F238E27FC236}">
+                <a16:creationId xmlns:a16="http://schemas.microsoft.com/office/drawing/2014/main" id="{7DF3E023-67C8-4214-AB5D-4FA1D8F4B560}"/>
+              </a:ext>
+            </a:extLst>
+          </p:cNvPr>
+          <p:cNvSpPr/>
+          <p:nvPr/>
+        </p:nvSpPr>
+        <p:spPr>
+          <a:xfrm>
+            <a:off x="8661178" y="2665201"/>
+            <a:ext cx="539922" cy="365731"/>
+          </a:xfrm>
+          <a:prstGeom prst="flowChartDelay">
+            <a:avLst/>
+          </a:prstGeom>
+        </p:spPr>
+        <p:style>
+          <a:lnRef idx="2">
+            <a:schemeClr val="dk1"/>
+          </a:lnRef>
+          <a:fillRef idx="1">
+            <a:schemeClr val="lt1"/>
+          </a:fillRef>
+          <a:effectRef idx="0">
+            <a:schemeClr val="dk1"/>
+          </a:effectRef>
+          <a:fontRef idx="minor">
+            <a:schemeClr val="dk1"/>
+          </a:fontRef>
+        </p:style>
+        <p:txBody>
+          <a:bodyPr rtlCol="0" anchor="ctr"/>
+          <a:lstStyle/>
+          <a:p>
+            <a:pPr algn="ctr"/>
+            <a:endParaRPr lang="zh-CN" altLang="en-US"/>
+          </a:p>
+        </p:txBody>
+      </p:sp>
+      <p:sp>
+        <p:nvSpPr>
+          <p:cNvPr id="48" name="椭圆 47">
+            <a:extLst>
+              <a:ext uri="{FF2B5EF4-FFF2-40B4-BE49-F238E27FC236}">
+                <a16:creationId xmlns:a16="http://schemas.microsoft.com/office/drawing/2014/main" id="{F9BAE26E-547D-4BD3-8D26-BB4C60223B7D}"/>
+              </a:ext>
+            </a:extLst>
+          </p:cNvPr>
+          <p:cNvSpPr/>
+          <p:nvPr/>
+        </p:nvSpPr>
+        <p:spPr>
+          <a:xfrm>
+            <a:off x="6730046" y="1528775"/>
+            <a:ext cx="137160" cy="113223"/>
+          </a:xfrm>
+          <a:prstGeom prst="ellipse">
+            <a:avLst/>
+          </a:prstGeom>
+          <a:solidFill>
+            <a:schemeClr val="tx1"/>
+          </a:solidFill>
+        </p:spPr>
+        <p:style>
+          <a:lnRef idx="2">
+            <a:schemeClr val="dk1"/>
+          </a:lnRef>
+          <a:fillRef idx="1">
+            <a:schemeClr val="lt1"/>
+          </a:fillRef>
+          <a:effectRef idx="0">
+            <a:schemeClr val="dk1"/>
+          </a:effectRef>
+          <a:fontRef idx="minor">
+            <a:schemeClr val="dk1"/>
+          </a:fontRef>
+        </p:style>
+        <p:txBody>
+          <a:bodyPr rtlCol="0" anchor="ctr"/>
+          <a:lstStyle/>
+          <a:p>
+            <a:pPr algn="ctr"/>
+            <a:endParaRPr lang="zh-CN" altLang="en-US"/>
+          </a:p>
+        </p:txBody>
+      </p:sp>
+      <p:sp>
+        <p:nvSpPr>
+          <p:cNvPr id="49" name="椭圆 48">
+            <a:extLst>
+              <a:ext uri="{FF2B5EF4-FFF2-40B4-BE49-F238E27FC236}">
+                <a16:creationId xmlns:a16="http://schemas.microsoft.com/office/drawing/2014/main" id="{713B02BD-5264-4B9E-B083-22BCBE31DCCF}"/>
+              </a:ext>
+            </a:extLst>
+          </p:cNvPr>
+          <p:cNvSpPr/>
+          <p:nvPr/>
+        </p:nvSpPr>
+        <p:spPr>
+          <a:xfrm>
+            <a:off x="8058098" y="1533140"/>
+            <a:ext cx="137160" cy="113223"/>
+          </a:xfrm>
+          <a:prstGeom prst="ellipse">
+            <a:avLst/>
+          </a:prstGeom>
+          <a:solidFill>
+            <a:schemeClr val="tx1"/>
+          </a:solidFill>
+        </p:spPr>
+        <p:style>
+          <a:lnRef idx="2">
+            <a:schemeClr val="dk1"/>
+          </a:lnRef>
+          <a:fillRef idx="1">
+            <a:schemeClr val="lt1"/>
+          </a:fillRef>
+          <a:effectRef idx="0">
+            <a:schemeClr val="dk1"/>
+          </a:effectRef>
+          <a:fontRef idx="minor">
+            <a:schemeClr val="dk1"/>
+          </a:fontRef>
+        </p:style>
+        <p:txBody>
+          <a:bodyPr rtlCol="0" anchor="ctr"/>
+          <a:lstStyle/>
+          <a:p>
+            <a:pPr algn="ctr"/>
+            <a:endParaRPr lang="zh-CN" altLang="en-US"/>
+          </a:p>
+        </p:txBody>
+      </p:sp>
+      <p:sp>
+        <p:nvSpPr>
+          <p:cNvPr id="50" name="椭圆 49">
+            <a:extLst>
+              <a:ext uri="{FF2B5EF4-FFF2-40B4-BE49-F238E27FC236}">
+                <a16:creationId xmlns:a16="http://schemas.microsoft.com/office/drawing/2014/main" id="{BC8808DB-0E41-4601-AADE-AAF680B046A9}"/>
+              </a:ext>
+            </a:extLst>
+          </p:cNvPr>
+          <p:cNvSpPr/>
+          <p:nvPr/>
+        </p:nvSpPr>
+        <p:spPr>
+          <a:xfrm>
+            <a:off x="6721342" y="1969656"/>
+            <a:ext cx="137160" cy="113223"/>
+          </a:xfrm>
+          <a:prstGeom prst="ellipse">
+            <a:avLst/>
+          </a:prstGeom>
+          <a:solidFill>
+            <a:schemeClr val="tx1"/>
+          </a:solidFill>
+        </p:spPr>
+        <p:style>
+          <a:lnRef idx="2">
+            <a:schemeClr val="dk1"/>
+          </a:lnRef>
+          <a:fillRef idx="1">
+            <a:schemeClr val="lt1"/>
+          </a:fillRef>
+          <a:effectRef idx="0">
+            <a:schemeClr val="dk1"/>
+          </a:effectRef>
+          <a:fontRef idx="minor">
+            <a:schemeClr val="dk1"/>
+          </a:fontRef>
+        </p:style>
+        <p:txBody>
+          <a:bodyPr rtlCol="0" anchor="ctr"/>
+          <a:lstStyle/>
+          <a:p>
+            <a:pPr algn="ctr"/>
+            <a:endParaRPr lang="zh-CN" altLang="en-US"/>
+          </a:p>
+        </p:txBody>
+      </p:sp>
+      <p:sp>
+        <p:nvSpPr>
+          <p:cNvPr id="51" name="椭圆 50">
+            <a:extLst>
+              <a:ext uri="{FF2B5EF4-FFF2-40B4-BE49-F238E27FC236}">
+                <a16:creationId xmlns:a16="http://schemas.microsoft.com/office/drawing/2014/main" id="{D095CCB2-8CE9-42DB-A364-7AEDE60C4EEF}"/>
+              </a:ext>
+            </a:extLst>
+          </p:cNvPr>
+          <p:cNvSpPr/>
+          <p:nvPr/>
+        </p:nvSpPr>
+        <p:spPr>
+          <a:xfrm>
+            <a:off x="7680364" y="1972219"/>
+            <a:ext cx="137160" cy="113223"/>
+          </a:xfrm>
+          <a:prstGeom prst="ellipse">
+            <a:avLst/>
+          </a:prstGeom>
+          <a:solidFill>
+            <a:schemeClr val="tx1"/>
+          </a:solidFill>
+        </p:spPr>
+        <p:style>
+          <a:lnRef idx="2">
+            <a:schemeClr val="dk1"/>
+          </a:lnRef>
+          <a:fillRef idx="1">
+            <a:schemeClr val="lt1"/>
+          </a:fillRef>
+          <a:effectRef idx="0">
+            <a:schemeClr val="dk1"/>
+          </a:effectRef>
+          <a:fontRef idx="minor">
+            <a:schemeClr val="dk1"/>
+          </a:fontRef>
+        </p:style>
+        <p:txBody>
+          <a:bodyPr rtlCol="0" anchor="ctr"/>
+          <a:lstStyle/>
+          <a:p>
+            <a:pPr algn="ctr"/>
+            <a:endParaRPr lang="zh-CN" altLang="en-US"/>
+          </a:p>
+        </p:txBody>
+      </p:sp>
+      <p:sp>
+        <p:nvSpPr>
+          <p:cNvPr id="52" name="椭圆 51">
+            <a:extLst>
+              <a:ext uri="{FF2B5EF4-FFF2-40B4-BE49-F238E27FC236}">
+                <a16:creationId xmlns:a16="http://schemas.microsoft.com/office/drawing/2014/main" id="{A930E188-3857-4EE1-9DE9-772C1204746B}"/>
+              </a:ext>
+            </a:extLst>
+          </p:cNvPr>
+          <p:cNvSpPr/>
+          <p:nvPr/>
+        </p:nvSpPr>
+        <p:spPr>
+          <a:xfrm>
+            <a:off x="6341426" y="2423582"/>
+            <a:ext cx="137160" cy="113223"/>
+          </a:xfrm>
+          <a:prstGeom prst="ellipse">
+            <a:avLst/>
+          </a:prstGeom>
+          <a:solidFill>
+            <a:schemeClr val="tx1"/>
+          </a:solidFill>
+        </p:spPr>
+        <p:style>
+          <a:lnRef idx="2">
+            <a:schemeClr val="dk1"/>
+          </a:lnRef>
+          <a:fillRef idx="1">
+            <a:schemeClr val="lt1"/>
+          </a:fillRef>
+          <a:effectRef idx="0">
+            <a:schemeClr val="dk1"/>
+          </a:effectRef>
+          <a:fontRef idx="minor">
+            <a:schemeClr val="dk1"/>
+          </a:fontRef>
+        </p:style>
+        <p:txBody>
+          <a:bodyPr rtlCol="0" anchor="ctr"/>
+          <a:lstStyle/>
+          <a:p>
+            <a:pPr algn="ctr"/>
+            <a:endParaRPr lang="zh-CN" altLang="en-US"/>
+          </a:p>
+        </p:txBody>
+      </p:sp>
+      <p:sp>
+        <p:nvSpPr>
+          <p:cNvPr id="53" name="椭圆 52">
+            <a:extLst>
+              <a:ext uri="{FF2B5EF4-FFF2-40B4-BE49-F238E27FC236}">
+                <a16:creationId xmlns:a16="http://schemas.microsoft.com/office/drawing/2014/main" id="{CF51304E-9108-4B77-B295-926443BB0F59}"/>
+              </a:ext>
+            </a:extLst>
+          </p:cNvPr>
+          <p:cNvSpPr/>
+          <p:nvPr/>
+        </p:nvSpPr>
+        <p:spPr>
+          <a:xfrm>
+            <a:off x="6351210" y="2819801"/>
+            <a:ext cx="137160" cy="113223"/>
+          </a:xfrm>
+          <a:prstGeom prst="ellipse">
+            <a:avLst/>
+          </a:prstGeom>
+          <a:solidFill>
+            <a:schemeClr val="tx1"/>
+          </a:solidFill>
+        </p:spPr>
+        <p:style>
+          <a:lnRef idx="2">
+            <a:schemeClr val="dk1"/>
+          </a:lnRef>
+          <a:fillRef idx="1">
+            <a:schemeClr val="lt1"/>
+          </a:fillRef>
+          <a:effectRef idx="0">
+            <a:schemeClr val="dk1"/>
+          </a:effectRef>
+          <a:fontRef idx="minor">
+            <a:schemeClr val="dk1"/>
+          </a:fontRef>
+        </p:style>
+        <p:txBody>
+          <a:bodyPr rtlCol="0" anchor="ctr"/>
+          <a:lstStyle/>
+          <a:p>
+            <a:pPr algn="ctr"/>
+            <a:endParaRPr lang="zh-CN" altLang="en-US"/>
+          </a:p>
+        </p:txBody>
+      </p:sp>
+      <p:sp>
+        <p:nvSpPr>
+          <p:cNvPr id="54" name="椭圆 53">
+            <a:extLst>
+              <a:ext uri="{FF2B5EF4-FFF2-40B4-BE49-F238E27FC236}">
+                <a16:creationId xmlns:a16="http://schemas.microsoft.com/office/drawing/2014/main" id="{026D2457-87C4-4400-AF23-E028493CB3A1}"/>
+              </a:ext>
+            </a:extLst>
+          </p:cNvPr>
+          <p:cNvSpPr/>
+          <p:nvPr/>
+        </p:nvSpPr>
+        <p:spPr>
+          <a:xfrm>
+            <a:off x="8060275" y="2435543"/>
+            <a:ext cx="137160" cy="113223"/>
+          </a:xfrm>
+          <a:prstGeom prst="ellipse">
+            <a:avLst/>
+          </a:prstGeom>
+          <a:solidFill>
+            <a:schemeClr val="tx1"/>
+          </a:solidFill>
+        </p:spPr>
+        <p:style>
+          <a:lnRef idx="2">
+            <a:schemeClr val="dk1"/>
+          </a:lnRef>
+          <a:fillRef idx="1">
+            <a:schemeClr val="lt1"/>
+          </a:fillRef>
+          <a:effectRef idx="0">
+            <a:schemeClr val="dk1"/>
+          </a:effectRef>
+          <a:fontRef idx="minor">
+            <a:schemeClr val="dk1"/>
+          </a:fontRef>
+        </p:style>
+        <p:txBody>
+          <a:bodyPr rtlCol="0" anchor="ctr"/>
+          <a:lstStyle/>
+          <a:p>
+            <a:pPr algn="ctr"/>
+            <a:endParaRPr lang="zh-CN" altLang="en-US"/>
+          </a:p>
+        </p:txBody>
+      </p:sp>
+      <p:sp>
+        <p:nvSpPr>
+          <p:cNvPr id="55" name="椭圆 54">
+            <a:extLst>
+              <a:ext uri="{FF2B5EF4-FFF2-40B4-BE49-F238E27FC236}">
+                <a16:creationId xmlns:a16="http://schemas.microsoft.com/office/drawing/2014/main" id="{0882182B-754C-4739-AC57-04E056169626}"/>
+              </a:ext>
+            </a:extLst>
+          </p:cNvPr>
+          <p:cNvSpPr/>
+          <p:nvPr/>
+        </p:nvSpPr>
+        <p:spPr>
+          <a:xfrm>
+            <a:off x="7659686" y="2800263"/>
+            <a:ext cx="137160" cy="113223"/>
+          </a:xfrm>
+          <a:prstGeom prst="ellipse">
+            <a:avLst/>
+          </a:prstGeom>
+          <a:solidFill>
+            <a:schemeClr val="tx1"/>
+          </a:solidFill>
+        </p:spPr>
+        <p:style>
+          <a:lnRef idx="2">
+            <a:schemeClr val="dk1"/>
+          </a:lnRef>
+          <a:fillRef idx="1">
+            <a:schemeClr val="lt1"/>
+          </a:fillRef>
+          <a:effectRef idx="0">
+            <a:schemeClr val="dk1"/>
+          </a:effectRef>
+          <a:fontRef idx="minor">
+            <a:schemeClr val="dk1"/>
+          </a:fontRef>
+        </p:style>
+        <p:txBody>
+          <a:bodyPr rtlCol="0" anchor="ctr"/>
+          <a:lstStyle/>
+          <a:p>
+            <a:pPr algn="ctr"/>
+            <a:endParaRPr lang="zh-CN" altLang="en-US"/>
+          </a:p>
+        </p:txBody>
+      </p:sp>
+      <p:cxnSp>
+        <p:nvCxnSpPr>
+          <p:cNvPr id="56" name="直接连接符 55">
+            <a:extLst>
+              <a:ext uri="{FF2B5EF4-FFF2-40B4-BE49-F238E27FC236}">
+                <a16:creationId xmlns:a16="http://schemas.microsoft.com/office/drawing/2014/main" id="{70A954CC-8E6E-4F6B-8D71-2A1674EDE212}"/>
+              </a:ext>
+            </a:extLst>
+          </p:cNvPr>
+          <p:cNvCxnSpPr>
+            <a:cxnSpLocks/>
+          </p:cNvCxnSpPr>
+          <p:nvPr/>
+        </p:nvCxnSpPr>
+        <p:spPr>
+          <a:xfrm>
+            <a:off x="9445228" y="1380337"/>
+            <a:ext cx="0" cy="4459354"/>
+          </a:xfrm>
+          <a:prstGeom prst="line">
+            <a:avLst/>
+          </a:prstGeom>
+          <a:ln>
+            <a:headEnd type="none" w="med" len="med"/>
+            <a:tailEnd type="none" w="med" len="med"/>
+          </a:ln>
+        </p:spPr>
+        <p:style>
+          <a:lnRef idx="3">
+            <a:schemeClr val="dk1"/>
+          </a:lnRef>
+          <a:fillRef idx="0">
+            <a:schemeClr val="dk1"/>
+          </a:fillRef>
+          <a:effectRef idx="2">
+            <a:schemeClr val="dk1"/>
+          </a:effectRef>
+          <a:fontRef idx="minor">
+            <a:schemeClr val="tx1"/>
+          </a:fontRef>
+        </p:style>
+      </p:cxnSp>
+      <p:sp>
+        <p:nvSpPr>
+          <p:cNvPr id="58" name="流程图: 存储数据 50">
+            <a:extLst>
+              <a:ext uri="{FF2B5EF4-FFF2-40B4-BE49-F238E27FC236}">
+                <a16:creationId xmlns:a16="http://schemas.microsoft.com/office/drawing/2014/main" id="{B424F261-1ED7-43FA-8CE7-2D4B51D69A34}"/>
+              </a:ext>
+            </a:extLst>
+          </p:cNvPr>
+          <p:cNvSpPr/>
+          <p:nvPr/>
+        </p:nvSpPr>
+        <p:spPr>
+          <a:xfrm rot="16200000">
+            <a:off x="9219414" y="5041371"/>
+            <a:ext cx="466878" cy="426720"/>
+          </a:xfrm>
+          <a:custGeom>
+            <a:avLst/>
+            <a:gdLst>
+              <a:gd name="connsiteX0" fmla="*/ 1667 w 10000"/>
+              <a:gd name="connsiteY0" fmla="*/ 0 h 10000"/>
+              <a:gd name="connsiteX1" fmla="*/ 10000 w 10000"/>
+              <a:gd name="connsiteY1" fmla="*/ 0 h 10000"/>
+              <a:gd name="connsiteX2" fmla="*/ 8333 w 10000"/>
+              <a:gd name="connsiteY2" fmla="*/ 5000 h 10000"/>
+              <a:gd name="connsiteX3" fmla="*/ 10000 w 10000"/>
+              <a:gd name="connsiteY3" fmla="*/ 10000 h 10000"/>
+              <a:gd name="connsiteX4" fmla="*/ 1667 w 10000"/>
+              <a:gd name="connsiteY4" fmla="*/ 10000 h 10000"/>
+              <a:gd name="connsiteX5" fmla="*/ 0 w 10000"/>
+              <a:gd name="connsiteY5" fmla="*/ 5000 h 10000"/>
+              <a:gd name="connsiteX6" fmla="*/ 1667 w 10000"/>
+              <a:gd name="connsiteY6" fmla="*/ 0 h 10000"/>
+              <a:gd name="connsiteX0" fmla="*/ 2576 w 10016"/>
+              <a:gd name="connsiteY0" fmla="*/ 0 h 10204"/>
+              <a:gd name="connsiteX1" fmla="*/ 10016 w 10016"/>
+              <a:gd name="connsiteY1" fmla="*/ 204 h 10204"/>
+              <a:gd name="connsiteX2" fmla="*/ 8349 w 10016"/>
+              <a:gd name="connsiteY2" fmla="*/ 5204 h 10204"/>
+              <a:gd name="connsiteX3" fmla="*/ 10016 w 10016"/>
+              <a:gd name="connsiteY3" fmla="*/ 10204 h 10204"/>
+              <a:gd name="connsiteX4" fmla="*/ 1683 w 10016"/>
+              <a:gd name="connsiteY4" fmla="*/ 10204 h 10204"/>
+              <a:gd name="connsiteX5" fmla="*/ 16 w 10016"/>
+              <a:gd name="connsiteY5" fmla="*/ 5204 h 10204"/>
+              <a:gd name="connsiteX6" fmla="*/ 2576 w 10016"/>
+              <a:gd name="connsiteY6" fmla="*/ 0 h 10204"/>
+              <a:gd name="connsiteX0" fmla="*/ 2568 w 10008"/>
+              <a:gd name="connsiteY0" fmla="*/ 0 h 10204"/>
+              <a:gd name="connsiteX1" fmla="*/ 10008 w 10008"/>
+              <a:gd name="connsiteY1" fmla="*/ 204 h 10204"/>
+              <a:gd name="connsiteX2" fmla="*/ 8341 w 10008"/>
+              <a:gd name="connsiteY2" fmla="*/ 5204 h 10204"/>
+              <a:gd name="connsiteX3" fmla="*/ 10008 w 10008"/>
+              <a:gd name="connsiteY3" fmla="*/ 10204 h 10204"/>
+              <a:gd name="connsiteX4" fmla="*/ 3371 w 10008"/>
+              <a:gd name="connsiteY4" fmla="*/ 9184 h 10204"/>
+              <a:gd name="connsiteX5" fmla="*/ 8 w 10008"/>
+              <a:gd name="connsiteY5" fmla="*/ 5204 h 10204"/>
+              <a:gd name="connsiteX6" fmla="*/ 2568 w 10008"/>
+              <a:gd name="connsiteY6" fmla="*/ 0 h 10204"/>
+              <a:gd name="connsiteX0" fmla="*/ 4083 w 10005"/>
+              <a:gd name="connsiteY0" fmla="*/ 408 h 10000"/>
+              <a:gd name="connsiteX1" fmla="*/ 10005 w 10005"/>
+              <a:gd name="connsiteY1" fmla="*/ 0 h 10000"/>
+              <a:gd name="connsiteX2" fmla="*/ 8338 w 10005"/>
+              <a:gd name="connsiteY2" fmla="*/ 5000 h 10000"/>
+              <a:gd name="connsiteX3" fmla="*/ 10005 w 10005"/>
+              <a:gd name="connsiteY3" fmla="*/ 10000 h 10000"/>
+              <a:gd name="connsiteX4" fmla="*/ 3368 w 10005"/>
+              <a:gd name="connsiteY4" fmla="*/ 8980 h 10000"/>
+              <a:gd name="connsiteX5" fmla="*/ 5 w 10005"/>
+              <a:gd name="connsiteY5" fmla="*/ 5000 h 10000"/>
+              <a:gd name="connsiteX6" fmla="*/ 4083 w 10005"/>
+              <a:gd name="connsiteY6" fmla="*/ 408 h 10000"/>
+            </a:gdLst>
+            <a:ahLst/>
+            <a:cxnLst>
+              <a:cxn ang="0">
+                <a:pos x="connsiteX0" y="connsiteY0"/>
+              </a:cxn>
+              <a:cxn ang="0">
+                <a:pos x="connsiteX1" y="connsiteY1"/>
+              </a:cxn>
+              <a:cxn ang="0">
+                <a:pos x="connsiteX2" y="connsiteY2"/>
+              </a:cxn>
+              <a:cxn ang="0">
+                <a:pos x="connsiteX3" y="connsiteY3"/>
+              </a:cxn>
+              <a:cxn ang="0">
+                <a:pos x="connsiteX4" y="connsiteY4"/>
+              </a:cxn>
+              <a:cxn ang="0">
+                <a:pos x="connsiteX5" y="connsiteY5"/>
+              </a:cxn>
+              <a:cxn ang="0">
+                <a:pos x="connsiteX6" y="connsiteY6"/>
+              </a:cxn>
+            </a:cxnLst>
+            <a:rect l="l" t="t" r="r" b="b"/>
+            <a:pathLst>
+              <a:path w="10005" h="10000">
+                <a:moveTo>
+                  <a:pt x="4083" y="408"/>
+                </a:moveTo>
+                <a:cubicBezTo>
+                  <a:pt x="6861" y="408"/>
+                  <a:pt x="7227" y="0"/>
+                  <a:pt x="10005" y="0"/>
+                </a:cubicBezTo>
+                <a:cubicBezTo>
+                  <a:pt x="9084" y="0"/>
+                  <a:pt x="8338" y="2239"/>
+                  <a:pt x="8338" y="5000"/>
+                </a:cubicBezTo>
+                <a:cubicBezTo>
+                  <a:pt x="8338" y="7761"/>
+                  <a:pt x="9084" y="10000"/>
+                  <a:pt x="10005" y="10000"/>
+                </a:cubicBezTo>
+                <a:lnTo>
+                  <a:pt x="3368" y="8980"/>
+                </a:lnTo>
+                <a:cubicBezTo>
+                  <a:pt x="2447" y="8980"/>
+                  <a:pt x="-114" y="6429"/>
+                  <a:pt x="5" y="5000"/>
+                </a:cubicBezTo>
+                <a:cubicBezTo>
+                  <a:pt x="124" y="3571"/>
+                  <a:pt x="3162" y="408"/>
+                  <a:pt x="4083" y="408"/>
+                </a:cubicBezTo>
+                <a:close/>
+              </a:path>
+            </a:pathLst>
+          </a:custGeom>
+        </p:spPr>
+        <p:style>
+          <a:lnRef idx="2">
+            <a:schemeClr val="dk1"/>
+          </a:lnRef>
+          <a:fillRef idx="1">
+            <a:schemeClr val="lt1"/>
+          </a:fillRef>
+          <a:effectRef idx="0">
+            <a:schemeClr val="dk1"/>
+          </a:effectRef>
+          <a:fontRef idx="minor">
+            <a:schemeClr val="dk1"/>
+          </a:fontRef>
+        </p:style>
+        <p:txBody>
+          <a:bodyPr rtlCol="0" anchor="ctr"/>
+          <a:lstStyle/>
+          <a:p>
+            <a:pPr algn="ctr"/>
+            <a:endParaRPr lang="zh-CN" altLang="en-US"/>
+          </a:p>
+        </p:txBody>
+      </p:sp>
+      <p:sp>
+        <p:nvSpPr>
+          <p:cNvPr id="60" name="乘号 59">
+            <a:extLst>
+              <a:ext uri="{FF2B5EF4-FFF2-40B4-BE49-F238E27FC236}">
+                <a16:creationId xmlns:a16="http://schemas.microsoft.com/office/drawing/2014/main" id="{C763FF6C-600C-4B32-9C6A-CF3DCCDADD49}"/>
+              </a:ext>
+            </a:extLst>
+          </p:cNvPr>
+          <p:cNvSpPr/>
+          <p:nvPr/>
+        </p:nvSpPr>
+        <p:spPr>
+          <a:xfrm>
+            <a:off x="9299114" y="1890230"/>
+            <a:ext cx="309123" cy="283017"/>
+          </a:xfrm>
+          <a:prstGeom prst="mathMultiply">
+            <a:avLst/>
+          </a:prstGeom>
+          <a:solidFill>
+            <a:srgbClr val="FF0000"/>
+          </a:solidFill>
+        </p:spPr>
+        <p:style>
+          <a:lnRef idx="2">
+            <a:schemeClr val="dk1"/>
+          </a:lnRef>
+          <a:fillRef idx="1">
+            <a:schemeClr val="lt1"/>
+          </a:fillRef>
+          <a:effectRef idx="0">
+            <a:schemeClr val="dk1"/>
+          </a:effectRef>
+          <a:fontRef idx="minor">
+            <a:schemeClr val="dk1"/>
+          </a:fontRef>
+        </p:style>
+        <p:txBody>
+          <a:bodyPr rtlCol="0" anchor="ctr"/>
+          <a:lstStyle/>
+          <a:p>
+            <a:pPr algn="ctr"/>
+            <a:endParaRPr lang="zh-CN" altLang="en-US"/>
+          </a:p>
+        </p:txBody>
+      </p:sp>
+      <p:sp>
+        <p:nvSpPr>
+          <p:cNvPr id="61" name="乘号 60">
+            <a:extLst>
+              <a:ext uri="{FF2B5EF4-FFF2-40B4-BE49-F238E27FC236}">
+                <a16:creationId xmlns:a16="http://schemas.microsoft.com/office/drawing/2014/main" id="{BA92121C-64D7-4CC7-8490-F073C7C5812D}"/>
+              </a:ext>
+            </a:extLst>
+          </p:cNvPr>
+          <p:cNvSpPr/>
+          <p:nvPr/>
+        </p:nvSpPr>
+        <p:spPr>
+          <a:xfrm>
+            <a:off x="9292550" y="2704045"/>
+            <a:ext cx="309123" cy="283017"/>
+          </a:xfrm>
+          <a:prstGeom prst="mathMultiply">
+            <a:avLst/>
+          </a:prstGeom>
+          <a:solidFill>
+            <a:srgbClr val="FF0000"/>
+          </a:solidFill>
+        </p:spPr>
+        <p:style>
+          <a:lnRef idx="2">
+            <a:schemeClr val="dk1"/>
+          </a:lnRef>
+          <a:fillRef idx="1">
+            <a:schemeClr val="lt1"/>
+          </a:fillRef>
+          <a:effectRef idx="0">
+            <a:schemeClr val="dk1"/>
+          </a:effectRef>
+          <a:fontRef idx="minor">
+            <a:schemeClr val="dk1"/>
+          </a:fontRef>
+        </p:style>
+        <p:txBody>
+          <a:bodyPr rtlCol="0" anchor="ctr"/>
+          <a:lstStyle/>
+          <a:p>
+            <a:pPr algn="ctr"/>
+            <a:endParaRPr lang="zh-CN" altLang="en-US"/>
+          </a:p>
+        </p:txBody>
+      </p:sp>
+      <p:sp>
+        <p:nvSpPr>
+          <p:cNvPr id="63" name="文本框 62">
+            <a:extLst>
+              <a:ext uri="{FF2B5EF4-FFF2-40B4-BE49-F238E27FC236}">
+                <a16:creationId xmlns:a16="http://schemas.microsoft.com/office/drawing/2014/main" id="{D204B9E1-D1DA-4391-967B-E8A016AEC52F}"/>
+              </a:ext>
+            </a:extLst>
+          </p:cNvPr>
+          <p:cNvSpPr txBox="1"/>
+          <p:nvPr/>
+        </p:nvSpPr>
+        <p:spPr>
+          <a:xfrm>
+            <a:off x="8925989" y="5430980"/>
+            <a:ext cx="431105" cy="369332"/>
+          </a:xfrm>
+          <a:prstGeom prst="rect">
+            <a:avLst/>
+          </a:prstGeom>
+          <a:noFill/>
+        </p:spPr>
+        <p:txBody>
+          <a:bodyPr wrap="square" rtlCol="0">
+            <a:spAutoFit/>
+          </a:bodyPr>
+          <a:lstStyle/>
+          <a:p>
+            <a:r>
+              <a:rPr lang="en-US" altLang="zh-CN" dirty="0"/>
+              <a:t>Y</a:t>
+            </a:r>
+            <a:endParaRPr lang="zh-CN" altLang="en-US" dirty="0"/>
+          </a:p>
+        </p:txBody>
+      </p:sp>
+      <p:grpSp>
+        <p:nvGrpSpPr>
+          <p:cNvPr id="65" name="组合 64">
+            <a:extLst>
+              <a:ext uri="{FF2B5EF4-FFF2-40B4-BE49-F238E27FC236}">
+                <a16:creationId xmlns:a16="http://schemas.microsoft.com/office/drawing/2014/main" id="{95A3C468-325F-4F67-8C3F-86A4D4149C6E}"/>
+              </a:ext>
+            </a:extLst>
+          </p:cNvPr>
+          <p:cNvGrpSpPr/>
+          <p:nvPr/>
+        </p:nvGrpSpPr>
+        <p:grpSpPr>
+          <a:xfrm>
+            <a:off x="4889793" y="280940"/>
+            <a:ext cx="853439" cy="1301930"/>
+            <a:chOff x="1881051" y="435429"/>
+            <a:chExt cx="853439" cy="1301930"/>
+          </a:xfrm>
+        </p:grpSpPr>
+        <p:cxnSp>
+          <p:nvCxnSpPr>
+            <p:cNvPr id="66" name="直接连接符 65">
+              <a:extLst>
+                <a:ext uri="{FF2B5EF4-FFF2-40B4-BE49-F238E27FC236}">
+                  <a16:creationId xmlns:a16="http://schemas.microsoft.com/office/drawing/2014/main" id="{33366E22-8727-499B-9A13-3154A17948AD}"/>
+                </a:ext>
+              </a:extLst>
+            </p:cNvPr>
+            <p:cNvCxnSpPr>
+              <a:cxnSpLocks/>
+            </p:cNvCxnSpPr>
+            <p:nvPr/>
+          </p:nvCxnSpPr>
+          <p:spPr>
+            <a:xfrm>
+              <a:off x="2207622" y="531223"/>
+              <a:ext cx="0" cy="531223"/>
+            </a:xfrm>
+            <a:prstGeom prst="line">
+              <a:avLst/>
+            </a:prstGeom>
+            <a:ln>
+              <a:headEnd type="none" w="med" len="med"/>
+              <a:tailEnd type="none" w="med" len="med"/>
+            </a:ln>
+          </p:spPr>
+          <p:style>
+            <a:lnRef idx="3">
+              <a:schemeClr val="dk1"/>
+            </a:lnRef>
+            <a:fillRef idx="0">
+              <a:schemeClr val="dk1"/>
+            </a:fillRef>
+            <a:effectRef idx="2">
+              <a:schemeClr val="dk1"/>
+            </a:effectRef>
+            <a:fontRef idx="minor">
+              <a:schemeClr val="tx1"/>
+            </a:fontRef>
+          </p:style>
+        </p:cxnSp>
+        <p:cxnSp>
+          <p:nvCxnSpPr>
+            <p:cNvPr id="67" name="直接连接符 66">
+              <a:extLst>
+                <a:ext uri="{FF2B5EF4-FFF2-40B4-BE49-F238E27FC236}">
+                  <a16:creationId xmlns:a16="http://schemas.microsoft.com/office/drawing/2014/main" id="{EA9F07CE-AAFC-476C-8429-9A5DEE9B335E}"/>
+                </a:ext>
+              </a:extLst>
+            </p:cNvPr>
+            <p:cNvCxnSpPr>
+              <a:cxnSpLocks/>
+            </p:cNvCxnSpPr>
+            <p:nvPr/>
+          </p:nvCxnSpPr>
+          <p:spPr>
+            <a:xfrm>
+              <a:off x="2447103" y="1206136"/>
+              <a:ext cx="0" cy="531223"/>
+            </a:xfrm>
+            <a:prstGeom prst="line">
+              <a:avLst/>
+            </a:prstGeom>
+            <a:ln>
+              <a:headEnd type="none" w="med" len="med"/>
+              <a:tailEnd type="none" w="med" len="med"/>
+            </a:ln>
+          </p:spPr>
+          <p:style>
+            <a:lnRef idx="3">
+              <a:schemeClr val="dk1"/>
+            </a:lnRef>
+            <a:fillRef idx="0">
+              <a:schemeClr val="dk1"/>
+            </a:fillRef>
+            <a:effectRef idx="2">
+              <a:schemeClr val="dk1"/>
+            </a:effectRef>
+            <a:fontRef idx="minor">
+              <a:schemeClr val="tx1"/>
+            </a:fontRef>
+          </p:style>
+        </p:cxnSp>
+        <p:sp>
+          <p:nvSpPr>
+            <p:cNvPr id="68" name="流程图: 摘录 67">
+              <a:extLst>
+                <a:ext uri="{FF2B5EF4-FFF2-40B4-BE49-F238E27FC236}">
+                  <a16:creationId xmlns:a16="http://schemas.microsoft.com/office/drawing/2014/main" id="{93670137-E191-4BD0-9059-F84AA29D8228}"/>
+                </a:ext>
+              </a:extLst>
+            </p:cNvPr>
+            <p:cNvSpPr/>
+            <p:nvPr/>
+          </p:nvSpPr>
+          <p:spPr>
+            <a:xfrm flipV="1">
+              <a:off x="1881051" y="923109"/>
+              <a:ext cx="653143" cy="539931"/>
+            </a:xfrm>
+            <a:prstGeom prst="flowChartExtract">
+              <a:avLst/>
+            </a:prstGeom>
+          </p:spPr>
+          <p:style>
+            <a:lnRef idx="2">
+              <a:schemeClr val="dk1"/>
+            </a:lnRef>
+            <a:fillRef idx="1">
+              <a:schemeClr val="lt1"/>
+            </a:fillRef>
+            <a:effectRef idx="0">
+              <a:schemeClr val="dk1"/>
+            </a:effectRef>
+            <a:fontRef idx="minor">
+              <a:schemeClr val="dk1"/>
+            </a:fontRef>
+          </p:style>
+          <p:txBody>
+            <a:bodyPr rtlCol="0" anchor="ctr"/>
+            <a:lstStyle/>
+            <a:p>
+              <a:pPr algn="ctr"/>
+              <a:endParaRPr lang="zh-CN" altLang="en-US"/>
+            </a:p>
+          </p:txBody>
+        </p:sp>
+        <p:sp>
+          <p:nvSpPr>
+            <p:cNvPr id="69" name="椭圆 68">
+              <a:extLst>
+                <a:ext uri="{FF2B5EF4-FFF2-40B4-BE49-F238E27FC236}">
+                  <a16:creationId xmlns:a16="http://schemas.microsoft.com/office/drawing/2014/main" id="{2FA78992-5B43-4E28-98DD-021E4EAA1B8B}"/>
+                </a:ext>
+              </a:extLst>
+            </p:cNvPr>
+            <p:cNvSpPr/>
+            <p:nvPr/>
+          </p:nvSpPr>
+          <p:spPr>
+            <a:xfrm>
+              <a:off x="2368730" y="1158240"/>
+              <a:ext cx="165463" cy="165462"/>
+            </a:xfrm>
+            <a:prstGeom prst="ellipse">
+              <a:avLst/>
+            </a:prstGeom>
+          </p:spPr>
+          <p:style>
+            <a:lnRef idx="2">
+              <a:schemeClr val="dk1"/>
+            </a:lnRef>
+            <a:fillRef idx="1">
+              <a:schemeClr val="lt1"/>
+            </a:fillRef>
+            <a:effectRef idx="0">
+              <a:schemeClr val="dk1"/>
+            </a:effectRef>
+            <a:fontRef idx="minor">
+              <a:schemeClr val="dk1"/>
+            </a:fontRef>
+          </p:style>
+          <p:txBody>
+            <a:bodyPr rtlCol="0" anchor="ctr"/>
+            <a:lstStyle/>
+            <a:p>
+              <a:pPr algn="ctr"/>
+              <a:endParaRPr lang="zh-CN" altLang="en-US"/>
+            </a:p>
+          </p:txBody>
+        </p:sp>
+        <p:cxnSp>
+          <p:nvCxnSpPr>
+            <p:cNvPr id="70" name="直接连接符 69">
+              <a:extLst>
+                <a:ext uri="{FF2B5EF4-FFF2-40B4-BE49-F238E27FC236}">
+                  <a16:creationId xmlns:a16="http://schemas.microsoft.com/office/drawing/2014/main" id="{ACEFCDBE-B8B1-489C-9E39-BC02C66CB7E2}"/>
+                </a:ext>
+              </a:extLst>
+            </p:cNvPr>
+            <p:cNvCxnSpPr>
+              <a:cxnSpLocks/>
+            </p:cNvCxnSpPr>
+            <p:nvPr/>
+          </p:nvCxnSpPr>
+          <p:spPr>
+            <a:xfrm>
+              <a:off x="2048690" y="1197428"/>
+              <a:ext cx="0" cy="531223"/>
+            </a:xfrm>
+            <a:prstGeom prst="line">
+              <a:avLst/>
+            </a:prstGeom>
+            <a:ln>
+              <a:headEnd type="none" w="med" len="med"/>
+              <a:tailEnd type="none" w="med" len="med"/>
+            </a:ln>
+          </p:spPr>
+          <p:style>
+            <a:lnRef idx="3">
+              <a:schemeClr val="dk1"/>
+            </a:lnRef>
+            <a:fillRef idx="0">
+              <a:schemeClr val="dk1"/>
+            </a:fillRef>
+            <a:effectRef idx="2">
+              <a:schemeClr val="dk1"/>
+            </a:effectRef>
+            <a:fontRef idx="minor">
+              <a:schemeClr val="tx1"/>
+            </a:fontRef>
+          </p:style>
+        </p:cxnSp>
+        <p:sp>
+          <p:nvSpPr>
+            <p:cNvPr id="71" name="文本框 70">
+              <a:extLst>
+                <a:ext uri="{FF2B5EF4-FFF2-40B4-BE49-F238E27FC236}">
+                  <a16:creationId xmlns:a16="http://schemas.microsoft.com/office/drawing/2014/main" id="{7CB05C8E-69FE-4515-872E-8383B501F809}"/>
+                </a:ext>
+              </a:extLst>
+            </p:cNvPr>
+            <p:cNvSpPr txBox="1"/>
+            <p:nvPr/>
+          </p:nvSpPr>
+          <p:spPr>
+            <a:xfrm>
+              <a:off x="2281646" y="435429"/>
+              <a:ext cx="452844" cy="369332"/>
+            </a:xfrm>
+            <a:prstGeom prst="rect">
+              <a:avLst/>
+            </a:prstGeom>
+            <a:noFill/>
+          </p:spPr>
+          <p:txBody>
+            <a:bodyPr wrap="square" rtlCol="0">
+              <a:spAutoFit/>
+            </a:bodyPr>
+            <a:lstStyle/>
+            <a:p>
+              <a:r>
+                <a:rPr lang="en-US" altLang="zh-CN" dirty="0"/>
+                <a:t>S</a:t>
+              </a:r>
+              <a:endParaRPr lang="zh-CN" altLang="en-US" dirty="0"/>
+            </a:p>
+          </p:txBody>
+        </p:sp>
+      </p:grpSp>
+      <p:cxnSp>
+        <p:nvCxnSpPr>
+          <p:cNvPr id="72" name="直接连接符 71">
+            <a:extLst>
+              <a:ext uri="{FF2B5EF4-FFF2-40B4-BE49-F238E27FC236}">
+                <a16:creationId xmlns:a16="http://schemas.microsoft.com/office/drawing/2014/main" id="{A7F0FEF3-2C39-4C84-B7FD-FCDAA230D436}"/>
+              </a:ext>
+            </a:extLst>
+          </p:cNvPr>
+          <p:cNvCxnSpPr/>
+          <p:nvPr/>
+        </p:nvCxnSpPr>
+        <p:spPr>
+          <a:xfrm>
+            <a:off x="5057432" y="1574162"/>
+            <a:ext cx="0" cy="3365863"/>
+          </a:xfrm>
+          <a:prstGeom prst="line">
+            <a:avLst/>
+          </a:prstGeom>
+          <a:ln>
+            <a:headEnd type="none" w="med" len="med"/>
+            <a:tailEnd type="none" w="med" len="med"/>
+          </a:ln>
+        </p:spPr>
+        <p:style>
+          <a:lnRef idx="3">
+            <a:schemeClr val="dk1"/>
+          </a:lnRef>
+          <a:fillRef idx="0">
+            <a:schemeClr val="dk1"/>
+          </a:fillRef>
+          <a:effectRef idx="2">
+            <a:schemeClr val="dk1"/>
+          </a:effectRef>
+          <a:fontRef idx="minor">
+            <a:schemeClr val="tx1"/>
+          </a:fontRef>
+        </p:style>
+      </p:cxnSp>
+      <p:cxnSp>
+        <p:nvCxnSpPr>
+          <p:cNvPr id="73" name="直接连接符 72">
+            <a:extLst>
+              <a:ext uri="{FF2B5EF4-FFF2-40B4-BE49-F238E27FC236}">
+                <a16:creationId xmlns:a16="http://schemas.microsoft.com/office/drawing/2014/main" id="{6B468793-3E81-4FA9-ADDA-5F0B98A29554}"/>
+              </a:ext>
+            </a:extLst>
+          </p:cNvPr>
+          <p:cNvCxnSpPr/>
+          <p:nvPr/>
+        </p:nvCxnSpPr>
+        <p:spPr>
+          <a:xfrm>
+            <a:off x="5455845" y="1574159"/>
+            <a:ext cx="0" cy="3365863"/>
+          </a:xfrm>
+          <a:prstGeom prst="line">
+            <a:avLst/>
+          </a:prstGeom>
+          <a:ln>
+            <a:headEnd type="none" w="med" len="med"/>
+            <a:tailEnd type="none" w="med" len="med"/>
+          </a:ln>
+        </p:spPr>
+        <p:style>
+          <a:lnRef idx="3">
+            <a:schemeClr val="dk1"/>
+          </a:lnRef>
+          <a:fillRef idx="0">
+            <a:schemeClr val="dk1"/>
+          </a:fillRef>
+          <a:effectRef idx="2">
+            <a:schemeClr val="dk1"/>
+          </a:effectRef>
+          <a:fontRef idx="minor">
+            <a:schemeClr val="tx1"/>
+          </a:fontRef>
+        </p:style>
+      </p:cxnSp>
+      <p:sp>
+        <p:nvSpPr>
+          <p:cNvPr id="74" name="椭圆 73">
+            <a:extLst>
+              <a:ext uri="{FF2B5EF4-FFF2-40B4-BE49-F238E27FC236}">
+                <a16:creationId xmlns:a16="http://schemas.microsoft.com/office/drawing/2014/main" id="{65720BC2-1849-4D03-A6C1-08FCF1C197CC}"/>
+              </a:ext>
+            </a:extLst>
+          </p:cNvPr>
+          <p:cNvSpPr/>
+          <p:nvPr/>
+        </p:nvSpPr>
+        <p:spPr>
+          <a:xfrm>
+            <a:off x="5379356" y="1528775"/>
+            <a:ext cx="137160" cy="113223"/>
+          </a:xfrm>
+          <a:prstGeom prst="ellipse">
+            <a:avLst/>
+          </a:prstGeom>
+          <a:solidFill>
+            <a:schemeClr val="tx1"/>
+          </a:solidFill>
+        </p:spPr>
+        <p:style>
+          <a:lnRef idx="2">
+            <a:schemeClr val="dk1"/>
+          </a:lnRef>
+          <a:fillRef idx="1">
+            <a:schemeClr val="lt1"/>
+          </a:fillRef>
+          <a:effectRef idx="0">
+            <a:schemeClr val="dk1"/>
+          </a:effectRef>
+          <a:fontRef idx="minor">
+            <a:schemeClr val="dk1"/>
+          </a:fontRef>
+        </p:style>
+        <p:txBody>
+          <a:bodyPr rtlCol="0" anchor="ctr"/>
+          <a:lstStyle/>
+          <a:p>
+            <a:pPr algn="ctr"/>
+            <a:endParaRPr lang="zh-CN" altLang="en-US"/>
+          </a:p>
+        </p:txBody>
+      </p:sp>
+      <p:sp>
+        <p:nvSpPr>
+          <p:cNvPr id="75" name="椭圆 74">
+            <a:extLst>
+              <a:ext uri="{FF2B5EF4-FFF2-40B4-BE49-F238E27FC236}">
+                <a16:creationId xmlns:a16="http://schemas.microsoft.com/office/drawing/2014/main" id="{D44418E7-123A-495E-8E32-7838A4C968FB}"/>
+              </a:ext>
+            </a:extLst>
+          </p:cNvPr>
+          <p:cNvSpPr/>
+          <p:nvPr/>
+        </p:nvSpPr>
+        <p:spPr>
+          <a:xfrm>
+            <a:off x="5370652" y="1969656"/>
+            <a:ext cx="137160" cy="113223"/>
+          </a:xfrm>
+          <a:prstGeom prst="ellipse">
+            <a:avLst/>
+          </a:prstGeom>
+          <a:solidFill>
+            <a:schemeClr val="tx1"/>
+          </a:solidFill>
+        </p:spPr>
+        <p:style>
+          <a:lnRef idx="2">
+            <a:schemeClr val="dk1"/>
+          </a:lnRef>
+          <a:fillRef idx="1">
+            <a:schemeClr val="lt1"/>
+          </a:fillRef>
+          <a:effectRef idx="0">
+            <a:schemeClr val="dk1"/>
+          </a:effectRef>
+          <a:fontRef idx="minor">
+            <a:schemeClr val="dk1"/>
+          </a:fontRef>
+        </p:style>
+        <p:txBody>
+          <a:bodyPr rtlCol="0" anchor="ctr"/>
+          <a:lstStyle/>
+          <a:p>
+            <a:pPr algn="ctr"/>
+            <a:endParaRPr lang="zh-CN" altLang="en-US"/>
+          </a:p>
+        </p:txBody>
+      </p:sp>
+      <p:sp>
+        <p:nvSpPr>
+          <p:cNvPr id="76" name="椭圆 75">
+            <a:extLst>
+              <a:ext uri="{FF2B5EF4-FFF2-40B4-BE49-F238E27FC236}">
+                <a16:creationId xmlns:a16="http://schemas.microsoft.com/office/drawing/2014/main" id="{355A9CE2-1F8E-40F6-AE8F-2F2C770E643B}"/>
+              </a:ext>
+            </a:extLst>
+          </p:cNvPr>
+          <p:cNvSpPr/>
+          <p:nvPr/>
+        </p:nvSpPr>
+        <p:spPr>
+          <a:xfrm>
+            <a:off x="5380126" y="2423582"/>
+            <a:ext cx="137160" cy="113223"/>
+          </a:xfrm>
+          <a:prstGeom prst="ellipse">
+            <a:avLst/>
+          </a:prstGeom>
+          <a:solidFill>
+            <a:schemeClr val="tx1"/>
+          </a:solidFill>
+        </p:spPr>
+        <p:style>
+          <a:lnRef idx="2">
+            <a:schemeClr val="dk1"/>
+          </a:lnRef>
+          <a:fillRef idx="1">
+            <a:schemeClr val="lt1"/>
+          </a:fillRef>
+          <a:effectRef idx="0">
+            <a:schemeClr val="dk1"/>
+          </a:effectRef>
+          <a:fontRef idx="minor">
+            <a:schemeClr val="dk1"/>
+          </a:fontRef>
+        </p:style>
+        <p:txBody>
+          <a:bodyPr rtlCol="0" anchor="ctr"/>
+          <a:lstStyle/>
+          <a:p>
+            <a:pPr algn="ctr"/>
+            <a:endParaRPr lang="zh-CN" altLang="en-US"/>
+          </a:p>
+        </p:txBody>
+      </p:sp>
+      <p:sp>
+        <p:nvSpPr>
+          <p:cNvPr id="77" name="椭圆 76">
+            <a:extLst>
+              <a:ext uri="{FF2B5EF4-FFF2-40B4-BE49-F238E27FC236}">
+                <a16:creationId xmlns:a16="http://schemas.microsoft.com/office/drawing/2014/main" id="{A5AB6F55-68C1-4B08-AB50-D5A3D68BA295}"/>
+              </a:ext>
+            </a:extLst>
+          </p:cNvPr>
+          <p:cNvSpPr/>
+          <p:nvPr/>
+        </p:nvSpPr>
+        <p:spPr>
+          <a:xfrm>
+            <a:off x="5372459" y="2787213"/>
+            <a:ext cx="137160" cy="113223"/>
+          </a:xfrm>
+          <a:prstGeom prst="ellipse">
+            <a:avLst/>
+          </a:prstGeom>
+          <a:solidFill>
+            <a:schemeClr val="tx1"/>
+          </a:solidFill>
+        </p:spPr>
+        <p:style>
+          <a:lnRef idx="2">
+            <a:schemeClr val="dk1"/>
+          </a:lnRef>
+          <a:fillRef idx="1">
+            <a:schemeClr val="lt1"/>
+          </a:fillRef>
+          <a:effectRef idx="0">
+            <a:schemeClr val="dk1"/>
+          </a:effectRef>
+          <a:fontRef idx="minor">
+            <a:schemeClr val="dk1"/>
+          </a:fontRef>
+        </p:style>
+        <p:txBody>
+          <a:bodyPr rtlCol="0" anchor="ctr"/>
+          <a:lstStyle/>
+          <a:p>
+            <a:pPr algn="ctr"/>
+            <a:endParaRPr lang="zh-CN" altLang="en-US"/>
+          </a:p>
+        </p:txBody>
+      </p:sp>
+      <p:cxnSp>
+        <p:nvCxnSpPr>
+          <p:cNvPr id="84" name="直接连接符 83">
+            <a:extLst>
+              <a:ext uri="{FF2B5EF4-FFF2-40B4-BE49-F238E27FC236}">
+                <a16:creationId xmlns:a16="http://schemas.microsoft.com/office/drawing/2014/main" id="{C81CF0C0-C85E-4586-B3C8-7400E842ECC0}"/>
+              </a:ext>
+            </a:extLst>
+          </p:cNvPr>
+          <p:cNvCxnSpPr>
+            <a:cxnSpLocks/>
+          </p:cNvCxnSpPr>
+          <p:nvPr/>
+        </p:nvCxnSpPr>
+        <p:spPr>
+          <a:xfrm>
+            <a:off x="4337586" y="3326226"/>
+            <a:ext cx="5928141" cy="0"/>
+          </a:xfrm>
+          <a:prstGeom prst="line">
+            <a:avLst/>
+          </a:prstGeom>
+          <a:ln>
+            <a:headEnd type="none" w="med" len="med"/>
+            <a:tailEnd type="none" w="med" len="med"/>
+          </a:ln>
+        </p:spPr>
+        <p:style>
+          <a:lnRef idx="3">
+            <a:schemeClr val="dk1"/>
+          </a:lnRef>
+          <a:fillRef idx="0">
+            <a:schemeClr val="dk1"/>
+          </a:fillRef>
+          <a:effectRef idx="2">
+            <a:schemeClr val="dk1"/>
+          </a:effectRef>
+          <a:fontRef idx="minor">
+            <a:schemeClr val="tx1"/>
+          </a:fontRef>
+        </p:style>
+      </p:cxnSp>
+      <p:cxnSp>
+        <p:nvCxnSpPr>
+          <p:cNvPr id="85" name="直接连接符 84">
+            <a:extLst>
+              <a:ext uri="{FF2B5EF4-FFF2-40B4-BE49-F238E27FC236}">
+                <a16:creationId xmlns:a16="http://schemas.microsoft.com/office/drawing/2014/main" id="{E83EED2C-9CB7-48FC-B4DD-3E8BD8884CDF}"/>
+              </a:ext>
+            </a:extLst>
+          </p:cNvPr>
+          <p:cNvCxnSpPr>
+            <a:cxnSpLocks/>
+          </p:cNvCxnSpPr>
+          <p:nvPr/>
+        </p:nvCxnSpPr>
+        <p:spPr>
+          <a:xfrm>
+            <a:off x="4337586" y="3739866"/>
+            <a:ext cx="5958616" cy="43560"/>
+          </a:xfrm>
+          <a:prstGeom prst="line">
+            <a:avLst/>
+          </a:prstGeom>
+          <a:ln>
+            <a:headEnd type="none" w="med" len="med"/>
+            <a:tailEnd type="none" w="med" len="med"/>
+          </a:ln>
+        </p:spPr>
+        <p:style>
+          <a:lnRef idx="3">
+            <a:schemeClr val="dk1"/>
+          </a:lnRef>
+          <a:fillRef idx="0">
+            <a:schemeClr val="dk1"/>
+          </a:fillRef>
+          <a:effectRef idx="2">
+            <a:schemeClr val="dk1"/>
+          </a:effectRef>
+          <a:fontRef idx="minor">
+            <a:schemeClr val="tx1"/>
+          </a:fontRef>
+        </p:style>
+      </p:cxnSp>
+      <p:cxnSp>
+        <p:nvCxnSpPr>
+          <p:cNvPr id="86" name="直接连接符 85">
+            <a:extLst>
+              <a:ext uri="{FF2B5EF4-FFF2-40B4-BE49-F238E27FC236}">
+                <a16:creationId xmlns:a16="http://schemas.microsoft.com/office/drawing/2014/main" id="{07676095-9658-41D5-8782-E02908C89285}"/>
+              </a:ext>
+            </a:extLst>
+          </p:cNvPr>
+          <p:cNvCxnSpPr>
+            <a:cxnSpLocks/>
+          </p:cNvCxnSpPr>
+          <p:nvPr/>
+        </p:nvCxnSpPr>
+        <p:spPr>
+          <a:xfrm>
+            <a:off x="4337586" y="4223209"/>
+            <a:ext cx="5928141" cy="0"/>
+          </a:xfrm>
+          <a:prstGeom prst="line">
+            <a:avLst/>
+          </a:prstGeom>
+          <a:ln>
+            <a:headEnd type="none" w="med" len="med"/>
+            <a:tailEnd type="none" w="med" len="med"/>
+          </a:ln>
+        </p:spPr>
+        <p:style>
+          <a:lnRef idx="3">
+            <a:schemeClr val="dk1"/>
+          </a:lnRef>
+          <a:fillRef idx="0">
+            <a:schemeClr val="dk1"/>
+          </a:fillRef>
+          <a:effectRef idx="2">
+            <a:schemeClr val="dk1"/>
+          </a:effectRef>
+          <a:fontRef idx="minor">
+            <a:schemeClr val="tx1"/>
+          </a:fontRef>
+        </p:style>
+      </p:cxnSp>
+      <p:cxnSp>
+        <p:nvCxnSpPr>
+          <p:cNvPr id="87" name="直接连接符 86">
+            <a:extLst>
+              <a:ext uri="{FF2B5EF4-FFF2-40B4-BE49-F238E27FC236}">
+                <a16:creationId xmlns:a16="http://schemas.microsoft.com/office/drawing/2014/main" id="{66DA4BEC-8740-4CB5-BAAA-B1816047F0DB}"/>
+              </a:ext>
+            </a:extLst>
+          </p:cNvPr>
+          <p:cNvCxnSpPr>
+            <a:cxnSpLocks/>
+          </p:cNvCxnSpPr>
+          <p:nvPr/>
+        </p:nvCxnSpPr>
+        <p:spPr>
+          <a:xfrm>
+            <a:off x="4420713" y="4595496"/>
+            <a:ext cx="5875488" cy="0"/>
+          </a:xfrm>
+          <a:prstGeom prst="line">
+            <a:avLst/>
+          </a:prstGeom>
+          <a:ln>
+            <a:headEnd type="none" w="med" len="med"/>
+            <a:tailEnd type="none" w="med" len="med"/>
+          </a:ln>
+        </p:spPr>
+        <p:style>
+          <a:lnRef idx="3">
+            <a:schemeClr val="dk1"/>
+          </a:lnRef>
+          <a:fillRef idx="0">
+            <a:schemeClr val="dk1"/>
+          </a:fillRef>
+          <a:effectRef idx="2">
+            <a:schemeClr val="dk1"/>
+          </a:effectRef>
+          <a:fontRef idx="minor">
+            <a:schemeClr val="tx1"/>
+          </a:fontRef>
+        </p:style>
+      </p:cxnSp>
+      <p:sp>
+        <p:nvSpPr>
+          <p:cNvPr id="88" name="流程图: 延期 87">
+            <a:extLst>
+              <a:ext uri="{FF2B5EF4-FFF2-40B4-BE49-F238E27FC236}">
+                <a16:creationId xmlns:a16="http://schemas.microsoft.com/office/drawing/2014/main" id="{C6731039-D489-4543-BB8C-F839661EC6D9}"/>
+              </a:ext>
+            </a:extLst>
+          </p:cNvPr>
+          <p:cNvSpPr/>
+          <p:nvPr/>
+        </p:nvSpPr>
+        <p:spPr>
+          <a:xfrm>
+            <a:off x="8656028" y="3108511"/>
+            <a:ext cx="539922" cy="365731"/>
+          </a:xfrm>
+          <a:prstGeom prst="flowChartDelay">
+            <a:avLst/>
+          </a:prstGeom>
+        </p:spPr>
+        <p:style>
+          <a:lnRef idx="2">
+            <a:schemeClr val="dk1"/>
+          </a:lnRef>
+          <a:fillRef idx="1">
+            <a:schemeClr val="lt1"/>
+          </a:fillRef>
+          <a:effectRef idx="0">
+            <a:schemeClr val="dk1"/>
+          </a:effectRef>
+          <a:fontRef idx="minor">
+            <a:schemeClr val="dk1"/>
+          </a:fontRef>
+        </p:style>
+        <p:txBody>
+          <a:bodyPr rtlCol="0" anchor="ctr"/>
+          <a:lstStyle/>
+          <a:p>
+            <a:pPr algn="ctr"/>
+            <a:endParaRPr lang="zh-CN" altLang="en-US"/>
+          </a:p>
+        </p:txBody>
+      </p:sp>
+      <p:sp>
+        <p:nvSpPr>
+          <p:cNvPr id="89" name="流程图: 延期 88">
+            <a:extLst>
+              <a:ext uri="{FF2B5EF4-FFF2-40B4-BE49-F238E27FC236}">
+                <a16:creationId xmlns:a16="http://schemas.microsoft.com/office/drawing/2014/main" id="{3CED9980-0068-47D0-9925-DDF85B984A00}"/>
+              </a:ext>
+            </a:extLst>
+          </p:cNvPr>
+          <p:cNvSpPr/>
+          <p:nvPr/>
+        </p:nvSpPr>
+        <p:spPr>
+          <a:xfrm>
+            <a:off x="8647601" y="3557001"/>
+            <a:ext cx="539922" cy="365731"/>
+          </a:xfrm>
+          <a:prstGeom prst="flowChartDelay">
+            <a:avLst/>
+          </a:prstGeom>
+        </p:spPr>
+        <p:style>
+          <a:lnRef idx="2">
+            <a:schemeClr val="dk1"/>
+          </a:lnRef>
+          <a:fillRef idx="1">
+            <a:schemeClr val="lt1"/>
+          </a:fillRef>
+          <a:effectRef idx="0">
+            <a:schemeClr val="dk1"/>
+          </a:effectRef>
+          <a:fontRef idx="minor">
+            <a:schemeClr val="dk1"/>
+          </a:fontRef>
+        </p:style>
+        <p:txBody>
+          <a:bodyPr rtlCol="0" anchor="ctr"/>
+          <a:lstStyle/>
+          <a:p>
+            <a:pPr algn="ctr"/>
+            <a:endParaRPr lang="zh-CN" altLang="en-US"/>
+          </a:p>
+        </p:txBody>
+      </p:sp>
+      <p:sp>
+        <p:nvSpPr>
+          <p:cNvPr id="90" name="流程图: 延期 89">
+            <a:extLst>
+              <a:ext uri="{FF2B5EF4-FFF2-40B4-BE49-F238E27FC236}">
+                <a16:creationId xmlns:a16="http://schemas.microsoft.com/office/drawing/2014/main" id="{7BF858B8-DA88-46B1-B7A2-59B14635D20A}"/>
+              </a:ext>
+            </a:extLst>
+          </p:cNvPr>
+          <p:cNvSpPr/>
+          <p:nvPr/>
+        </p:nvSpPr>
+        <p:spPr>
+          <a:xfrm>
+            <a:off x="8647601" y="3989152"/>
+            <a:ext cx="539922" cy="365731"/>
+          </a:xfrm>
+          <a:prstGeom prst="flowChartDelay">
+            <a:avLst/>
+          </a:prstGeom>
+        </p:spPr>
+        <p:style>
+          <a:lnRef idx="2">
+            <a:schemeClr val="dk1"/>
+          </a:lnRef>
+          <a:fillRef idx="1">
+            <a:schemeClr val="lt1"/>
+          </a:fillRef>
+          <a:effectRef idx="0">
+            <a:schemeClr val="dk1"/>
+          </a:effectRef>
+          <a:fontRef idx="minor">
+            <a:schemeClr val="dk1"/>
+          </a:fontRef>
+        </p:style>
+        <p:txBody>
+          <a:bodyPr rtlCol="0" anchor="ctr"/>
+          <a:lstStyle/>
+          <a:p>
+            <a:pPr algn="ctr"/>
+            <a:endParaRPr lang="zh-CN" altLang="en-US"/>
+          </a:p>
+        </p:txBody>
+      </p:sp>
+      <p:sp>
+        <p:nvSpPr>
+          <p:cNvPr id="91" name="流程图: 延期 90">
+            <a:extLst>
+              <a:ext uri="{FF2B5EF4-FFF2-40B4-BE49-F238E27FC236}">
+                <a16:creationId xmlns:a16="http://schemas.microsoft.com/office/drawing/2014/main" id="{D86FFD67-7133-4FC6-86F4-9324CD1E9587}"/>
+              </a:ext>
+            </a:extLst>
+          </p:cNvPr>
+          <p:cNvSpPr/>
+          <p:nvPr/>
+        </p:nvSpPr>
+        <p:spPr>
+          <a:xfrm>
+            <a:off x="8650787" y="4401675"/>
+            <a:ext cx="539922" cy="365731"/>
+          </a:xfrm>
+          <a:prstGeom prst="flowChartDelay">
+            <a:avLst/>
+          </a:prstGeom>
+        </p:spPr>
+        <p:style>
+          <a:lnRef idx="2">
+            <a:schemeClr val="dk1"/>
+          </a:lnRef>
+          <a:fillRef idx="1">
+            <a:schemeClr val="lt1"/>
+          </a:fillRef>
+          <a:effectRef idx="0">
+            <a:schemeClr val="dk1"/>
+          </a:effectRef>
+          <a:fontRef idx="minor">
+            <a:schemeClr val="dk1"/>
+          </a:fontRef>
+        </p:style>
+        <p:txBody>
+          <a:bodyPr rtlCol="0" anchor="ctr"/>
+          <a:lstStyle/>
+          <a:p>
+            <a:pPr algn="ctr"/>
+            <a:endParaRPr lang="zh-CN" altLang="en-US"/>
+          </a:p>
+        </p:txBody>
+      </p:sp>
+      <p:sp>
+        <p:nvSpPr>
+          <p:cNvPr id="92" name="椭圆 91">
+            <a:extLst>
+              <a:ext uri="{FF2B5EF4-FFF2-40B4-BE49-F238E27FC236}">
+                <a16:creationId xmlns:a16="http://schemas.microsoft.com/office/drawing/2014/main" id="{3A81AC99-AD4B-49ED-A3DA-3C8E6CD07D1D}"/>
+              </a:ext>
+            </a:extLst>
+          </p:cNvPr>
+          <p:cNvSpPr/>
+          <p:nvPr/>
+        </p:nvSpPr>
+        <p:spPr>
+          <a:xfrm>
+            <a:off x="6730046" y="3265249"/>
+            <a:ext cx="137160" cy="113223"/>
+          </a:xfrm>
+          <a:prstGeom prst="ellipse">
+            <a:avLst/>
+          </a:prstGeom>
+          <a:solidFill>
+            <a:schemeClr val="tx1"/>
+          </a:solidFill>
+        </p:spPr>
+        <p:style>
+          <a:lnRef idx="2">
+            <a:schemeClr val="dk1"/>
+          </a:lnRef>
+          <a:fillRef idx="1">
+            <a:schemeClr val="lt1"/>
+          </a:fillRef>
+          <a:effectRef idx="0">
+            <a:schemeClr val="dk1"/>
+          </a:effectRef>
+          <a:fontRef idx="minor">
+            <a:schemeClr val="dk1"/>
+          </a:fontRef>
+        </p:style>
+        <p:txBody>
+          <a:bodyPr rtlCol="0" anchor="ctr"/>
+          <a:lstStyle/>
+          <a:p>
+            <a:pPr algn="ctr"/>
+            <a:endParaRPr lang="zh-CN" altLang="en-US"/>
+          </a:p>
+        </p:txBody>
+      </p:sp>
+      <p:sp>
+        <p:nvSpPr>
+          <p:cNvPr id="93" name="椭圆 92">
+            <a:extLst>
+              <a:ext uri="{FF2B5EF4-FFF2-40B4-BE49-F238E27FC236}">
+                <a16:creationId xmlns:a16="http://schemas.microsoft.com/office/drawing/2014/main" id="{0844E8AF-F1EB-4C5C-A05D-0783B4142C16}"/>
+              </a:ext>
+            </a:extLst>
+          </p:cNvPr>
+          <p:cNvSpPr/>
+          <p:nvPr/>
+        </p:nvSpPr>
+        <p:spPr>
+          <a:xfrm>
+            <a:off x="8058098" y="3269614"/>
+            <a:ext cx="137160" cy="113223"/>
+          </a:xfrm>
+          <a:prstGeom prst="ellipse">
+            <a:avLst/>
+          </a:prstGeom>
+          <a:solidFill>
+            <a:schemeClr val="tx1"/>
+          </a:solidFill>
+        </p:spPr>
+        <p:style>
+          <a:lnRef idx="2">
+            <a:schemeClr val="dk1"/>
+          </a:lnRef>
+          <a:fillRef idx="1">
+            <a:schemeClr val="lt1"/>
+          </a:fillRef>
+          <a:effectRef idx="0">
+            <a:schemeClr val="dk1"/>
+          </a:effectRef>
+          <a:fontRef idx="minor">
+            <a:schemeClr val="dk1"/>
+          </a:fontRef>
+        </p:style>
+        <p:txBody>
+          <a:bodyPr rtlCol="0" anchor="ctr"/>
+          <a:lstStyle/>
+          <a:p>
+            <a:pPr algn="ctr"/>
+            <a:endParaRPr lang="zh-CN" altLang="en-US"/>
+          </a:p>
+        </p:txBody>
+      </p:sp>
+      <p:sp>
+        <p:nvSpPr>
+          <p:cNvPr id="94" name="椭圆 93">
+            <a:extLst>
+              <a:ext uri="{FF2B5EF4-FFF2-40B4-BE49-F238E27FC236}">
+                <a16:creationId xmlns:a16="http://schemas.microsoft.com/office/drawing/2014/main" id="{8597C5D4-0856-45EF-9CAE-E918B86B7234}"/>
+              </a:ext>
+            </a:extLst>
+          </p:cNvPr>
+          <p:cNvSpPr/>
+          <p:nvPr/>
+        </p:nvSpPr>
+        <p:spPr>
+          <a:xfrm>
+            <a:off x="6721342" y="3706130"/>
+            <a:ext cx="137160" cy="113223"/>
+          </a:xfrm>
+          <a:prstGeom prst="ellipse">
+            <a:avLst/>
+          </a:prstGeom>
+          <a:solidFill>
+            <a:schemeClr val="tx1"/>
+          </a:solidFill>
+        </p:spPr>
+        <p:style>
+          <a:lnRef idx="2">
+            <a:schemeClr val="dk1"/>
+          </a:lnRef>
+          <a:fillRef idx="1">
+            <a:schemeClr val="lt1"/>
+          </a:fillRef>
+          <a:effectRef idx="0">
+            <a:schemeClr val="dk1"/>
+          </a:effectRef>
+          <a:fontRef idx="minor">
+            <a:schemeClr val="dk1"/>
+          </a:fontRef>
+        </p:style>
+        <p:txBody>
+          <a:bodyPr rtlCol="0" anchor="ctr"/>
+          <a:lstStyle/>
+          <a:p>
+            <a:pPr algn="ctr"/>
+            <a:endParaRPr lang="zh-CN" altLang="en-US"/>
+          </a:p>
+        </p:txBody>
+      </p:sp>
+      <p:sp>
+        <p:nvSpPr>
+          <p:cNvPr id="95" name="椭圆 94">
+            <a:extLst>
+              <a:ext uri="{FF2B5EF4-FFF2-40B4-BE49-F238E27FC236}">
+                <a16:creationId xmlns:a16="http://schemas.microsoft.com/office/drawing/2014/main" id="{C8672607-9DE8-49BD-ABD1-780B1644AFAA}"/>
+              </a:ext>
+            </a:extLst>
+          </p:cNvPr>
+          <p:cNvSpPr/>
+          <p:nvPr/>
+        </p:nvSpPr>
+        <p:spPr>
+          <a:xfrm>
+            <a:off x="7680364" y="3739866"/>
+            <a:ext cx="137160" cy="113223"/>
+          </a:xfrm>
+          <a:prstGeom prst="ellipse">
+            <a:avLst/>
+          </a:prstGeom>
+          <a:solidFill>
+            <a:schemeClr val="tx1"/>
+          </a:solidFill>
+        </p:spPr>
+        <p:style>
+          <a:lnRef idx="2">
+            <a:schemeClr val="dk1"/>
+          </a:lnRef>
+          <a:fillRef idx="1">
+            <a:schemeClr val="lt1"/>
+          </a:fillRef>
+          <a:effectRef idx="0">
+            <a:schemeClr val="dk1"/>
+          </a:effectRef>
+          <a:fontRef idx="minor">
+            <a:schemeClr val="dk1"/>
+          </a:fontRef>
+        </p:style>
+        <p:txBody>
+          <a:bodyPr rtlCol="0" anchor="ctr"/>
+          <a:lstStyle/>
+          <a:p>
+            <a:pPr algn="ctr"/>
+            <a:endParaRPr lang="zh-CN" altLang="en-US"/>
+          </a:p>
+        </p:txBody>
+      </p:sp>
+      <p:sp>
+        <p:nvSpPr>
+          <p:cNvPr id="96" name="椭圆 95">
+            <a:extLst>
+              <a:ext uri="{FF2B5EF4-FFF2-40B4-BE49-F238E27FC236}">
+                <a16:creationId xmlns:a16="http://schemas.microsoft.com/office/drawing/2014/main" id="{AD1E372C-4363-43B9-8FA0-8A731F825CB4}"/>
+              </a:ext>
+            </a:extLst>
+          </p:cNvPr>
+          <p:cNvSpPr/>
+          <p:nvPr/>
+        </p:nvSpPr>
+        <p:spPr>
+          <a:xfrm>
+            <a:off x="6341426" y="4160056"/>
+            <a:ext cx="137160" cy="113223"/>
+          </a:xfrm>
+          <a:prstGeom prst="ellipse">
+            <a:avLst/>
+          </a:prstGeom>
+          <a:solidFill>
+            <a:schemeClr val="tx1"/>
+          </a:solidFill>
+        </p:spPr>
+        <p:style>
+          <a:lnRef idx="2">
+            <a:schemeClr val="dk1"/>
+          </a:lnRef>
+          <a:fillRef idx="1">
+            <a:schemeClr val="lt1"/>
+          </a:fillRef>
+          <a:effectRef idx="0">
+            <a:schemeClr val="dk1"/>
+          </a:effectRef>
+          <a:fontRef idx="minor">
+            <a:schemeClr val="dk1"/>
+          </a:fontRef>
+        </p:style>
+        <p:txBody>
+          <a:bodyPr rtlCol="0" anchor="ctr"/>
+          <a:lstStyle/>
+          <a:p>
+            <a:pPr algn="ctr"/>
+            <a:endParaRPr lang="zh-CN" altLang="en-US"/>
+          </a:p>
+        </p:txBody>
+      </p:sp>
+      <p:sp>
+        <p:nvSpPr>
+          <p:cNvPr id="97" name="椭圆 96">
+            <a:extLst>
+              <a:ext uri="{FF2B5EF4-FFF2-40B4-BE49-F238E27FC236}">
+                <a16:creationId xmlns:a16="http://schemas.microsoft.com/office/drawing/2014/main" id="{6B10C5E7-27C5-4DA8-918E-88659F3F34EF}"/>
+              </a:ext>
+            </a:extLst>
+          </p:cNvPr>
+          <p:cNvSpPr/>
+          <p:nvPr/>
+        </p:nvSpPr>
+        <p:spPr>
+          <a:xfrm>
+            <a:off x="6351210" y="4556275"/>
+            <a:ext cx="137160" cy="113223"/>
+          </a:xfrm>
+          <a:prstGeom prst="ellipse">
+            <a:avLst/>
+          </a:prstGeom>
+          <a:solidFill>
+            <a:schemeClr val="tx1"/>
+          </a:solidFill>
+        </p:spPr>
+        <p:style>
+          <a:lnRef idx="2">
+            <a:schemeClr val="dk1"/>
+          </a:lnRef>
+          <a:fillRef idx="1">
+            <a:schemeClr val="lt1"/>
+          </a:fillRef>
+          <a:effectRef idx="0">
+            <a:schemeClr val="dk1"/>
+          </a:effectRef>
+          <a:fontRef idx="minor">
+            <a:schemeClr val="dk1"/>
+          </a:fontRef>
+        </p:style>
+        <p:txBody>
+          <a:bodyPr rtlCol="0" anchor="ctr"/>
+          <a:lstStyle/>
+          <a:p>
+            <a:pPr algn="ctr"/>
+            <a:endParaRPr lang="zh-CN" altLang="en-US"/>
+          </a:p>
+        </p:txBody>
+      </p:sp>
+      <p:sp>
+        <p:nvSpPr>
+          <p:cNvPr id="98" name="椭圆 97">
+            <a:extLst>
+              <a:ext uri="{FF2B5EF4-FFF2-40B4-BE49-F238E27FC236}">
+                <a16:creationId xmlns:a16="http://schemas.microsoft.com/office/drawing/2014/main" id="{FC0E89C8-51C4-4EDF-8174-3AF13C0FBD3F}"/>
+              </a:ext>
+            </a:extLst>
+          </p:cNvPr>
+          <p:cNvSpPr/>
+          <p:nvPr/>
+        </p:nvSpPr>
+        <p:spPr>
+          <a:xfrm>
+            <a:off x="8060275" y="4172017"/>
+            <a:ext cx="137160" cy="113223"/>
+          </a:xfrm>
+          <a:prstGeom prst="ellipse">
+            <a:avLst/>
+          </a:prstGeom>
+          <a:solidFill>
+            <a:schemeClr val="tx1"/>
+          </a:solidFill>
+        </p:spPr>
+        <p:style>
+          <a:lnRef idx="2">
+            <a:schemeClr val="dk1"/>
+          </a:lnRef>
+          <a:fillRef idx="1">
+            <a:schemeClr val="lt1"/>
+          </a:fillRef>
+          <a:effectRef idx="0">
+            <a:schemeClr val="dk1"/>
+          </a:effectRef>
+          <a:fontRef idx="minor">
+            <a:schemeClr val="dk1"/>
+          </a:fontRef>
+        </p:style>
+        <p:txBody>
+          <a:bodyPr rtlCol="0" anchor="ctr"/>
+          <a:lstStyle/>
+          <a:p>
+            <a:pPr algn="ctr"/>
+            <a:endParaRPr lang="zh-CN" altLang="en-US"/>
+          </a:p>
+        </p:txBody>
+      </p:sp>
+      <p:sp>
+        <p:nvSpPr>
+          <p:cNvPr id="99" name="椭圆 98">
+            <a:extLst>
+              <a:ext uri="{FF2B5EF4-FFF2-40B4-BE49-F238E27FC236}">
+                <a16:creationId xmlns:a16="http://schemas.microsoft.com/office/drawing/2014/main" id="{E4054F8E-B79B-45BB-8E1F-A7F2A209B2AE}"/>
+              </a:ext>
+            </a:extLst>
+          </p:cNvPr>
+          <p:cNvSpPr/>
+          <p:nvPr/>
+        </p:nvSpPr>
+        <p:spPr>
+          <a:xfrm>
+            <a:off x="7659686" y="4536737"/>
+            <a:ext cx="137160" cy="113223"/>
+          </a:xfrm>
+          <a:prstGeom prst="ellipse">
+            <a:avLst/>
+          </a:prstGeom>
+          <a:solidFill>
+            <a:schemeClr val="tx1"/>
+          </a:solidFill>
+        </p:spPr>
+        <p:style>
+          <a:lnRef idx="2">
+            <a:schemeClr val="dk1"/>
+          </a:lnRef>
+          <a:fillRef idx="1">
+            <a:schemeClr val="lt1"/>
+          </a:fillRef>
+          <a:effectRef idx="0">
+            <a:schemeClr val="dk1"/>
+          </a:effectRef>
+          <a:fontRef idx="minor">
+            <a:schemeClr val="dk1"/>
+          </a:fontRef>
+        </p:style>
+        <p:txBody>
+          <a:bodyPr rtlCol="0" anchor="ctr"/>
+          <a:lstStyle/>
+          <a:p>
+            <a:pPr algn="ctr"/>
+            <a:endParaRPr lang="zh-CN" altLang="en-US"/>
+          </a:p>
+        </p:txBody>
+      </p:sp>
+      <p:sp>
+        <p:nvSpPr>
+          <p:cNvPr id="100" name="乘号 99">
+            <a:extLst>
+              <a:ext uri="{FF2B5EF4-FFF2-40B4-BE49-F238E27FC236}">
+                <a16:creationId xmlns:a16="http://schemas.microsoft.com/office/drawing/2014/main" id="{051F5F15-D707-499D-B158-9748039E4CB7}"/>
+              </a:ext>
+            </a:extLst>
+          </p:cNvPr>
+          <p:cNvSpPr/>
+          <p:nvPr/>
+        </p:nvSpPr>
+        <p:spPr>
+          <a:xfrm>
+            <a:off x="9299114" y="4447587"/>
+            <a:ext cx="309123" cy="283017"/>
+          </a:xfrm>
+          <a:prstGeom prst="mathMultiply">
+            <a:avLst/>
+          </a:prstGeom>
+          <a:solidFill>
+            <a:srgbClr val="FF0000"/>
+          </a:solidFill>
+        </p:spPr>
+        <p:style>
+          <a:lnRef idx="2">
+            <a:schemeClr val="dk1"/>
+          </a:lnRef>
+          <a:fillRef idx="1">
+            <a:schemeClr val="lt1"/>
+          </a:fillRef>
+          <a:effectRef idx="0">
+            <a:schemeClr val="dk1"/>
+          </a:effectRef>
+          <a:fontRef idx="minor">
+            <a:schemeClr val="dk1"/>
+          </a:fontRef>
+        </p:style>
+        <p:txBody>
+          <a:bodyPr rtlCol="0" anchor="ctr"/>
+          <a:lstStyle/>
+          <a:p>
+            <a:pPr algn="ctr"/>
+            <a:endParaRPr lang="zh-CN" altLang="en-US"/>
+          </a:p>
+        </p:txBody>
+      </p:sp>
+      <p:sp>
+        <p:nvSpPr>
+          <p:cNvPr id="101" name="乘号 100">
+            <a:extLst>
+              <a:ext uri="{FF2B5EF4-FFF2-40B4-BE49-F238E27FC236}">
+                <a16:creationId xmlns:a16="http://schemas.microsoft.com/office/drawing/2014/main" id="{56B6F579-1AB3-476A-805F-7EA879BD5B01}"/>
+              </a:ext>
+            </a:extLst>
+          </p:cNvPr>
+          <p:cNvSpPr/>
+          <p:nvPr/>
+        </p:nvSpPr>
+        <p:spPr>
+          <a:xfrm>
+            <a:off x="9292550" y="4066443"/>
+            <a:ext cx="309123" cy="283017"/>
+          </a:xfrm>
+          <a:prstGeom prst="mathMultiply">
+            <a:avLst/>
+          </a:prstGeom>
+          <a:solidFill>
+            <a:srgbClr val="FF0000"/>
+          </a:solidFill>
+        </p:spPr>
+        <p:style>
+          <a:lnRef idx="2">
+            <a:schemeClr val="dk1"/>
+          </a:lnRef>
+          <a:fillRef idx="1">
+            <a:schemeClr val="lt1"/>
+          </a:fillRef>
+          <a:effectRef idx="0">
+            <a:schemeClr val="dk1"/>
+          </a:effectRef>
+          <a:fontRef idx="minor">
+            <a:schemeClr val="dk1"/>
+          </a:fontRef>
+        </p:style>
+        <p:txBody>
+          <a:bodyPr rtlCol="0" anchor="ctr"/>
+          <a:lstStyle/>
+          <a:p>
+            <a:pPr algn="ctr"/>
+            <a:endParaRPr lang="zh-CN" altLang="en-US"/>
+          </a:p>
+        </p:txBody>
+      </p:sp>
+      <p:sp>
+        <p:nvSpPr>
+          <p:cNvPr id="103" name="椭圆 102">
+            <a:extLst>
+              <a:ext uri="{FF2B5EF4-FFF2-40B4-BE49-F238E27FC236}">
+                <a16:creationId xmlns:a16="http://schemas.microsoft.com/office/drawing/2014/main" id="{55787F08-8A7D-4F3F-A641-0AA23AD0CE5B}"/>
+              </a:ext>
+            </a:extLst>
+          </p:cNvPr>
+          <p:cNvSpPr/>
+          <p:nvPr/>
+        </p:nvSpPr>
+        <p:spPr>
+          <a:xfrm>
+            <a:off x="5005280" y="3275640"/>
+            <a:ext cx="137160" cy="113223"/>
+          </a:xfrm>
+          <a:prstGeom prst="ellipse">
+            <a:avLst/>
+          </a:prstGeom>
+          <a:solidFill>
+            <a:schemeClr val="tx1"/>
+          </a:solidFill>
+        </p:spPr>
+        <p:style>
+          <a:lnRef idx="2">
+            <a:schemeClr val="dk1"/>
+          </a:lnRef>
+          <a:fillRef idx="1">
+            <a:schemeClr val="lt1"/>
+          </a:fillRef>
+          <a:effectRef idx="0">
+            <a:schemeClr val="dk1"/>
+          </a:effectRef>
+          <a:fontRef idx="minor">
+            <a:schemeClr val="dk1"/>
+          </a:fontRef>
+        </p:style>
+        <p:txBody>
+          <a:bodyPr rtlCol="0" anchor="ctr"/>
+          <a:lstStyle/>
+          <a:p>
+            <a:pPr algn="ctr"/>
+            <a:endParaRPr lang="zh-CN" altLang="en-US"/>
+          </a:p>
+        </p:txBody>
+      </p:sp>
+      <p:sp>
+        <p:nvSpPr>
+          <p:cNvPr id="104" name="椭圆 103">
+            <a:extLst>
+              <a:ext uri="{FF2B5EF4-FFF2-40B4-BE49-F238E27FC236}">
+                <a16:creationId xmlns:a16="http://schemas.microsoft.com/office/drawing/2014/main" id="{F3E52C27-3E9A-4B86-BFBD-5FC3B4C12EF1}"/>
+              </a:ext>
+            </a:extLst>
+          </p:cNvPr>
+          <p:cNvSpPr/>
+          <p:nvPr/>
+        </p:nvSpPr>
+        <p:spPr>
+          <a:xfrm>
+            <a:off x="4996576" y="3716521"/>
+            <a:ext cx="137160" cy="113223"/>
+          </a:xfrm>
+          <a:prstGeom prst="ellipse">
+            <a:avLst/>
+          </a:prstGeom>
+          <a:solidFill>
+            <a:schemeClr val="tx1"/>
+          </a:solidFill>
+        </p:spPr>
+        <p:style>
+          <a:lnRef idx="2">
+            <a:schemeClr val="dk1"/>
+          </a:lnRef>
+          <a:fillRef idx="1">
+            <a:schemeClr val="lt1"/>
+          </a:fillRef>
+          <a:effectRef idx="0">
+            <a:schemeClr val="dk1"/>
+          </a:effectRef>
+          <a:fontRef idx="minor">
+            <a:schemeClr val="dk1"/>
+          </a:fontRef>
+        </p:style>
+        <p:txBody>
+          <a:bodyPr rtlCol="0" anchor="ctr"/>
+          <a:lstStyle/>
+          <a:p>
+            <a:pPr algn="ctr"/>
+            <a:endParaRPr lang="zh-CN" altLang="en-US"/>
+          </a:p>
+        </p:txBody>
+      </p:sp>
+      <p:sp>
+        <p:nvSpPr>
+          <p:cNvPr id="105" name="椭圆 104">
+            <a:extLst>
+              <a:ext uri="{FF2B5EF4-FFF2-40B4-BE49-F238E27FC236}">
+                <a16:creationId xmlns:a16="http://schemas.microsoft.com/office/drawing/2014/main" id="{8C41B043-80C8-4CC1-A91E-C5F829F8AA5F}"/>
+              </a:ext>
+            </a:extLst>
+          </p:cNvPr>
+          <p:cNvSpPr/>
+          <p:nvPr/>
+        </p:nvSpPr>
+        <p:spPr>
+          <a:xfrm>
+            <a:off x="5006050" y="4170447"/>
+            <a:ext cx="137160" cy="113223"/>
+          </a:xfrm>
+          <a:prstGeom prst="ellipse">
+            <a:avLst/>
+          </a:prstGeom>
+          <a:solidFill>
+            <a:schemeClr val="tx1"/>
+          </a:solidFill>
+        </p:spPr>
+        <p:style>
+          <a:lnRef idx="2">
+            <a:schemeClr val="dk1"/>
+          </a:lnRef>
+          <a:fillRef idx="1">
+            <a:schemeClr val="lt1"/>
+          </a:fillRef>
+          <a:effectRef idx="0">
+            <a:schemeClr val="dk1"/>
+          </a:effectRef>
+          <a:fontRef idx="minor">
+            <a:schemeClr val="dk1"/>
+          </a:fontRef>
+        </p:style>
+        <p:txBody>
+          <a:bodyPr rtlCol="0" anchor="ctr"/>
+          <a:lstStyle/>
+          <a:p>
+            <a:pPr algn="ctr"/>
+            <a:endParaRPr lang="zh-CN" altLang="en-US"/>
+          </a:p>
+        </p:txBody>
+      </p:sp>
+      <p:sp>
+        <p:nvSpPr>
+          <p:cNvPr id="106" name="椭圆 105">
+            <a:extLst>
+              <a:ext uri="{FF2B5EF4-FFF2-40B4-BE49-F238E27FC236}">
+                <a16:creationId xmlns:a16="http://schemas.microsoft.com/office/drawing/2014/main" id="{05A46C88-F0C0-49FD-8C59-EB7BFE5063D1}"/>
+              </a:ext>
+            </a:extLst>
+          </p:cNvPr>
+          <p:cNvSpPr/>
+          <p:nvPr/>
+        </p:nvSpPr>
+        <p:spPr>
+          <a:xfrm>
+            <a:off x="4998383" y="4534078"/>
+            <a:ext cx="137160" cy="113223"/>
+          </a:xfrm>
+          <a:prstGeom prst="ellipse">
+            <a:avLst/>
+          </a:prstGeom>
+          <a:solidFill>
+            <a:schemeClr val="tx1"/>
+          </a:solidFill>
+        </p:spPr>
+        <p:style>
+          <a:lnRef idx="2">
+            <a:schemeClr val="dk1"/>
+          </a:lnRef>
+          <a:fillRef idx="1">
+            <a:schemeClr val="lt1"/>
+          </a:fillRef>
+          <a:effectRef idx="0">
+            <a:schemeClr val="dk1"/>
+          </a:effectRef>
+          <a:fontRef idx="minor">
+            <a:schemeClr val="dk1"/>
+          </a:fontRef>
+        </p:style>
+        <p:txBody>
+          <a:bodyPr rtlCol="0" anchor="ctr"/>
+          <a:lstStyle/>
+          <a:p>
+            <a:pPr algn="ctr"/>
+            <a:endParaRPr lang="zh-CN" altLang="en-US"/>
+          </a:p>
+        </p:txBody>
+      </p:sp>
+    </p:spTree>
+    <p:extLst>
+      <p:ext uri="{BB962C8B-B14F-4D97-AF65-F5344CB8AC3E}">
+        <p14:creationId xmlns:p14="http://schemas.microsoft.com/office/powerpoint/2010/main" val="1585577740"/>
       </p:ext>
     </p:extLst>
   </p:cSld>
